--- a/doc/Projektpraesentation_2017-01-23.pptx
+++ b/doc/Projektpraesentation_2017-01-23.pptx
@@ -1323,26 +1323,26 @@
     </dgm:pt>
   </dgm:ptLst>
   <dgm:cxnLst>
+    <dgm:cxn modelId="{930F80D7-B70F-4BE9-BA24-52D2B3DD8014}" type="presOf" srcId="{12B38994-7405-4024-876F-61E98715B52C}" destId="{CAC668F8-BDE7-4B23-83A3-A4A585FFEF74}" srcOrd="0" destOrd="0" presId="urn:microsoft.com/office/officeart/2008/layout/NameandTitleOrganizationalChart"/>
     <dgm:cxn modelId="{1EEB3992-FCD5-42C4-9484-C83CE350A0E6}" type="presOf" srcId="{EF6A1E31-EA37-48FB-A847-82C038B6BE12}" destId="{FDB1AC64-F678-469B-9507-3DEB0AFE1051}" srcOrd="0" destOrd="0" presId="urn:microsoft.com/office/officeart/2008/layout/NameandTitleOrganizationalChart"/>
-    <dgm:cxn modelId="{C1C8A121-5C51-4D89-8A06-C3B6381ACCA3}" type="presOf" srcId="{20059406-BD8B-4E55-A3D8-C969D088B016}" destId="{716ECB80-0194-4007-943B-3E4B2B747A67}" srcOrd="0" destOrd="0" presId="urn:microsoft.com/office/officeart/2008/layout/NameandTitleOrganizationalChart"/>
+    <dgm:cxn modelId="{DE128A50-E354-40E4-A45A-5DADABA48395}" srcId="{20059406-BD8B-4E55-A3D8-C969D088B016}" destId="{94048916-DF9A-4086-BB48-11FCC2B23560}" srcOrd="1" destOrd="0" parTransId="{D5164096-2E3E-4A76-AE62-F999EBA0BF5B}" sibTransId="{0E0DCCDB-5551-4409-93D2-F9FBEB33AEF4}"/>
+    <dgm:cxn modelId="{00014778-BF7B-45A9-B0E8-5C1E7B32F1F0}" type="presOf" srcId="{E0DD6EDE-0D0B-431C-9595-B77CA81EA886}" destId="{DF867B46-5BD7-42DF-ACC5-EB33254E9FA6}" srcOrd="0" destOrd="0" presId="urn:microsoft.com/office/officeart/2008/layout/NameandTitleOrganizationalChart"/>
+    <dgm:cxn modelId="{C7C20316-CB48-4C58-B5D7-0A5C1C1D44C8}" type="presOf" srcId="{0E0DCCDB-5551-4409-93D2-F9FBEB33AEF4}" destId="{085A1E17-6888-4ED1-A757-135ACFFC0060}" srcOrd="0" destOrd="0" presId="urn:microsoft.com/office/officeart/2008/layout/NameandTitleOrganizationalChart"/>
+    <dgm:cxn modelId="{F4B49695-D0FA-4C68-BDF8-0C8AE9E401EC}" type="presOf" srcId="{BF768398-1F50-47BA-B413-15CFCC39EF06}" destId="{0B8256DD-B2CD-44E8-9010-00F420B14DB5}" srcOrd="0" destOrd="0" presId="urn:microsoft.com/office/officeart/2008/layout/NameandTitleOrganizationalChart"/>
+    <dgm:cxn modelId="{26A9285D-CBC3-4156-B5F7-C06D59E0A096}" type="presOf" srcId="{BCC051DA-1989-4043-A71C-DB5B203007E2}" destId="{F45B4FC5-3190-478B-8897-3B75D7FA7A0D}" srcOrd="0" destOrd="0" presId="urn:microsoft.com/office/officeart/2008/layout/NameandTitleOrganizationalChart"/>
     <dgm:cxn modelId="{698E2737-EC9E-486D-80E7-869BEB9E0112}" type="presOf" srcId="{34452C4A-3AD4-40CC-ABE0-61FFF178E9D3}" destId="{918A7BD1-7E2B-44F0-A5C2-418A7388A0C3}" srcOrd="0" destOrd="0" presId="urn:microsoft.com/office/officeart/2008/layout/NameandTitleOrganizationalChart"/>
-    <dgm:cxn modelId="{85C6BF22-F502-49FF-A3DD-7F3D1D6D0F86}" type="presOf" srcId="{AFF29BE7-25FC-4575-B4DB-7C07A43F6273}" destId="{CA314C33-65D9-4369-848E-581F54529FDD}" srcOrd="0" destOrd="0" presId="urn:microsoft.com/office/officeart/2008/layout/NameandTitleOrganizationalChart"/>
-    <dgm:cxn modelId="{26BA074D-742A-43E6-838B-380CFFA0A147}" type="presOf" srcId="{BF768398-1F50-47BA-B413-15CFCC39EF06}" destId="{FAAD20CC-D509-4480-8699-E1231CB7F67A}" srcOrd="1" destOrd="0" presId="urn:microsoft.com/office/officeart/2008/layout/NameandTitleOrganizationalChart"/>
-    <dgm:cxn modelId="{930F80D7-B70F-4BE9-BA24-52D2B3DD8014}" type="presOf" srcId="{12B38994-7405-4024-876F-61E98715B52C}" destId="{CAC668F8-BDE7-4B23-83A3-A4A585FFEF74}" srcOrd="0" destOrd="0" presId="urn:microsoft.com/office/officeart/2008/layout/NameandTitleOrganizationalChart"/>
     <dgm:cxn modelId="{22E28A24-9034-404E-A0EF-4C6FEC2DDAA2}" srcId="{12B38994-7405-4024-876F-61E98715B52C}" destId="{20059406-BD8B-4E55-A3D8-C969D088B016}" srcOrd="0" destOrd="0" parTransId="{45E756B0-BCB0-47DF-AD93-228EE925A498}" sibTransId="{EF6A1E31-EA37-48FB-A847-82C038B6BE12}"/>
     <dgm:cxn modelId="{E237DC10-5918-4EA3-9B28-2D6C7832424E}" type="presOf" srcId="{94048916-DF9A-4086-BB48-11FCC2B23560}" destId="{B851F6B2-F1D1-4C70-A8D5-15EC9B51F8CA}" srcOrd="1" destOrd="0" presId="urn:microsoft.com/office/officeart/2008/layout/NameandTitleOrganizationalChart"/>
+    <dgm:cxn modelId="{E838D032-F6C7-4DF5-BD60-6E2BD44F4A35}" type="presOf" srcId="{865FC03B-0A3C-4339-8C40-902CCB541A0F}" destId="{066AD075-C727-49B0-8697-5F482CA314A5}" srcOrd="0" destOrd="0" presId="urn:microsoft.com/office/officeart/2008/layout/NameandTitleOrganizationalChart"/>
+    <dgm:cxn modelId="{18AC7E22-F5A8-4B45-AE2F-2FBBD79B00FB}" srcId="{20059406-BD8B-4E55-A3D8-C969D088B016}" destId="{BF768398-1F50-47BA-B413-15CFCC39EF06}" srcOrd="0" destOrd="0" parTransId="{865FC03B-0A3C-4339-8C40-902CCB541A0F}" sibTransId="{BCC051DA-1989-4043-A71C-DB5B203007E2}"/>
+    <dgm:cxn modelId="{85C6BF22-F502-49FF-A3DD-7F3D1D6D0F86}" type="presOf" srcId="{AFF29BE7-25FC-4575-B4DB-7C07A43F6273}" destId="{CA314C33-65D9-4369-848E-581F54529FDD}" srcOrd="0" destOrd="0" presId="urn:microsoft.com/office/officeart/2008/layout/NameandTitleOrganizationalChart"/>
     <dgm:cxn modelId="{D081E0F4-BB2C-4B23-B27E-1472DA49A0C0}" type="presOf" srcId="{20059406-BD8B-4E55-A3D8-C969D088B016}" destId="{A61F234B-0585-46A7-BCD8-745401D0B266}" srcOrd="1" destOrd="0" presId="urn:microsoft.com/office/officeart/2008/layout/NameandTitleOrganizationalChart"/>
+    <dgm:cxn modelId="{D12AE26E-5917-4563-9A79-9477727D98F3}" type="presOf" srcId="{94048916-DF9A-4086-BB48-11FCC2B23560}" destId="{7C8D0D91-FAC7-441F-9D8A-E9C5D755041B}" srcOrd="0" destOrd="0" presId="urn:microsoft.com/office/officeart/2008/layout/NameandTitleOrganizationalChart"/>
+    <dgm:cxn modelId="{0E681634-313B-42BA-A51A-63BD65AC9062}" srcId="{20059406-BD8B-4E55-A3D8-C969D088B016}" destId="{AFF29BE7-25FC-4575-B4DB-7C07A43F6273}" srcOrd="2" destOrd="0" parTransId="{E0DD6EDE-0D0B-431C-9595-B77CA81EA886}" sibTransId="{34452C4A-3AD4-40CC-ABE0-61FFF178E9D3}"/>
     <dgm:cxn modelId="{4EB0891D-D16A-4F0E-B3AD-9049FA307B9B}" type="presOf" srcId="{D5164096-2E3E-4A76-AE62-F999EBA0BF5B}" destId="{E7AC83D8-6B8B-4F09-9A35-7EA9A0698357}" srcOrd="0" destOrd="0" presId="urn:microsoft.com/office/officeart/2008/layout/NameandTitleOrganizationalChart"/>
-    <dgm:cxn modelId="{E838D032-F6C7-4DF5-BD60-6E2BD44F4A35}" type="presOf" srcId="{865FC03B-0A3C-4339-8C40-902CCB541A0F}" destId="{066AD075-C727-49B0-8697-5F482CA314A5}" srcOrd="0" destOrd="0" presId="urn:microsoft.com/office/officeart/2008/layout/NameandTitleOrganizationalChart"/>
     <dgm:cxn modelId="{CB2C945C-42E3-438C-8AF5-3AE2987C97BF}" type="presOf" srcId="{AFF29BE7-25FC-4575-B4DB-7C07A43F6273}" destId="{1D8749A8-F4BF-4C1B-B4DF-72EF68C4C064}" srcOrd="1" destOrd="0" presId="urn:microsoft.com/office/officeart/2008/layout/NameandTitleOrganizationalChart"/>
-    <dgm:cxn modelId="{18AC7E22-F5A8-4B45-AE2F-2FBBD79B00FB}" srcId="{20059406-BD8B-4E55-A3D8-C969D088B016}" destId="{BF768398-1F50-47BA-B413-15CFCC39EF06}" srcOrd="0" destOrd="0" parTransId="{865FC03B-0A3C-4339-8C40-902CCB541A0F}" sibTransId="{BCC051DA-1989-4043-A71C-DB5B203007E2}"/>
-    <dgm:cxn modelId="{26A9285D-CBC3-4156-B5F7-C06D59E0A096}" type="presOf" srcId="{BCC051DA-1989-4043-A71C-DB5B203007E2}" destId="{F45B4FC5-3190-478B-8897-3B75D7FA7A0D}" srcOrd="0" destOrd="0" presId="urn:microsoft.com/office/officeart/2008/layout/NameandTitleOrganizationalChart"/>
-    <dgm:cxn modelId="{00014778-BF7B-45A9-B0E8-5C1E7B32F1F0}" type="presOf" srcId="{E0DD6EDE-0D0B-431C-9595-B77CA81EA886}" destId="{DF867B46-5BD7-42DF-ACC5-EB33254E9FA6}" srcOrd="0" destOrd="0" presId="urn:microsoft.com/office/officeart/2008/layout/NameandTitleOrganizationalChart"/>
-    <dgm:cxn modelId="{DE128A50-E354-40E4-A45A-5DADABA48395}" srcId="{20059406-BD8B-4E55-A3D8-C969D088B016}" destId="{94048916-DF9A-4086-BB48-11FCC2B23560}" srcOrd="1" destOrd="0" parTransId="{D5164096-2E3E-4A76-AE62-F999EBA0BF5B}" sibTransId="{0E0DCCDB-5551-4409-93D2-F9FBEB33AEF4}"/>
-    <dgm:cxn modelId="{F4B49695-D0FA-4C68-BDF8-0C8AE9E401EC}" type="presOf" srcId="{BF768398-1F50-47BA-B413-15CFCC39EF06}" destId="{0B8256DD-B2CD-44E8-9010-00F420B14DB5}" srcOrd="0" destOrd="0" presId="urn:microsoft.com/office/officeart/2008/layout/NameandTitleOrganizationalChart"/>
-    <dgm:cxn modelId="{0E681634-313B-42BA-A51A-63BD65AC9062}" srcId="{20059406-BD8B-4E55-A3D8-C969D088B016}" destId="{AFF29BE7-25FC-4575-B4DB-7C07A43F6273}" srcOrd="2" destOrd="0" parTransId="{E0DD6EDE-0D0B-431C-9595-B77CA81EA886}" sibTransId="{34452C4A-3AD4-40CC-ABE0-61FFF178E9D3}"/>
-    <dgm:cxn modelId="{C7C20316-CB48-4C58-B5D7-0A5C1C1D44C8}" type="presOf" srcId="{0E0DCCDB-5551-4409-93D2-F9FBEB33AEF4}" destId="{085A1E17-6888-4ED1-A757-135ACFFC0060}" srcOrd="0" destOrd="0" presId="urn:microsoft.com/office/officeart/2008/layout/NameandTitleOrganizationalChart"/>
-    <dgm:cxn modelId="{D12AE26E-5917-4563-9A79-9477727D98F3}" type="presOf" srcId="{94048916-DF9A-4086-BB48-11FCC2B23560}" destId="{7C8D0D91-FAC7-441F-9D8A-E9C5D755041B}" srcOrd="0" destOrd="0" presId="urn:microsoft.com/office/officeart/2008/layout/NameandTitleOrganizationalChart"/>
+    <dgm:cxn modelId="{C1C8A121-5C51-4D89-8A06-C3B6381ACCA3}" type="presOf" srcId="{20059406-BD8B-4E55-A3D8-C969D088B016}" destId="{716ECB80-0194-4007-943B-3E4B2B747A67}" srcOrd="0" destOrd="0" presId="urn:microsoft.com/office/officeart/2008/layout/NameandTitleOrganizationalChart"/>
+    <dgm:cxn modelId="{26BA074D-742A-43E6-838B-380CFFA0A147}" type="presOf" srcId="{BF768398-1F50-47BA-B413-15CFCC39EF06}" destId="{FAAD20CC-D509-4480-8699-E1231CB7F67A}" srcOrd="1" destOrd="0" presId="urn:microsoft.com/office/officeart/2008/layout/NameandTitleOrganizationalChart"/>
     <dgm:cxn modelId="{78249B42-EE0E-4B8E-A98D-92D7AFBAA4DE}" type="presParOf" srcId="{CAC668F8-BDE7-4B23-83A3-A4A585FFEF74}" destId="{6FDF0570-80CC-455C-A13F-F88D0E951F1C}" srcOrd="0" destOrd="0" presId="urn:microsoft.com/office/officeart/2008/layout/NameandTitleOrganizationalChart"/>
     <dgm:cxn modelId="{8F3131FE-4F40-4A57-995E-715374EDC076}" type="presParOf" srcId="{6FDF0570-80CC-455C-A13F-F88D0E951F1C}" destId="{C69346A7-0024-4A26-A589-62D42A692425}" srcOrd="0" destOrd="0" presId="urn:microsoft.com/office/officeart/2008/layout/NameandTitleOrganizationalChart"/>
     <dgm:cxn modelId="{E54824F4-2AEE-4CA8-B6BA-9B098EE706DF}" type="presParOf" srcId="{C69346A7-0024-4A26-A589-62D42A692425}" destId="{716ECB80-0194-4007-943B-3E4B2B747A67}" srcOrd="0" destOrd="0" presId="urn:microsoft.com/office/officeart/2008/layout/NameandTitleOrganizationalChart"/>
@@ -4529,7 +4529,7 @@
           <a:p>
             <a:fld id="{748F024B-076F-4586-BF0D-4DDEFB4C70E4}" type="datetimeFigureOut">
               <a:rPr lang="de-AT" smtClean="0"/>
-              <a:t>15.01.2017</a:t>
+              <a:t>17.01.2017</a:t>
             </a:fld>
             <a:endParaRPr lang="de-AT"/>
           </a:p>
@@ -4906,6 +4906,17 @@
               <a:t> </a:t>
             </a:r>
           </a:p>
+          <a:p>
+            <a:r>
+              <a:rPr lang="de-AT" dirty="0"/>
+              <a:t>Macht </a:t>
+            </a:r>
+            <a:r>
+              <a:rPr lang="de-AT" dirty="0" err="1"/>
+              <a:t>selina</a:t>
+            </a:r>
+            <a:endParaRPr lang="de-AT" dirty="0"/>
+          </a:p>
         </p:txBody>
       </p:sp>
       <p:sp>
@@ -5065,6 +5076,17 @@
               <a:t>:</a:t>
             </a:r>
           </a:p>
+          <a:p>
+            <a:r>
+              <a:rPr lang="de-AT" dirty="0"/>
+              <a:t>Mach </a:t>
+            </a:r>
+            <a:r>
+              <a:rPr lang="de-AT" dirty="0" err="1"/>
+              <a:t>selina</a:t>
+            </a:r>
+            <a:endParaRPr lang="de-AT" dirty="0"/>
+          </a:p>
         </p:txBody>
       </p:sp>
       <p:sp>
@@ -5094,6 +5116,272 @@
     <p:extLst>
       <p:ext uri="{BB962C8B-B14F-4D97-AF65-F5344CB8AC3E}">
         <p14:creationId xmlns:p14="http://schemas.microsoft.com/office/powerpoint/2010/main" val="2448120461"/>
+      </p:ext>
+    </p:extLst>
+  </p:cSld>
+  <p:clrMapOvr>
+    <a:masterClrMapping/>
+  </p:clrMapOvr>
+</p:notes>
+</file>
+
+<file path=ppt/notesSlides/notesSlide3.xml><?xml version="1.0" encoding="utf-8"?>
+<p:notes xmlns:a="http://schemas.openxmlformats.org/drawingml/2006/main" xmlns:r="http://schemas.openxmlformats.org/officeDocument/2006/relationships" xmlns:p="http://schemas.openxmlformats.org/presentationml/2006/main">
+  <p:cSld>
+    <p:spTree>
+      <p:nvGrpSpPr>
+        <p:cNvPr id="1" name=""/>
+        <p:cNvGrpSpPr/>
+        <p:nvPr/>
+      </p:nvGrpSpPr>
+      <p:grpSpPr>
+        <a:xfrm>
+          <a:off x="0" y="0"/>
+          <a:ext cx="0" cy="0"/>
+          <a:chOff x="0" y="0"/>
+          <a:chExt cx="0" cy="0"/>
+        </a:xfrm>
+      </p:grpSpPr>
+      <p:sp>
+        <p:nvSpPr>
+          <p:cNvPr id="2" name="Folienbildplatzhalter 1"/>
+          <p:cNvSpPr>
+            <a:spLocks noGrp="1" noRot="1" noChangeAspect="1"/>
+          </p:cNvSpPr>
+          <p:nvPr>
+            <p:ph type="sldImg"/>
+          </p:nvPr>
+        </p:nvSpPr>
+        <p:spPr/>
+      </p:sp>
+      <p:sp>
+        <p:nvSpPr>
+          <p:cNvPr id="3" name="Notizenplatzhalter 2"/>
+          <p:cNvSpPr>
+            <a:spLocks noGrp="1"/>
+          </p:cNvSpPr>
+          <p:nvPr>
+            <p:ph type="body" idx="1"/>
+          </p:nvPr>
+        </p:nvSpPr>
+        <p:spPr/>
+        <p:txBody>
+          <a:bodyPr/>
+          <a:lstStyle/>
+          <a:p>
+            <a:r>
+              <a:rPr lang="de-AT" dirty="0"/>
+              <a:t>Mach ich</a:t>
+            </a:r>
+          </a:p>
+        </p:txBody>
+      </p:sp>
+      <p:sp>
+        <p:nvSpPr>
+          <p:cNvPr id="4" name="Foliennummernplatzhalter 3"/>
+          <p:cNvSpPr>
+            <a:spLocks noGrp="1"/>
+          </p:cNvSpPr>
+          <p:nvPr>
+            <p:ph type="sldNum" sz="quarter" idx="10"/>
+          </p:nvPr>
+        </p:nvSpPr>
+        <p:spPr/>
+        <p:txBody>
+          <a:bodyPr/>
+          <a:lstStyle/>
+          <a:p>
+            <a:fld id="{FFB944FA-82A2-4D87-AF4C-32D6F3284FD2}" type="slidenum">
+              <a:rPr lang="de-AT" smtClean="0"/>
+              <a:t>4</a:t>
+            </a:fld>
+            <a:endParaRPr lang="de-AT"/>
+          </a:p>
+        </p:txBody>
+      </p:sp>
+    </p:spTree>
+    <p:extLst>
+      <p:ext uri="{BB962C8B-B14F-4D97-AF65-F5344CB8AC3E}">
+        <p14:creationId xmlns:p14="http://schemas.microsoft.com/office/powerpoint/2010/main" val="2412936530"/>
+      </p:ext>
+    </p:extLst>
+  </p:cSld>
+  <p:clrMapOvr>
+    <a:masterClrMapping/>
+  </p:clrMapOvr>
+</p:notes>
+</file>
+
+<file path=ppt/notesSlides/notesSlide4.xml><?xml version="1.0" encoding="utf-8"?>
+<p:notes xmlns:a="http://schemas.openxmlformats.org/drawingml/2006/main" xmlns:r="http://schemas.openxmlformats.org/officeDocument/2006/relationships" xmlns:p="http://schemas.openxmlformats.org/presentationml/2006/main">
+  <p:cSld>
+    <p:spTree>
+      <p:nvGrpSpPr>
+        <p:cNvPr id="1" name=""/>
+        <p:cNvGrpSpPr/>
+        <p:nvPr/>
+      </p:nvGrpSpPr>
+      <p:grpSpPr>
+        <a:xfrm>
+          <a:off x="0" y="0"/>
+          <a:ext cx="0" cy="0"/>
+          <a:chOff x="0" y="0"/>
+          <a:chExt cx="0" cy="0"/>
+        </a:xfrm>
+      </p:grpSpPr>
+      <p:sp>
+        <p:nvSpPr>
+          <p:cNvPr id="2" name="Folienbildplatzhalter 1"/>
+          <p:cNvSpPr>
+            <a:spLocks noGrp="1" noRot="1" noChangeAspect="1"/>
+          </p:cNvSpPr>
+          <p:nvPr>
+            <p:ph type="sldImg"/>
+          </p:nvPr>
+        </p:nvSpPr>
+        <p:spPr/>
+      </p:sp>
+      <p:sp>
+        <p:nvSpPr>
+          <p:cNvPr id="3" name="Notizenplatzhalter 2"/>
+          <p:cNvSpPr>
+            <a:spLocks noGrp="1"/>
+          </p:cNvSpPr>
+          <p:nvPr>
+            <p:ph type="body" idx="1"/>
+          </p:nvPr>
+        </p:nvSpPr>
+        <p:spPr/>
+        <p:txBody>
+          <a:bodyPr/>
+          <a:lstStyle/>
+          <a:p>
+            <a:r>
+              <a:rPr lang="de-AT" dirty="0"/>
+              <a:t>Macht der Alex</a:t>
+            </a:r>
+          </a:p>
+        </p:txBody>
+      </p:sp>
+      <p:sp>
+        <p:nvSpPr>
+          <p:cNvPr id="4" name="Foliennummernplatzhalter 3"/>
+          <p:cNvSpPr>
+            <a:spLocks noGrp="1"/>
+          </p:cNvSpPr>
+          <p:nvPr>
+            <p:ph type="sldNum" sz="quarter" idx="10"/>
+          </p:nvPr>
+        </p:nvSpPr>
+        <p:spPr/>
+        <p:txBody>
+          <a:bodyPr/>
+          <a:lstStyle/>
+          <a:p>
+            <a:fld id="{FFB944FA-82A2-4D87-AF4C-32D6F3284FD2}" type="slidenum">
+              <a:rPr lang="de-AT" smtClean="0"/>
+              <a:t>5</a:t>
+            </a:fld>
+            <a:endParaRPr lang="de-AT"/>
+          </a:p>
+        </p:txBody>
+      </p:sp>
+    </p:spTree>
+    <p:extLst>
+      <p:ext uri="{BB962C8B-B14F-4D97-AF65-F5344CB8AC3E}">
+        <p14:creationId xmlns:p14="http://schemas.microsoft.com/office/powerpoint/2010/main" val="3110576319"/>
+      </p:ext>
+    </p:extLst>
+  </p:cSld>
+  <p:clrMapOvr>
+    <a:masterClrMapping/>
+  </p:clrMapOvr>
+</p:notes>
+</file>
+
+<file path=ppt/notesSlides/notesSlide5.xml><?xml version="1.0" encoding="utf-8"?>
+<p:notes xmlns:a="http://schemas.openxmlformats.org/drawingml/2006/main" xmlns:r="http://schemas.openxmlformats.org/officeDocument/2006/relationships" xmlns:p="http://schemas.openxmlformats.org/presentationml/2006/main">
+  <p:cSld>
+    <p:spTree>
+      <p:nvGrpSpPr>
+        <p:cNvPr id="1" name=""/>
+        <p:cNvGrpSpPr/>
+        <p:nvPr/>
+      </p:nvGrpSpPr>
+      <p:grpSpPr>
+        <a:xfrm>
+          <a:off x="0" y="0"/>
+          <a:ext cx="0" cy="0"/>
+          <a:chOff x="0" y="0"/>
+          <a:chExt cx="0" cy="0"/>
+        </a:xfrm>
+      </p:grpSpPr>
+      <p:sp>
+        <p:nvSpPr>
+          <p:cNvPr id="2" name="Folienbildplatzhalter 1"/>
+          <p:cNvSpPr>
+            <a:spLocks noGrp="1" noRot="1" noChangeAspect="1"/>
+          </p:cNvSpPr>
+          <p:nvPr>
+            <p:ph type="sldImg"/>
+          </p:nvPr>
+        </p:nvSpPr>
+        <p:spPr/>
+      </p:sp>
+      <p:sp>
+        <p:nvSpPr>
+          <p:cNvPr id="3" name="Notizenplatzhalter 2"/>
+          <p:cNvSpPr>
+            <a:spLocks noGrp="1"/>
+          </p:cNvSpPr>
+          <p:nvPr>
+            <p:ph type="body" idx="1"/>
+          </p:nvPr>
+        </p:nvSpPr>
+        <p:spPr/>
+        <p:txBody>
+          <a:bodyPr/>
+          <a:lstStyle/>
+          <a:p>
+            <a:r>
+              <a:rPr lang="de-AT" dirty="0"/>
+              <a:t>Macht </a:t>
+            </a:r>
+            <a:r>
+              <a:rPr lang="de-AT" dirty="0" err="1"/>
+              <a:t>phillp</a:t>
+            </a:r>
+            <a:endParaRPr lang="de-AT" dirty="0"/>
+          </a:p>
+        </p:txBody>
+      </p:sp>
+      <p:sp>
+        <p:nvSpPr>
+          <p:cNvPr id="4" name="Foliennummernplatzhalter 3"/>
+          <p:cNvSpPr>
+            <a:spLocks noGrp="1"/>
+          </p:cNvSpPr>
+          <p:nvPr>
+            <p:ph type="sldNum" sz="quarter" idx="10"/>
+          </p:nvPr>
+        </p:nvSpPr>
+        <p:spPr/>
+        <p:txBody>
+          <a:bodyPr/>
+          <a:lstStyle/>
+          <a:p>
+            <a:fld id="{FFB944FA-82A2-4D87-AF4C-32D6F3284FD2}" type="slidenum">
+              <a:rPr lang="de-AT" smtClean="0"/>
+              <a:t>6</a:t>
+            </a:fld>
+            <a:endParaRPr lang="de-AT"/>
+          </a:p>
+        </p:txBody>
+      </p:sp>
+    </p:spTree>
+    <p:extLst>
+      <p:ext uri="{BB962C8B-B14F-4D97-AF65-F5344CB8AC3E}">
+        <p14:creationId xmlns:p14="http://schemas.microsoft.com/office/powerpoint/2010/main" val="4256631752"/>
       </p:ext>
     </p:extLst>
   </p:cSld>
@@ -5234,7 +5522,7 @@
           <a:p>
             <a:fld id="{81E4DA5A-B91E-4736-AA36-536C06A9A47C}" type="datetimeFigureOut">
               <a:rPr lang="de-AT" smtClean="0"/>
-              <a:t>15.01.2017</a:t>
+              <a:t>17.01.2017</a:t>
             </a:fld>
             <a:endParaRPr lang="de-AT"/>
           </a:p>
@@ -5404,7 +5692,7 @@
           <a:p>
             <a:fld id="{81E4DA5A-B91E-4736-AA36-536C06A9A47C}" type="datetimeFigureOut">
               <a:rPr lang="de-AT" smtClean="0"/>
-              <a:t>15.01.2017</a:t>
+              <a:t>17.01.2017</a:t>
             </a:fld>
             <a:endParaRPr lang="de-AT"/>
           </a:p>
@@ -5584,7 +5872,7 @@
           <a:p>
             <a:fld id="{81E4DA5A-B91E-4736-AA36-536C06A9A47C}" type="datetimeFigureOut">
               <a:rPr lang="de-AT" smtClean="0"/>
-              <a:t>15.01.2017</a:t>
+              <a:t>17.01.2017</a:t>
             </a:fld>
             <a:endParaRPr lang="de-AT"/>
           </a:p>
@@ -5754,7 +6042,7 @@
           <a:p>
             <a:fld id="{81E4DA5A-B91E-4736-AA36-536C06A9A47C}" type="datetimeFigureOut">
               <a:rPr lang="de-AT" smtClean="0"/>
-              <a:t>15.01.2017</a:t>
+              <a:t>17.01.2017</a:t>
             </a:fld>
             <a:endParaRPr lang="de-AT"/>
           </a:p>
@@ -5998,7 +6286,7 @@
           <a:p>
             <a:fld id="{81E4DA5A-B91E-4736-AA36-536C06A9A47C}" type="datetimeFigureOut">
               <a:rPr lang="de-AT" smtClean="0"/>
-              <a:t>15.01.2017</a:t>
+              <a:t>17.01.2017</a:t>
             </a:fld>
             <a:endParaRPr lang="de-AT"/>
           </a:p>
@@ -6230,7 +6518,7 @@
           <a:p>
             <a:fld id="{81E4DA5A-B91E-4736-AA36-536C06A9A47C}" type="datetimeFigureOut">
               <a:rPr lang="de-AT" smtClean="0"/>
-              <a:t>15.01.2017</a:t>
+              <a:t>17.01.2017</a:t>
             </a:fld>
             <a:endParaRPr lang="de-AT"/>
           </a:p>
@@ -6597,7 +6885,7 @@
           <a:p>
             <a:fld id="{81E4DA5A-B91E-4736-AA36-536C06A9A47C}" type="datetimeFigureOut">
               <a:rPr lang="de-AT" smtClean="0"/>
-              <a:t>15.01.2017</a:t>
+              <a:t>17.01.2017</a:t>
             </a:fld>
             <a:endParaRPr lang="de-AT"/>
           </a:p>
@@ -6715,7 +7003,7 @@
           <a:p>
             <a:fld id="{81E4DA5A-B91E-4736-AA36-536C06A9A47C}" type="datetimeFigureOut">
               <a:rPr lang="de-AT" smtClean="0"/>
-              <a:t>15.01.2017</a:t>
+              <a:t>17.01.2017</a:t>
             </a:fld>
             <a:endParaRPr lang="de-AT"/>
           </a:p>
@@ -6810,7 +7098,7 @@
           <a:p>
             <a:fld id="{81E4DA5A-B91E-4736-AA36-536C06A9A47C}" type="datetimeFigureOut">
               <a:rPr lang="de-AT" smtClean="0"/>
-              <a:t>15.01.2017</a:t>
+              <a:t>17.01.2017</a:t>
             </a:fld>
             <a:endParaRPr lang="de-AT"/>
           </a:p>
@@ -7087,7 +7375,7 @@
           <a:p>
             <a:fld id="{81E4DA5A-B91E-4736-AA36-536C06A9A47C}" type="datetimeFigureOut">
               <a:rPr lang="de-AT" smtClean="0"/>
-              <a:t>15.01.2017</a:t>
+              <a:t>17.01.2017</a:t>
             </a:fld>
             <a:endParaRPr lang="de-AT"/>
           </a:p>
@@ -7344,7 +7632,7 @@
           <a:p>
             <a:fld id="{81E4DA5A-B91E-4736-AA36-536C06A9A47C}" type="datetimeFigureOut">
               <a:rPr lang="de-AT" smtClean="0"/>
-              <a:t>15.01.2017</a:t>
+              <a:t>17.01.2017</a:t>
             </a:fld>
             <a:endParaRPr lang="de-AT"/>
           </a:p>
@@ -7557,7 +7845,7 @@
           <a:p>
             <a:fld id="{81E4DA5A-B91E-4736-AA36-536C06A9A47C}" type="datetimeFigureOut">
               <a:rPr lang="de-AT" smtClean="0"/>
-              <a:t>15.01.2017</a:t>
+              <a:t>17.01.2017</a:t>
             </a:fld>
             <a:endParaRPr lang="de-AT"/>
           </a:p>
@@ -8100,13 +8388,8 @@
             </a:pPr>
             <a:r>
               <a:rPr lang="de-AT" sz="3600" b="1" dirty="0"/>
-              <a:t>The MMOTTG </a:t>
-            </a:r>
-            <a:r>
-              <a:rPr lang="de-AT" sz="3600" b="1" dirty="0" err="1"/>
-              <a:t>site</a:t>
-            </a:r>
-            <a:endParaRPr lang="de-AT" sz="3600" b="1" dirty="0"/>
+              <a:t>The MMOTTG Site</a:t>
+            </a:r>
           </a:p>
           <a:p>
             <a:pPr algn="ctr">
@@ -9342,7 +9625,7 @@
           <p:nvPr/>
         </p:nvPicPr>
         <p:blipFill>
-          <a:blip r:embed="rId2">
+          <a:blip r:embed="rId3">
             <a:extLst>
               <a:ext uri="{28A0092B-C50C-407E-A947-70E740481C1C}">
                 <a14:useLocalDpi xmlns:a14="http://schemas.microsoft.com/office/drawing/2010/main"/>
@@ -9627,7 +9910,7 @@
           <p:nvPr/>
         </p:nvPicPr>
         <p:blipFill>
-          <a:blip r:embed="rId2">
+          <a:blip r:embed="rId3">
             <a:extLst>
               <a:ext uri="{28A0092B-C50C-407E-A947-70E740481C1C}">
                 <a14:useLocalDpi xmlns:a14="http://schemas.microsoft.com/office/drawing/2010/main"/>
@@ -9657,7 +9940,7 @@
         <p:spPr>
           <a:xfrm>
             <a:off x="644769" y="1289538"/>
-            <a:ext cx="3404073" cy="369332"/>
+            <a:ext cx="3404073" cy="923330"/>
           </a:xfrm>
           <a:prstGeom prst="rect">
             <a:avLst/>
@@ -9674,6 +9957,23 @@
               <a:rPr lang="de-AT" dirty="0"/>
               <a:t>Reden über was wir gelernt haben</a:t>
             </a:r>
+          </a:p>
+          <a:p>
+            <a:r>
+              <a:rPr lang="de-AT" dirty="0"/>
+              <a:t>+ </a:t>
+            </a:r>
+            <a:r>
+              <a:rPr lang="de-AT" dirty="0" err="1"/>
+              <a:t>bilder</a:t>
+            </a:r>
+            <a:r>
+              <a:rPr lang="de-AT" dirty="0"/>
+              <a:t> von den Technologien</a:t>
+            </a:r>
+          </a:p>
+          <a:p>
+            <a:endParaRPr lang="de-AT" dirty="0"/>
           </a:p>
         </p:txBody>
       </p:sp>
@@ -9930,7 +10230,7 @@
       <p:pic>
         <p:nvPicPr>
           <p:cNvPr id="12" name="Grafik 11">
-            <a:hlinkClick r:id="rId2"/>
+            <a:hlinkClick r:id="rId3"/>
           </p:cNvPr>
           <p:cNvPicPr>
             <a:picLocks noChangeAspect="1"/>
@@ -9938,7 +10238,7 @@
           <p:nvPr/>
         </p:nvPicPr>
         <p:blipFill>
-          <a:blip r:embed="rId3">
+          <a:blip r:embed="rId4">
             <a:extLst>
               <a:ext uri="{28A0092B-C50C-407E-A947-70E740481C1C}">
                 <a14:useLocalDpi xmlns:a14="http://schemas.microsoft.com/office/drawing/2010/main"/>

--- a/doc/Projektpraesentation_2017-01-23.pptx
+++ b/doc/Projektpraesentation_2017-01-23.pptx
@@ -1323,26 +1323,26 @@
     </dgm:pt>
   </dgm:ptLst>
   <dgm:cxnLst>
+    <dgm:cxn modelId="{1EEB3992-FCD5-42C4-9484-C83CE350A0E6}" type="presOf" srcId="{EF6A1E31-EA37-48FB-A847-82C038B6BE12}" destId="{FDB1AC64-F678-469B-9507-3DEB0AFE1051}" srcOrd="0" destOrd="0" presId="urn:microsoft.com/office/officeart/2008/layout/NameandTitleOrganizationalChart"/>
+    <dgm:cxn modelId="{C1C8A121-5C51-4D89-8A06-C3B6381ACCA3}" type="presOf" srcId="{20059406-BD8B-4E55-A3D8-C969D088B016}" destId="{716ECB80-0194-4007-943B-3E4B2B747A67}" srcOrd="0" destOrd="0" presId="urn:microsoft.com/office/officeart/2008/layout/NameandTitleOrganizationalChart"/>
+    <dgm:cxn modelId="{698E2737-EC9E-486D-80E7-869BEB9E0112}" type="presOf" srcId="{34452C4A-3AD4-40CC-ABE0-61FFF178E9D3}" destId="{918A7BD1-7E2B-44F0-A5C2-418A7388A0C3}" srcOrd="0" destOrd="0" presId="urn:microsoft.com/office/officeart/2008/layout/NameandTitleOrganizationalChart"/>
+    <dgm:cxn modelId="{85C6BF22-F502-49FF-A3DD-7F3D1D6D0F86}" type="presOf" srcId="{AFF29BE7-25FC-4575-B4DB-7C07A43F6273}" destId="{CA314C33-65D9-4369-848E-581F54529FDD}" srcOrd="0" destOrd="0" presId="urn:microsoft.com/office/officeart/2008/layout/NameandTitleOrganizationalChart"/>
+    <dgm:cxn modelId="{26BA074D-742A-43E6-838B-380CFFA0A147}" type="presOf" srcId="{BF768398-1F50-47BA-B413-15CFCC39EF06}" destId="{FAAD20CC-D509-4480-8699-E1231CB7F67A}" srcOrd="1" destOrd="0" presId="urn:microsoft.com/office/officeart/2008/layout/NameandTitleOrganizationalChart"/>
     <dgm:cxn modelId="{930F80D7-B70F-4BE9-BA24-52D2B3DD8014}" type="presOf" srcId="{12B38994-7405-4024-876F-61E98715B52C}" destId="{CAC668F8-BDE7-4B23-83A3-A4A585FFEF74}" srcOrd="0" destOrd="0" presId="urn:microsoft.com/office/officeart/2008/layout/NameandTitleOrganizationalChart"/>
-    <dgm:cxn modelId="{1EEB3992-FCD5-42C4-9484-C83CE350A0E6}" type="presOf" srcId="{EF6A1E31-EA37-48FB-A847-82C038B6BE12}" destId="{FDB1AC64-F678-469B-9507-3DEB0AFE1051}" srcOrd="0" destOrd="0" presId="urn:microsoft.com/office/officeart/2008/layout/NameandTitleOrganizationalChart"/>
-    <dgm:cxn modelId="{DE128A50-E354-40E4-A45A-5DADABA48395}" srcId="{20059406-BD8B-4E55-A3D8-C969D088B016}" destId="{94048916-DF9A-4086-BB48-11FCC2B23560}" srcOrd="1" destOrd="0" parTransId="{D5164096-2E3E-4A76-AE62-F999EBA0BF5B}" sibTransId="{0E0DCCDB-5551-4409-93D2-F9FBEB33AEF4}"/>
-    <dgm:cxn modelId="{00014778-BF7B-45A9-B0E8-5C1E7B32F1F0}" type="presOf" srcId="{E0DD6EDE-0D0B-431C-9595-B77CA81EA886}" destId="{DF867B46-5BD7-42DF-ACC5-EB33254E9FA6}" srcOrd="0" destOrd="0" presId="urn:microsoft.com/office/officeart/2008/layout/NameandTitleOrganizationalChart"/>
-    <dgm:cxn modelId="{C7C20316-CB48-4C58-B5D7-0A5C1C1D44C8}" type="presOf" srcId="{0E0DCCDB-5551-4409-93D2-F9FBEB33AEF4}" destId="{085A1E17-6888-4ED1-A757-135ACFFC0060}" srcOrd="0" destOrd="0" presId="urn:microsoft.com/office/officeart/2008/layout/NameandTitleOrganizationalChart"/>
-    <dgm:cxn modelId="{F4B49695-D0FA-4C68-BDF8-0C8AE9E401EC}" type="presOf" srcId="{BF768398-1F50-47BA-B413-15CFCC39EF06}" destId="{0B8256DD-B2CD-44E8-9010-00F420B14DB5}" srcOrd="0" destOrd="0" presId="urn:microsoft.com/office/officeart/2008/layout/NameandTitleOrganizationalChart"/>
-    <dgm:cxn modelId="{26A9285D-CBC3-4156-B5F7-C06D59E0A096}" type="presOf" srcId="{BCC051DA-1989-4043-A71C-DB5B203007E2}" destId="{F45B4FC5-3190-478B-8897-3B75D7FA7A0D}" srcOrd="0" destOrd="0" presId="urn:microsoft.com/office/officeart/2008/layout/NameandTitleOrganizationalChart"/>
-    <dgm:cxn modelId="{698E2737-EC9E-486D-80E7-869BEB9E0112}" type="presOf" srcId="{34452C4A-3AD4-40CC-ABE0-61FFF178E9D3}" destId="{918A7BD1-7E2B-44F0-A5C2-418A7388A0C3}" srcOrd="0" destOrd="0" presId="urn:microsoft.com/office/officeart/2008/layout/NameandTitleOrganizationalChart"/>
     <dgm:cxn modelId="{22E28A24-9034-404E-A0EF-4C6FEC2DDAA2}" srcId="{12B38994-7405-4024-876F-61E98715B52C}" destId="{20059406-BD8B-4E55-A3D8-C969D088B016}" srcOrd="0" destOrd="0" parTransId="{45E756B0-BCB0-47DF-AD93-228EE925A498}" sibTransId="{EF6A1E31-EA37-48FB-A847-82C038B6BE12}"/>
     <dgm:cxn modelId="{E237DC10-5918-4EA3-9B28-2D6C7832424E}" type="presOf" srcId="{94048916-DF9A-4086-BB48-11FCC2B23560}" destId="{B851F6B2-F1D1-4C70-A8D5-15EC9B51F8CA}" srcOrd="1" destOrd="0" presId="urn:microsoft.com/office/officeart/2008/layout/NameandTitleOrganizationalChart"/>
+    <dgm:cxn modelId="{D081E0F4-BB2C-4B23-B27E-1472DA49A0C0}" type="presOf" srcId="{20059406-BD8B-4E55-A3D8-C969D088B016}" destId="{A61F234B-0585-46A7-BCD8-745401D0B266}" srcOrd="1" destOrd="0" presId="urn:microsoft.com/office/officeart/2008/layout/NameandTitleOrganizationalChart"/>
+    <dgm:cxn modelId="{4EB0891D-D16A-4F0E-B3AD-9049FA307B9B}" type="presOf" srcId="{D5164096-2E3E-4A76-AE62-F999EBA0BF5B}" destId="{E7AC83D8-6B8B-4F09-9A35-7EA9A0698357}" srcOrd="0" destOrd="0" presId="urn:microsoft.com/office/officeart/2008/layout/NameandTitleOrganizationalChart"/>
     <dgm:cxn modelId="{E838D032-F6C7-4DF5-BD60-6E2BD44F4A35}" type="presOf" srcId="{865FC03B-0A3C-4339-8C40-902CCB541A0F}" destId="{066AD075-C727-49B0-8697-5F482CA314A5}" srcOrd="0" destOrd="0" presId="urn:microsoft.com/office/officeart/2008/layout/NameandTitleOrganizationalChart"/>
+    <dgm:cxn modelId="{CB2C945C-42E3-438C-8AF5-3AE2987C97BF}" type="presOf" srcId="{AFF29BE7-25FC-4575-B4DB-7C07A43F6273}" destId="{1D8749A8-F4BF-4C1B-B4DF-72EF68C4C064}" srcOrd="1" destOrd="0" presId="urn:microsoft.com/office/officeart/2008/layout/NameandTitleOrganizationalChart"/>
     <dgm:cxn modelId="{18AC7E22-F5A8-4B45-AE2F-2FBBD79B00FB}" srcId="{20059406-BD8B-4E55-A3D8-C969D088B016}" destId="{BF768398-1F50-47BA-B413-15CFCC39EF06}" srcOrd="0" destOrd="0" parTransId="{865FC03B-0A3C-4339-8C40-902CCB541A0F}" sibTransId="{BCC051DA-1989-4043-A71C-DB5B203007E2}"/>
-    <dgm:cxn modelId="{85C6BF22-F502-49FF-A3DD-7F3D1D6D0F86}" type="presOf" srcId="{AFF29BE7-25FC-4575-B4DB-7C07A43F6273}" destId="{CA314C33-65D9-4369-848E-581F54529FDD}" srcOrd="0" destOrd="0" presId="urn:microsoft.com/office/officeart/2008/layout/NameandTitleOrganizationalChart"/>
-    <dgm:cxn modelId="{D081E0F4-BB2C-4B23-B27E-1472DA49A0C0}" type="presOf" srcId="{20059406-BD8B-4E55-A3D8-C969D088B016}" destId="{A61F234B-0585-46A7-BCD8-745401D0B266}" srcOrd="1" destOrd="0" presId="urn:microsoft.com/office/officeart/2008/layout/NameandTitleOrganizationalChart"/>
+    <dgm:cxn modelId="{26A9285D-CBC3-4156-B5F7-C06D59E0A096}" type="presOf" srcId="{BCC051DA-1989-4043-A71C-DB5B203007E2}" destId="{F45B4FC5-3190-478B-8897-3B75D7FA7A0D}" srcOrd="0" destOrd="0" presId="urn:microsoft.com/office/officeart/2008/layout/NameandTitleOrganizationalChart"/>
+    <dgm:cxn modelId="{00014778-BF7B-45A9-B0E8-5C1E7B32F1F0}" type="presOf" srcId="{E0DD6EDE-0D0B-431C-9595-B77CA81EA886}" destId="{DF867B46-5BD7-42DF-ACC5-EB33254E9FA6}" srcOrd="0" destOrd="0" presId="urn:microsoft.com/office/officeart/2008/layout/NameandTitleOrganizationalChart"/>
+    <dgm:cxn modelId="{DE128A50-E354-40E4-A45A-5DADABA48395}" srcId="{20059406-BD8B-4E55-A3D8-C969D088B016}" destId="{94048916-DF9A-4086-BB48-11FCC2B23560}" srcOrd="1" destOrd="0" parTransId="{D5164096-2E3E-4A76-AE62-F999EBA0BF5B}" sibTransId="{0E0DCCDB-5551-4409-93D2-F9FBEB33AEF4}"/>
+    <dgm:cxn modelId="{F4B49695-D0FA-4C68-BDF8-0C8AE9E401EC}" type="presOf" srcId="{BF768398-1F50-47BA-B413-15CFCC39EF06}" destId="{0B8256DD-B2CD-44E8-9010-00F420B14DB5}" srcOrd="0" destOrd="0" presId="urn:microsoft.com/office/officeart/2008/layout/NameandTitleOrganizationalChart"/>
+    <dgm:cxn modelId="{0E681634-313B-42BA-A51A-63BD65AC9062}" srcId="{20059406-BD8B-4E55-A3D8-C969D088B016}" destId="{AFF29BE7-25FC-4575-B4DB-7C07A43F6273}" srcOrd="2" destOrd="0" parTransId="{E0DD6EDE-0D0B-431C-9595-B77CA81EA886}" sibTransId="{34452C4A-3AD4-40CC-ABE0-61FFF178E9D3}"/>
+    <dgm:cxn modelId="{C7C20316-CB48-4C58-B5D7-0A5C1C1D44C8}" type="presOf" srcId="{0E0DCCDB-5551-4409-93D2-F9FBEB33AEF4}" destId="{085A1E17-6888-4ED1-A757-135ACFFC0060}" srcOrd="0" destOrd="0" presId="urn:microsoft.com/office/officeart/2008/layout/NameandTitleOrganizationalChart"/>
     <dgm:cxn modelId="{D12AE26E-5917-4563-9A79-9477727D98F3}" type="presOf" srcId="{94048916-DF9A-4086-BB48-11FCC2B23560}" destId="{7C8D0D91-FAC7-441F-9D8A-E9C5D755041B}" srcOrd="0" destOrd="0" presId="urn:microsoft.com/office/officeart/2008/layout/NameandTitleOrganizationalChart"/>
-    <dgm:cxn modelId="{0E681634-313B-42BA-A51A-63BD65AC9062}" srcId="{20059406-BD8B-4E55-A3D8-C969D088B016}" destId="{AFF29BE7-25FC-4575-B4DB-7C07A43F6273}" srcOrd="2" destOrd="0" parTransId="{E0DD6EDE-0D0B-431C-9595-B77CA81EA886}" sibTransId="{34452C4A-3AD4-40CC-ABE0-61FFF178E9D3}"/>
-    <dgm:cxn modelId="{4EB0891D-D16A-4F0E-B3AD-9049FA307B9B}" type="presOf" srcId="{D5164096-2E3E-4A76-AE62-F999EBA0BF5B}" destId="{E7AC83D8-6B8B-4F09-9A35-7EA9A0698357}" srcOrd="0" destOrd="0" presId="urn:microsoft.com/office/officeart/2008/layout/NameandTitleOrganizationalChart"/>
-    <dgm:cxn modelId="{CB2C945C-42E3-438C-8AF5-3AE2987C97BF}" type="presOf" srcId="{AFF29BE7-25FC-4575-B4DB-7C07A43F6273}" destId="{1D8749A8-F4BF-4C1B-B4DF-72EF68C4C064}" srcOrd="1" destOrd="0" presId="urn:microsoft.com/office/officeart/2008/layout/NameandTitleOrganizationalChart"/>
-    <dgm:cxn modelId="{C1C8A121-5C51-4D89-8A06-C3B6381ACCA3}" type="presOf" srcId="{20059406-BD8B-4E55-A3D8-C969D088B016}" destId="{716ECB80-0194-4007-943B-3E4B2B747A67}" srcOrd="0" destOrd="0" presId="urn:microsoft.com/office/officeart/2008/layout/NameandTitleOrganizationalChart"/>
-    <dgm:cxn modelId="{26BA074D-742A-43E6-838B-380CFFA0A147}" type="presOf" srcId="{BF768398-1F50-47BA-B413-15CFCC39EF06}" destId="{FAAD20CC-D509-4480-8699-E1231CB7F67A}" srcOrd="1" destOrd="0" presId="urn:microsoft.com/office/officeart/2008/layout/NameandTitleOrganizationalChart"/>
     <dgm:cxn modelId="{78249B42-EE0E-4B8E-A98D-92D7AFBAA4DE}" type="presParOf" srcId="{CAC668F8-BDE7-4B23-83A3-A4A585FFEF74}" destId="{6FDF0570-80CC-455C-A13F-F88D0E951F1C}" srcOrd="0" destOrd="0" presId="urn:microsoft.com/office/officeart/2008/layout/NameandTitleOrganizationalChart"/>
     <dgm:cxn modelId="{8F3131FE-4F40-4A57-995E-715374EDC076}" type="presParOf" srcId="{6FDF0570-80CC-455C-A13F-F88D0E951F1C}" destId="{C69346A7-0024-4A26-A589-62D42A692425}" srcOrd="0" destOrd="0" presId="urn:microsoft.com/office/officeart/2008/layout/NameandTitleOrganizationalChart"/>
     <dgm:cxn modelId="{E54824F4-2AEE-4CA8-B6BA-9B098EE706DF}" type="presParOf" srcId="{C69346A7-0024-4A26-A589-62D42A692425}" destId="{716ECB80-0194-4007-943B-3E4B2B747A67}" srcOrd="0" destOrd="0" presId="urn:microsoft.com/office/officeart/2008/layout/NameandTitleOrganizationalChart"/>
@@ -4529,7 +4529,7 @@
           <a:p>
             <a:fld id="{748F024B-076F-4586-BF0D-4DDEFB4C70E4}" type="datetimeFigureOut">
               <a:rPr lang="de-AT" smtClean="0"/>
-              <a:t>17.01.2017</a:t>
+              <a:t>20.01.2017</a:t>
             </a:fld>
             <a:endParaRPr lang="de-AT"/>
           </a:p>
@@ -5522,7 +5522,7 @@
           <a:p>
             <a:fld id="{81E4DA5A-B91E-4736-AA36-536C06A9A47C}" type="datetimeFigureOut">
               <a:rPr lang="de-AT" smtClean="0"/>
-              <a:t>17.01.2017</a:t>
+              <a:t>20.01.2017</a:t>
             </a:fld>
             <a:endParaRPr lang="de-AT"/>
           </a:p>
@@ -5692,7 +5692,7 @@
           <a:p>
             <a:fld id="{81E4DA5A-B91E-4736-AA36-536C06A9A47C}" type="datetimeFigureOut">
               <a:rPr lang="de-AT" smtClean="0"/>
-              <a:t>17.01.2017</a:t>
+              <a:t>20.01.2017</a:t>
             </a:fld>
             <a:endParaRPr lang="de-AT"/>
           </a:p>
@@ -5872,7 +5872,7 @@
           <a:p>
             <a:fld id="{81E4DA5A-B91E-4736-AA36-536C06A9A47C}" type="datetimeFigureOut">
               <a:rPr lang="de-AT" smtClean="0"/>
-              <a:t>17.01.2017</a:t>
+              <a:t>20.01.2017</a:t>
             </a:fld>
             <a:endParaRPr lang="de-AT"/>
           </a:p>
@@ -6042,7 +6042,7 @@
           <a:p>
             <a:fld id="{81E4DA5A-B91E-4736-AA36-536C06A9A47C}" type="datetimeFigureOut">
               <a:rPr lang="de-AT" smtClean="0"/>
-              <a:t>17.01.2017</a:t>
+              <a:t>20.01.2017</a:t>
             </a:fld>
             <a:endParaRPr lang="de-AT"/>
           </a:p>
@@ -6286,7 +6286,7 @@
           <a:p>
             <a:fld id="{81E4DA5A-B91E-4736-AA36-536C06A9A47C}" type="datetimeFigureOut">
               <a:rPr lang="de-AT" smtClean="0"/>
-              <a:t>17.01.2017</a:t>
+              <a:t>20.01.2017</a:t>
             </a:fld>
             <a:endParaRPr lang="de-AT"/>
           </a:p>
@@ -6518,7 +6518,7 @@
           <a:p>
             <a:fld id="{81E4DA5A-B91E-4736-AA36-536C06A9A47C}" type="datetimeFigureOut">
               <a:rPr lang="de-AT" smtClean="0"/>
-              <a:t>17.01.2017</a:t>
+              <a:t>20.01.2017</a:t>
             </a:fld>
             <a:endParaRPr lang="de-AT"/>
           </a:p>
@@ -6885,7 +6885,7 @@
           <a:p>
             <a:fld id="{81E4DA5A-B91E-4736-AA36-536C06A9A47C}" type="datetimeFigureOut">
               <a:rPr lang="de-AT" smtClean="0"/>
-              <a:t>17.01.2017</a:t>
+              <a:t>20.01.2017</a:t>
             </a:fld>
             <a:endParaRPr lang="de-AT"/>
           </a:p>
@@ -7003,7 +7003,7 @@
           <a:p>
             <a:fld id="{81E4DA5A-B91E-4736-AA36-536C06A9A47C}" type="datetimeFigureOut">
               <a:rPr lang="de-AT" smtClean="0"/>
-              <a:t>17.01.2017</a:t>
+              <a:t>20.01.2017</a:t>
             </a:fld>
             <a:endParaRPr lang="de-AT"/>
           </a:p>
@@ -7098,7 +7098,7 @@
           <a:p>
             <a:fld id="{81E4DA5A-B91E-4736-AA36-536C06A9A47C}" type="datetimeFigureOut">
               <a:rPr lang="de-AT" smtClean="0"/>
-              <a:t>17.01.2017</a:t>
+              <a:t>20.01.2017</a:t>
             </a:fld>
             <a:endParaRPr lang="de-AT"/>
           </a:p>
@@ -7375,7 +7375,7 @@
           <a:p>
             <a:fld id="{81E4DA5A-B91E-4736-AA36-536C06A9A47C}" type="datetimeFigureOut">
               <a:rPr lang="de-AT" smtClean="0"/>
-              <a:t>17.01.2017</a:t>
+              <a:t>20.01.2017</a:t>
             </a:fld>
             <a:endParaRPr lang="de-AT"/>
           </a:p>
@@ -7632,7 +7632,7 @@
           <a:p>
             <a:fld id="{81E4DA5A-B91E-4736-AA36-536C06A9A47C}" type="datetimeFigureOut">
               <a:rPr lang="de-AT" smtClean="0"/>
-              <a:t>17.01.2017</a:t>
+              <a:t>20.01.2017</a:t>
             </a:fld>
             <a:endParaRPr lang="de-AT"/>
           </a:p>
@@ -7845,7 +7845,7 @@
           <a:p>
             <a:fld id="{81E4DA5A-B91E-4736-AA36-536C06A9A47C}" type="datetimeFigureOut">
               <a:rPr lang="de-AT" smtClean="0"/>
-              <a:t>17.01.2017</a:t>
+              <a:t>20.01.2017</a:t>
             </a:fld>
             <a:endParaRPr lang="de-AT"/>
           </a:p>
@@ -9939,8 +9939,8 @@
         </p:nvSpPr>
         <p:spPr>
           <a:xfrm>
-            <a:off x="644769" y="1289538"/>
-            <a:ext cx="3404073" cy="923330"/>
+            <a:off x="635231" y="1432973"/>
+            <a:ext cx="4689803" cy="1815882"/>
           </a:xfrm>
           <a:prstGeom prst="rect">
             <a:avLst/>
@@ -9948,35 +9948,172 @@
           <a:noFill/>
         </p:spPr>
         <p:txBody>
-          <a:bodyPr wrap="none" rtlCol="0">
+          <a:bodyPr wrap="square" rtlCol="0">
             <a:spAutoFit/>
           </a:bodyPr>
           <a:lstStyle/>
           <a:p>
-            <a:r>
-              <a:rPr lang="de-AT" dirty="0"/>
-              <a:t>Reden über was wir gelernt haben</a:t>
-            </a:r>
-          </a:p>
-          <a:p>
-            <a:r>
-              <a:rPr lang="de-AT" dirty="0"/>
-              <a:t>+ </a:t>
-            </a:r>
-            <a:r>
-              <a:rPr lang="de-AT" dirty="0" err="1"/>
-              <a:t>bilder</a:t>
-            </a:r>
-            <a:r>
-              <a:rPr lang="de-AT" dirty="0"/>
-              <a:t> von den Technologien</a:t>
-            </a:r>
-          </a:p>
-          <a:p>
-            <a:endParaRPr lang="de-AT" dirty="0"/>
-          </a:p>
-        </p:txBody>
-      </p:sp>
+            <a:pPr marL="285750" indent="-285750">
+              <a:buFont typeface="Arial" panose="020B0604020202020204" pitchFamily="34" charset="0"/>
+              <a:buChar char="•"/>
+            </a:pPr>
+            <a:r>
+              <a:rPr lang="de-AT" sz="2800" dirty="0"/>
+              <a:t>HTML </a:t>
+            </a:r>
+          </a:p>
+          <a:p>
+            <a:pPr marL="285750" indent="-285750">
+              <a:buFont typeface="Arial" panose="020B0604020202020204" pitchFamily="34" charset="0"/>
+              <a:buChar char="•"/>
+            </a:pPr>
+            <a:r>
+              <a:rPr lang="de-AT" sz="2800" dirty="0"/>
+              <a:t>Cascading Style Sheets (CSS)</a:t>
+            </a:r>
+          </a:p>
+          <a:p>
+            <a:pPr marL="285750" indent="-285750">
+              <a:buFont typeface="Arial" panose="020B0604020202020204" pitchFamily="34" charset="0"/>
+              <a:buChar char="•"/>
+            </a:pPr>
+            <a:r>
+              <a:rPr lang="de-AT" sz="2800" dirty="0"/>
+              <a:t>PHP </a:t>
+            </a:r>
+          </a:p>
+          <a:p>
+            <a:pPr marL="285750" indent="-285750">
+              <a:buFont typeface="Arial" panose="020B0604020202020204" pitchFamily="34" charset="0"/>
+              <a:buChar char="•"/>
+            </a:pPr>
+            <a:r>
+              <a:rPr lang="de-AT" sz="2800" dirty="0"/>
+              <a:t>JavaScript</a:t>
+            </a:r>
+          </a:p>
+        </p:txBody>
+      </p:sp>
+      <p:pic>
+        <p:nvPicPr>
+          <p:cNvPr id="3" name="Grafik 2"/>
+          <p:cNvPicPr>
+            <a:picLocks noChangeAspect="1"/>
+          </p:cNvPicPr>
+          <p:nvPr/>
+        </p:nvPicPr>
+        <p:blipFill>
+          <a:blip r:embed="rId4">
+            <a:extLst>
+              <a:ext uri="{28A0092B-C50C-407E-A947-70E740481C1C}">
+                <a14:useLocalDpi xmlns:a14="http://schemas.microsoft.com/office/drawing/2010/main" val="0"/>
+              </a:ext>
+            </a:extLst>
+          </a:blip>
+          <a:stretch>
+            <a:fillRect/>
+          </a:stretch>
+        </p:blipFill>
+        <p:spPr>
+          <a:xfrm>
+            <a:off x="5775281" y="1164394"/>
+            <a:ext cx="3191435" cy="1690463"/>
+          </a:xfrm>
+          <a:prstGeom prst="rect">
+            <a:avLst/>
+          </a:prstGeom>
+        </p:spPr>
+      </p:pic>
+      <p:pic>
+        <p:nvPicPr>
+          <p:cNvPr id="4" name="Grafik 3"/>
+          <p:cNvPicPr>
+            <a:picLocks noChangeAspect="1"/>
+          </p:cNvPicPr>
+          <p:nvPr/>
+        </p:nvPicPr>
+        <p:blipFill>
+          <a:blip r:embed="rId5">
+            <a:extLst>
+              <a:ext uri="{28A0092B-C50C-407E-A947-70E740481C1C}">
+                <a14:useLocalDpi xmlns:a14="http://schemas.microsoft.com/office/drawing/2010/main" val="0"/>
+              </a:ext>
+            </a:extLst>
+          </a:blip>
+          <a:stretch>
+            <a:fillRect/>
+          </a:stretch>
+        </p:blipFill>
+        <p:spPr>
+          <a:xfrm>
+            <a:off x="431999" y="3369711"/>
+            <a:ext cx="2498912" cy="2153229"/>
+          </a:xfrm>
+          <a:prstGeom prst="rect">
+            <a:avLst/>
+          </a:prstGeom>
+        </p:spPr>
+      </p:pic>
+      <p:pic>
+        <p:nvPicPr>
+          <p:cNvPr id="5" name="Grafik 4"/>
+          <p:cNvPicPr>
+            <a:picLocks noChangeAspect="1"/>
+          </p:cNvPicPr>
+          <p:nvPr/>
+        </p:nvPicPr>
+        <p:blipFill>
+          <a:blip r:embed="rId6">
+            <a:extLst>
+              <a:ext uri="{28A0092B-C50C-407E-A947-70E740481C1C}">
+                <a14:useLocalDpi xmlns:a14="http://schemas.microsoft.com/office/drawing/2010/main" val="0"/>
+              </a:ext>
+            </a:extLst>
+          </a:blip>
+          <a:stretch>
+            <a:fillRect/>
+          </a:stretch>
+        </p:blipFill>
+        <p:spPr>
+          <a:xfrm>
+            <a:off x="3663123" y="3255858"/>
+            <a:ext cx="1726962" cy="2422479"/>
+          </a:xfrm>
+          <a:prstGeom prst="rect">
+            <a:avLst/>
+          </a:prstGeom>
+        </p:spPr>
+      </p:pic>
+      <p:pic>
+        <p:nvPicPr>
+          <p:cNvPr id="6" name="Grafik 5"/>
+          <p:cNvPicPr>
+            <a:picLocks noChangeAspect="1"/>
+          </p:cNvPicPr>
+          <p:nvPr/>
+        </p:nvPicPr>
+        <p:blipFill>
+          <a:blip r:embed="rId7">
+            <a:extLst>
+              <a:ext uri="{28A0092B-C50C-407E-A947-70E740481C1C}">
+                <a14:useLocalDpi xmlns:a14="http://schemas.microsoft.com/office/drawing/2010/main" val="0"/>
+              </a:ext>
+            </a:extLst>
+          </a:blip>
+          <a:stretch>
+            <a:fillRect/>
+          </a:stretch>
+        </p:blipFill>
+        <p:spPr>
+          <a:xfrm>
+            <a:off x="6037664" y="3273508"/>
+            <a:ext cx="2666667" cy="2418587"/>
+          </a:xfrm>
+          <a:prstGeom prst="rect">
+            <a:avLst/>
+          </a:prstGeom>
+        </p:spPr>
+      </p:pic>
     </p:spTree>
     <p:extLst>
       <p:ext uri="{BB962C8B-B14F-4D97-AF65-F5344CB8AC3E}">

--- a/doc/Projektpraesentation_2017-01-23.pptx
+++ b/doc/Projektpraesentation_2017-01-23.pptx
@@ -5,15 +5,16 @@
     <p:sldMasterId id="2147483768" r:id="rId1"/>
   </p:sldMasterIdLst>
   <p:notesMasterIdLst>
-    <p:notesMasterId r:id="rId8"/>
+    <p:notesMasterId r:id="rId9"/>
   </p:notesMasterIdLst>
   <p:sldIdLst>
     <p:sldId id="256" r:id="rId2"/>
     <p:sldId id="257" r:id="rId3"/>
     <p:sldId id="258" r:id="rId4"/>
     <p:sldId id="259" r:id="rId5"/>
-    <p:sldId id="260" r:id="rId6"/>
-    <p:sldId id="261" r:id="rId7"/>
+    <p:sldId id="262" r:id="rId6"/>
+    <p:sldId id="260" r:id="rId7"/>
+    <p:sldId id="261" r:id="rId8"/>
   </p:sldIdLst>
   <p:sldSz cx="9144000" cy="6858000" type="screen4x3"/>
   <p:notesSz cx="6858000" cy="9144000"/>
@@ -908,7 +909,7 @@
         <a:lstStyle/>
         <a:p>
           <a:r>
-            <a:rPr lang="de-AT" sz="2000"/>
+            <a:rPr lang="de-AT" sz="2000" dirty="0"/>
             <a:t>Thiago Gumhold</a:t>
           </a:r>
         </a:p>
@@ -1323,26 +1324,26 @@
     </dgm:pt>
   </dgm:ptLst>
   <dgm:cxnLst>
+    <dgm:cxn modelId="{930F80D7-B70F-4BE9-BA24-52D2B3DD8014}" type="presOf" srcId="{12B38994-7405-4024-876F-61E98715B52C}" destId="{CAC668F8-BDE7-4B23-83A3-A4A585FFEF74}" srcOrd="0" destOrd="0" presId="urn:microsoft.com/office/officeart/2008/layout/NameandTitleOrganizationalChart"/>
     <dgm:cxn modelId="{1EEB3992-FCD5-42C4-9484-C83CE350A0E6}" type="presOf" srcId="{EF6A1E31-EA37-48FB-A847-82C038B6BE12}" destId="{FDB1AC64-F678-469B-9507-3DEB0AFE1051}" srcOrd="0" destOrd="0" presId="urn:microsoft.com/office/officeart/2008/layout/NameandTitleOrganizationalChart"/>
-    <dgm:cxn modelId="{C1C8A121-5C51-4D89-8A06-C3B6381ACCA3}" type="presOf" srcId="{20059406-BD8B-4E55-A3D8-C969D088B016}" destId="{716ECB80-0194-4007-943B-3E4B2B747A67}" srcOrd="0" destOrd="0" presId="urn:microsoft.com/office/officeart/2008/layout/NameandTitleOrganizationalChart"/>
+    <dgm:cxn modelId="{DE128A50-E354-40E4-A45A-5DADABA48395}" srcId="{20059406-BD8B-4E55-A3D8-C969D088B016}" destId="{94048916-DF9A-4086-BB48-11FCC2B23560}" srcOrd="1" destOrd="0" parTransId="{D5164096-2E3E-4A76-AE62-F999EBA0BF5B}" sibTransId="{0E0DCCDB-5551-4409-93D2-F9FBEB33AEF4}"/>
+    <dgm:cxn modelId="{00014778-BF7B-45A9-B0E8-5C1E7B32F1F0}" type="presOf" srcId="{E0DD6EDE-0D0B-431C-9595-B77CA81EA886}" destId="{DF867B46-5BD7-42DF-ACC5-EB33254E9FA6}" srcOrd="0" destOrd="0" presId="urn:microsoft.com/office/officeart/2008/layout/NameandTitleOrganizationalChart"/>
+    <dgm:cxn modelId="{C7C20316-CB48-4C58-B5D7-0A5C1C1D44C8}" type="presOf" srcId="{0E0DCCDB-5551-4409-93D2-F9FBEB33AEF4}" destId="{085A1E17-6888-4ED1-A757-135ACFFC0060}" srcOrd="0" destOrd="0" presId="urn:microsoft.com/office/officeart/2008/layout/NameandTitleOrganizationalChart"/>
+    <dgm:cxn modelId="{F4B49695-D0FA-4C68-BDF8-0C8AE9E401EC}" type="presOf" srcId="{BF768398-1F50-47BA-B413-15CFCC39EF06}" destId="{0B8256DD-B2CD-44E8-9010-00F420B14DB5}" srcOrd="0" destOrd="0" presId="urn:microsoft.com/office/officeart/2008/layout/NameandTitleOrganizationalChart"/>
+    <dgm:cxn modelId="{26A9285D-CBC3-4156-B5F7-C06D59E0A096}" type="presOf" srcId="{BCC051DA-1989-4043-A71C-DB5B203007E2}" destId="{F45B4FC5-3190-478B-8897-3B75D7FA7A0D}" srcOrd="0" destOrd="0" presId="urn:microsoft.com/office/officeart/2008/layout/NameandTitleOrganizationalChart"/>
     <dgm:cxn modelId="{698E2737-EC9E-486D-80E7-869BEB9E0112}" type="presOf" srcId="{34452C4A-3AD4-40CC-ABE0-61FFF178E9D3}" destId="{918A7BD1-7E2B-44F0-A5C2-418A7388A0C3}" srcOrd="0" destOrd="0" presId="urn:microsoft.com/office/officeart/2008/layout/NameandTitleOrganizationalChart"/>
-    <dgm:cxn modelId="{85C6BF22-F502-49FF-A3DD-7F3D1D6D0F86}" type="presOf" srcId="{AFF29BE7-25FC-4575-B4DB-7C07A43F6273}" destId="{CA314C33-65D9-4369-848E-581F54529FDD}" srcOrd="0" destOrd="0" presId="urn:microsoft.com/office/officeart/2008/layout/NameandTitleOrganizationalChart"/>
-    <dgm:cxn modelId="{26BA074D-742A-43E6-838B-380CFFA0A147}" type="presOf" srcId="{BF768398-1F50-47BA-B413-15CFCC39EF06}" destId="{FAAD20CC-D509-4480-8699-E1231CB7F67A}" srcOrd="1" destOrd="0" presId="urn:microsoft.com/office/officeart/2008/layout/NameandTitleOrganizationalChart"/>
-    <dgm:cxn modelId="{930F80D7-B70F-4BE9-BA24-52D2B3DD8014}" type="presOf" srcId="{12B38994-7405-4024-876F-61E98715B52C}" destId="{CAC668F8-BDE7-4B23-83A3-A4A585FFEF74}" srcOrd="0" destOrd="0" presId="urn:microsoft.com/office/officeart/2008/layout/NameandTitleOrganizationalChart"/>
     <dgm:cxn modelId="{22E28A24-9034-404E-A0EF-4C6FEC2DDAA2}" srcId="{12B38994-7405-4024-876F-61E98715B52C}" destId="{20059406-BD8B-4E55-A3D8-C969D088B016}" srcOrd="0" destOrd="0" parTransId="{45E756B0-BCB0-47DF-AD93-228EE925A498}" sibTransId="{EF6A1E31-EA37-48FB-A847-82C038B6BE12}"/>
     <dgm:cxn modelId="{E237DC10-5918-4EA3-9B28-2D6C7832424E}" type="presOf" srcId="{94048916-DF9A-4086-BB48-11FCC2B23560}" destId="{B851F6B2-F1D1-4C70-A8D5-15EC9B51F8CA}" srcOrd="1" destOrd="0" presId="urn:microsoft.com/office/officeart/2008/layout/NameandTitleOrganizationalChart"/>
+    <dgm:cxn modelId="{E838D032-F6C7-4DF5-BD60-6E2BD44F4A35}" type="presOf" srcId="{865FC03B-0A3C-4339-8C40-902CCB541A0F}" destId="{066AD075-C727-49B0-8697-5F482CA314A5}" srcOrd="0" destOrd="0" presId="urn:microsoft.com/office/officeart/2008/layout/NameandTitleOrganizationalChart"/>
+    <dgm:cxn modelId="{18AC7E22-F5A8-4B45-AE2F-2FBBD79B00FB}" srcId="{20059406-BD8B-4E55-A3D8-C969D088B016}" destId="{BF768398-1F50-47BA-B413-15CFCC39EF06}" srcOrd="0" destOrd="0" parTransId="{865FC03B-0A3C-4339-8C40-902CCB541A0F}" sibTransId="{BCC051DA-1989-4043-A71C-DB5B203007E2}"/>
+    <dgm:cxn modelId="{85C6BF22-F502-49FF-A3DD-7F3D1D6D0F86}" type="presOf" srcId="{AFF29BE7-25FC-4575-B4DB-7C07A43F6273}" destId="{CA314C33-65D9-4369-848E-581F54529FDD}" srcOrd="0" destOrd="0" presId="urn:microsoft.com/office/officeart/2008/layout/NameandTitleOrganizationalChart"/>
     <dgm:cxn modelId="{D081E0F4-BB2C-4B23-B27E-1472DA49A0C0}" type="presOf" srcId="{20059406-BD8B-4E55-A3D8-C969D088B016}" destId="{A61F234B-0585-46A7-BCD8-745401D0B266}" srcOrd="1" destOrd="0" presId="urn:microsoft.com/office/officeart/2008/layout/NameandTitleOrganizationalChart"/>
+    <dgm:cxn modelId="{D12AE26E-5917-4563-9A79-9477727D98F3}" type="presOf" srcId="{94048916-DF9A-4086-BB48-11FCC2B23560}" destId="{7C8D0D91-FAC7-441F-9D8A-E9C5D755041B}" srcOrd="0" destOrd="0" presId="urn:microsoft.com/office/officeart/2008/layout/NameandTitleOrganizationalChart"/>
+    <dgm:cxn modelId="{0E681634-313B-42BA-A51A-63BD65AC9062}" srcId="{20059406-BD8B-4E55-A3D8-C969D088B016}" destId="{AFF29BE7-25FC-4575-B4DB-7C07A43F6273}" srcOrd="2" destOrd="0" parTransId="{E0DD6EDE-0D0B-431C-9595-B77CA81EA886}" sibTransId="{34452C4A-3AD4-40CC-ABE0-61FFF178E9D3}"/>
     <dgm:cxn modelId="{4EB0891D-D16A-4F0E-B3AD-9049FA307B9B}" type="presOf" srcId="{D5164096-2E3E-4A76-AE62-F999EBA0BF5B}" destId="{E7AC83D8-6B8B-4F09-9A35-7EA9A0698357}" srcOrd="0" destOrd="0" presId="urn:microsoft.com/office/officeart/2008/layout/NameandTitleOrganizationalChart"/>
-    <dgm:cxn modelId="{E838D032-F6C7-4DF5-BD60-6E2BD44F4A35}" type="presOf" srcId="{865FC03B-0A3C-4339-8C40-902CCB541A0F}" destId="{066AD075-C727-49B0-8697-5F482CA314A5}" srcOrd="0" destOrd="0" presId="urn:microsoft.com/office/officeart/2008/layout/NameandTitleOrganizationalChart"/>
     <dgm:cxn modelId="{CB2C945C-42E3-438C-8AF5-3AE2987C97BF}" type="presOf" srcId="{AFF29BE7-25FC-4575-B4DB-7C07A43F6273}" destId="{1D8749A8-F4BF-4C1B-B4DF-72EF68C4C064}" srcOrd="1" destOrd="0" presId="urn:microsoft.com/office/officeart/2008/layout/NameandTitleOrganizationalChart"/>
-    <dgm:cxn modelId="{18AC7E22-F5A8-4B45-AE2F-2FBBD79B00FB}" srcId="{20059406-BD8B-4E55-A3D8-C969D088B016}" destId="{BF768398-1F50-47BA-B413-15CFCC39EF06}" srcOrd="0" destOrd="0" parTransId="{865FC03B-0A3C-4339-8C40-902CCB541A0F}" sibTransId="{BCC051DA-1989-4043-A71C-DB5B203007E2}"/>
-    <dgm:cxn modelId="{26A9285D-CBC3-4156-B5F7-C06D59E0A096}" type="presOf" srcId="{BCC051DA-1989-4043-A71C-DB5B203007E2}" destId="{F45B4FC5-3190-478B-8897-3B75D7FA7A0D}" srcOrd="0" destOrd="0" presId="urn:microsoft.com/office/officeart/2008/layout/NameandTitleOrganizationalChart"/>
-    <dgm:cxn modelId="{00014778-BF7B-45A9-B0E8-5C1E7B32F1F0}" type="presOf" srcId="{E0DD6EDE-0D0B-431C-9595-B77CA81EA886}" destId="{DF867B46-5BD7-42DF-ACC5-EB33254E9FA6}" srcOrd="0" destOrd="0" presId="urn:microsoft.com/office/officeart/2008/layout/NameandTitleOrganizationalChart"/>
-    <dgm:cxn modelId="{DE128A50-E354-40E4-A45A-5DADABA48395}" srcId="{20059406-BD8B-4E55-A3D8-C969D088B016}" destId="{94048916-DF9A-4086-BB48-11FCC2B23560}" srcOrd="1" destOrd="0" parTransId="{D5164096-2E3E-4A76-AE62-F999EBA0BF5B}" sibTransId="{0E0DCCDB-5551-4409-93D2-F9FBEB33AEF4}"/>
-    <dgm:cxn modelId="{F4B49695-D0FA-4C68-BDF8-0C8AE9E401EC}" type="presOf" srcId="{BF768398-1F50-47BA-B413-15CFCC39EF06}" destId="{0B8256DD-B2CD-44E8-9010-00F420B14DB5}" srcOrd="0" destOrd="0" presId="urn:microsoft.com/office/officeart/2008/layout/NameandTitleOrganizationalChart"/>
-    <dgm:cxn modelId="{0E681634-313B-42BA-A51A-63BD65AC9062}" srcId="{20059406-BD8B-4E55-A3D8-C969D088B016}" destId="{AFF29BE7-25FC-4575-B4DB-7C07A43F6273}" srcOrd="2" destOrd="0" parTransId="{E0DD6EDE-0D0B-431C-9595-B77CA81EA886}" sibTransId="{34452C4A-3AD4-40CC-ABE0-61FFF178E9D3}"/>
-    <dgm:cxn modelId="{C7C20316-CB48-4C58-B5D7-0A5C1C1D44C8}" type="presOf" srcId="{0E0DCCDB-5551-4409-93D2-F9FBEB33AEF4}" destId="{085A1E17-6888-4ED1-A757-135ACFFC0060}" srcOrd="0" destOrd="0" presId="urn:microsoft.com/office/officeart/2008/layout/NameandTitleOrganizationalChart"/>
-    <dgm:cxn modelId="{D12AE26E-5917-4563-9A79-9477727D98F3}" type="presOf" srcId="{94048916-DF9A-4086-BB48-11FCC2B23560}" destId="{7C8D0D91-FAC7-441F-9D8A-E9C5D755041B}" srcOrd="0" destOrd="0" presId="urn:microsoft.com/office/officeart/2008/layout/NameandTitleOrganizationalChart"/>
+    <dgm:cxn modelId="{C1C8A121-5C51-4D89-8A06-C3B6381ACCA3}" type="presOf" srcId="{20059406-BD8B-4E55-A3D8-C969D088B016}" destId="{716ECB80-0194-4007-943B-3E4B2B747A67}" srcOrd="0" destOrd="0" presId="urn:microsoft.com/office/officeart/2008/layout/NameandTitleOrganizationalChart"/>
+    <dgm:cxn modelId="{26BA074D-742A-43E6-838B-380CFFA0A147}" type="presOf" srcId="{BF768398-1F50-47BA-B413-15CFCC39EF06}" destId="{FAAD20CC-D509-4480-8699-E1231CB7F67A}" srcOrd="1" destOrd="0" presId="urn:microsoft.com/office/officeart/2008/layout/NameandTitleOrganizationalChart"/>
     <dgm:cxn modelId="{78249B42-EE0E-4B8E-A98D-92D7AFBAA4DE}" type="presParOf" srcId="{CAC668F8-BDE7-4B23-83A3-A4A585FFEF74}" destId="{6FDF0570-80CC-455C-A13F-F88D0E951F1C}" srcOrd="0" destOrd="0" presId="urn:microsoft.com/office/officeart/2008/layout/NameandTitleOrganizationalChart"/>
     <dgm:cxn modelId="{8F3131FE-4F40-4A57-995E-715374EDC076}" type="presParOf" srcId="{6FDF0570-80CC-455C-A13F-F88D0E951F1C}" destId="{C69346A7-0024-4A26-A589-62D42A692425}" srcOrd="0" destOrd="0" presId="urn:microsoft.com/office/officeart/2008/layout/NameandTitleOrganizationalChart"/>
     <dgm:cxn modelId="{E54824F4-2AEE-4CA8-B6BA-9B098EE706DF}" type="presParOf" srcId="{C69346A7-0024-4A26-A589-62D42A692425}" destId="{716ECB80-0194-4007-943B-3E4B2B747A67}" srcOrd="0" destOrd="0" presId="urn:microsoft.com/office/officeart/2008/layout/NameandTitleOrganizationalChart"/>
@@ -1375,8 +1376,14 @@
     <dgm:cxn modelId="{1395EC62-146F-41CE-871D-C0A5882BB406}" type="presParOf" srcId="{836CFD99-48BE-400C-87B5-8D545A870066}" destId="{DE593395-09FC-440D-8484-50605E23D2A3}" srcOrd="1" destOrd="0" presId="urn:microsoft.com/office/officeart/2008/layout/NameandTitleOrganizationalChart"/>
     <dgm:cxn modelId="{425941B1-03AF-4264-9915-39C5889B3BCC}" type="presParOf" srcId="{836CFD99-48BE-400C-87B5-8D545A870066}" destId="{A803E624-FD5F-4A50-9092-F29CB0BEC3AE}" srcOrd="2" destOrd="0" presId="urn:microsoft.com/office/officeart/2008/layout/NameandTitleOrganizationalChart"/>
   </dgm:cxnLst>
-  <dgm:bg/>
-  <dgm:whole/>
+  <dgm:bg>
+    <a:noFill/>
+  </dgm:bg>
+  <dgm:whole>
+    <a:ln>
+      <a:noFill/>
+    </a:ln>
+  </dgm:whole>
   <dgm:extLst>
     <a:ext uri="http://schemas.microsoft.com/office/drawing/2008/diagram">
       <dsp:dataModelExt xmlns:dsp="http://schemas.microsoft.com/office/drawing/2008/diagram" relId="rId7" minVer="http://schemas.openxmlformats.org/drawingml/2006/diagram"/>
@@ -1648,7 +1655,7 @@
             <a:buNone/>
           </a:pPr>
           <a:r>
-            <a:rPr lang="de-AT" sz="2000" kern="1200"/>
+            <a:rPr lang="de-AT" sz="2000" kern="1200" dirty="0"/>
             <a:t>Thiago Gumhold</a:t>
           </a:r>
         </a:p>
@@ -4529,7 +4536,7 @@
           <a:p>
             <a:fld id="{748F024B-076F-4586-BF0D-4DDEFB4C70E4}" type="datetimeFigureOut">
               <a:rPr lang="de-AT" smtClean="0"/>
-              <a:t>20.01.2017</a:t>
+              <a:t>22.01.2017</a:t>
             </a:fld>
             <a:endParaRPr lang="de-AT"/>
           </a:p>
@@ -5053,7 +5060,7 @@
             </a:r>
             <a:r>
               <a:rPr lang="de-AT" dirty="0" err="1"/>
-              <a:t>reffresh</a:t>
+              <a:t>refresh</a:t>
             </a:r>
             <a:r>
               <a:rPr lang="de-AT" dirty="0"/>
@@ -5075,6 +5082,121 @@
               <a:rPr lang="de-AT" dirty="0"/>
               <a:t>:</a:t>
             </a:r>
+            <a:br>
+              <a:rPr lang="de-AT" dirty="0"/>
+            </a:br>
+            <a:r>
+              <a:rPr lang="de-AT" dirty="0"/>
+              <a:t>Talk </a:t>
+            </a:r>
+            <a:r>
+              <a:rPr lang="de-AT" dirty="0" err="1"/>
+              <a:t>about</a:t>
+            </a:r>
+            <a:r>
+              <a:rPr lang="de-AT" dirty="0"/>
+              <a:t> </a:t>
+            </a:r>
+            <a:r>
+              <a:rPr lang="de-AT" dirty="0" err="1"/>
+              <a:t>us</a:t>
+            </a:r>
+            <a:r>
+              <a:rPr lang="de-AT" dirty="0"/>
+              <a:t> </a:t>
+            </a:r>
+            <a:r>
+              <a:rPr lang="de-AT" dirty="0" err="1"/>
+              <a:t>and</a:t>
+            </a:r>
+            <a:r>
+              <a:rPr lang="de-AT" dirty="0"/>
+              <a:t> </a:t>
+            </a:r>
+            <a:r>
+              <a:rPr lang="de-AT" dirty="0" err="1"/>
+              <a:t>our</a:t>
+            </a:r>
+            <a:r>
+              <a:rPr lang="de-AT" dirty="0"/>
+              <a:t> „</a:t>
+            </a:r>
+            <a:r>
+              <a:rPr lang="de-AT" dirty="0" err="1"/>
+              <a:t>jobs</a:t>
+            </a:r>
+            <a:r>
+              <a:rPr lang="de-AT" dirty="0"/>
+              <a:t>“</a:t>
+            </a:r>
+            <a:br>
+              <a:rPr lang="de-AT" dirty="0"/>
+            </a:br>
+            <a:r>
+              <a:rPr lang="de-AT" dirty="0"/>
+              <a:t>Talk </a:t>
+            </a:r>
+            <a:r>
+              <a:rPr lang="de-AT" dirty="0" err="1"/>
+              <a:t>about</a:t>
+            </a:r>
+            <a:r>
+              <a:rPr lang="de-AT" dirty="0"/>
+              <a:t> </a:t>
+            </a:r>
+            <a:r>
+              <a:rPr lang="de-AT" dirty="0" err="1"/>
+              <a:t>our</a:t>
+            </a:r>
+            <a:r>
+              <a:rPr lang="de-AT" dirty="0"/>
+              <a:t> Project </a:t>
+            </a:r>
+            <a:r>
+              <a:rPr lang="de-AT" dirty="0" err="1"/>
+              <a:t>and</a:t>
+            </a:r>
+            <a:r>
+              <a:rPr lang="de-AT" dirty="0"/>
+              <a:t> </a:t>
+            </a:r>
+            <a:r>
+              <a:rPr lang="de-AT" dirty="0" err="1"/>
+              <a:t>explain</a:t>
+            </a:r>
+            <a:r>
+              <a:rPr lang="de-AT" dirty="0"/>
+              <a:t> </a:t>
+            </a:r>
+            <a:r>
+              <a:rPr lang="de-AT" dirty="0" err="1"/>
+              <a:t>it</a:t>
+            </a:r>
+            <a:r>
+              <a:rPr lang="de-AT" dirty="0"/>
+              <a:t> </a:t>
+            </a:r>
+            <a:r>
+              <a:rPr lang="de-AT" dirty="0" err="1"/>
+              <a:t>as</a:t>
+            </a:r>
+            <a:r>
+              <a:rPr lang="de-AT" dirty="0"/>
+              <a:t> simple </a:t>
+            </a:r>
+            <a:r>
+              <a:rPr lang="de-AT" dirty="0" err="1"/>
+              <a:t>as</a:t>
+            </a:r>
+            <a:r>
+              <a:rPr lang="de-AT" dirty="0"/>
+              <a:t> </a:t>
+            </a:r>
+            <a:r>
+              <a:rPr lang="de-AT" dirty="0" err="1"/>
+              <a:t>possible</a:t>
+            </a:r>
+            <a:endParaRPr lang="de-AT" dirty="0"/>
           </a:p>
           <a:p>
             <a:r>
@@ -5171,6 +5293,449 @@
           <a:p>
             <a:r>
               <a:rPr lang="de-AT" dirty="0"/>
+              <a:t>Talk </a:t>
+            </a:r>
+            <a:r>
+              <a:rPr lang="de-AT" dirty="0" err="1"/>
+              <a:t>eventually</a:t>
+            </a:r>
+            <a:r>
+              <a:rPr lang="de-AT" dirty="0"/>
+              <a:t> </a:t>
+            </a:r>
+            <a:r>
+              <a:rPr lang="de-AT" dirty="0" err="1"/>
+              <a:t>about</a:t>
+            </a:r>
+            <a:r>
+              <a:rPr lang="de-AT" dirty="0"/>
+              <a:t> </a:t>
+            </a:r>
+            <a:r>
+              <a:rPr lang="de-AT" dirty="0" err="1"/>
+              <a:t>motivation</a:t>
+            </a:r>
+            <a:r>
+              <a:rPr lang="de-AT" dirty="0"/>
+              <a:t> </a:t>
+            </a:r>
+            <a:r>
+              <a:rPr lang="de-AT" dirty="0" err="1"/>
+              <a:t>for</a:t>
+            </a:r>
+            <a:r>
+              <a:rPr lang="de-AT" dirty="0"/>
+              <a:t> </a:t>
+            </a:r>
+            <a:r>
+              <a:rPr lang="de-AT" dirty="0" err="1"/>
+              <a:t>roject</a:t>
+            </a:r>
+            <a:r>
+              <a:rPr lang="de-AT" dirty="0"/>
+              <a:t> in </a:t>
+            </a:r>
+            <a:r>
+              <a:rPr lang="de-AT" dirty="0" err="1"/>
+              <a:t>the</a:t>
+            </a:r>
+            <a:r>
+              <a:rPr lang="de-AT" dirty="0"/>
+              <a:t> </a:t>
+            </a:r>
+            <a:r>
+              <a:rPr lang="de-AT" dirty="0" err="1"/>
+              <a:t>first</a:t>
+            </a:r>
+            <a:r>
+              <a:rPr lang="de-AT" dirty="0"/>
+              <a:t> </a:t>
+            </a:r>
+            <a:r>
+              <a:rPr lang="de-AT" dirty="0" err="1"/>
+              <a:t>place</a:t>
+            </a:r>
+            <a:endParaRPr lang="de-AT" dirty="0"/>
+          </a:p>
+          <a:p>
+            <a:r>
+              <a:rPr lang="de-AT" dirty="0"/>
+              <a:t>Talk </a:t>
+            </a:r>
+            <a:r>
+              <a:rPr lang="de-AT" dirty="0" err="1"/>
+              <a:t>about</a:t>
+            </a:r>
+            <a:r>
+              <a:rPr lang="de-AT" dirty="0"/>
+              <a:t> </a:t>
+            </a:r>
+            <a:r>
+              <a:rPr lang="de-AT" dirty="0" err="1"/>
+              <a:t>our</a:t>
+            </a:r>
+            <a:r>
+              <a:rPr lang="de-AT" dirty="0"/>
+              <a:t> </a:t>
+            </a:r>
+            <a:r>
+              <a:rPr lang="de-AT" dirty="0" err="1"/>
+              <a:t>workflow</a:t>
+            </a:r>
+            <a:r>
+              <a:rPr lang="de-AT" dirty="0"/>
+              <a:t>, </a:t>
+            </a:r>
+            <a:br>
+              <a:rPr lang="de-AT" dirty="0"/>
+            </a:br>
+            <a:r>
+              <a:rPr lang="de-AT" dirty="0" err="1"/>
+              <a:t>talk</a:t>
+            </a:r>
+            <a:r>
+              <a:rPr lang="de-AT" dirty="0"/>
+              <a:t> </a:t>
+            </a:r>
+            <a:r>
+              <a:rPr lang="de-AT" dirty="0" err="1"/>
+              <a:t>about</a:t>
+            </a:r>
+            <a:r>
+              <a:rPr lang="de-AT" dirty="0"/>
+              <a:t> </a:t>
+            </a:r>
+            <a:r>
+              <a:rPr lang="de-AT" dirty="0" err="1"/>
+              <a:t>our</a:t>
+            </a:r>
+            <a:r>
+              <a:rPr lang="de-AT" dirty="0"/>
+              <a:t> PM </a:t>
+            </a:r>
+            <a:r>
+              <a:rPr lang="de-AT" dirty="0" err="1"/>
+              <a:t>construct</a:t>
+            </a:r>
+            <a:r>
+              <a:rPr lang="de-AT" dirty="0"/>
+              <a:t> </a:t>
+            </a:r>
+            <a:r>
+              <a:rPr lang="de-AT" dirty="0" err="1"/>
+              <a:t>that</a:t>
+            </a:r>
+            <a:r>
+              <a:rPr lang="de-AT" dirty="0"/>
+              <a:t> </a:t>
+            </a:r>
+            <a:r>
+              <a:rPr lang="de-AT" dirty="0" err="1"/>
+              <a:t>should</a:t>
+            </a:r>
+            <a:r>
+              <a:rPr lang="de-AT" dirty="0"/>
+              <a:t> </a:t>
+            </a:r>
+            <a:r>
+              <a:rPr lang="de-AT" dirty="0" err="1"/>
+              <a:t>have</a:t>
+            </a:r>
+            <a:r>
+              <a:rPr lang="de-AT" dirty="0"/>
+              <a:t> </a:t>
+            </a:r>
+            <a:r>
+              <a:rPr lang="de-AT" dirty="0" err="1"/>
+              <a:t>made</a:t>
+            </a:r>
+            <a:r>
+              <a:rPr lang="de-AT" dirty="0"/>
+              <a:t> </a:t>
+            </a:r>
+            <a:r>
+              <a:rPr lang="de-AT" dirty="0" err="1"/>
+              <a:t>our</a:t>
+            </a:r>
+            <a:r>
+              <a:rPr lang="de-AT" dirty="0"/>
+              <a:t> </a:t>
+            </a:r>
+            <a:r>
+              <a:rPr lang="de-AT" dirty="0" err="1"/>
+              <a:t>lives</a:t>
+            </a:r>
+            <a:r>
+              <a:rPr lang="de-AT" dirty="0"/>
+              <a:t> </a:t>
+            </a:r>
+            <a:r>
+              <a:rPr lang="de-AT" dirty="0" err="1"/>
+              <a:t>easier</a:t>
+            </a:r>
+            <a:r>
+              <a:rPr lang="de-AT" dirty="0"/>
+              <a:t> (</a:t>
+            </a:r>
+            <a:r>
+              <a:rPr lang="de-AT" dirty="0" err="1"/>
+              <a:t>GitHub</a:t>
+            </a:r>
+            <a:r>
+              <a:rPr lang="de-AT" dirty="0"/>
+              <a:t>, </a:t>
+            </a:r>
+            <a:r>
+              <a:rPr lang="de-AT" dirty="0" err="1"/>
+              <a:t>arbeitszeitaufzeichnung</a:t>
+            </a:r>
+            <a:r>
+              <a:rPr lang="de-AT" dirty="0"/>
+              <a:t>, </a:t>
+            </a:r>
+            <a:r>
+              <a:rPr lang="de-AT" dirty="0" err="1"/>
+              <a:t>testing</a:t>
+            </a:r>
+            <a:r>
+              <a:rPr lang="de-AT" dirty="0"/>
+              <a:t>, </a:t>
+            </a:r>
+            <a:r>
+              <a:rPr lang="de-AT" dirty="0" err="1"/>
+              <a:t>and</a:t>
+            </a:r>
+            <a:r>
+              <a:rPr lang="de-AT" dirty="0"/>
+              <a:t> so on)</a:t>
+            </a:r>
+          </a:p>
+          <a:p>
+            <a:r>
+              <a:rPr lang="de-AT" dirty="0"/>
+              <a:t>	</a:t>
+            </a:r>
+            <a:r>
+              <a:rPr lang="de-AT" dirty="0" err="1"/>
+              <a:t>GitHub</a:t>
+            </a:r>
+            <a:r>
+              <a:rPr lang="de-AT" dirty="0"/>
+              <a:t> </a:t>
+            </a:r>
+            <a:r>
+              <a:rPr lang="de-AT" dirty="0" err="1"/>
+              <a:t>paired</a:t>
+            </a:r>
+            <a:r>
+              <a:rPr lang="de-AT" dirty="0"/>
+              <a:t> </a:t>
+            </a:r>
+            <a:r>
+              <a:rPr lang="de-AT" dirty="0" err="1"/>
+              <a:t>with</a:t>
+            </a:r>
+            <a:r>
+              <a:rPr lang="de-AT" dirty="0"/>
+              <a:t> </a:t>
+            </a:r>
+            <a:r>
+              <a:rPr lang="de-AT" dirty="0" err="1"/>
+              <a:t>PhpStorm</a:t>
+            </a:r>
+            <a:r>
+              <a:rPr lang="de-AT" dirty="0"/>
+              <a:t> was </a:t>
+            </a:r>
+            <a:r>
+              <a:rPr lang="de-AT" dirty="0" err="1"/>
+              <a:t>our</a:t>
+            </a:r>
+            <a:r>
+              <a:rPr lang="de-AT" dirty="0"/>
+              <a:t> </a:t>
+            </a:r>
+            <a:r>
+              <a:rPr lang="de-AT" dirty="0" err="1"/>
+              <a:t>primary</a:t>
+            </a:r>
+            <a:r>
+              <a:rPr lang="de-AT" dirty="0"/>
+              <a:t> </a:t>
+            </a:r>
+            <a:r>
+              <a:rPr lang="de-AT" dirty="0" err="1"/>
+              <a:t>development</a:t>
+            </a:r>
+            <a:r>
+              <a:rPr lang="de-AT" dirty="0"/>
+              <a:t> </a:t>
+            </a:r>
+            <a:r>
+              <a:rPr lang="de-AT" dirty="0" err="1"/>
+              <a:t>tool</a:t>
+            </a:r>
+            <a:endParaRPr lang="de-AT" dirty="0"/>
+          </a:p>
+          <a:p>
+            <a:r>
+              <a:rPr lang="de-AT" dirty="0" err="1"/>
+              <a:t>Then</a:t>
+            </a:r>
+            <a:r>
+              <a:rPr lang="de-AT" dirty="0"/>
+              <a:t> </a:t>
+            </a:r>
+            <a:r>
+              <a:rPr lang="de-AT" dirty="0" err="1"/>
+              <a:t>talk</a:t>
+            </a:r>
+            <a:r>
+              <a:rPr lang="de-AT" dirty="0"/>
+              <a:t> </a:t>
+            </a:r>
+            <a:r>
+              <a:rPr lang="de-AT" dirty="0" err="1"/>
+              <a:t>about</a:t>
+            </a:r>
+            <a:r>
+              <a:rPr lang="de-AT" dirty="0"/>
+              <a:t> </a:t>
+            </a:r>
+            <a:r>
+              <a:rPr lang="de-AT" dirty="0" err="1"/>
+              <a:t>the</a:t>
+            </a:r>
+            <a:r>
+              <a:rPr lang="de-AT" dirty="0"/>
+              <a:t> </a:t>
+            </a:r>
+            <a:r>
+              <a:rPr lang="de-AT" dirty="0" err="1"/>
+              <a:t>general</a:t>
+            </a:r>
+            <a:r>
+              <a:rPr lang="de-AT" dirty="0"/>
+              <a:t> </a:t>
+            </a:r>
+            <a:r>
+              <a:rPr lang="de-AT" dirty="0" err="1"/>
+              <a:t>feeling</a:t>
+            </a:r>
+            <a:r>
+              <a:rPr lang="de-AT" dirty="0"/>
+              <a:t> </a:t>
+            </a:r>
+            <a:r>
+              <a:rPr lang="de-AT" dirty="0" err="1"/>
+              <a:t>of</a:t>
+            </a:r>
+            <a:r>
+              <a:rPr lang="de-AT" dirty="0"/>
+              <a:t> </a:t>
+            </a:r>
+            <a:r>
+              <a:rPr lang="de-AT" dirty="0" err="1"/>
+              <a:t>how</a:t>
+            </a:r>
+            <a:r>
+              <a:rPr lang="de-AT" dirty="0"/>
+              <a:t> </a:t>
+            </a:r>
+            <a:r>
+              <a:rPr lang="de-AT" dirty="0" err="1"/>
+              <a:t>we</a:t>
+            </a:r>
+            <a:r>
+              <a:rPr lang="de-AT" dirty="0"/>
+              <a:t> </a:t>
+            </a:r>
+            <a:r>
+              <a:rPr lang="de-AT" dirty="0" err="1"/>
+              <a:t>think</a:t>
+            </a:r>
+            <a:r>
+              <a:rPr lang="de-AT" dirty="0"/>
+              <a:t> </a:t>
+            </a:r>
+            <a:r>
+              <a:rPr lang="de-AT" dirty="0" err="1"/>
+              <a:t>it</a:t>
+            </a:r>
+            <a:r>
+              <a:rPr lang="de-AT" dirty="0"/>
+              <a:t> </a:t>
+            </a:r>
+            <a:r>
+              <a:rPr lang="de-AT" dirty="0" err="1"/>
+              <a:t>turned</a:t>
+            </a:r>
+            <a:r>
+              <a:rPr lang="de-AT" dirty="0"/>
+              <a:t> out</a:t>
+            </a:r>
+          </a:p>
+          <a:p>
+            <a:r>
+              <a:rPr lang="de-AT" dirty="0" err="1"/>
+              <a:t>And</a:t>
+            </a:r>
+            <a:r>
+              <a:rPr lang="de-AT" dirty="0"/>
+              <a:t> </a:t>
+            </a:r>
+            <a:r>
+              <a:rPr lang="de-AT" dirty="0" err="1"/>
+              <a:t>how</a:t>
+            </a:r>
+            <a:r>
+              <a:rPr lang="de-AT" dirty="0"/>
+              <a:t> </a:t>
+            </a:r>
+            <a:r>
+              <a:rPr lang="de-AT" dirty="0" err="1"/>
+              <a:t>it</a:t>
+            </a:r>
+            <a:r>
+              <a:rPr lang="de-AT" dirty="0"/>
+              <a:t> </a:t>
+            </a:r>
+            <a:r>
+              <a:rPr lang="de-AT" dirty="0" err="1"/>
+              <a:t>really</a:t>
+            </a:r>
+            <a:r>
+              <a:rPr lang="de-AT" dirty="0"/>
+              <a:t> </a:t>
+            </a:r>
+            <a:r>
+              <a:rPr lang="de-AT" dirty="0" err="1"/>
+              <a:t>turned</a:t>
+            </a:r>
+            <a:r>
+              <a:rPr lang="de-AT" dirty="0"/>
+              <a:t> out: </a:t>
+            </a:r>
+            <a:r>
+              <a:rPr lang="de-AT" dirty="0" err="1"/>
+              <a:t>Statistics</a:t>
+            </a:r>
+            <a:r>
+              <a:rPr lang="de-AT" dirty="0"/>
+              <a:t> on </a:t>
+            </a:r>
+            <a:r>
+              <a:rPr lang="de-AT" dirty="0" err="1"/>
+              <a:t>everything</a:t>
+            </a:r>
+            <a:r>
+              <a:rPr lang="de-AT" dirty="0"/>
+              <a:t>…</a:t>
+            </a:r>
+          </a:p>
+          <a:p>
+            <a:r>
+              <a:rPr lang="de-AT" dirty="0"/>
               <a:t>Mach ich</a:t>
             </a:r>
           </a:p>
@@ -5258,7 +5823,450 @@
           <a:p>
             <a:r>
               <a:rPr lang="de-AT" dirty="0"/>
-              <a:t>Macht der Alex</a:t>
+              <a:t>Talk </a:t>
+            </a:r>
+            <a:r>
+              <a:rPr lang="de-AT" dirty="0" err="1"/>
+              <a:t>eventually</a:t>
+            </a:r>
+            <a:r>
+              <a:rPr lang="de-AT" dirty="0"/>
+              <a:t> </a:t>
+            </a:r>
+            <a:r>
+              <a:rPr lang="de-AT" dirty="0" err="1"/>
+              <a:t>about</a:t>
+            </a:r>
+            <a:r>
+              <a:rPr lang="de-AT" dirty="0"/>
+              <a:t> </a:t>
+            </a:r>
+            <a:r>
+              <a:rPr lang="de-AT" dirty="0" err="1"/>
+              <a:t>motivation</a:t>
+            </a:r>
+            <a:r>
+              <a:rPr lang="de-AT" dirty="0"/>
+              <a:t> </a:t>
+            </a:r>
+            <a:r>
+              <a:rPr lang="de-AT" dirty="0" err="1"/>
+              <a:t>for</a:t>
+            </a:r>
+            <a:r>
+              <a:rPr lang="de-AT" dirty="0"/>
+              <a:t> </a:t>
+            </a:r>
+            <a:r>
+              <a:rPr lang="de-AT" dirty="0" err="1"/>
+              <a:t>roject</a:t>
+            </a:r>
+            <a:r>
+              <a:rPr lang="de-AT" dirty="0"/>
+              <a:t> in </a:t>
+            </a:r>
+            <a:r>
+              <a:rPr lang="de-AT" dirty="0" err="1"/>
+              <a:t>the</a:t>
+            </a:r>
+            <a:r>
+              <a:rPr lang="de-AT" dirty="0"/>
+              <a:t> </a:t>
+            </a:r>
+            <a:r>
+              <a:rPr lang="de-AT" dirty="0" err="1"/>
+              <a:t>first</a:t>
+            </a:r>
+            <a:r>
+              <a:rPr lang="de-AT" dirty="0"/>
+              <a:t> </a:t>
+            </a:r>
+            <a:r>
+              <a:rPr lang="de-AT" dirty="0" err="1"/>
+              <a:t>place</a:t>
+            </a:r>
+            <a:endParaRPr lang="de-AT" dirty="0"/>
+          </a:p>
+          <a:p>
+            <a:r>
+              <a:rPr lang="de-AT" dirty="0"/>
+              <a:t>Talk </a:t>
+            </a:r>
+            <a:r>
+              <a:rPr lang="de-AT" dirty="0" err="1"/>
+              <a:t>about</a:t>
+            </a:r>
+            <a:r>
+              <a:rPr lang="de-AT" dirty="0"/>
+              <a:t> </a:t>
+            </a:r>
+            <a:r>
+              <a:rPr lang="de-AT" dirty="0" err="1"/>
+              <a:t>our</a:t>
+            </a:r>
+            <a:r>
+              <a:rPr lang="de-AT" dirty="0"/>
+              <a:t> </a:t>
+            </a:r>
+            <a:r>
+              <a:rPr lang="de-AT" dirty="0" err="1"/>
+              <a:t>workflow</a:t>
+            </a:r>
+            <a:r>
+              <a:rPr lang="de-AT" dirty="0"/>
+              <a:t>, </a:t>
+            </a:r>
+            <a:br>
+              <a:rPr lang="de-AT" dirty="0"/>
+            </a:br>
+            <a:r>
+              <a:rPr lang="de-AT" dirty="0" err="1"/>
+              <a:t>talk</a:t>
+            </a:r>
+            <a:r>
+              <a:rPr lang="de-AT" dirty="0"/>
+              <a:t> </a:t>
+            </a:r>
+            <a:r>
+              <a:rPr lang="de-AT" dirty="0" err="1"/>
+              <a:t>about</a:t>
+            </a:r>
+            <a:r>
+              <a:rPr lang="de-AT" dirty="0"/>
+              <a:t> </a:t>
+            </a:r>
+            <a:r>
+              <a:rPr lang="de-AT" dirty="0" err="1"/>
+              <a:t>our</a:t>
+            </a:r>
+            <a:r>
+              <a:rPr lang="de-AT" dirty="0"/>
+              <a:t> PM </a:t>
+            </a:r>
+            <a:r>
+              <a:rPr lang="de-AT" dirty="0" err="1"/>
+              <a:t>construct</a:t>
+            </a:r>
+            <a:r>
+              <a:rPr lang="de-AT" dirty="0"/>
+              <a:t> </a:t>
+            </a:r>
+            <a:r>
+              <a:rPr lang="de-AT" dirty="0" err="1"/>
+              <a:t>that</a:t>
+            </a:r>
+            <a:r>
+              <a:rPr lang="de-AT" dirty="0"/>
+              <a:t> </a:t>
+            </a:r>
+            <a:r>
+              <a:rPr lang="de-AT" dirty="0" err="1"/>
+              <a:t>should</a:t>
+            </a:r>
+            <a:r>
+              <a:rPr lang="de-AT" dirty="0"/>
+              <a:t> </a:t>
+            </a:r>
+            <a:r>
+              <a:rPr lang="de-AT" dirty="0" err="1"/>
+              <a:t>have</a:t>
+            </a:r>
+            <a:r>
+              <a:rPr lang="de-AT" dirty="0"/>
+              <a:t> </a:t>
+            </a:r>
+            <a:r>
+              <a:rPr lang="de-AT" dirty="0" err="1"/>
+              <a:t>made</a:t>
+            </a:r>
+            <a:r>
+              <a:rPr lang="de-AT" dirty="0"/>
+              <a:t> </a:t>
+            </a:r>
+            <a:r>
+              <a:rPr lang="de-AT" dirty="0" err="1"/>
+              <a:t>our</a:t>
+            </a:r>
+            <a:r>
+              <a:rPr lang="de-AT" dirty="0"/>
+              <a:t> </a:t>
+            </a:r>
+            <a:r>
+              <a:rPr lang="de-AT" dirty="0" err="1"/>
+              <a:t>lives</a:t>
+            </a:r>
+            <a:r>
+              <a:rPr lang="de-AT" dirty="0"/>
+              <a:t> </a:t>
+            </a:r>
+            <a:r>
+              <a:rPr lang="de-AT" dirty="0" err="1"/>
+              <a:t>easier</a:t>
+            </a:r>
+            <a:r>
+              <a:rPr lang="de-AT" dirty="0"/>
+              <a:t> (</a:t>
+            </a:r>
+            <a:r>
+              <a:rPr lang="de-AT" dirty="0" err="1"/>
+              <a:t>GitHub</a:t>
+            </a:r>
+            <a:r>
+              <a:rPr lang="de-AT" dirty="0"/>
+              <a:t>, </a:t>
+            </a:r>
+            <a:r>
+              <a:rPr lang="de-AT" dirty="0" err="1"/>
+              <a:t>arbeitszeitaufzeichnung</a:t>
+            </a:r>
+            <a:r>
+              <a:rPr lang="de-AT" dirty="0"/>
+              <a:t>, </a:t>
+            </a:r>
+            <a:r>
+              <a:rPr lang="de-AT" dirty="0" err="1"/>
+              <a:t>testing</a:t>
+            </a:r>
+            <a:r>
+              <a:rPr lang="de-AT" dirty="0"/>
+              <a:t>, </a:t>
+            </a:r>
+            <a:r>
+              <a:rPr lang="de-AT" dirty="0" err="1"/>
+              <a:t>and</a:t>
+            </a:r>
+            <a:r>
+              <a:rPr lang="de-AT" dirty="0"/>
+              <a:t> so on)</a:t>
+            </a:r>
+          </a:p>
+          <a:p>
+            <a:r>
+              <a:rPr lang="de-AT" dirty="0"/>
+              <a:t>	</a:t>
+            </a:r>
+            <a:r>
+              <a:rPr lang="de-AT" dirty="0" err="1"/>
+              <a:t>GitHub</a:t>
+            </a:r>
+            <a:r>
+              <a:rPr lang="de-AT" dirty="0"/>
+              <a:t> </a:t>
+            </a:r>
+            <a:r>
+              <a:rPr lang="de-AT" dirty="0" err="1"/>
+              <a:t>paired</a:t>
+            </a:r>
+            <a:r>
+              <a:rPr lang="de-AT" dirty="0"/>
+              <a:t> </a:t>
+            </a:r>
+            <a:r>
+              <a:rPr lang="de-AT" dirty="0" err="1"/>
+              <a:t>with</a:t>
+            </a:r>
+            <a:r>
+              <a:rPr lang="de-AT" dirty="0"/>
+              <a:t> </a:t>
+            </a:r>
+            <a:r>
+              <a:rPr lang="de-AT" dirty="0" err="1"/>
+              <a:t>PhpStorm</a:t>
+            </a:r>
+            <a:r>
+              <a:rPr lang="de-AT" dirty="0"/>
+              <a:t> was </a:t>
+            </a:r>
+            <a:r>
+              <a:rPr lang="de-AT" dirty="0" err="1"/>
+              <a:t>our</a:t>
+            </a:r>
+            <a:r>
+              <a:rPr lang="de-AT" dirty="0"/>
+              <a:t> </a:t>
+            </a:r>
+            <a:r>
+              <a:rPr lang="de-AT" dirty="0" err="1"/>
+              <a:t>primary</a:t>
+            </a:r>
+            <a:r>
+              <a:rPr lang="de-AT" dirty="0"/>
+              <a:t> </a:t>
+            </a:r>
+            <a:r>
+              <a:rPr lang="de-AT" dirty="0" err="1"/>
+              <a:t>development</a:t>
+            </a:r>
+            <a:r>
+              <a:rPr lang="de-AT" dirty="0"/>
+              <a:t> </a:t>
+            </a:r>
+            <a:r>
+              <a:rPr lang="de-AT" dirty="0" err="1"/>
+              <a:t>tool</a:t>
+            </a:r>
+            <a:endParaRPr lang="de-AT" dirty="0"/>
+          </a:p>
+          <a:p>
+            <a:r>
+              <a:rPr lang="de-AT" dirty="0" err="1"/>
+              <a:t>Then</a:t>
+            </a:r>
+            <a:r>
+              <a:rPr lang="de-AT" dirty="0"/>
+              <a:t> </a:t>
+            </a:r>
+            <a:r>
+              <a:rPr lang="de-AT" dirty="0" err="1"/>
+              <a:t>talk</a:t>
+            </a:r>
+            <a:r>
+              <a:rPr lang="de-AT" dirty="0"/>
+              <a:t> </a:t>
+            </a:r>
+            <a:r>
+              <a:rPr lang="de-AT" dirty="0" err="1"/>
+              <a:t>about</a:t>
+            </a:r>
+            <a:r>
+              <a:rPr lang="de-AT" dirty="0"/>
+              <a:t> </a:t>
+            </a:r>
+            <a:r>
+              <a:rPr lang="de-AT" dirty="0" err="1"/>
+              <a:t>the</a:t>
+            </a:r>
+            <a:r>
+              <a:rPr lang="de-AT" dirty="0"/>
+              <a:t> </a:t>
+            </a:r>
+            <a:r>
+              <a:rPr lang="de-AT" dirty="0" err="1"/>
+              <a:t>general</a:t>
+            </a:r>
+            <a:r>
+              <a:rPr lang="de-AT" dirty="0"/>
+              <a:t> </a:t>
+            </a:r>
+            <a:r>
+              <a:rPr lang="de-AT" dirty="0" err="1"/>
+              <a:t>feeling</a:t>
+            </a:r>
+            <a:r>
+              <a:rPr lang="de-AT" dirty="0"/>
+              <a:t> </a:t>
+            </a:r>
+            <a:r>
+              <a:rPr lang="de-AT" dirty="0" err="1"/>
+              <a:t>of</a:t>
+            </a:r>
+            <a:r>
+              <a:rPr lang="de-AT" dirty="0"/>
+              <a:t> </a:t>
+            </a:r>
+            <a:r>
+              <a:rPr lang="de-AT" dirty="0" err="1"/>
+              <a:t>how</a:t>
+            </a:r>
+            <a:r>
+              <a:rPr lang="de-AT" dirty="0"/>
+              <a:t> </a:t>
+            </a:r>
+            <a:r>
+              <a:rPr lang="de-AT" dirty="0" err="1"/>
+              <a:t>we</a:t>
+            </a:r>
+            <a:r>
+              <a:rPr lang="de-AT" dirty="0"/>
+              <a:t> </a:t>
+            </a:r>
+            <a:r>
+              <a:rPr lang="de-AT" dirty="0" err="1"/>
+              <a:t>think</a:t>
+            </a:r>
+            <a:r>
+              <a:rPr lang="de-AT" dirty="0"/>
+              <a:t> </a:t>
+            </a:r>
+            <a:r>
+              <a:rPr lang="de-AT" dirty="0" err="1"/>
+              <a:t>it</a:t>
+            </a:r>
+            <a:r>
+              <a:rPr lang="de-AT" dirty="0"/>
+              <a:t> </a:t>
+            </a:r>
+            <a:r>
+              <a:rPr lang="de-AT" dirty="0" err="1"/>
+              <a:t>turned</a:t>
+            </a:r>
+            <a:r>
+              <a:rPr lang="de-AT" dirty="0"/>
+              <a:t> out</a:t>
+            </a:r>
+          </a:p>
+          <a:p>
+            <a:r>
+              <a:rPr lang="de-AT" dirty="0" err="1"/>
+              <a:t>And</a:t>
+            </a:r>
+            <a:r>
+              <a:rPr lang="de-AT" dirty="0"/>
+              <a:t> </a:t>
+            </a:r>
+            <a:r>
+              <a:rPr lang="de-AT" dirty="0" err="1"/>
+              <a:t>how</a:t>
+            </a:r>
+            <a:r>
+              <a:rPr lang="de-AT" dirty="0"/>
+              <a:t> </a:t>
+            </a:r>
+            <a:r>
+              <a:rPr lang="de-AT" dirty="0" err="1"/>
+              <a:t>it</a:t>
+            </a:r>
+            <a:r>
+              <a:rPr lang="de-AT" dirty="0"/>
+              <a:t> </a:t>
+            </a:r>
+            <a:r>
+              <a:rPr lang="de-AT" dirty="0" err="1"/>
+              <a:t>really</a:t>
+            </a:r>
+            <a:r>
+              <a:rPr lang="de-AT" dirty="0"/>
+              <a:t> </a:t>
+            </a:r>
+            <a:r>
+              <a:rPr lang="de-AT" dirty="0" err="1"/>
+              <a:t>turned</a:t>
+            </a:r>
+            <a:r>
+              <a:rPr lang="de-AT" dirty="0"/>
+              <a:t> out: </a:t>
+            </a:r>
+            <a:r>
+              <a:rPr lang="de-AT" dirty="0" err="1"/>
+              <a:t>Statistics</a:t>
+            </a:r>
+            <a:r>
+              <a:rPr lang="de-AT" dirty="0"/>
+              <a:t> on </a:t>
+            </a:r>
+            <a:r>
+              <a:rPr lang="de-AT" dirty="0" err="1"/>
+              <a:t>everything</a:t>
+            </a:r>
+            <a:r>
+              <a:rPr lang="de-AT" dirty="0"/>
+              <a:t>…</a:t>
+            </a:r>
+          </a:p>
+          <a:p>
+            <a:r>
+              <a:rPr lang="de-AT" dirty="0"/>
+              <a:t>Mach ich</a:t>
             </a:r>
           </a:p>
         </p:txBody>
@@ -5289,7 +6297,7 @@
     </p:spTree>
     <p:extLst>
       <p:ext uri="{BB962C8B-B14F-4D97-AF65-F5344CB8AC3E}">
-        <p14:creationId xmlns:p14="http://schemas.microsoft.com/office/powerpoint/2010/main" val="3110576319"/>
+        <p14:creationId xmlns:p14="http://schemas.microsoft.com/office/powerpoint/2010/main" val="759231529"/>
       </p:ext>
     </p:extLst>
   </p:cSld>
@@ -5345,13 +6353,8 @@
           <a:p>
             <a:r>
               <a:rPr lang="de-AT" dirty="0"/>
-              <a:t>Macht </a:t>
-            </a:r>
-            <a:r>
-              <a:rPr lang="de-AT" dirty="0" err="1"/>
-              <a:t>phillp</a:t>
-            </a:r>
-            <a:endParaRPr lang="de-AT" dirty="0"/>
+              <a:t>Macht der Alex</a:t>
+            </a:r>
           </a:p>
         </p:txBody>
       </p:sp>
@@ -5373,6 +6376,98 @@
             <a:fld id="{FFB944FA-82A2-4D87-AF4C-32D6F3284FD2}" type="slidenum">
               <a:rPr lang="de-AT" smtClean="0"/>
               <a:t>6</a:t>
+            </a:fld>
+            <a:endParaRPr lang="de-AT"/>
+          </a:p>
+        </p:txBody>
+      </p:sp>
+    </p:spTree>
+    <p:extLst>
+      <p:ext uri="{BB962C8B-B14F-4D97-AF65-F5344CB8AC3E}">
+        <p14:creationId xmlns:p14="http://schemas.microsoft.com/office/powerpoint/2010/main" val="3110576319"/>
+      </p:ext>
+    </p:extLst>
+  </p:cSld>
+  <p:clrMapOvr>
+    <a:masterClrMapping/>
+  </p:clrMapOvr>
+</p:notes>
+</file>
+
+<file path=ppt/notesSlides/notesSlide6.xml><?xml version="1.0" encoding="utf-8"?>
+<p:notes xmlns:a="http://schemas.openxmlformats.org/drawingml/2006/main" xmlns:r="http://schemas.openxmlformats.org/officeDocument/2006/relationships" xmlns:p="http://schemas.openxmlformats.org/presentationml/2006/main">
+  <p:cSld>
+    <p:spTree>
+      <p:nvGrpSpPr>
+        <p:cNvPr id="1" name=""/>
+        <p:cNvGrpSpPr/>
+        <p:nvPr/>
+      </p:nvGrpSpPr>
+      <p:grpSpPr>
+        <a:xfrm>
+          <a:off x="0" y="0"/>
+          <a:ext cx="0" cy="0"/>
+          <a:chOff x="0" y="0"/>
+          <a:chExt cx="0" cy="0"/>
+        </a:xfrm>
+      </p:grpSpPr>
+      <p:sp>
+        <p:nvSpPr>
+          <p:cNvPr id="2" name="Folienbildplatzhalter 1"/>
+          <p:cNvSpPr>
+            <a:spLocks noGrp="1" noRot="1" noChangeAspect="1"/>
+          </p:cNvSpPr>
+          <p:nvPr>
+            <p:ph type="sldImg"/>
+          </p:nvPr>
+        </p:nvSpPr>
+        <p:spPr/>
+      </p:sp>
+      <p:sp>
+        <p:nvSpPr>
+          <p:cNvPr id="3" name="Notizenplatzhalter 2"/>
+          <p:cNvSpPr>
+            <a:spLocks noGrp="1"/>
+          </p:cNvSpPr>
+          <p:nvPr>
+            <p:ph type="body" idx="1"/>
+          </p:nvPr>
+        </p:nvSpPr>
+        <p:spPr/>
+        <p:txBody>
+          <a:bodyPr/>
+          <a:lstStyle/>
+          <a:p>
+            <a:r>
+              <a:rPr lang="de-AT" dirty="0"/>
+              <a:t>Macht </a:t>
+            </a:r>
+            <a:r>
+              <a:rPr lang="de-AT" dirty="0" err="1"/>
+              <a:t>phillp</a:t>
+            </a:r>
+            <a:endParaRPr lang="de-AT" dirty="0"/>
+          </a:p>
+        </p:txBody>
+      </p:sp>
+      <p:sp>
+        <p:nvSpPr>
+          <p:cNvPr id="4" name="Foliennummernplatzhalter 3"/>
+          <p:cNvSpPr>
+            <a:spLocks noGrp="1"/>
+          </p:cNvSpPr>
+          <p:nvPr>
+            <p:ph type="sldNum" sz="quarter" idx="10"/>
+          </p:nvPr>
+        </p:nvSpPr>
+        <p:spPr/>
+        <p:txBody>
+          <a:bodyPr/>
+          <a:lstStyle/>
+          <a:p>
+            <a:fld id="{FFB944FA-82A2-4D87-AF4C-32D6F3284FD2}" type="slidenum">
+              <a:rPr lang="de-AT" smtClean="0"/>
+              <a:t>7</a:t>
             </a:fld>
             <a:endParaRPr lang="de-AT"/>
           </a:p>
@@ -5522,7 +6617,7 @@
           <a:p>
             <a:fld id="{81E4DA5A-B91E-4736-AA36-536C06A9A47C}" type="datetimeFigureOut">
               <a:rPr lang="de-AT" smtClean="0"/>
-              <a:t>20.01.2017</a:t>
+              <a:t>22.01.2017</a:t>
             </a:fld>
             <a:endParaRPr lang="de-AT"/>
           </a:p>
@@ -5692,7 +6787,7 @@
           <a:p>
             <a:fld id="{81E4DA5A-B91E-4736-AA36-536C06A9A47C}" type="datetimeFigureOut">
               <a:rPr lang="de-AT" smtClean="0"/>
-              <a:t>20.01.2017</a:t>
+              <a:t>22.01.2017</a:t>
             </a:fld>
             <a:endParaRPr lang="de-AT"/>
           </a:p>
@@ -5872,7 +6967,7 @@
           <a:p>
             <a:fld id="{81E4DA5A-B91E-4736-AA36-536C06A9A47C}" type="datetimeFigureOut">
               <a:rPr lang="de-AT" smtClean="0"/>
-              <a:t>20.01.2017</a:t>
+              <a:t>22.01.2017</a:t>
             </a:fld>
             <a:endParaRPr lang="de-AT"/>
           </a:p>
@@ -6042,7 +7137,7 @@
           <a:p>
             <a:fld id="{81E4DA5A-B91E-4736-AA36-536C06A9A47C}" type="datetimeFigureOut">
               <a:rPr lang="de-AT" smtClean="0"/>
-              <a:t>20.01.2017</a:t>
+              <a:t>22.01.2017</a:t>
             </a:fld>
             <a:endParaRPr lang="de-AT"/>
           </a:p>
@@ -6286,7 +7381,7 @@
           <a:p>
             <a:fld id="{81E4DA5A-B91E-4736-AA36-536C06A9A47C}" type="datetimeFigureOut">
               <a:rPr lang="de-AT" smtClean="0"/>
-              <a:t>20.01.2017</a:t>
+              <a:t>22.01.2017</a:t>
             </a:fld>
             <a:endParaRPr lang="de-AT"/>
           </a:p>
@@ -6518,7 +7613,7 @@
           <a:p>
             <a:fld id="{81E4DA5A-B91E-4736-AA36-536C06A9A47C}" type="datetimeFigureOut">
               <a:rPr lang="de-AT" smtClean="0"/>
-              <a:t>20.01.2017</a:t>
+              <a:t>22.01.2017</a:t>
             </a:fld>
             <a:endParaRPr lang="de-AT"/>
           </a:p>
@@ -6885,7 +7980,7 @@
           <a:p>
             <a:fld id="{81E4DA5A-B91E-4736-AA36-536C06A9A47C}" type="datetimeFigureOut">
               <a:rPr lang="de-AT" smtClean="0"/>
-              <a:t>20.01.2017</a:t>
+              <a:t>22.01.2017</a:t>
             </a:fld>
             <a:endParaRPr lang="de-AT"/>
           </a:p>
@@ -7003,7 +8098,7 @@
           <a:p>
             <a:fld id="{81E4DA5A-B91E-4736-AA36-536C06A9A47C}" type="datetimeFigureOut">
               <a:rPr lang="de-AT" smtClean="0"/>
-              <a:t>20.01.2017</a:t>
+              <a:t>22.01.2017</a:t>
             </a:fld>
             <a:endParaRPr lang="de-AT"/>
           </a:p>
@@ -7098,7 +8193,7 @@
           <a:p>
             <a:fld id="{81E4DA5A-B91E-4736-AA36-536C06A9A47C}" type="datetimeFigureOut">
               <a:rPr lang="de-AT" smtClean="0"/>
-              <a:t>20.01.2017</a:t>
+              <a:t>22.01.2017</a:t>
             </a:fld>
             <a:endParaRPr lang="de-AT"/>
           </a:p>
@@ -7375,7 +8470,7 @@
           <a:p>
             <a:fld id="{81E4DA5A-B91E-4736-AA36-536C06A9A47C}" type="datetimeFigureOut">
               <a:rPr lang="de-AT" smtClean="0"/>
-              <a:t>20.01.2017</a:t>
+              <a:t>22.01.2017</a:t>
             </a:fld>
             <a:endParaRPr lang="de-AT"/>
           </a:p>
@@ -7632,7 +8727,7 @@
           <a:p>
             <a:fld id="{81E4DA5A-B91E-4736-AA36-536C06A9A47C}" type="datetimeFigureOut">
               <a:rPr lang="de-AT" smtClean="0"/>
-              <a:t>20.01.2017</a:t>
+              <a:t>22.01.2017</a:t>
             </a:fld>
             <a:endParaRPr lang="de-AT"/>
           </a:p>
@@ -7697,9 +8792,16 @@
 <p:sldMaster xmlns:a="http://schemas.openxmlformats.org/drawingml/2006/main" xmlns:r="http://schemas.openxmlformats.org/officeDocument/2006/relationships" xmlns:p="http://schemas.openxmlformats.org/presentationml/2006/main">
   <p:cSld>
     <p:bg>
-      <p:bgRef idx="1001">
-        <a:schemeClr val="bg1"/>
-      </p:bgRef>
+      <p:bgPr>
+        <a:blipFill dpi="0" rotWithShape="1">
+          <a:blip r:embed="rId13">
+            <a:lum/>
+          </a:blip>
+          <a:srcRect/>
+          <a:tile tx="0" ty="0" sx="100000" sy="100000" flip="none" algn="tl"/>
+        </a:blipFill>
+        <a:effectLst/>
+      </p:bgPr>
     </p:bg>
     <p:spTree>
       <p:nvGrpSpPr>
@@ -7845,7 +8947,7 @@
           <a:p>
             <a:fld id="{81E4DA5A-B91E-4736-AA36-536C06A9A47C}" type="datetimeFigureOut">
               <a:rPr lang="de-AT" smtClean="0"/>
-              <a:t>20.01.2017</a:t>
+              <a:t>22.01.2017</a:t>
             </a:fld>
             <a:endParaRPr lang="de-AT"/>
           </a:p>
@@ -8388,7 +9490,7 @@
             </a:pPr>
             <a:r>
               <a:rPr lang="de-AT" sz="3600" b="1" dirty="0"/>
-              <a:t>The MMOTTG Site</a:t>
+              <a:t>The MMOTTTG Site</a:t>
             </a:r>
           </a:p>
           <a:p>
@@ -8421,6 +9523,18 @@
 <file path=ppt/slides/slide2.xml><?xml version="1.0" encoding="utf-8"?>
 <p:sld xmlns:a="http://schemas.openxmlformats.org/drawingml/2006/main" xmlns:r="http://schemas.openxmlformats.org/officeDocument/2006/relationships" xmlns:p="http://schemas.openxmlformats.org/presentationml/2006/main">
   <p:cSld>
+    <p:bg>
+      <p:bgPr>
+        <a:blipFill dpi="0" rotWithShape="1">
+          <a:blip r:embed="rId3">
+            <a:lum/>
+          </a:blip>
+          <a:srcRect/>
+          <a:tile tx="0" ty="0" sx="100000" sy="100000" flip="none" algn="tl"/>
+        </a:blipFill>
+        <a:effectLst/>
+      </p:bgPr>
+    </p:bg>
     <p:spTree>
       <p:nvGrpSpPr>
         <p:cNvPr id="1" name=""/>
@@ -8676,47 +9790,27 @@
           <a:lstStyle/>
           <a:p>
             <a:r>
-              <a:rPr lang="de-AT" dirty="0" err="1"/>
-              <a:t>Introduction</a:t>
-            </a:r>
-            <a:endParaRPr lang="de-AT" dirty="0"/>
-          </a:p>
-          <a:p>
-            <a:r>
-              <a:rPr lang="de-AT" dirty="0"/>
-              <a:t>Project </a:t>
-            </a:r>
-            <a:r>
-              <a:rPr lang="de-AT" dirty="0" err="1"/>
-              <a:t>review</a:t>
-            </a:r>
-            <a:endParaRPr lang="de-AT" dirty="0"/>
-          </a:p>
-          <a:p>
-            <a:r>
-              <a:rPr lang="de-AT" dirty="0" err="1"/>
-              <a:t>Learned</a:t>
-            </a:r>
-            <a:r>
-              <a:rPr lang="de-AT" dirty="0"/>
-              <a:t> </a:t>
-            </a:r>
-            <a:r>
-              <a:rPr lang="de-AT" dirty="0" err="1"/>
-              <a:t>lessons</a:t>
-            </a:r>
-            <a:endParaRPr lang="de-AT" dirty="0"/>
-          </a:p>
-          <a:p>
-            <a:r>
-              <a:rPr lang="de-AT" dirty="0"/>
-              <a:t>The </a:t>
-            </a:r>
-            <a:r>
-              <a:rPr lang="de-AT" dirty="0" err="1"/>
-              <a:t>result</a:t>
-            </a:r>
-            <a:endParaRPr lang="de-AT" dirty="0"/>
+              <a:rPr lang="en-US" dirty="0"/>
+              <a:t>introduction</a:t>
+            </a:r>
+          </a:p>
+          <a:p>
+            <a:r>
+              <a:rPr lang="en-US" dirty="0"/>
+              <a:t>project review</a:t>
+            </a:r>
+          </a:p>
+          <a:p>
+            <a:r>
+              <a:rPr lang="en-US" dirty="0"/>
+              <a:t>learned lessons</a:t>
+            </a:r>
+          </a:p>
+          <a:p>
+            <a:r>
+              <a:rPr lang="en-US" dirty="0"/>
+              <a:t>the result</a:t>
+            </a:r>
           </a:p>
           <a:p>
             <a:endParaRPr lang="de-AT" dirty="0"/>
@@ -8735,7 +9829,7 @@
           <p:nvPr/>
         </p:nvPicPr>
         <p:blipFill>
-          <a:blip r:embed="rId3">
+          <a:blip r:embed="rId4">
             <a:extLst>
               <a:ext uri="{28A0092B-C50C-407E-A947-70E740481C1C}">
                 <a14:useLocalDpi xmlns:a14="http://schemas.microsoft.com/office/drawing/2010/main"/>
@@ -8848,6 +9942,70 @@
           <a:chExt cx="0" cy="0"/>
         </a:xfrm>
       </p:grpSpPr>
+      <p:sp>
+        <p:nvSpPr>
+          <p:cNvPr id="16" name="Rechteck: abgerundete Ecken 15"/>
+          <p:cNvSpPr/>
+          <p:nvPr/>
+        </p:nvSpPr>
+        <p:spPr>
+          <a:xfrm>
+            <a:off x="166259" y="876695"/>
+            <a:ext cx="8829858" cy="4130180"/>
+          </a:xfrm>
+          <a:prstGeom prst="roundRect">
+            <a:avLst/>
+          </a:prstGeom>
+          <a:gradFill flip="none" rotWithShape="1">
+            <a:gsLst>
+              <a:gs pos="0">
+                <a:schemeClr val="bg1">
+                  <a:alpha val="0"/>
+                </a:schemeClr>
+              </a:gs>
+              <a:gs pos="100000">
+                <a:schemeClr val="bg1">
+                  <a:alpha val="80000"/>
+                </a:schemeClr>
+              </a:gs>
+            </a:gsLst>
+            <a:lin ang="10800000" scaled="1"/>
+            <a:tileRect/>
+          </a:gradFill>
+          <a:ln>
+            <a:noFill/>
+          </a:ln>
+        </p:spPr>
+        <p:style>
+          <a:lnRef idx="2">
+            <a:schemeClr val="accent1">
+              <a:shade val="50000"/>
+            </a:schemeClr>
+          </a:lnRef>
+          <a:fillRef idx="1">
+            <a:schemeClr val="accent1"/>
+          </a:fillRef>
+          <a:effectRef idx="0">
+            <a:schemeClr val="accent1"/>
+          </a:effectRef>
+          <a:fontRef idx="minor">
+            <a:schemeClr val="lt1"/>
+          </a:fontRef>
+        </p:style>
+        <p:txBody>
+          <a:bodyPr rot="0" spcFirstLastPara="0" vertOverflow="overflow" horzOverflow="overflow" vert="horz" wrap="square" lIns="91440" tIns="45720" rIns="91440" bIns="45720" numCol="1" spcCol="0" rtlCol="0" fromWordArt="0" anchor="ctr" anchorCtr="0" forceAA="0" compatLnSpc="1">
+            <a:prstTxWarp prst="textNoShape">
+              <a:avLst/>
+            </a:prstTxWarp>
+            <a:noAutofit/>
+          </a:bodyPr>
+          <a:lstStyle/>
+          <a:p>
+            <a:pPr algn="ctr"/>
+            <a:endParaRPr lang="de-AT"/>
+          </a:p>
+        </p:txBody>
+      </p:sp>
       <p:sp>
         <p:nvSpPr>
           <p:cNvPr id="14" name="Rechteck 13"/>
@@ -8996,10 +10154,9 @@
               </a:lnSpc>
             </a:pPr>
             <a:r>
-              <a:rPr lang="de-AT" sz="4000" dirty="0" err="1"/>
+              <a:rPr lang="en-US" sz="4000" dirty="0"/>
               <a:t>Introduction</a:t>
             </a:r>
-            <a:endParaRPr lang="de-AT" sz="4000" dirty="0"/>
           </a:p>
         </p:txBody>
       </p:sp>
@@ -9072,7 +10229,7 @@
           <p:nvPr>
             <p:extLst>
               <p:ext uri="{D42A27DB-BD31-4B8C-83A1-F6EECF244321}">
-                <p14:modId xmlns:p14="http://schemas.microsoft.com/office/powerpoint/2010/main" val="924698543"/>
+                <p14:modId xmlns:p14="http://schemas.microsoft.com/office/powerpoint/2010/main" val="1639379638"/>
               </p:ext>
             </p:extLst>
           </p:nvPr>
@@ -9140,64 +10297,33 @@
           <a:lstStyle/>
           <a:p>
             <a:r>
-              <a:rPr lang="de-AT" dirty="0"/>
+              <a:rPr lang="en-US" dirty="0"/>
               <a:t>Website</a:t>
             </a:r>
           </a:p>
           <a:p>
             <a:r>
-              <a:rPr lang="de-AT" dirty="0"/>
-              <a:t>Team </a:t>
-            </a:r>
-            <a:r>
-              <a:rPr lang="de-AT" dirty="0" err="1"/>
-              <a:t>based</a:t>
-            </a:r>
-            <a:r>
-              <a:rPr lang="de-AT" dirty="0"/>
-              <a:t> </a:t>
-            </a:r>
-            <a:r>
-              <a:rPr lang="de-AT" dirty="0" err="1"/>
-              <a:t>gaming</a:t>
-            </a:r>
-            <a:r>
-              <a:rPr lang="de-AT" dirty="0"/>
-              <a:t> </a:t>
-            </a:r>
-            <a:r>
-              <a:rPr lang="de-AT" dirty="0" err="1"/>
-              <a:t>experience</a:t>
-            </a:r>
-            <a:endParaRPr lang="de-AT" dirty="0"/>
+              <a:rPr lang="en-US" dirty="0"/>
+              <a:t>Team based gaming experience</a:t>
+            </a:r>
           </a:p>
           <a:p>
             <a:pPr lvl="1"/>
             <a:r>
-              <a:rPr lang="de-AT" sz="2500" dirty="0"/>
-              <a:t>4 in a </a:t>
-            </a:r>
-            <a:r>
-              <a:rPr lang="de-AT" sz="2500" dirty="0" err="1"/>
-              <a:t>row</a:t>
-            </a:r>
-            <a:endParaRPr lang="de-AT" sz="2500" dirty="0"/>
+              <a:rPr lang="en-US" sz="2500" dirty="0"/>
+              <a:t>4 in a row</a:t>
+            </a:r>
           </a:p>
           <a:p>
             <a:pPr lvl="1"/>
             <a:r>
-              <a:rPr lang="de-AT" sz="2500" dirty="0"/>
-              <a:t>tick-tack-</a:t>
-            </a:r>
-            <a:r>
-              <a:rPr lang="de-AT" sz="2500" dirty="0" err="1"/>
-              <a:t>toe</a:t>
-            </a:r>
-            <a:endParaRPr lang="de-AT" sz="2500" dirty="0"/>
-          </a:p>
-          <a:p>
-            <a:r>
-              <a:rPr lang="de-AT" dirty="0"/>
+              <a:rPr lang="en-US" sz="2500" dirty="0"/>
+              <a:t>tick-tack-toe</a:t>
+            </a:r>
+          </a:p>
+          <a:p>
+            <a:r>
+              <a:rPr lang="en-US" dirty="0"/>
               <a:t>Chat</a:t>
             </a:r>
           </a:p>
@@ -9212,7 +10338,7 @@
         <p:spPr>
           <a:xfrm>
             <a:off x="5462954" y="4958861"/>
-            <a:ext cx="2279727" cy="646331"/>
+            <a:ext cx="2282933" cy="646331"/>
           </a:xfrm>
           <a:prstGeom prst="rect">
             <a:avLst/>
@@ -9227,15 +10353,7 @@
           <a:p>
             <a:r>
               <a:rPr lang="de-AT" dirty="0"/>
-              <a:t>Hier </a:t>
-            </a:r>
-            <a:r>
-              <a:rPr lang="de-AT" dirty="0" err="1"/>
-              <a:t>bilder</a:t>
-            </a:r>
-            <a:r>
-              <a:rPr lang="de-AT" dirty="0"/>
-              <a:t> einfügen!!!</a:t>
+              <a:t>Hier Bilder einfügen!!!</a:t>
             </a:r>
           </a:p>
           <a:p>
@@ -9257,6 +10375,362 @@
 </file>
 
 <file path=ppt/slides/slide4.xml><?xml version="1.0" encoding="utf-8"?>
+<p:sld xmlns:a="http://schemas.openxmlformats.org/drawingml/2006/main" xmlns:r="http://schemas.openxmlformats.org/officeDocument/2006/relationships" xmlns:p="http://schemas.openxmlformats.org/presentationml/2006/main">
+  <p:cSld>
+    <p:spTree>
+      <p:nvGrpSpPr>
+        <p:cNvPr id="1" name=""/>
+        <p:cNvGrpSpPr/>
+        <p:nvPr/>
+      </p:nvGrpSpPr>
+      <p:grpSpPr>
+        <a:xfrm>
+          <a:off x="0" y="0"/>
+          <a:ext cx="0" cy="0"/>
+          <a:chOff x="0" y="0"/>
+          <a:chExt cx="0" cy="0"/>
+        </a:xfrm>
+      </p:grpSpPr>
+      <p:pic>
+        <p:nvPicPr>
+          <p:cNvPr id="5" name="Grafik 4"/>
+          <p:cNvPicPr>
+            <a:picLocks noChangeAspect="1"/>
+          </p:cNvPicPr>
+          <p:nvPr/>
+        </p:nvPicPr>
+        <p:blipFill>
+          <a:blip r:embed="rId3">
+            <a:clrChange>
+              <a:clrFrom>
+                <a:srgbClr val="FFFFFF"/>
+              </a:clrFrom>
+              <a:clrTo>
+                <a:srgbClr val="FFFFFF">
+                  <a:alpha val="0"/>
+                </a:srgbClr>
+              </a:clrTo>
+            </a:clrChange>
+          </a:blip>
+          <a:stretch>
+            <a:fillRect/>
+          </a:stretch>
+        </p:blipFill>
+        <p:spPr>
+          <a:xfrm>
+            <a:off x="682982" y="876694"/>
+            <a:ext cx="7408985" cy="5151455"/>
+          </a:xfrm>
+          <a:prstGeom prst="rect">
+            <a:avLst/>
+          </a:prstGeom>
+        </p:spPr>
+      </p:pic>
+      <p:sp>
+        <p:nvSpPr>
+          <p:cNvPr id="14" name="Rechteck 13"/>
+          <p:cNvSpPr/>
+          <p:nvPr/>
+        </p:nvSpPr>
+        <p:spPr>
+          <a:xfrm flipV="1">
+            <a:off x="-1718553" y="6061440"/>
+            <a:ext cx="12490315" cy="980389"/>
+          </a:xfrm>
+          <a:prstGeom prst="rect">
+            <a:avLst/>
+          </a:prstGeom>
+          <a:gradFill flip="none" rotWithShape="1">
+            <a:gsLst>
+              <a:gs pos="0">
+                <a:schemeClr val="accent1">
+                  <a:lumMod val="5000"/>
+                  <a:lumOff val="95000"/>
+                </a:schemeClr>
+              </a:gs>
+              <a:gs pos="100000">
+                <a:srgbClr val="0E78AD"/>
+              </a:gs>
+            </a:gsLst>
+            <a:lin ang="0" scaled="1"/>
+            <a:tileRect/>
+          </a:gradFill>
+          <a:ln w="50800">
+            <a:solidFill>
+              <a:srgbClr val="0E78AD"/>
+            </a:solidFill>
+          </a:ln>
+        </p:spPr>
+        <p:style>
+          <a:lnRef idx="2">
+            <a:schemeClr val="accent1">
+              <a:shade val="50000"/>
+            </a:schemeClr>
+          </a:lnRef>
+          <a:fillRef idx="1">
+            <a:schemeClr val="accent1"/>
+          </a:fillRef>
+          <a:effectRef idx="0">
+            <a:schemeClr val="accent1"/>
+          </a:effectRef>
+          <a:fontRef idx="minor">
+            <a:schemeClr val="lt1"/>
+          </a:fontRef>
+        </p:style>
+        <p:txBody>
+          <a:bodyPr rtlCol="0" anchor="ctr"/>
+          <a:lstStyle/>
+          <a:p>
+            <a:pPr algn="ctr"/>
+            <a:endParaRPr lang="de-AT" dirty="0"/>
+          </a:p>
+        </p:txBody>
+      </p:sp>
+      <p:sp>
+        <p:nvSpPr>
+          <p:cNvPr id="13" name="Rechteck 12"/>
+          <p:cNvSpPr/>
+          <p:nvPr/>
+        </p:nvSpPr>
+        <p:spPr>
+          <a:xfrm flipV="1">
+            <a:off x="-1718553" y="-84840"/>
+            <a:ext cx="12490315" cy="961534"/>
+          </a:xfrm>
+          <a:prstGeom prst="rect">
+            <a:avLst/>
+          </a:prstGeom>
+          <a:gradFill flip="none" rotWithShape="1">
+            <a:gsLst>
+              <a:gs pos="0">
+                <a:schemeClr val="accent1">
+                  <a:lumMod val="5000"/>
+                  <a:lumOff val="95000"/>
+                </a:schemeClr>
+              </a:gs>
+              <a:gs pos="100000">
+                <a:srgbClr val="0E78AD"/>
+              </a:gs>
+            </a:gsLst>
+            <a:lin ang="0" scaled="1"/>
+            <a:tileRect/>
+          </a:gradFill>
+          <a:ln w="50800">
+            <a:solidFill>
+              <a:srgbClr val="0E78AD"/>
+            </a:solidFill>
+          </a:ln>
+        </p:spPr>
+        <p:style>
+          <a:lnRef idx="2">
+            <a:schemeClr val="accent1">
+              <a:shade val="50000"/>
+            </a:schemeClr>
+          </a:lnRef>
+          <a:fillRef idx="1">
+            <a:schemeClr val="accent1"/>
+          </a:fillRef>
+          <a:effectRef idx="0">
+            <a:schemeClr val="accent1"/>
+          </a:effectRef>
+          <a:fontRef idx="minor">
+            <a:schemeClr val="lt1"/>
+          </a:fontRef>
+        </p:style>
+        <p:txBody>
+          <a:bodyPr rtlCol="0" anchor="ctr"/>
+          <a:lstStyle/>
+          <a:p>
+            <a:pPr algn="ctr"/>
+            <a:endParaRPr lang="de-AT"/>
+          </a:p>
+        </p:txBody>
+      </p:sp>
+      <p:sp>
+        <p:nvSpPr>
+          <p:cNvPr id="8" name="Titel 7"/>
+          <p:cNvSpPr>
+            <a:spLocks noGrp="1"/>
+          </p:cNvSpPr>
+          <p:nvPr>
+            <p:ph type="title"/>
+          </p:nvPr>
+        </p:nvSpPr>
+        <p:spPr>
+          <a:xfrm>
+            <a:off x="1093509" y="-85598"/>
+            <a:ext cx="7902608" cy="962293"/>
+          </a:xfrm>
+        </p:spPr>
+        <p:txBody>
+          <a:bodyPr>
+            <a:normAutofit/>
+          </a:bodyPr>
+          <a:lstStyle/>
+          <a:p>
+            <a:pPr>
+              <a:lnSpc>
+                <a:spcPct val="100000"/>
+              </a:lnSpc>
+            </a:pPr>
+            <a:r>
+              <a:rPr lang="de-AT" sz="4000" dirty="0"/>
+              <a:t>Project Review</a:t>
+            </a:r>
+          </a:p>
+        </p:txBody>
+      </p:sp>
+      <p:sp>
+        <p:nvSpPr>
+          <p:cNvPr id="10" name="Textfeld 9"/>
+          <p:cNvSpPr txBox="1"/>
+          <p:nvPr/>
+        </p:nvSpPr>
+        <p:spPr>
+          <a:xfrm>
+            <a:off x="-10180" y="6182296"/>
+            <a:ext cx="2365391" cy="369332"/>
+          </a:xfrm>
+          <a:prstGeom prst="rect">
+            <a:avLst/>
+          </a:prstGeom>
+          <a:noFill/>
+        </p:spPr>
+        <p:txBody>
+          <a:bodyPr wrap="none" rtlCol="0">
+            <a:spAutoFit/>
+          </a:bodyPr>
+          <a:lstStyle/>
+          <a:p>
+            <a:r>
+              <a:rPr lang="de-AT" dirty="0"/>
+              <a:t>www.multiplay.website</a:t>
+            </a:r>
+          </a:p>
+        </p:txBody>
+      </p:sp>
+      <p:sp>
+        <p:nvSpPr>
+          <p:cNvPr id="11" name="Textfeld 10"/>
+          <p:cNvSpPr txBox="1"/>
+          <p:nvPr/>
+        </p:nvSpPr>
+        <p:spPr>
+          <a:xfrm>
+            <a:off x="8505923" y="6182296"/>
+            <a:ext cx="301686" cy="369332"/>
+          </a:xfrm>
+          <a:prstGeom prst="rect">
+            <a:avLst/>
+          </a:prstGeom>
+          <a:noFill/>
+        </p:spPr>
+        <p:txBody>
+          <a:bodyPr wrap="none" rtlCol="0">
+            <a:spAutoFit/>
+          </a:bodyPr>
+          <a:lstStyle/>
+          <a:p>
+            <a:r>
+              <a:rPr lang="de-AT" dirty="0">
+                <a:solidFill>
+                  <a:schemeClr val="bg1"/>
+                </a:solidFill>
+              </a:rPr>
+              <a:t>3</a:t>
+            </a:r>
+          </a:p>
+        </p:txBody>
+      </p:sp>
+      <p:pic>
+        <p:nvPicPr>
+          <p:cNvPr id="15" name="Grafik 14"/>
+          <p:cNvPicPr>
+            <a:picLocks noChangeAspect="1"/>
+          </p:cNvPicPr>
+          <p:nvPr/>
+        </p:nvPicPr>
+        <p:blipFill>
+          <a:blip r:embed="rId4">
+            <a:extLst>
+              <a:ext uri="{28A0092B-C50C-407E-A947-70E740481C1C}">
+                <a14:useLocalDpi xmlns:a14="http://schemas.microsoft.com/office/drawing/2010/main"/>
+              </a:ext>
+            </a:extLst>
+          </a:blip>
+          <a:stretch>
+            <a:fillRect/>
+          </a:stretch>
+        </p:blipFill>
+        <p:spPr>
+          <a:xfrm>
+            <a:off x="-1" y="-9426"/>
+            <a:ext cx="864000" cy="864000"/>
+          </a:xfrm>
+          <a:prstGeom prst="rect">
+            <a:avLst/>
+          </a:prstGeom>
+        </p:spPr>
+      </p:pic>
+      <p:sp>
+        <p:nvSpPr>
+          <p:cNvPr id="18" name="Textfeld 17"/>
+          <p:cNvSpPr txBox="1"/>
+          <p:nvPr/>
+        </p:nvSpPr>
+        <p:spPr>
+          <a:xfrm>
+            <a:off x="431999" y="1816108"/>
+            <a:ext cx="8375610" cy="3631763"/>
+          </a:xfrm>
+          <a:prstGeom prst="rect">
+            <a:avLst/>
+          </a:prstGeom>
+          <a:noFill/>
+        </p:spPr>
+        <p:txBody>
+          <a:bodyPr wrap="square" rtlCol="0">
+            <a:spAutoFit/>
+          </a:bodyPr>
+          <a:lstStyle/>
+          <a:p>
+            <a:r>
+              <a:rPr lang="de-AT" sz="11500" dirty="0"/>
+              <a:t>SIMPLYFY !!!!</a:t>
+            </a:r>
+            <a:br>
+              <a:rPr lang="de-AT" sz="11500" dirty="0"/>
+            </a:br>
+            <a:r>
+              <a:rPr lang="de-AT" sz="11500" dirty="0" err="1"/>
+              <a:t>And</a:t>
+            </a:r>
+            <a:r>
+              <a:rPr lang="de-AT" sz="11500" dirty="0"/>
+              <a:t> </a:t>
+            </a:r>
+            <a:r>
+              <a:rPr lang="de-AT" sz="11500" dirty="0" err="1"/>
+              <a:t>animate</a:t>
+            </a:r>
+            <a:endParaRPr lang="de-AT" sz="11500" dirty="0"/>
+          </a:p>
+        </p:txBody>
+      </p:sp>
+    </p:spTree>
+    <p:extLst>
+      <p:ext uri="{BB962C8B-B14F-4D97-AF65-F5344CB8AC3E}">
+        <p14:creationId xmlns:p14="http://schemas.microsoft.com/office/powerpoint/2010/main" val="1253012379"/>
+      </p:ext>
+    </p:extLst>
+  </p:cSld>
+  <p:clrMapOvr>
+    <a:masterClrMapping/>
+  </p:clrMapOvr>
+</p:sld>
+</file>
+
+<file path=ppt/slides/slide5.xml><?xml version="1.0" encoding="utf-8"?>
 <p:sld xmlns:a="http://schemas.openxmlformats.org/drawingml/2006/main" xmlns:r="http://schemas.openxmlformats.org/officeDocument/2006/relationships" xmlns:p="http://schemas.openxmlformats.org/presentationml/2006/main">
   <p:cSld>
     <p:spTree>
@@ -9486,13 +10960,8 @@
             </a:pPr>
             <a:r>
               <a:rPr lang="de-AT" sz="4000" dirty="0"/>
-              <a:t>Project </a:t>
-            </a:r>
-            <a:r>
-              <a:rPr lang="de-AT" sz="4000" dirty="0" err="1"/>
-              <a:t>review</a:t>
-            </a:r>
-            <a:endParaRPr lang="de-AT" sz="4000" dirty="0"/>
+              <a:t>Project Review</a:t>
+            </a:r>
           </a:p>
         </p:txBody>
       </p:sp>
@@ -9518,6 +10987,12 @@
           </a:bodyPr>
           <a:lstStyle/>
           <a:p>
+            <a:pPr marL="0" indent="0">
+              <a:buNone/>
+            </a:pPr>
+            <a:endParaRPr lang="de-AT" dirty="0"/>
+          </a:p>
+          <a:p>
             <a:r>
               <a:rPr lang="de-AT" dirty="0"/>
               <a:t>Hier kommt das ganze PM </a:t>
@@ -9542,15 +11017,6 @@
               <a:rPr lang="de-AT" dirty="0"/>
               <a:t>Schätzung der PMs und vergleich mit tatsächlichem Wert</a:t>
             </a:r>
-          </a:p>
-          <a:p>
-            <a:r>
-              <a:rPr lang="de-AT" dirty="0"/>
-              <a:t>Was wir benutzt haben für Technologien</a:t>
-            </a:r>
-          </a:p>
-          <a:p>
-            <a:endParaRPr lang="de-AT" dirty="0"/>
           </a:p>
         </p:txBody>
       </p:sp>
@@ -9646,10 +11112,34 @@
           </a:prstGeom>
         </p:spPr>
       </p:pic>
+      <p:pic>
+        <p:nvPicPr>
+          <p:cNvPr id="2" name="Grafik 1"/>
+          <p:cNvPicPr>
+            <a:picLocks noChangeAspect="1"/>
+          </p:cNvPicPr>
+          <p:nvPr/>
+        </p:nvPicPr>
+        <p:blipFill>
+          <a:blip r:embed="rId4"/>
+          <a:stretch>
+            <a:fillRect/>
+          </a:stretch>
+        </p:blipFill>
+        <p:spPr>
+          <a:xfrm>
+            <a:off x="-45396" y="4111968"/>
+            <a:ext cx="9144000" cy="1703294"/>
+          </a:xfrm>
+          <a:prstGeom prst="rect">
+            <a:avLst/>
+          </a:prstGeom>
+        </p:spPr>
+      </p:pic>
     </p:spTree>
     <p:extLst>
       <p:ext uri="{BB962C8B-B14F-4D97-AF65-F5344CB8AC3E}">
-        <p14:creationId xmlns:p14="http://schemas.microsoft.com/office/powerpoint/2010/main" val="1253012379"/>
+        <p14:creationId xmlns:p14="http://schemas.microsoft.com/office/powerpoint/2010/main" val="234440923"/>
       </p:ext>
     </p:extLst>
   </p:cSld>
@@ -9659,7 +11149,7 @@
 </p:sld>
 </file>
 
-<file path=ppt/slides/slide5.xml><?xml version="1.0" encoding="utf-8"?>
+<file path=ppt/slides/slide6.xml><?xml version="1.0" encoding="utf-8"?>
 <p:sld xmlns:a="http://schemas.openxmlformats.org/drawingml/2006/main" xmlns:r="http://schemas.openxmlformats.org/officeDocument/2006/relationships" xmlns:p="http://schemas.openxmlformats.org/presentationml/2006/main">
   <p:cSld>
     <p:spTree>
@@ -9824,18 +11314,9 @@
               </a:lnSpc>
             </a:pPr>
             <a:r>
-              <a:rPr lang="de-AT" sz="4000" dirty="0" err="1"/>
-              <a:t>Learned</a:t>
-            </a:r>
-            <a:r>
-              <a:rPr lang="de-AT" sz="4000" dirty="0"/>
-              <a:t> </a:t>
-            </a:r>
-            <a:r>
-              <a:rPr lang="de-AT" sz="4000" dirty="0" err="1"/>
-              <a:t>lessons</a:t>
-            </a:r>
-            <a:endParaRPr lang="de-AT" sz="4000" dirty="0"/>
+              <a:rPr lang="en-US" sz="4000" dirty="0"/>
+              <a:t>Learned Lessons</a:t>
+            </a:r>
           </a:p>
         </p:txBody>
       </p:sp>
@@ -10127,7 +11608,7 @@
 </p:sld>
 </file>
 
-<file path=ppt/slides/slide6.xml><?xml version="1.0" encoding="utf-8"?>
+<file path=ppt/slides/slide7.xml><?xml version="1.0" encoding="utf-8"?>
 <p:sld xmlns:a="http://schemas.openxmlformats.org/drawingml/2006/main" xmlns:r="http://schemas.openxmlformats.org/officeDocument/2006/relationships" xmlns:p="http://schemas.openxmlformats.org/presentationml/2006/main">
   <p:cSld>
     <p:spTree>

--- a/doc/Projektpraesentation_2017-01-23.pptx
+++ b/doc/Projektpraesentation_2017-01-23.pptx
@@ -1142,6 +1142,13 @@
         </dgm:presLayoutVars>
       </dgm:prSet>
       <dgm:spPr/>
+      <dgm:t>
+        <a:bodyPr/>
+        <a:lstStyle/>
+        <a:p>
+          <a:endParaRPr lang="de-AT"/>
+        </a:p>
+      </dgm:t>
     </dgm:pt>
     <dgm:pt modelId="{6FDF0570-80CC-455C-A13F-F88D0E951F1C}" type="pres">
       <dgm:prSet presAssocID="{20059406-BD8B-4E55-A3D8-C969D088B016}" presName="hierRoot1" presStyleCnt="0">
@@ -1163,6 +1170,13 @@
         </dgm:presLayoutVars>
       </dgm:prSet>
       <dgm:spPr/>
+      <dgm:t>
+        <a:bodyPr/>
+        <a:lstStyle/>
+        <a:p>
+          <a:endParaRPr lang="de-AT"/>
+        </a:p>
+      </dgm:t>
     </dgm:pt>
     <dgm:pt modelId="{FDB1AC64-F678-469B-9507-3DEB0AFE1051}" type="pres">
       <dgm:prSet presAssocID="{20059406-BD8B-4E55-A3D8-C969D088B016}" presName="titleText1" presStyleLbl="fgAcc0" presStyleIdx="0" presStyleCnt="1">
@@ -1172,10 +1186,24 @@
         </dgm:presLayoutVars>
       </dgm:prSet>
       <dgm:spPr/>
+      <dgm:t>
+        <a:bodyPr/>
+        <a:lstStyle/>
+        <a:p>
+          <a:endParaRPr lang="de-AT"/>
+        </a:p>
+      </dgm:t>
     </dgm:pt>
     <dgm:pt modelId="{A61F234B-0585-46A7-BCD8-745401D0B266}" type="pres">
       <dgm:prSet presAssocID="{20059406-BD8B-4E55-A3D8-C969D088B016}" presName="rootConnector1" presStyleLbl="node1" presStyleIdx="0" presStyleCnt="2"/>
       <dgm:spPr/>
+      <dgm:t>
+        <a:bodyPr/>
+        <a:lstStyle/>
+        <a:p>
+          <a:endParaRPr lang="de-AT"/>
+        </a:p>
+      </dgm:t>
     </dgm:pt>
     <dgm:pt modelId="{A34A6A3D-163B-4DE8-87C1-3425AF654ED2}" type="pres">
       <dgm:prSet presAssocID="{20059406-BD8B-4E55-A3D8-C969D088B016}" presName="hierChild2" presStyleCnt="0"/>
@@ -1184,6 +1212,13 @@
     <dgm:pt modelId="{E7AC83D8-6B8B-4F09-9A35-7EA9A0698357}" type="pres">
       <dgm:prSet presAssocID="{D5164096-2E3E-4A76-AE62-F999EBA0BF5B}" presName="Name37" presStyleLbl="parChTrans1D2" presStyleIdx="0" presStyleCnt="3"/>
       <dgm:spPr/>
+      <dgm:t>
+        <a:bodyPr/>
+        <a:lstStyle/>
+        <a:p>
+          <a:endParaRPr lang="de-AT"/>
+        </a:p>
+      </dgm:t>
     </dgm:pt>
     <dgm:pt modelId="{D8FF4BE5-C9CD-46FE-84BE-437158F40B21}" type="pres">
       <dgm:prSet presAssocID="{94048916-DF9A-4086-BB48-11FCC2B23560}" presName="hierRoot2" presStyleCnt="0">
@@ -1205,6 +1240,13 @@
         </dgm:presLayoutVars>
       </dgm:prSet>
       <dgm:spPr/>
+      <dgm:t>
+        <a:bodyPr/>
+        <a:lstStyle/>
+        <a:p>
+          <a:endParaRPr lang="de-AT"/>
+        </a:p>
+      </dgm:t>
     </dgm:pt>
     <dgm:pt modelId="{085A1E17-6888-4ED1-A757-135ACFFC0060}" type="pres">
       <dgm:prSet presAssocID="{94048916-DF9A-4086-BB48-11FCC2B23560}" presName="titleText2" presStyleLbl="fgAcc1" presStyleIdx="0" presStyleCnt="2">
@@ -1214,10 +1256,24 @@
         </dgm:presLayoutVars>
       </dgm:prSet>
       <dgm:spPr/>
+      <dgm:t>
+        <a:bodyPr/>
+        <a:lstStyle/>
+        <a:p>
+          <a:endParaRPr lang="de-AT"/>
+        </a:p>
+      </dgm:t>
     </dgm:pt>
     <dgm:pt modelId="{B851F6B2-F1D1-4C70-A8D5-15EC9B51F8CA}" type="pres">
       <dgm:prSet presAssocID="{94048916-DF9A-4086-BB48-11FCC2B23560}" presName="rootConnector" presStyleLbl="node2" presStyleIdx="0" presStyleCnt="0"/>
       <dgm:spPr/>
+      <dgm:t>
+        <a:bodyPr/>
+        <a:lstStyle/>
+        <a:p>
+          <a:endParaRPr lang="de-AT"/>
+        </a:p>
+      </dgm:t>
     </dgm:pt>
     <dgm:pt modelId="{DA235B82-E838-4692-B860-D7F7A6985C60}" type="pres">
       <dgm:prSet presAssocID="{94048916-DF9A-4086-BB48-11FCC2B23560}" presName="hierChild4" presStyleCnt="0"/>
@@ -1230,6 +1286,13 @@
     <dgm:pt modelId="{DF867B46-5BD7-42DF-ACC5-EB33254E9FA6}" type="pres">
       <dgm:prSet presAssocID="{E0DD6EDE-0D0B-431C-9595-B77CA81EA886}" presName="Name37" presStyleLbl="parChTrans1D2" presStyleIdx="1" presStyleCnt="3"/>
       <dgm:spPr/>
+      <dgm:t>
+        <a:bodyPr/>
+        <a:lstStyle/>
+        <a:p>
+          <a:endParaRPr lang="de-AT"/>
+        </a:p>
+      </dgm:t>
     </dgm:pt>
     <dgm:pt modelId="{3884E5D5-95B6-4847-B97D-3EA6A43A426D}" type="pres">
       <dgm:prSet presAssocID="{AFF29BE7-25FC-4575-B4DB-7C07A43F6273}" presName="hierRoot2" presStyleCnt="0">
@@ -1251,6 +1314,13 @@
         </dgm:presLayoutVars>
       </dgm:prSet>
       <dgm:spPr/>
+      <dgm:t>
+        <a:bodyPr/>
+        <a:lstStyle/>
+        <a:p>
+          <a:endParaRPr lang="de-AT"/>
+        </a:p>
+      </dgm:t>
     </dgm:pt>
     <dgm:pt modelId="{918A7BD1-7E2B-44F0-A5C2-418A7388A0C3}" type="pres">
       <dgm:prSet presAssocID="{AFF29BE7-25FC-4575-B4DB-7C07A43F6273}" presName="titleText2" presStyleLbl="fgAcc1" presStyleIdx="1" presStyleCnt="2">
@@ -1260,10 +1330,24 @@
         </dgm:presLayoutVars>
       </dgm:prSet>
       <dgm:spPr/>
+      <dgm:t>
+        <a:bodyPr/>
+        <a:lstStyle/>
+        <a:p>
+          <a:endParaRPr lang="de-AT"/>
+        </a:p>
+      </dgm:t>
     </dgm:pt>
     <dgm:pt modelId="{1D8749A8-F4BF-4C1B-B4DF-72EF68C4C064}" type="pres">
       <dgm:prSet presAssocID="{AFF29BE7-25FC-4575-B4DB-7C07A43F6273}" presName="rootConnector" presStyleLbl="node2" presStyleIdx="0" presStyleCnt="0"/>
       <dgm:spPr/>
+      <dgm:t>
+        <a:bodyPr/>
+        <a:lstStyle/>
+        <a:p>
+          <a:endParaRPr lang="de-AT"/>
+        </a:p>
+      </dgm:t>
     </dgm:pt>
     <dgm:pt modelId="{2EBBF229-8358-416A-B55E-DE27D0EAC071}" type="pres">
       <dgm:prSet presAssocID="{AFF29BE7-25FC-4575-B4DB-7C07A43F6273}" presName="hierChild4" presStyleCnt="0"/>
@@ -1280,6 +1364,13 @@
     <dgm:pt modelId="{066AD075-C727-49B0-8697-5F482CA314A5}" type="pres">
       <dgm:prSet presAssocID="{865FC03B-0A3C-4339-8C40-902CCB541A0F}" presName="Name96" presStyleLbl="parChTrans1D2" presStyleIdx="2" presStyleCnt="3"/>
       <dgm:spPr/>
+      <dgm:t>
+        <a:bodyPr/>
+        <a:lstStyle/>
+        <a:p>
+          <a:endParaRPr lang="de-AT"/>
+        </a:p>
+      </dgm:t>
     </dgm:pt>
     <dgm:pt modelId="{836CFD99-48BE-400C-87B5-8D545A870066}" type="pres">
       <dgm:prSet presAssocID="{BF768398-1F50-47BA-B413-15CFCC39EF06}" presName="hierRoot3" presStyleCnt="0">
@@ -1300,6 +1391,13 @@
         </dgm:presLayoutVars>
       </dgm:prSet>
       <dgm:spPr/>
+      <dgm:t>
+        <a:bodyPr/>
+        <a:lstStyle/>
+        <a:p>
+          <a:endParaRPr lang="de-AT"/>
+        </a:p>
+      </dgm:t>
     </dgm:pt>
     <dgm:pt modelId="{F45B4FC5-3190-478B-8897-3B75D7FA7A0D}" type="pres">
       <dgm:prSet presAssocID="{BF768398-1F50-47BA-B413-15CFCC39EF06}" presName="titleText3" presStyleLbl="fgAcc2" presStyleIdx="0" presStyleCnt="1">
@@ -1309,10 +1407,24 @@
         </dgm:presLayoutVars>
       </dgm:prSet>
       <dgm:spPr/>
+      <dgm:t>
+        <a:bodyPr/>
+        <a:lstStyle/>
+        <a:p>
+          <a:endParaRPr lang="de-AT"/>
+        </a:p>
+      </dgm:t>
     </dgm:pt>
     <dgm:pt modelId="{FAAD20CC-D509-4480-8699-E1231CB7F67A}" type="pres">
       <dgm:prSet presAssocID="{BF768398-1F50-47BA-B413-15CFCC39EF06}" presName="rootConnector3" presStyleLbl="asst1" presStyleIdx="0" presStyleCnt="1"/>
       <dgm:spPr/>
+      <dgm:t>
+        <a:bodyPr/>
+        <a:lstStyle/>
+        <a:p>
+          <a:endParaRPr lang="de-AT"/>
+        </a:p>
+      </dgm:t>
     </dgm:pt>
     <dgm:pt modelId="{DE593395-09FC-440D-8484-50605E23D2A3}" type="pres">
       <dgm:prSet presAssocID="{BF768398-1F50-47BA-B413-15CFCC39EF06}" presName="hierChild6" presStyleCnt="0"/>
@@ -1324,26 +1436,26 @@
     </dgm:pt>
   </dgm:ptLst>
   <dgm:cxnLst>
+    <dgm:cxn modelId="{1EEB3992-FCD5-42C4-9484-C83CE350A0E6}" type="presOf" srcId="{EF6A1E31-EA37-48FB-A847-82C038B6BE12}" destId="{FDB1AC64-F678-469B-9507-3DEB0AFE1051}" srcOrd="0" destOrd="0" presId="urn:microsoft.com/office/officeart/2008/layout/NameandTitleOrganizationalChart"/>
+    <dgm:cxn modelId="{C1C8A121-5C51-4D89-8A06-C3B6381ACCA3}" type="presOf" srcId="{20059406-BD8B-4E55-A3D8-C969D088B016}" destId="{716ECB80-0194-4007-943B-3E4B2B747A67}" srcOrd="0" destOrd="0" presId="urn:microsoft.com/office/officeart/2008/layout/NameandTitleOrganizationalChart"/>
+    <dgm:cxn modelId="{698E2737-EC9E-486D-80E7-869BEB9E0112}" type="presOf" srcId="{34452C4A-3AD4-40CC-ABE0-61FFF178E9D3}" destId="{918A7BD1-7E2B-44F0-A5C2-418A7388A0C3}" srcOrd="0" destOrd="0" presId="urn:microsoft.com/office/officeart/2008/layout/NameandTitleOrganizationalChart"/>
+    <dgm:cxn modelId="{85C6BF22-F502-49FF-A3DD-7F3D1D6D0F86}" type="presOf" srcId="{AFF29BE7-25FC-4575-B4DB-7C07A43F6273}" destId="{CA314C33-65D9-4369-848E-581F54529FDD}" srcOrd="0" destOrd="0" presId="urn:microsoft.com/office/officeart/2008/layout/NameandTitleOrganizationalChart"/>
+    <dgm:cxn modelId="{26BA074D-742A-43E6-838B-380CFFA0A147}" type="presOf" srcId="{BF768398-1F50-47BA-B413-15CFCC39EF06}" destId="{FAAD20CC-D509-4480-8699-E1231CB7F67A}" srcOrd="1" destOrd="0" presId="urn:microsoft.com/office/officeart/2008/layout/NameandTitleOrganizationalChart"/>
     <dgm:cxn modelId="{930F80D7-B70F-4BE9-BA24-52D2B3DD8014}" type="presOf" srcId="{12B38994-7405-4024-876F-61E98715B52C}" destId="{CAC668F8-BDE7-4B23-83A3-A4A585FFEF74}" srcOrd="0" destOrd="0" presId="urn:microsoft.com/office/officeart/2008/layout/NameandTitleOrganizationalChart"/>
-    <dgm:cxn modelId="{1EEB3992-FCD5-42C4-9484-C83CE350A0E6}" type="presOf" srcId="{EF6A1E31-EA37-48FB-A847-82C038B6BE12}" destId="{FDB1AC64-F678-469B-9507-3DEB0AFE1051}" srcOrd="0" destOrd="0" presId="urn:microsoft.com/office/officeart/2008/layout/NameandTitleOrganizationalChart"/>
-    <dgm:cxn modelId="{DE128A50-E354-40E4-A45A-5DADABA48395}" srcId="{20059406-BD8B-4E55-A3D8-C969D088B016}" destId="{94048916-DF9A-4086-BB48-11FCC2B23560}" srcOrd="1" destOrd="0" parTransId="{D5164096-2E3E-4A76-AE62-F999EBA0BF5B}" sibTransId="{0E0DCCDB-5551-4409-93D2-F9FBEB33AEF4}"/>
-    <dgm:cxn modelId="{00014778-BF7B-45A9-B0E8-5C1E7B32F1F0}" type="presOf" srcId="{E0DD6EDE-0D0B-431C-9595-B77CA81EA886}" destId="{DF867B46-5BD7-42DF-ACC5-EB33254E9FA6}" srcOrd="0" destOrd="0" presId="urn:microsoft.com/office/officeart/2008/layout/NameandTitleOrganizationalChart"/>
-    <dgm:cxn modelId="{C7C20316-CB48-4C58-B5D7-0A5C1C1D44C8}" type="presOf" srcId="{0E0DCCDB-5551-4409-93D2-F9FBEB33AEF4}" destId="{085A1E17-6888-4ED1-A757-135ACFFC0060}" srcOrd="0" destOrd="0" presId="urn:microsoft.com/office/officeart/2008/layout/NameandTitleOrganizationalChart"/>
-    <dgm:cxn modelId="{F4B49695-D0FA-4C68-BDF8-0C8AE9E401EC}" type="presOf" srcId="{BF768398-1F50-47BA-B413-15CFCC39EF06}" destId="{0B8256DD-B2CD-44E8-9010-00F420B14DB5}" srcOrd="0" destOrd="0" presId="urn:microsoft.com/office/officeart/2008/layout/NameandTitleOrganizationalChart"/>
-    <dgm:cxn modelId="{26A9285D-CBC3-4156-B5F7-C06D59E0A096}" type="presOf" srcId="{BCC051DA-1989-4043-A71C-DB5B203007E2}" destId="{F45B4FC5-3190-478B-8897-3B75D7FA7A0D}" srcOrd="0" destOrd="0" presId="urn:microsoft.com/office/officeart/2008/layout/NameandTitleOrganizationalChart"/>
-    <dgm:cxn modelId="{698E2737-EC9E-486D-80E7-869BEB9E0112}" type="presOf" srcId="{34452C4A-3AD4-40CC-ABE0-61FFF178E9D3}" destId="{918A7BD1-7E2B-44F0-A5C2-418A7388A0C3}" srcOrd="0" destOrd="0" presId="urn:microsoft.com/office/officeart/2008/layout/NameandTitleOrganizationalChart"/>
     <dgm:cxn modelId="{22E28A24-9034-404E-A0EF-4C6FEC2DDAA2}" srcId="{12B38994-7405-4024-876F-61E98715B52C}" destId="{20059406-BD8B-4E55-A3D8-C969D088B016}" srcOrd="0" destOrd="0" parTransId="{45E756B0-BCB0-47DF-AD93-228EE925A498}" sibTransId="{EF6A1E31-EA37-48FB-A847-82C038B6BE12}"/>
     <dgm:cxn modelId="{E237DC10-5918-4EA3-9B28-2D6C7832424E}" type="presOf" srcId="{94048916-DF9A-4086-BB48-11FCC2B23560}" destId="{B851F6B2-F1D1-4C70-A8D5-15EC9B51F8CA}" srcOrd="1" destOrd="0" presId="urn:microsoft.com/office/officeart/2008/layout/NameandTitleOrganizationalChart"/>
+    <dgm:cxn modelId="{D081E0F4-BB2C-4B23-B27E-1472DA49A0C0}" type="presOf" srcId="{20059406-BD8B-4E55-A3D8-C969D088B016}" destId="{A61F234B-0585-46A7-BCD8-745401D0B266}" srcOrd="1" destOrd="0" presId="urn:microsoft.com/office/officeart/2008/layout/NameandTitleOrganizationalChart"/>
+    <dgm:cxn modelId="{4EB0891D-D16A-4F0E-B3AD-9049FA307B9B}" type="presOf" srcId="{D5164096-2E3E-4A76-AE62-F999EBA0BF5B}" destId="{E7AC83D8-6B8B-4F09-9A35-7EA9A0698357}" srcOrd="0" destOrd="0" presId="urn:microsoft.com/office/officeart/2008/layout/NameandTitleOrganizationalChart"/>
     <dgm:cxn modelId="{E838D032-F6C7-4DF5-BD60-6E2BD44F4A35}" type="presOf" srcId="{865FC03B-0A3C-4339-8C40-902CCB541A0F}" destId="{066AD075-C727-49B0-8697-5F482CA314A5}" srcOrd="0" destOrd="0" presId="urn:microsoft.com/office/officeart/2008/layout/NameandTitleOrganizationalChart"/>
+    <dgm:cxn modelId="{CB2C945C-42E3-438C-8AF5-3AE2987C97BF}" type="presOf" srcId="{AFF29BE7-25FC-4575-B4DB-7C07A43F6273}" destId="{1D8749A8-F4BF-4C1B-B4DF-72EF68C4C064}" srcOrd="1" destOrd="0" presId="urn:microsoft.com/office/officeart/2008/layout/NameandTitleOrganizationalChart"/>
     <dgm:cxn modelId="{18AC7E22-F5A8-4B45-AE2F-2FBBD79B00FB}" srcId="{20059406-BD8B-4E55-A3D8-C969D088B016}" destId="{BF768398-1F50-47BA-B413-15CFCC39EF06}" srcOrd="0" destOrd="0" parTransId="{865FC03B-0A3C-4339-8C40-902CCB541A0F}" sibTransId="{BCC051DA-1989-4043-A71C-DB5B203007E2}"/>
-    <dgm:cxn modelId="{85C6BF22-F502-49FF-A3DD-7F3D1D6D0F86}" type="presOf" srcId="{AFF29BE7-25FC-4575-B4DB-7C07A43F6273}" destId="{CA314C33-65D9-4369-848E-581F54529FDD}" srcOrd="0" destOrd="0" presId="urn:microsoft.com/office/officeart/2008/layout/NameandTitleOrganizationalChart"/>
-    <dgm:cxn modelId="{D081E0F4-BB2C-4B23-B27E-1472DA49A0C0}" type="presOf" srcId="{20059406-BD8B-4E55-A3D8-C969D088B016}" destId="{A61F234B-0585-46A7-BCD8-745401D0B266}" srcOrd="1" destOrd="0" presId="urn:microsoft.com/office/officeart/2008/layout/NameandTitleOrganizationalChart"/>
+    <dgm:cxn modelId="{26A9285D-CBC3-4156-B5F7-C06D59E0A096}" type="presOf" srcId="{BCC051DA-1989-4043-A71C-DB5B203007E2}" destId="{F45B4FC5-3190-478B-8897-3B75D7FA7A0D}" srcOrd="0" destOrd="0" presId="urn:microsoft.com/office/officeart/2008/layout/NameandTitleOrganizationalChart"/>
+    <dgm:cxn modelId="{00014778-BF7B-45A9-B0E8-5C1E7B32F1F0}" type="presOf" srcId="{E0DD6EDE-0D0B-431C-9595-B77CA81EA886}" destId="{DF867B46-5BD7-42DF-ACC5-EB33254E9FA6}" srcOrd="0" destOrd="0" presId="urn:microsoft.com/office/officeart/2008/layout/NameandTitleOrganizationalChart"/>
+    <dgm:cxn modelId="{DE128A50-E354-40E4-A45A-5DADABA48395}" srcId="{20059406-BD8B-4E55-A3D8-C969D088B016}" destId="{94048916-DF9A-4086-BB48-11FCC2B23560}" srcOrd="1" destOrd="0" parTransId="{D5164096-2E3E-4A76-AE62-F999EBA0BF5B}" sibTransId="{0E0DCCDB-5551-4409-93D2-F9FBEB33AEF4}"/>
+    <dgm:cxn modelId="{F4B49695-D0FA-4C68-BDF8-0C8AE9E401EC}" type="presOf" srcId="{BF768398-1F50-47BA-B413-15CFCC39EF06}" destId="{0B8256DD-B2CD-44E8-9010-00F420B14DB5}" srcOrd="0" destOrd="0" presId="urn:microsoft.com/office/officeart/2008/layout/NameandTitleOrganizationalChart"/>
+    <dgm:cxn modelId="{0E681634-313B-42BA-A51A-63BD65AC9062}" srcId="{20059406-BD8B-4E55-A3D8-C969D088B016}" destId="{AFF29BE7-25FC-4575-B4DB-7C07A43F6273}" srcOrd="2" destOrd="0" parTransId="{E0DD6EDE-0D0B-431C-9595-B77CA81EA886}" sibTransId="{34452C4A-3AD4-40CC-ABE0-61FFF178E9D3}"/>
+    <dgm:cxn modelId="{C7C20316-CB48-4C58-B5D7-0A5C1C1D44C8}" type="presOf" srcId="{0E0DCCDB-5551-4409-93D2-F9FBEB33AEF4}" destId="{085A1E17-6888-4ED1-A757-135ACFFC0060}" srcOrd="0" destOrd="0" presId="urn:microsoft.com/office/officeart/2008/layout/NameandTitleOrganizationalChart"/>
     <dgm:cxn modelId="{D12AE26E-5917-4563-9A79-9477727D98F3}" type="presOf" srcId="{94048916-DF9A-4086-BB48-11FCC2B23560}" destId="{7C8D0D91-FAC7-441F-9D8A-E9C5D755041B}" srcOrd="0" destOrd="0" presId="urn:microsoft.com/office/officeart/2008/layout/NameandTitleOrganizationalChart"/>
-    <dgm:cxn modelId="{0E681634-313B-42BA-A51A-63BD65AC9062}" srcId="{20059406-BD8B-4E55-A3D8-C969D088B016}" destId="{AFF29BE7-25FC-4575-B4DB-7C07A43F6273}" srcOrd="2" destOrd="0" parTransId="{E0DD6EDE-0D0B-431C-9595-B77CA81EA886}" sibTransId="{34452C4A-3AD4-40CC-ABE0-61FFF178E9D3}"/>
-    <dgm:cxn modelId="{4EB0891D-D16A-4F0E-B3AD-9049FA307B9B}" type="presOf" srcId="{D5164096-2E3E-4A76-AE62-F999EBA0BF5B}" destId="{E7AC83D8-6B8B-4F09-9A35-7EA9A0698357}" srcOrd="0" destOrd="0" presId="urn:microsoft.com/office/officeart/2008/layout/NameandTitleOrganizationalChart"/>
-    <dgm:cxn modelId="{CB2C945C-42E3-438C-8AF5-3AE2987C97BF}" type="presOf" srcId="{AFF29BE7-25FC-4575-B4DB-7C07A43F6273}" destId="{1D8749A8-F4BF-4C1B-B4DF-72EF68C4C064}" srcOrd="1" destOrd="0" presId="urn:microsoft.com/office/officeart/2008/layout/NameandTitleOrganizationalChart"/>
-    <dgm:cxn modelId="{C1C8A121-5C51-4D89-8A06-C3B6381ACCA3}" type="presOf" srcId="{20059406-BD8B-4E55-A3D8-C969D088B016}" destId="{716ECB80-0194-4007-943B-3E4B2B747A67}" srcOrd="0" destOrd="0" presId="urn:microsoft.com/office/officeart/2008/layout/NameandTitleOrganizationalChart"/>
-    <dgm:cxn modelId="{26BA074D-742A-43E6-838B-380CFFA0A147}" type="presOf" srcId="{BF768398-1F50-47BA-B413-15CFCC39EF06}" destId="{FAAD20CC-D509-4480-8699-E1231CB7F67A}" srcOrd="1" destOrd="0" presId="urn:microsoft.com/office/officeart/2008/layout/NameandTitleOrganizationalChart"/>
     <dgm:cxn modelId="{78249B42-EE0E-4B8E-A98D-92D7AFBAA4DE}" type="presParOf" srcId="{CAC668F8-BDE7-4B23-83A3-A4A585FFEF74}" destId="{6FDF0570-80CC-455C-A13F-F88D0E951F1C}" srcOrd="0" destOrd="0" presId="urn:microsoft.com/office/officeart/2008/layout/NameandTitleOrganizationalChart"/>
     <dgm:cxn modelId="{8F3131FE-4F40-4A57-995E-715374EDC076}" type="presParOf" srcId="{6FDF0570-80CC-455C-A13F-F88D0E951F1C}" destId="{C69346A7-0024-4A26-A589-62D42A692425}" srcOrd="0" destOrd="0" presId="urn:microsoft.com/office/officeart/2008/layout/NameandTitleOrganizationalChart"/>
     <dgm:cxn modelId="{E54824F4-2AEE-4CA8-B6BA-9B098EE706DF}" type="presParOf" srcId="{C69346A7-0024-4A26-A589-62D42A692425}" destId="{716ECB80-0194-4007-943B-3E4B2B747A67}" srcOrd="0" destOrd="0" presId="urn:microsoft.com/office/officeart/2008/layout/NameandTitleOrganizationalChart"/>
@@ -1642,7 +1754,7 @@
         </a:bodyPr>
         <a:lstStyle/>
         <a:p>
-          <a:pPr marL="0" lvl="0" indent="0" algn="ctr" defTabSz="889000">
+          <a:pPr lvl="0" algn="ctr" defTabSz="889000">
             <a:lnSpc>
               <a:spcPct val="90000"/>
             </a:lnSpc>
@@ -1652,7 +1764,6 @@
             <a:spcAft>
               <a:spcPct val="35000"/>
             </a:spcAft>
-            <a:buNone/>
           </a:pPr>
           <a:r>
             <a:rPr lang="de-AT" sz="2000" kern="1200" dirty="0"/>
@@ -1719,7 +1830,7 @@
         </a:bodyPr>
         <a:lstStyle/>
         <a:p>
-          <a:pPr marL="0" lvl="0" indent="0" algn="r" defTabSz="711200">
+          <a:pPr lvl="0" algn="r" defTabSz="711200">
             <a:lnSpc>
               <a:spcPct val="90000"/>
             </a:lnSpc>
@@ -1729,7 +1840,6 @@
             <a:spcAft>
               <a:spcPct val="35000"/>
             </a:spcAft>
-            <a:buNone/>
           </a:pPr>
           <a:r>
             <a:rPr lang="de-AT" sz="1600" kern="1200" dirty="0"/>
@@ -1802,7 +1912,7 @@
         </a:bodyPr>
         <a:lstStyle/>
         <a:p>
-          <a:pPr marL="0" lvl="0" indent="0" algn="ctr" defTabSz="889000">
+          <a:pPr lvl="0" algn="ctr" defTabSz="889000">
             <a:lnSpc>
               <a:spcPct val="90000"/>
             </a:lnSpc>
@@ -1812,7 +1922,6 @@
             <a:spcAft>
               <a:spcPct val="35000"/>
             </a:spcAft>
-            <a:buNone/>
           </a:pPr>
           <a:r>
             <a:rPr lang="de-AT" sz="2000" kern="1200"/>
@@ -1880,7 +1989,7 @@
         </a:bodyPr>
         <a:lstStyle/>
         <a:p>
-          <a:pPr marL="0" lvl="0" indent="0" algn="r" defTabSz="711200">
+          <a:pPr lvl="0" algn="r" defTabSz="711200">
             <a:lnSpc>
               <a:spcPct val="90000"/>
             </a:lnSpc>
@@ -1890,7 +1999,6 @@
             <a:spcAft>
               <a:spcPct val="35000"/>
             </a:spcAft>
-            <a:buNone/>
           </a:pPr>
           <a:r>
             <a:rPr lang="de-AT" sz="1600" kern="1200" dirty="0"/>
@@ -1967,7 +2075,7 @@
         </a:bodyPr>
         <a:lstStyle/>
         <a:p>
-          <a:pPr marL="0" lvl="0" indent="0" algn="ctr" defTabSz="889000">
+          <a:pPr lvl="0" algn="ctr" defTabSz="889000">
             <a:lnSpc>
               <a:spcPct val="90000"/>
             </a:lnSpc>
@@ -1977,7 +2085,6 @@
             <a:spcAft>
               <a:spcPct val="35000"/>
             </a:spcAft>
-            <a:buNone/>
           </a:pPr>
           <a:r>
             <a:rPr lang="de-AT" sz="2000" kern="1200"/>
@@ -2044,7 +2151,7 @@
         </a:bodyPr>
         <a:lstStyle/>
         <a:p>
-          <a:pPr marL="0" lvl="0" indent="0" algn="r" defTabSz="711200">
+          <a:pPr lvl="0" algn="r" defTabSz="711200">
             <a:lnSpc>
               <a:spcPct val="90000"/>
             </a:lnSpc>
@@ -2054,7 +2161,6 @@
             <a:spcAft>
               <a:spcPct val="35000"/>
             </a:spcAft>
-            <a:buNone/>
           </a:pPr>
           <a:r>
             <a:rPr lang="de-AT" sz="1600" kern="1200" dirty="0"/>
@@ -2131,7 +2237,7 @@
         </a:bodyPr>
         <a:lstStyle/>
         <a:p>
-          <a:pPr marL="0" lvl="0" indent="0" algn="ctr" defTabSz="889000">
+          <a:pPr lvl="0" algn="ctr" defTabSz="889000">
             <a:lnSpc>
               <a:spcPct val="90000"/>
             </a:lnSpc>
@@ -2141,7 +2247,6 @@
             <a:spcAft>
               <a:spcPct val="35000"/>
             </a:spcAft>
-            <a:buNone/>
           </a:pPr>
           <a:r>
             <a:rPr lang="de-AT" sz="2000" kern="1200"/>
@@ -2208,7 +2313,7 @@
         </a:bodyPr>
         <a:lstStyle/>
         <a:p>
-          <a:pPr marL="0" lvl="0" indent="0" algn="r" defTabSz="711200">
+          <a:pPr lvl="0" algn="r" defTabSz="711200">
             <a:lnSpc>
               <a:spcPct val="90000"/>
             </a:lnSpc>
@@ -2218,7 +2323,6 @@
             <a:spcAft>
               <a:spcPct val="35000"/>
             </a:spcAft>
-            <a:buNone/>
           </a:pPr>
           <a:r>
             <a:rPr lang="de-AT" sz="1600" kern="1200" dirty="0" err="1"/>
@@ -9490,7 +9594,15 @@
             </a:pPr>
             <a:r>
               <a:rPr lang="de-AT" sz="3600" b="1" dirty="0"/>
-              <a:t>The MMOTTTG Site</a:t>
+              <a:t>The </a:t>
+            </a:r>
+            <a:r>
+              <a:rPr lang="de-AT" sz="3600" b="1" dirty="0" smtClean="0"/>
+              <a:t>MMOTTG </a:t>
+            </a:r>
+            <a:r>
+              <a:rPr lang="de-AT" sz="3600" b="1" dirty="0"/>
+              <a:t>Site</a:t>
             </a:r>
           </a:p>
           <a:p>
@@ -9791,26 +9903,62 @@
           <a:p>
             <a:r>
               <a:rPr lang="en-US" dirty="0"/>
-              <a:t>introduction</a:t>
-            </a:r>
+              <a:t>I</a:t>
+            </a:r>
+            <a:r>
+              <a:rPr lang="en-US" dirty="0" smtClean="0"/>
+              <a:t>ntroduction</a:t>
+            </a:r>
+            <a:endParaRPr lang="en-US" dirty="0"/>
           </a:p>
           <a:p>
             <a:r>
               <a:rPr lang="en-US" dirty="0"/>
-              <a:t>project review</a:t>
-            </a:r>
-          </a:p>
-          <a:p>
+              <a:t>P</a:t>
+            </a:r>
+            <a:r>
+              <a:rPr lang="en-US" dirty="0" smtClean="0"/>
+              <a:t>roject </a:t>
+            </a:r>
             <a:r>
               <a:rPr lang="en-US" dirty="0"/>
-              <a:t>learned lessons</a:t>
-            </a:r>
+              <a:t>R</a:t>
+            </a:r>
+            <a:r>
+              <a:rPr lang="en-US" dirty="0" smtClean="0"/>
+              <a:t>eview</a:t>
+            </a:r>
+            <a:endParaRPr lang="en-US" dirty="0"/>
           </a:p>
           <a:p>
             <a:r>
               <a:rPr lang="en-US" dirty="0"/>
-              <a:t>the result</a:t>
-            </a:r>
+              <a:t>Lessons L</a:t>
+            </a:r>
+            <a:r>
+              <a:rPr lang="en-US" dirty="0" smtClean="0"/>
+              <a:t>earned</a:t>
+            </a:r>
+            <a:endParaRPr lang="en-US" dirty="0"/>
+          </a:p>
+          <a:p>
+            <a:r>
+              <a:rPr lang="en-US" dirty="0"/>
+              <a:t>T</a:t>
+            </a:r>
+            <a:r>
+              <a:rPr lang="en-US" dirty="0" smtClean="0"/>
+              <a:t>he </a:t>
+            </a:r>
+            <a:r>
+              <a:rPr lang="en-US" dirty="0"/>
+              <a:t>R</a:t>
+            </a:r>
+            <a:r>
+              <a:rPr lang="en-US" dirty="0" smtClean="0"/>
+              <a:t>esult</a:t>
+            </a:r>
+            <a:endParaRPr lang="en-US" dirty="0"/>
           </a:p>
           <a:p>
             <a:endParaRPr lang="de-AT" dirty="0"/>
@@ -10317,9 +10465,10 @@
           <a:p>
             <a:pPr lvl="1"/>
             <a:r>
-              <a:rPr lang="en-US" sz="2500" dirty="0"/>
-              <a:t>tick-tack-toe</a:t>
-            </a:r>
+              <a:rPr lang="en-US" sz="2500" dirty="0" smtClean="0"/>
+              <a:t>tic-tac-toe</a:t>
+            </a:r>
+            <a:endParaRPr lang="en-US" sz="2500" dirty="0"/>
           </a:p>
           <a:p>
             <a:r>
@@ -10329,38 +10478,66 @@
           </a:p>
         </p:txBody>
       </p:sp>
-      <p:sp>
-        <p:nvSpPr>
-          <p:cNvPr id="2" name="Textfeld 1"/>
-          <p:cNvSpPr txBox="1"/>
+      <p:pic>
+        <p:nvPicPr>
+          <p:cNvPr id="3" name="Grafik 2"/>
+          <p:cNvPicPr>
+            <a:picLocks noChangeAspect="1"/>
+          </p:cNvPicPr>
           <p:nvPr/>
-        </p:nvSpPr>
+        </p:nvPicPr>
+        <p:blipFill>
+          <a:blip r:embed="rId9" cstate="print">
+            <a:extLst>
+              <a:ext uri="{28A0092B-C50C-407E-A947-70E740481C1C}">
+                <a14:useLocalDpi xmlns:a14="http://schemas.microsoft.com/office/drawing/2010/main" val="0"/>
+              </a:ext>
+            </a:extLst>
+          </a:blip>
+          <a:stretch>
+            <a:fillRect/>
+          </a:stretch>
+        </p:blipFill>
         <p:spPr>
           <a:xfrm>
-            <a:off x="5462954" y="4958861"/>
-            <a:ext cx="2282933" cy="646331"/>
+            <a:off x="6898474" y="3189800"/>
+            <a:ext cx="2386941" cy="1491838"/>
           </a:xfrm>
           <a:prstGeom prst="rect">
             <a:avLst/>
           </a:prstGeom>
-          <a:noFill/>
         </p:spPr>
-        <p:txBody>
-          <a:bodyPr wrap="none" rtlCol="0">
-            <a:spAutoFit/>
-          </a:bodyPr>
-          <a:lstStyle/>
-          <a:p>
-            <a:r>
-              <a:rPr lang="de-AT" dirty="0"/>
-              <a:t>Hier Bilder einfügen!!!</a:t>
-            </a:r>
-          </a:p>
-          <a:p>
-            <a:endParaRPr lang="de-AT" dirty="0"/>
-          </a:p>
-        </p:txBody>
-      </p:sp>
+      </p:pic>
+      <p:pic>
+        <p:nvPicPr>
+          <p:cNvPr id="4" name="Grafik 3"/>
+          <p:cNvPicPr>
+            <a:picLocks noChangeAspect="1"/>
+          </p:cNvPicPr>
+          <p:nvPr/>
+        </p:nvPicPr>
+        <p:blipFill>
+          <a:blip r:embed="rId10" cstate="print">
+            <a:extLst>
+              <a:ext uri="{28A0092B-C50C-407E-A947-70E740481C1C}">
+                <a14:useLocalDpi xmlns:a14="http://schemas.microsoft.com/office/drawing/2010/main" val="0"/>
+              </a:ext>
+            </a:extLst>
+          </a:blip>
+          <a:stretch>
+            <a:fillRect/>
+          </a:stretch>
+        </p:blipFill>
+        <p:spPr>
+          <a:xfrm>
+            <a:off x="5044813" y="4631072"/>
+            <a:ext cx="1884812" cy="1178008"/>
+          </a:xfrm>
+          <a:prstGeom prst="rect">
+            <a:avLst/>
+          </a:prstGeom>
+        </p:spPr>
+      </p:pic>
     </p:spTree>
     <p:extLst>
       <p:ext uri="{BB962C8B-B14F-4D97-AF65-F5344CB8AC3E}">
@@ -11315,8 +11492,9 @@
             </a:pPr>
             <a:r>
               <a:rPr lang="en-US" sz="4000" dirty="0"/>
-              <a:t>Learned Lessons</a:t>
-            </a:r>
+              <a:t>Lessons Learned</a:t>
+            </a:r>
+            <a:endParaRPr lang="en-US" sz="4000" dirty="0"/>
           </a:p>
         </p:txBody>
       </p:sp>
@@ -11484,7 +11662,7 @@
           <p:nvPr/>
         </p:nvPicPr>
         <p:blipFill>
-          <a:blip r:embed="rId4">
+          <a:blip r:embed="rId4" cstate="print">
             <a:extLst>
               <a:ext uri="{28A0092B-C50C-407E-A947-70E740481C1C}">
                 <a14:useLocalDpi xmlns:a14="http://schemas.microsoft.com/office/drawing/2010/main" val="0"/>

--- a/doc/Projektpraesentation_2017-01-23.pptx
+++ b/doc/Projektpraesentation_2017-01-23.pptx
@@ -119,6 +119,1992 @@
     </p:ext>
   </p:extLst>
 </p:presentation>
+</file>
+
+<file path=ppt/charts/chart1.xml><?xml version="1.0" encoding="utf-8"?>
+<c:chartSpace xmlns:c="http://schemas.openxmlformats.org/drawingml/2006/chart" xmlns:a="http://schemas.openxmlformats.org/drawingml/2006/main" xmlns:r="http://schemas.openxmlformats.org/officeDocument/2006/relationships" xmlns:c16r2="http://schemas.microsoft.com/office/drawing/2015/06/chart">
+  <c:date1904 val="0"/>
+  <c:lang val="de-DE"/>
+  <c:roundedCorners val="0"/>
+  <mc:AlternateContent xmlns:mc="http://schemas.openxmlformats.org/markup-compatibility/2006">
+    <mc:Choice xmlns:c14="http://schemas.microsoft.com/office/drawing/2007/8/2/chart" Requires="c14">
+      <c14:style val="103"/>
+    </mc:Choice>
+    <mc:Fallback>
+      <c:style val="3"/>
+    </mc:Fallback>
+  </mc:AlternateContent>
+  <c:chart>
+    <c:autoTitleDeleted val="1"/>
+    <c:plotArea>
+      <c:layout/>
+      <c:pieChart>
+        <c:varyColors val="1"/>
+        <c:ser>
+          <c:idx val="0"/>
+          <c:order val="0"/>
+          <c:tx>
+            <c:strRef>
+              <c:f>Tabelle1!$B$1</c:f>
+              <c:strCache>
+                <c:ptCount val="1"/>
+                <c:pt idx="0">
+                  <c:v>Verkauf</c:v>
+                </c:pt>
+              </c:strCache>
+            </c:strRef>
+          </c:tx>
+          <c:dPt>
+            <c:idx val="0"/>
+            <c:bubble3D val="0"/>
+            <c:spPr>
+              <a:solidFill>
+                <a:schemeClr val="accent1">
+                  <a:shade val="58000"/>
+                </a:schemeClr>
+              </a:solidFill>
+              <a:ln>
+                <a:noFill/>
+              </a:ln>
+              <a:effectLst>
+                <a:outerShdw blurRad="63500" sx="102000" sy="102000" algn="ctr" rotWithShape="0">
+                  <a:prstClr val="black">
+                    <a:alpha val="20000"/>
+                  </a:prstClr>
+                </a:outerShdw>
+              </a:effectLst>
+            </c:spPr>
+            <c:extLst>
+              <c:ext xmlns:c16="http://schemas.microsoft.com/office/drawing/2014/chart" uri="{C3380CC4-5D6E-409C-BE32-E72D297353CC}">
+                <c16:uniqueId val="{00000001-362F-4631-9A86-CC41894367E1}"/>
+              </c:ext>
+            </c:extLst>
+          </c:dPt>
+          <c:dPt>
+            <c:idx val="1"/>
+            <c:bubble3D val="0"/>
+            <c:spPr>
+              <a:solidFill>
+                <a:schemeClr val="accent1">
+                  <a:shade val="86000"/>
+                </a:schemeClr>
+              </a:solidFill>
+              <a:ln>
+                <a:noFill/>
+              </a:ln>
+              <a:effectLst>
+                <a:outerShdw blurRad="63500" sx="102000" sy="102000" algn="ctr" rotWithShape="0">
+                  <a:prstClr val="black">
+                    <a:alpha val="20000"/>
+                  </a:prstClr>
+                </a:outerShdw>
+              </a:effectLst>
+            </c:spPr>
+            <c:extLst>
+              <c:ext xmlns:c16="http://schemas.microsoft.com/office/drawing/2014/chart" uri="{C3380CC4-5D6E-409C-BE32-E72D297353CC}">
+                <c16:uniqueId val="{00000002-362F-4631-9A86-CC41894367E1}"/>
+              </c:ext>
+            </c:extLst>
+          </c:dPt>
+          <c:dPt>
+            <c:idx val="2"/>
+            <c:bubble3D val="0"/>
+            <c:spPr>
+              <a:solidFill>
+                <a:schemeClr val="accent1">
+                  <a:tint val="86000"/>
+                </a:schemeClr>
+              </a:solidFill>
+              <a:ln>
+                <a:noFill/>
+              </a:ln>
+              <a:effectLst>
+                <a:outerShdw blurRad="63500" sx="102000" sy="102000" algn="ctr" rotWithShape="0">
+                  <a:prstClr val="black">
+                    <a:alpha val="20000"/>
+                  </a:prstClr>
+                </a:outerShdw>
+              </a:effectLst>
+            </c:spPr>
+            <c:extLst>
+              <c:ext xmlns:c16="http://schemas.microsoft.com/office/drawing/2014/chart" uri="{C3380CC4-5D6E-409C-BE32-E72D297353CC}">
+                <c16:uniqueId val="{00000003-362F-4631-9A86-CC41894367E1}"/>
+              </c:ext>
+            </c:extLst>
+          </c:dPt>
+          <c:dPt>
+            <c:idx val="3"/>
+            <c:bubble3D val="0"/>
+            <c:spPr>
+              <a:solidFill>
+                <a:schemeClr val="accent1">
+                  <a:tint val="58000"/>
+                </a:schemeClr>
+              </a:solidFill>
+              <a:ln>
+                <a:noFill/>
+              </a:ln>
+              <a:effectLst>
+                <a:outerShdw blurRad="63500" sx="102000" sy="102000" algn="ctr" rotWithShape="0">
+                  <a:prstClr val="black">
+                    <a:alpha val="20000"/>
+                  </a:prstClr>
+                </a:outerShdw>
+              </a:effectLst>
+            </c:spPr>
+            <c:extLst>
+              <c:ext xmlns:c16="http://schemas.microsoft.com/office/drawing/2014/chart" uri="{C3380CC4-5D6E-409C-BE32-E72D297353CC}">
+                <c16:uniqueId val="{00000004-362F-4631-9A86-CC41894367E1}"/>
+              </c:ext>
+            </c:extLst>
+          </c:dPt>
+          <c:dLbls>
+            <c:dLbl>
+              <c:idx val="0"/>
+              <c:spPr>
+                <a:noFill/>
+                <a:ln>
+                  <a:noFill/>
+                </a:ln>
+                <a:effectLst/>
+              </c:spPr>
+              <c:txPr>
+                <a:bodyPr rot="0" spcFirstLastPara="1" vertOverflow="ellipsis" vert="horz" wrap="square" lIns="38100" tIns="19050" rIns="38100" bIns="19050" anchor="ctr" anchorCtr="1">
+                  <a:spAutoFit/>
+                </a:bodyPr>
+                <a:lstStyle/>
+                <a:p>
+                  <a:pPr>
+                    <a:defRPr sz="2400" b="1" i="0" u="none" strike="noStrike" kern="1200" spc="0" baseline="0">
+                      <a:solidFill>
+                        <a:schemeClr val="accent1">
+                          <a:shade val="58000"/>
+                        </a:schemeClr>
+                      </a:solidFill>
+                      <a:effectLst>
+                        <a:outerShdw blurRad="38100" dist="38100" dir="2700000" algn="tl">
+                          <a:srgbClr val="000000">
+                            <a:alpha val="43137"/>
+                          </a:srgbClr>
+                        </a:outerShdw>
+                      </a:effectLst>
+                      <a:latin typeface="+mn-lt"/>
+                      <a:ea typeface="+mn-ea"/>
+                      <a:cs typeface="+mn-cs"/>
+                    </a:defRPr>
+                  </a:pPr>
+                  <a:endParaRPr lang="de-DE"/>
+                </a:p>
+              </c:txPr>
+              <c:dLblPos val="outEnd"/>
+              <c:showLegendKey val="0"/>
+              <c:showVal val="0"/>
+              <c:showCatName val="1"/>
+              <c:showSerName val="0"/>
+              <c:showPercent val="1"/>
+              <c:showBubbleSize val="0"/>
+              <c:extLst>
+                <c:ext xmlns:c15="http://schemas.microsoft.com/office/drawing/2012/chart" uri="{CE6537A1-D6FC-4f65-9D91-7224C49458BB}">
+                  <c15:layout>
+                    <c:manualLayout>
+                      <c:w val="0.30476559239872086"/>
+                      <c:h val="0.28401568834170987"/>
+                    </c:manualLayout>
+                  </c15:layout>
+                </c:ext>
+                <c:ext xmlns:c16="http://schemas.microsoft.com/office/drawing/2014/chart" uri="{C3380CC4-5D6E-409C-BE32-E72D297353CC}">
+                  <c16:uniqueId val="{00000001-362F-4631-9A86-CC41894367E1}"/>
+                </c:ext>
+              </c:extLst>
+            </c:dLbl>
+            <c:dLbl>
+              <c:idx val="1"/>
+              <c:spPr>
+                <a:noFill/>
+                <a:ln>
+                  <a:noFill/>
+                </a:ln>
+                <a:effectLst/>
+              </c:spPr>
+              <c:txPr>
+                <a:bodyPr rot="0" spcFirstLastPara="1" vertOverflow="ellipsis" vert="horz" wrap="square" lIns="38100" tIns="19050" rIns="38100" bIns="19050" anchor="ctr" anchorCtr="1">
+                  <a:spAutoFit/>
+                </a:bodyPr>
+                <a:lstStyle/>
+                <a:p>
+                  <a:pPr>
+                    <a:defRPr sz="2400" b="1" i="0" u="none" strike="noStrike" kern="1200" spc="0" baseline="0">
+                      <a:solidFill>
+                        <a:schemeClr val="accent1">
+                          <a:shade val="86000"/>
+                        </a:schemeClr>
+                      </a:solidFill>
+                      <a:effectLst>
+                        <a:outerShdw blurRad="38100" dist="38100" dir="2700000" algn="tl">
+                          <a:srgbClr val="000000">
+                            <a:alpha val="43137"/>
+                          </a:srgbClr>
+                        </a:outerShdw>
+                      </a:effectLst>
+                      <a:latin typeface="+mn-lt"/>
+                      <a:ea typeface="+mn-ea"/>
+                      <a:cs typeface="+mn-cs"/>
+                    </a:defRPr>
+                  </a:pPr>
+                  <a:endParaRPr lang="de-DE"/>
+                </a:p>
+              </c:txPr>
+              <c:dLblPos val="outEnd"/>
+              <c:showLegendKey val="0"/>
+              <c:showVal val="0"/>
+              <c:showCatName val="1"/>
+              <c:showSerName val="0"/>
+              <c:showPercent val="1"/>
+              <c:showBubbleSize val="0"/>
+              <c:extLst>
+                <c:ext xmlns:c16="http://schemas.microsoft.com/office/drawing/2014/chart" uri="{C3380CC4-5D6E-409C-BE32-E72D297353CC}">
+                  <c16:uniqueId val="{00000002-362F-4631-9A86-CC41894367E1}"/>
+                </c:ext>
+              </c:extLst>
+            </c:dLbl>
+            <c:dLbl>
+              <c:idx val="2"/>
+              <c:spPr>
+                <a:noFill/>
+                <a:ln>
+                  <a:noFill/>
+                </a:ln>
+                <a:effectLst/>
+              </c:spPr>
+              <c:txPr>
+                <a:bodyPr rot="0" spcFirstLastPara="1" vertOverflow="ellipsis" vert="horz" wrap="square" lIns="38100" tIns="19050" rIns="38100" bIns="19050" anchor="ctr" anchorCtr="1">
+                  <a:spAutoFit/>
+                </a:bodyPr>
+                <a:lstStyle/>
+                <a:p>
+                  <a:pPr>
+                    <a:defRPr sz="2400" b="1" i="0" u="none" strike="noStrike" kern="1200" spc="0" baseline="0">
+                      <a:solidFill>
+                        <a:schemeClr val="accent1">
+                          <a:tint val="86000"/>
+                        </a:schemeClr>
+                      </a:solidFill>
+                      <a:effectLst>
+                        <a:outerShdw blurRad="38100" dist="38100" dir="2700000" algn="tl">
+                          <a:srgbClr val="000000">
+                            <a:alpha val="43137"/>
+                          </a:srgbClr>
+                        </a:outerShdw>
+                      </a:effectLst>
+                      <a:latin typeface="+mn-lt"/>
+                      <a:ea typeface="+mn-ea"/>
+                      <a:cs typeface="+mn-cs"/>
+                    </a:defRPr>
+                  </a:pPr>
+                  <a:endParaRPr lang="de-DE"/>
+                </a:p>
+              </c:txPr>
+              <c:dLblPos val="outEnd"/>
+              <c:showLegendKey val="0"/>
+              <c:showVal val="0"/>
+              <c:showCatName val="1"/>
+              <c:showSerName val="0"/>
+              <c:showPercent val="1"/>
+              <c:showBubbleSize val="0"/>
+              <c:extLst>
+                <c:ext xmlns:c16="http://schemas.microsoft.com/office/drawing/2014/chart" uri="{C3380CC4-5D6E-409C-BE32-E72D297353CC}">
+                  <c16:uniqueId val="{00000003-362F-4631-9A86-CC41894367E1}"/>
+                </c:ext>
+              </c:extLst>
+            </c:dLbl>
+            <c:dLbl>
+              <c:idx val="3"/>
+              <c:spPr>
+                <a:noFill/>
+                <a:ln>
+                  <a:noFill/>
+                </a:ln>
+                <a:effectLst/>
+              </c:spPr>
+              <c:txPr>
+                <a:bodyPr rot="0" spcFirstLastPara="1" vertOverflow="ellipsis" vert="horz" wrap="square" lIns="38100" tIns="19050" rIns="38100" bIns="19050" anchor="ctr" anchorCtr="1">
+                  <a:spAutoFit/>
+                </a:bodyPr>
+                <a:lstStyle/>
+                <a:p>
+                  <a:pPr>
+                    <a:defRPr sz="2400" b="1" i="0" u="none" strike="noStrike" kern="1200" spc="0" baseline="0">
+                      <a:solidFill>
+                        <a:schemeClr val="accent1">
+                          <a:tint val="58000"/>
+                        </a:schemeClr>
+                      </a:solidFill>
+                      <a:effectLst>
+                        <a:outerShdw blurRad="38100" dist="38100" dir="2700000" algn="tl">
+                          <a:srgbClr val="000000">
+                            <a:alpha val="43137"/>
+                          </a:srgbClr>
+                        </a:outerShdw>
+                      </a:effectLst>
+                      <a:latin typeface="+mn-lt"/>
+                      <a:ea typeface="+mn-ea"/>
+                      <a:cs typeface="+mn-cs"/>
+                    </a:defRPr>
+                  </a:pPr>
+                  <a:endParaRPr lang="de-DE"/>
+                </a:p>
+              </c:txPr>
+              <c:dLblPos val="outEnd"/>
+              <c:showLegendKey val="0"/>
+              <c:showVal val="0"/>
+              <c:showCatName val="1"/>
+              <c:showSerName val="0"/>
+              <c:showPercent val="1"/>
+              <c:showBubbleSize val="0"/>
+              <c:extLst>
+                <c:ext xmlns:c16="http://schemas.microsoft.com/office/drawing/2014/chart" uri="{C3380CC4-5D6E-409C-BE32-E72D297353CC}">
+                  <c16:uniqueId val="{00000004-362F-4631-9A86-CC41894367E1}"/>
+                </c:ext>
+              </c:extLst>
+            </c:dLbl>
+            <c:spPr>
+              <a:effectLst/>
+            </c:spPr>
+            <c:txPr>
+              <a:bodyPr rot="0" spcFirstLastPara="1" vertOverflow="ellipsis" vert="horz" wrap="square" lIns="38100" tIns="19050" rIns="38100" bIns="19050" anchor="ctr" anchorCtr="1">
+                <a:spAutoFit/>
+              </a:bodyPr>
+              <a:lstStyle/>
+              <a:p>
+                <a:pPr>
+                  <a:defRPr sz="2400" b="1" i="0" u="none" strike="noStrike" kern="1200" spc="0" baseline="0">
+                    <a:solidFill>
+                      <a:schemeClr val="accent1"/>
+                    </a:solidFill>
+                    <a:effectLst>
+                      <a:outerShdw blurRad="38100" dist="38100" dir="2700000" algn="tl">
+                        <a:srgbClr val="000000">
+                          <a:alpha val="43137"/>
+                        </a:srgbClr>
+                      </a:outerShdw>
+                    </a:effectLst>
+                    <a:latin typeface="+mn-lt"/>
+                    <a:ea typeface="+mn-ea"/>
+                    <a:cs typeface="+mn-cs"/>
+                  </a:defRPr>
+                </a:pPr>
+                <a:endParaRPr lang="de-DE"/>
+              </a:p>
+            </c:txPr>
+            <c:dLblPos val="outEnd"/>
+            <c:showLegendKey val="0"/>
+            <c:showVal val="0"/>
+            <c:showCatName val="1"/>
+            <c:showSerName val="0"/>
+            <c:showPercent val="1"/>
+            <c:showBubbleSize val="0"/>
+            <c:showLeaderLines val="1"/>
+            <c:leaderLines>
+              <c:spPr>
+                <a:ln w="9525" cap="flat" cmpd="sng" algn="ctr">
+                  <a:solidFill>
+                    <a:schemeClr val="tx1">
+                      <a:lumMod val="35000"/>
+                      <a:lumOff val="65000"/>
+                    </a:schemeClr>
+                  </a:solidFill>
+                  <a:round/>
+                </a:ln>
+                <a:effectLst/>
+              </c:spPr>
+            </c:leaderLines>
+            <c:extLst>
+              <c:ext xmlns:c15="http://schemas.microsoft.com/office/drawing/2012/chart" uri="{CE6537A1-D6FC-4f65-9D91-7224C49458BB}"/>
+            </c:extLst>
+          </c:dLbls>
+          <c:cat>
+            <c:strRef>
+              <c:f>Tabelle1!$A$2:$A$5</c:f>
+              <c:strCache>
+                <c:ptCount val="4"/>
+                <c:pt idx="0">
+                  <c:v>Alexander</c:v>
+                </c:pt>
+                <c:pt idx="1">
+                  <c:v>Phillip</c:v>
+                </c:pt>
+                <c:pt idx="2">
+                  <c:v>Selina</c:v>
+                </c:pt>
+                <c:pt idx="3">
+                  <c:v>Thiago</c:v>
+                </c:pt>
+              </c:strCache>
+            </c:strRef>
+          </c:cat>
+          <c:val>
+            <c:numRef>
+              <c:f>Tabelle1!$B$2:$B$5</c:f>
+              <c:numCache>
+                <c:formatCode>General</c:formatCode>
+                <c:ptCount val="4"/>
+                <c:pt idx="0">
+                  <c:v>41.583329999999997</c:v>
+                </c:pt>
+                <c:pt idx="1">
+                  <c:v>42.75</c:v>
+                </c:pt>
+                <c:pt idx="2">
+                  <c:v>45.25</c:v>
+                </c:pt>
+                <c:pt idx="3">
+                  <c:v>51.417769999999997</c:v>
+                </c:pt>
+              </c:numCache>
+            </c:numRef>
+          </c:val>
+          <c:extLst>
+            <c:ext xmlns:c16="http://schemas.microsoft.com/office/drawing/2014/chart" uri="{C3380CC4-5D6E-409C-BE32-E72D297353CC}">
+              <c16:uniqueId val="{00000000-362F-4631-9A86-CC41894367E1}"/>
+            </c:ext>
+          </c:extLst>
+        </c:ser>
+        <c:dLbls>
+          <c:dLblPos val="outEnd"/>
+          <c:showLegendKey val="0"/>
+          <c:showVal val="0"/>
+          <c:showCatName val="0"/>
+          <c:showSerName val="0"/>
+          <c:showPercent val="1"/>
+          <c:showBubbleSize val="0"/>
+          <c:showLeaderLines val="1"/>
+        </c:dLbls>
+        <c:firstSliceAng val="0"/>
+      </c:pieChart>
+      <c:spPr>
+        <a:noFill/>
+        <a:ln>
+          <a:noFill/>
+        </a:ln>
+        <a:effectLst/>
+      </c:spPr>
+    </c:plotArea>
+    <c:plotVisOnly val="1"/>
+    <c:dispBlanksAs val="gap"/>
+    <c:showDLblsOverMax val="0"/>
+  </c:chart>
+  <c:spPr>
+    <a:noFill/>
+    <a:ln>
+      <a:noFill/>
+    </a:ln>
+    <a:effectLst/>
+  </c:spPr>
+  <c:txPr>
+    <a:bodyPr/>
+    <a:lstStyle/>
+    <a:p>
+      <a:pPr>
+        <a:defRPr/>
+      </a:pPr>
+      <a:endParaRPr lang="de-DE"/>
+    </a:p>
+  </c:txPr>
+  <c:externalData r:id="rId3">
+    <c:autoUpdate val="0"/>
+  </c:externalData>
+</c:chartSpace>
+</file>
+
+<file path=ppt/charts/chart2.xml><?xml version="1.0" encoding="utf-8"?>
+<c:chartSpace xmlns:c="http://schemas.openxmlformats.org/drawingml/2006/chart" xmlns:a="http://schemas.openxmlformats.org/drawingml/2006/main" xmlns:r="http://schemas.openxmlformats.org/officeDocument/2006/relationships" xmlns:c16r2="http://schemas.microsoft.com/office/drawing/2015/06/chart">
+  <c:date1904 val="0"/>
+  <c:lang val="de-DE"/>
+  <c:roundedCorners val="0"/>
+  <mc:AlternateContent xmlns:mc="http://schemas.openxmlformats.org/markup-compatibility/2006">
+    <mc:Choice xmlns:c14="http://schemas.microsoft.com/office/drawing/2007/8/2/chart" Requires="c14">
+      <c14:style val="107"/>
+    </mc:Choice>
+    <mc:Fallback>
+      <c:style val="7"/>
+    </mc:Fallback>
+  </mc:AlternateContent>
+  <c:chart>
+    <c:autoTitleDeleted val="1"/>
+    <c:plotArea>
+      <c:layout/>
+      <c:barChart>
+        <c:barDir val="bar"/>
+        <c:grouping val="clustered"/>
+        <c:varyColors val="0"/>
+        <c:ser>
+          <c:idx val="0"/>
+          <c:order val="0"/>
+          <c:tx>
+            <c:strRef>
+              <c:f>Tabelle1!$B$1</c:f>
+              <c:strCache>
+                <c:ptCount val="1"/>
+                <c:pt idx="0">
+                  <c:v>Real</c:v>
+                </c:pt>
+              </c:strCache>
+            </c:strRef>
+          </c:tx>
+          <c:spPr>
+            <a:gradFill rotWithShape="1">
+              <a:gsLst>
+                <a:gs pos="0">
+                  <a:schemeClr val="accent5">
+                    <a:shade val="76000"/>
+                    <a:lumMod val="110000"/>
+                    <a:satMod val="105000"/>
+                    <a:tint val="67000"/>
+                  </a:schemeClr>
+                </a:gs>
+                <a:gs pos="50000">
+                  <a:schemeClr val="accent5">
+                    <a:shade val="76000"/>
+                    <a:lumMod val="105000"/>
+                    <a:satMod val="103000"/>
+                    <a:tint val="73000"/>
+                  </a:schemeClr>
+                </a:gs>
+                <a:gs pos="100000">
+                  <a:schemeClr val="accent5">
+                    <a:shade val="76000"/>
+                    <a:lumMod val="105000"/>
+                    <a:satMod val="109000"/>
+                    <a:tint val="81000"/>
+                  </a:schemeClr>
+                </a:gs>
+              </a:gsLst>
+              <a:lin ang="5400000" scaled="0"/>
+            </a:gradFill>
+            <a:ln w="9525" cap="flat" cmpd="sng" algn="ctr">
+              <a:solidFill>
+                <a:schemeClr val="accent5">
+                  <a:shade val="76000"/>
+                  <a:shade val="95000"/>
+                </a:schemeClr>
+              </a:solidFill>
+              <a:round/>
+            </a:ln>
+            <a:effectLst/>
+          </c:spPr>
+          <c:invertIfNegative val="0"/>
+          <c:cat>
+            <c:strRef>
+              <c:f>Tabelle1!$A$2:$A$6</c:f>
+              <c:strCache>
+                <c:ptCount val="5"/>
+                <c:pt idx="0">
+                  <c:v>Front-end</c:v>
+                </c:pt>
+                <c:pt idx="1">
+                  <c:v>Back-end</c:v>
+                </c:pt>
+                <c:pt idx="2">
+                  <c:v>Chat</c:v>
+                </c:pt>
+                <c:pt idx="3">
+                  <c:v>Testing</c:v>
+                </c:pt>
+                <c:pt idx="4">
+                  <c:v>PM</c:v>
+                </c:pt>
+              </c:strCache>
+            </c:strRef>
+          </c:cat>
+          <c:val>
+            <c:numRef>
+              <c:f>Tabelle1!$B$2:$B$6</c:f>
+              <c:numCache>
+                <c:formatCode>General</c:formatCode>
+                <c:ptCount val="5"/>
+                <c:pt idx="0">
+                  <c:v>44</c:v>
+                </c:pt>
+                <c:pt idx="1">
+                  <c:v>47</c:v>
+                </c:pt>
+                <c:pt idx="2">
+                  <c:v>10</c:v>
+                </c:pt>
+                <c:pt idx="3">
+                  <c:v>28</c:v>
+                </c:pt>
+                <c:pt idx="4">
+                  <c:v>49</c:v>
+                </c:pt>
+              </c:numCache>
+            </c:numRef>
+          </c:val>
+          <c:extLst>
+            <c:ext xmlns:c16="http://schemas.microsoft.com/office/drawing/2014/chart" uri="{C3380CC4-5D6E-409C-BE32-E72D297353CC}">
+              <c16:uniqueId val="{00000000-BAF8-4B16-A600-CDA507230C2A}"/>
+            </c:ext>
+          </c:extLst>
+        </c:ser>
+        <c:ser>
+          <c:idx val="1"/>
+          <c:order val="1"/>
+          <c:tx>
+            <c:strRef>
+              <c:f>Tabelle1!$C$1</c:f>
+              <c:strCache>
+                <c:ptCount val="1"/>
+                <c:pt idx="0">
+                  <c:v>Estimated</c:v>
+                </c:pt>
+              </c:strCache>
+            </c:strRef>
+          </c:tx>
+          <c:spPr>
+            <a:gradFill rotWithShape="1">
+              <a:gsLst>
+                <a:gs pos="0">
+                  <a:schemeClr val="accent5">
+                    <a:tint val="77000"/>
+                    <a:lumMod val="110000"/>
+                    <a:satMod val="105000"/>
+                    <a:tint val="67000"/>
+                  </a:schemeClr>
+                </a:gs>
+                <a:gs pos="50000">
+                  <a:schemeClr val="accent5">
+                    <a:tint val="77000"/>
+                    <a:lumMod val="105000"/>
+                    <a:satMod val="103000"/>
+                    <a:tint val="73000"/>
+                  </a:schemeClr>
+                </a:gs>
+                <a:gs pos="100000">
+                  <a:schemeClr val="accent5">
+                    <a:tint val="77000"/>
+                    <a:lumMod val="105000"/>
+                    <a:satMod val="109000"/>
+                    <a:tint val="81000"/>
+                  </a:schemeClr>
+                </a:gs>
+              </a:gsLst>
+              <a:lin ang="5400000" scaled="0"/>
+            </a:gradFill>
+            <a:ln w="9525" cap="flat" cmpd="sng" algn="ctr">
+              <a:solidFill>
+                <a:schemeClr val="accent5">
+                  <a:tint val="77000"/>
+                  <a:shade val="95000"/>
+                </a:schemeClr>
+              </a:solidFill>
+              <a:round/>
+            </a:ln>
+            <a:effectLst/>
+          </c:spPr>
+          <c:invertIfNegative val="0"/>
+          <c:cat>
+            <c:strRef>
+              <c:f>Tabelle1!$A$2:$A$6</c:f>
+              <c:strCache>
+                <c:ptCount val="5"/>
+                <c:pt idx="0">
+                  <c:v>Front-end</c:v>
+                </c:pt>
+                <c:pt idx="1">
+                  <c:v>Back-end</c:v>
+                </c:pt>
+                <c:pt idx="2">
+                  <c:v>Chat</c:v>
+                </c:pt>
+                <c:pt idx="3">
+                  <c:v>Testing</c:v>
+                </c:pt>
+                <c:pt idx="4">
+                  <c:v>PM</c:v>
+                </c:pt>
+              </c:strCache>
+            </c:strRef>
+          </c:cat>
+          <c:val>
+            <c:numRef>
+              <c:f>Tabelle1!$C$2:$C$6</c:f>
+              <c:numCache>
+                <c:formatCode>General</c:formatCode>
+                <c:ptCount val="5"/>
+                <c:pt idx="0">
+                  <c:v>42</c:v>
+                </c:pt>
+                <c:pt idx="1">
+                  <c:v>104</c:v>
+                </c:pt>
+                <c:pt idx="2">
+                  <c:v>40</c:v>
+                </c:pt>
+                <c:pt idx="3">
+                  <c:v>30</c:v>
+                </c:pt>
+                <c:pt idx="4">
+                  <c:v>50</c:v>
+                </c:pt>
+              </c:numCache>
+            </c:numRef>
+          </c:val>
+          <c:extLst>
+            <c:ext xmlns:c16="http://schemas.microsoft.com/office/drawing/2014/chart" uri="{C3380CC4-5D6E-409C-BE32-E72D297353CC}">
+              <c16:uniqueId val="{00000001-BAF8-4B16-A600-CDA507230C2A}"/>
+            </c:ext>
+          </c:extLst>
+        </c:ser>
+        <c:dLbls>
+          <c:showLegendKey val="0"/>
+          <c:showVal val="0"/>
+          <c:showCatName val="0"/>
+          <c:showSerName val="0"/>
+          <c:showPercent val="0"/>
+          <c:showBubbleSize val="0"/>
+        </c:dLbls>
+        <c:gapWidth val="100"/>
+        <c:axId val="381315192"/>
+        <c:axId val="381310600"/>
+      </c:barChart>
+      <c:catAx>
+        <c:axId val="381315192"/>
+        <c:scaling>
+          <c:orientation val="minMax"/>
+        </c:scaling>
+        <c:delete val="0"/>
+        <c:axPos val="l"/>
+        <c:numFmt formatCode="General" sourceLinked="1"/>
+        <c:majorTickMark val="none"/>
+        <c:minorTickMark val="none"/>
+        <c:tickLblPos val="nextTo"/>
+        <c:spPr>
+          <a:noFill/>
+          <a:ln w="9525" cap="flat" cmpd="sng" algn="ctr">
+            <a:solidFill>
+              <a:schemeClr val="tx1">
+                <a:lumMod val="15000"/>
+                <a:lumOff val="85000"/>
+              </a:schemeClr>
+            </a:solidFill>
+            <a:round/>
+          </a:ln>
+          <a:effectLst/>
+        </c:spPr>
+        <c:txPr>
+          <a:bodyPr rot="0" spcFirstLastPara="1" vertOverflow="ellipsis" vert="horz" wrap="square" anchor="ctr" anchorCtr="1"/>
+          <a:lstStyle/>
+          <a:p>
+            <a:pPr>
+              <a:defRPr sz="1800" b="1" i="0" u="none" strike="noStrike" kern="1200" baseline="0">
+                <a:solidFill>
+                  <a:schemeClr val="tx1">
+                    <a:lumMod val="50000"/>
+                    <a:lumOff val="50000"/>
+                  </a:schemeClr>
+                </a:solidFill>
+                <a:latin typeface="+mn-lt"/>
+                <a:ea typeface="+mn-ea"/>
+                <a:cs typeface="+mn-cs"/>
+              </a:defRPr>
+            </a:pPr>
+            <a:endParaRPr lang="de-DE"/>
+          </a:p>
+        </c:txPr>
+        <c:crossAx val="381310600"/>
+        <c:crosses val="autoZero"/>
+        <c:auto val="1"/>
+        <c:lblAlgn val="ctr"/>
+        <c:lblOffset val="100"/>
+        <c:noMultiLvlLbl val="0"/>
+      </c:catAx>
+      <c:valAx>
+        <c:axId val="381310600"/>
+        <c:scaling>
+          <c:orientation val="minMax"/>
+        </c:scaling>
+        <c:delete val="0"/>
+        <c:axPos val="b"/>
+        <c:majorGridlines>
+          <c:spPr>
+            <a:ln w="9525" cap="flat" cmpd="sng" algn="ctr">
+              <a:solidFill>
+                <a:schemeClr val="tx1">
+                  <a:lumMod val="15000"/>
+                  <a:lumOff val="85000"/>
+                </a:schemeClr>
+              </a:solidFill>
+              <a:round/>
+            </a:ln>
+            <a:effectLst/>
+          </c:spPr>
+        </c:majorGridlines>
+        <c:numFmt formatCode="General" sourceLinked="1"/>
+        <c:majorTickMark val="none"/>
+        <c:minorTickMark val="none"/>
+        <c:tickLblPos val="nextTo"/>
+        <c:spPr>
+          <a:noFill/>
+          <a:ln>
+            <a:noFill/>
+          </a:ln>
+          <a:effectLst/>
+        </c:spPr>
+        <c:txPr>
+          <a:bodyPr rot="-60000000" spcFirstLastPara="1" vertOverflow="ellipsis" vert="horz" wrap="square" anchor="ctr" anchorCtr="1"/>
+          <a:lstStyle/>
+          <a:p>
+            <a:pPr>
+              <a:defRPr sz="1197" b="0" i="0" u="none" strike="noStrike" kern="1200" baseline="0">
+                <a:solidFill>
+                  <a:schemeClr val="tx1">
+                    <a:lumMod val="50000"/>
+                    <a:lumOff val="50000"/>
+                  </a:schemeClr>
+                </a:solidFill>
+                <a:latin typeface="+mn-lt"/>
+                <a:ea typeface="+mn-ea"/>
+                <a:cs typeface="+mn-cs"/>
+              </a:defRPr>
+            </a:pPr>
+            <a:endParaRPr lang="de-DE"/>
+          </a:p>
+        </c:txPr>
+        <c:crossAx val="381315192"/>
+        <c:crosses val="autoZero"/>
+        <c:crossBetween val="between"/>
+      </c:valAx>
+      <c:spPr>
+        <a:noFill/>
+        <a:ln>
+          <a:noFill/>
+        </a:ln>
+        <a:effectLst/>
+      </c:spPr>
+    </c:plotArea>
+    <c:legend>
+      <c:legendPos val="b"/>
+      <c:layout>
+        <c:manualLayout>
+          <c:xMode val="edge"/>
+          <c:yMode val="edge"/>
+          <c:x val="0.53779497079691119"/>
+          <c:y val="0.22563608225528681"/>
+          <c:w val="0.36849211213701044"/>
+          <c:h val="0.20021982453267331"/>
+        </c:manualLayout>
+      </c:layout>
+      <c:overlay val="0"/>
+      <c:spPr>
+        <a:noFill/>
+        <a:ln>
+          <a:noFill/>
+        </a:ln>
+        <a:effectLst/>
+      </c:spPr>
+      <c:txPr>
+        <a:bodyPr rot="0" spcFirstLastPara="1" vertOverflow="ellipsis" vert="horz" wrap="square" anchor="ctr" anchorCtr="1"/>
+        <a:lstStyle/>
+        <a:p>
+          <a:pPr>
+            <a:defRPr sz="2400" b="0" i="0" u="none" strike="noStrike" kern="1200" baseline="0">
+              <a:solidFill>
+                <a:schemeClr val="tx1">
+                  <a:lumMod val="50000"/>
+                  <a:lumOff val="50000"/>
+                </a:schemeClr>
+              </a:solidFill>
+              <a:latin typeface="+mn-lt"/>
+              <a:ea typeface="+mn-ea"/>
+              <a:cs typeface="+mn-cs"/>
+            </a:defRPr>
+          </a:pPr>
+          <a:endParaRPr lang="de-DE"/>
+        </a:p>
+      </c:txPr>
+    </c:legend>
+    <c:plotVisOnly val="1"/>
+    <c:dispBlanksAs val="gap"/>
+    <c:showDLblsOverMax val="0"/>
+  </c:chart>
+  <c:spPr>
+    <a:noFill/>
+    <a:ln>
+      <a:noFill/>
+    </a:ln>
+    <a:effectLst/>
+  </c:spPr>
+  <c:txPr>
+    <a:bodyPr/>
+    <a:lstStyle/>
+    <a:p>
+      <a:pPr>
+        <a:defRPr/>
+      </a:pPr>
+      <a:endParaRPr lang="de-DE"/>
+    </a:p>
+  </c:txPr>
+  <c:externalData r:id="rId3">
+    <c:autoUpdate val="0"/>
+  </c:externalData>
+</c:chartSpace>
+</file>
+
+<file path=ppt/charts/colors1.xml><?xml version="1.0" encoding="utf-8"?>
+<cs:colorStyle xmlns:cs="http://schemas.microsoft.com/office/drawing/2012/chartStyle" xmlns:a="http://schemas.openxmlformats.org/drawingml/2006/main" meth="withinLinear" id="14">
+  <a:schemeClr val="accent1"/>
+</cs:colorStyle>
+</file>
+
+<file path=ppt/charts/colors2.xml><?xml version="1.0" encoding="utf-8"?>
+<cs:colorStyle xmlns:cs="http://schemas.microsoft.com/office/drawing/2012/chartStyle" xmlns:a="http://schemas.openxmlformats.org/drawingml/2006/main" meth="withinLinear" id="18">
+  <a:schemeClr val="accent5"/>
+</cs:colorStyle>
+</file>
+
+<file path=ppt/charts/style1.xml><?xml version="1.0" encoding="utf-8"?>
+<cs:chartStyle xmlns:cs="http://schemas.microsoft.com/office/drawing/2012/chartStyle" xmlns:a="http://schemas.openxmlformats.org/drawingml/2006/main" id="259">
+  <cs:axisTitle>
+    <cs:lnRef idx="0"/>
+    <cs:fillRef idx="0"/>
+    <cs:effectRef idx="0"/>
+    <cs:fontRef idx="minor">
+      <a:schemeClr val="tx1">
+        <a:lumMod val="65000"/>
+        <a:lumOff val="35000"/>
+      </a:schemeClr>
+    </cs:fontRef>
+    <cs:defRPr sz="1197" kern="1200" cap="all"/>
+  </cs:axisTitle>
+  <cs:categoryAxis>
+    <cs:lnRef idx="0"/>
+    <cs:fillRef idx="0"/>
+    <cs:effectRef idx="0"/>
+    <cs:fontRef idx="minor">
+      <a:schemeClr val="tx1">
+        <a:lumMod val="65000"/>
+        <a:lumOff val="35000"/>
+      </a:schemeClr>
+    </cs:fontRef>
+    <cs:defRPr sz="1197" kern="1200"/>
+  </cs:categoryAxis>
+  <cs:chartArea mods="allowNoFillOverride allowNoLineOverride">
+    <cs:lnRef idx="0"/>
+    <cs:fillRef idx="0"/>
+    <cs:effectRef idx="0"/>
+    <cs:fontRef idx="minor">
+      <a:schemeClr val="tx1"/>
+    </cs:fontRef>
+    <cs:spPr>
+      <a:solidFill>
+        <a:schemeClr val="bg1"/>
+      </a:solidFill>
+      <a:ln w="9525" cap="flat" cmpd="sng" algn="ctr">
+        <a:solidFill>
+          <a:schemeClr val="tx1">
+            <a:lumMod val="15000"/>
+            <a:lumOff val="85000"/>
+          </a:schemeClr>
+        </a:solidFill>
+        <a:round/>
+      </a:ln>
+    </cs:spPr>
+    <cs:defRPr sz="1330" kern="1200"/>
+  </cs:chartArea>
+  <cs:dataLabel>
+    <cs:lnRef idx="0"/>
+    <cs:fillRef idx="0"/>
+    <cs:effectRef idx="0"/>
+    <cs:fontRef idx="minor">
+      <cs:styleClr val="auto"/>
+    </cs:fontRef>
+    <cs:defRPr sz="1330" b="1" i="0" u="none" strike="noStrike" kern="1200" spc="0" baseline="0"/>
+  </cs:dataLabel>
+  <cs:dataLabelCallout>
+    <cs:lnRef idx="0">
+      <cs:styleClr val="auto"/>
+    </cs:lnRef>
+    <cs:fillRef idx="0"/>
+    <cs:effectRef idx="0"/>
+    <cs:fontRef idx="minor">
+      <cs:styleClr val="auto"/>
+    </cs:fontRef>
+    <cs:spPr>
+      <a:solidFill>
+        <a:schemeClr val="lt1"/>
+      </a:solidFill>
+      <a:ln>
+        <a:solidFill>
+          <a:schemeClr val="phClr"/>
+        </a:solidFill>
+      </a:ln>
+    </cs:spPr>
+    <cs:defRPr sz="1330" b="1" kern="1200"/>
+    <cs:bodyPr rot="0" spcFirstLastPara="1" vertOverflow="clip" horzOverflow="clip" vert="horz" wrap="square" lIns="36576" tIns="18288" rIns="36576" bIns="18288" anchor="ctr" anchorCtr="1">
+      <a:spAutoFit/>
+    </cs:bodyPr>
+  </cs:dataLabelCallout>
+  <cs:dataPoint>
+    <cs:lnRef idx="0"/>
+    <cs:fillRef idx="0">
+      <cs:styleClr val="auto"/>
+    </cs:fillRef>
+    <cs:effectRef idx="0"/>
+    <cs:fontRef idx="minor">
+      <a:schemeClr val="dk1"/>
+    </cs:fontRef>
+    <cs:spPr>
+      <a:solidFill>
+        <a:schemeClr val="phClr"/>
+      </a:solidFill>
+      <a:effectLst>
+        <a:outerShdw blurRad="63500" sx="102000" sy="102000" algn="ctr" rotWithShape="0">
+          <a:prstClr val="black">
+            <a:alpha val="20000"/>
+          </a:prstClr>
+        </a:outerShdw>
+      </a:effectLst>
+    </cs:spPr>
+  </cs:dataPoint>
+  <cs:dataPoint3D>
+    <cs:lnRef idx="0"/>
+    <cs:fillRef idx="0">
+      <cs:styleClr val="auto"/>
+    </cs:fillRef>
+    <cs:effectRef idx="0"/>
+    <cs:fontRef idx="minor">
+      <a:schemeClr val="dk1"/>
+    </cs:fontRef>
+    <cs:spPr>
+      <a:solidFill>
+        <a:schemeClr val="phClr"/>
+      </a:solidFill>
+      <a:effectLst>
+        <a:outerShdw blurRad="88900" sx="102000" sy="102000" algn="ctr" rotWithShape="0">
+          <a:prstClr val="black">
+            <a:alpha val="10000"/>
+          </a:prstClr>
+        </a:outerShdw>
+      </a:effectLst>
+      <a:scene3d>
+        <a:camera prst="orthographicFront"/>
+        <a:lightRig rig="threePt" dir="t"/>
+      </a:scene3d>
+      <a:sp3d>
+        <a:bevelT w="127000" h="127000"/>
+        <a:bevelB w="127000" h="127000"/>
+      </a:sp3d>
+    </cs:spPr>
+  </cs:dataPoint3D>
+  <cs:dataPointLine>
+    <cs:lnRef idx="0">
+      <cs:styleClr val="auto"/>
+    </cs:lnRef>
+    <cs:fillRef idx="0"/>
+    <cs:effectRef idx="0"/>
+    <cs:fontRef idx="minor">
+      <a:schemeClr val="dk1"/>
+    </cs:fontRef>
+    <cs:spPr>
+      <a:ln w="28575" cap="rnd">
+        <a:solidFill>
+          <a:schemeClr val="phClr"/>
+        </a:solidFill>
+        <a:round/>
+      </a:ln>
+    </cs:spPr>
+  </cs:dataPointLine>
+  <cs:dataPointMarker>
+    <cs:lnRef idx="0"/>
+    <cs:fillRef idx="0">
+      <cs:styleClr val="auto"/>
+    </cs:fillRef>
+    <cs:effectRef idx="0"/>
+    <cs:fontRef idx="minor">
+      <a:schemeClr val="dk1"/>
+    </cs:fontRef>
+    <cs:spPr>
+      <a:solidFill>
+        <a:schemeClr val="phClr"/>
+      </a:solidFill>
+      <a:ln w="9525">
+        <a:solidFill>
+          <a:schemeClr val="lt1"/>
+        </a:solidFill>
+      </a:ln>
+    </cs:spPr>
+  </cs:dataPointMarker>
+  <cs:dataPointMarkerLayout symbol="circle" size="6"/>
+  <cs:dataPointWireframe>
+    <cs:lnRef idx="0">
+      <cs:styleClr val="auto"/>
+    </cs:lnRef>
+    <cs:fillRef idx="0"/>
+    <cs:effectRef idx="0"/>
+    <cs:fontRef idx="minor">
+      <a:schemeClr val="dk1"/>
+    </cs:fontRef>
+    <cs:spPr>
+      <a:ln w="9525" cap="rnd">
+        <a:solidFill>
+          <a:schemeClr val="phClr"/>
+        </a:solidFill>
+        <a:round/>
+      </a:ln>
+    </cs:spPr>
+  </cs:dataPointWireframe>
+  <cs:dataTable>
+    <cs:lnRef idx="0"/>
+    <cs:fillRef idx="0"/>
+    <cs:effectRef idx="0"/>
+    <cs:fontRef idx="minor">
+      <a:schemeClr val="tx1">
+        <a:lumMod val="65000"/>
+        <a:lumOff val="35000"/>
+      </a:schemeClr>
+    </cs:fontRef>
+    <cs:spPr>
+      <a:noFill/>
+      <a:ln w="9525" cap="flat" cmpd="sng" algn="ctr">
+        <a:solidFill>
+          <a:schemeClr val="tx1">
+            <a:lumMod val="15000"/>
+            <a:lumOff val="85000"/>
+          </a:schemeClr>
+        </a:solidFill>
+        <a:round/>
+      </a:ln>
+    </cs:spPr>
+    <cs:defRPr sz="1197" kern="1200"/>
+  </cs:dataTable>
+  <cs:downBar>
+    <cs:lnRef idx="0"/>
+    <cs:fillRef idx="0"/>
+    <cs:effectRef idx="0"/>
+    <cs:fontRef idx="minor">
+      <a:schemeClr val="tx1"/>
+    </cs:fontRef>
+    <cs:spPr>
+      <a:solidFill>
+        <a:schemeClr val="dk1">
+          <a:lumMod val="75000"/>
+          <a:lumOff val="25000"/>
+        </a:schemeClr>
+      </a:solidFill>
+      <a:ln w="9525" cap="flat" cmpd="sng" algn="ctr">
+        <a:solidFill>
+          <a:schemeClr val="tx1">
+            <a:lumMod val="65000"/>
+            <a:lumOff val="35000"/>
+          </a:schemeClr>
+        </a:solidFill>
+        <a:round/>
+      </a:ln>
+    </cs:spPr>
+  </cs:downBar>
+  <cs:dropLine>
+    <cs:lnRef idx="0"/>
+    <cs:fillRef idx="0"/>
+    <cs:effectRef idx="0"/>
+    <cs:fontRef idx="minor">
+      <a:schemeClr val="tx1"/>
+    </cs:fontRef>
+    <cs:spPr>
+      <a:ln w="9525" cap="flat" cmpd="sng" algn="ctr">
+        <a:solidFill>
+          <a:schemeClr val="tx1">
+            <a:lumMod val="35000"/>
+            <a:lumOff val="65000"/>
+          </a:schemeClr>
+        </a:solidFill>
+        <a:round/>
+      </a:ln>
+    </cs:spPr>
+  </cs:dropLine>
+  <cs:errorBar>
+    <cs:lnRef idx="0"/>
+    <cs:fillRef idx="0"/>
+    <cs:effectRef idx="0"/>
+    <cs:fontRef idx="minor">
+      <a:schemeClr val="tx1"/>
+    </cs:fontRef>
+    <cs:spPr>
+      <a:ln w="9525" cap="flat" cmpd="sng" algn="ctr">
+        <a:solidFill>
+          <a:schemeClr val="tx1">
+            <a:lumMod val="65000"/>
+            <a:lumOff val="35000"/>
+          </a:schemeClr>
+        </a:solidFill>
+        <a:round/>
+      </a:ln>
+    </cs:spPr>
+  </cs:errorBar>
+  <cs:floor>
+    <cs:lnRef idx="0"/>
+    <cs:fillRef idx="0"/>
+    <cs:effectRef idx="0"/>
+    <cs:fontRef idx="minor">
+      <a:schemeClr val="tx1"/>
+    </cs:fontRef>
+    <cs:spPr>
+      <a:noFill/>
+      <a:ln>
+        <a:noFill/>
+      </a:ln>
+    </cs:spPr>
+  </cs:floor>
+  <cs:gridlineMajor>
+    <cs:lnRef idx="0"/>
+    <cs:fillRef idx="0"/>
+    <cs:effectRef idx="0"/>
+    <cs:fontRef idx="minor">
+      <a:schemeClr val="tx1"/>
+    </cs:fontRef>
+    <cs:spPr>
+      <a:ln w="9525" cap="flat" cmpd="sng" algn="ctr">
+        <a:solidFill>
+          <a:schemeClr val="tx1">
+            <a:lumMod val="15000"/>
+            <a:lumOff val="85000"/>
+          </a:schemeClr>
+        </a:solidFill>
+        <a:round/>
+      </a:ln>
+    </cs:spPr>
+  </cs:gridlineMajor>
+  <cs:gridlineMinor>
+    <cs:lnRef idx="0"/>
+    <cs:fillRef idx="0"/>
+    <cs:effectRef idx="0"/>
+    <cs:fontRef idx="minor">
+      <a:schemeClr val="tx1"/>
+    </cs:fontRef>
+    <cs:spPr>
+      <a:ln w="9525" cap="flat" cmpd="sng" algn="ctr">
+        <a:solidFill>
+          <a:schemeClr val="tx1">
+            <a:lumMod val="5000"/>
+            <a:lumOff val="95000"/>
+          </a:schemeClr>
+        </a:solidFill>
+        <a:round/>
+      </a:ln>
+    </cs:spPr>
+  </cs:gridlineMinor>
+  <cs:hiLoLine>
+    <cs:lnRef idx="0"/>
+    <cs:fillRef idx="0"/>
+    <cs:effectRef idx="0"/>
+    <cs:fontRef idx="minor">
+      <a:schemeClr val="tx1"/>
+    </cs:fontRef>
+    <cs:spPr>
+      <a:ln w="9525" cap="flat" cmpd="sng" algn="ctr">
+        <a:solidFill>
+          <a:schemeClr val="tx1">
+            <a:lumMod val="50000"/>
+            <a:lumOff val="50000"/>
+          </a:schemeClr>
+        </a:solidFill>
+        <a:round/>
+      </a:ln>
+    </cs:spPr>
+  </cs:hiLoLine>
+  <cs:leaderLine>
+    <cs:lnRef idx="0"/>
+    <cs:fillRef idx="0"/>
+    <cs:effectRef idx="0"/>
+    <cs:fontRef idx="minor">
+      <a:schemeClr val="tx1"/>
+    </cs:fontRef>
+    <cs:spPr>
+      <a:ln w="9525" cap="flat" cmpd="sng" algn="ctr">
+        <a:solidFill>
+          <a:schemeClr val="tx1">
+            <a:lumMod val="35000"/>
+            <a:lumOff val="65000"/>
+          </a:schemeClr>
+        </a:solidFill>
+        <a:round/>
+      </a:ln>
+    </cs:spPr>
+  </cs:leaderLine>
+  <cs:legend>
+    <cs:lnRef idx="0"/>
+    <cs:fillRef idx="0"/>
+    <cs:effectRef idx="0"/>
+    <cs:fontRef idx="minor">
+      <a:schemeClr val="tx1">
+        <a:lumMod val="65000"/>
+        <a:lumOff val="35000"/>
+      </a:schemeClr>
+    </cs:fontRef>
+    <cs:defRPr sz="1197" kern="1200"/>
+  </cs:legend>
+  <cs:plotArea mods="allowNoFillOverride allowNoLineOverride">
+    <cs:lnRef idx="0"/>
+    <cs:fillRef idx="0"/>
+    <cs:effectRef idx="0"/>
+    <cs:fontRef idx="minor">
+      <a:schemeClr val="dk1"/>
+    </cs:fontRef>
+  </cs:plotArea>
+  <cs:plotArea3D mods="allowNoFillOverride allowNoLineOverride">
+    <cs:lnRef idx="0"/>
+    <cs:fillRef idx="0"/>
+    <cs:effectRef idx="0"/>
+    <cs:fontRef idx="minor">
+      <a:schemeClr val="dk1"/>
+    </cs:fontRef>
+  </cs:plotArea3D>
+  <cs:seriesAxis>
+    <cs:lnRef idx="0"/>
+    <cs:fillRef idx="0"/>
+    <cs:effectRef idx="0"/>
+    <cs:fontRef idx="minor">
+      <a:schemeClr val="tx1">
+        <a:lumMod val="65000"/>
+        <a:lumOff val="35000"/>
+      </a:schemeClr>
+    </cs:fontRef>
+    <cs:defRPr sz="1197" kern="1200"/>
+  </cs:seriesAxis>
+  <cs:seriesLine>
+    <cs:lnRef idx="0"/>
+    <cs:fillRef idx="0"/>
+    <cs:effectRef idx="0"/>
+    <cs:fontRef idx="minor">
+      <a:schemeClr val="tx1"/>
+    </cs:fontRef>
+    <cs:spPr>
+      <a:ln w="9525" cap="flat" cmpd="sng" algn="ctr">
+        <a:solidFill>
+          <a:schemeClr val="tx1">
+            <a:lumMod val="35000"/>
+            <a:lumOff val="65000"/>
+          </a:schemeClr>
+        </a:solidFill>
+        <a:round/>
+      </a:ln>
+    </cs:spPr>
+  </cs:seriesLine>
+  <cs:title>
+    <cs:lnRef idx="0"/>
+    <cs:fillRef idx="0"/>
+    <cs:effectRef idx="0"/>
+    <cs:fontRef idx="minor">
+      <a:schemeClr val="tx1">
+        <a:lumMod val="65000"/>
+        <a:lumOff val="35000"/>
+      </a:schemeClr>
+    </cs:fontRef>
+    <cs:defRPr sz="2128" b="1" kern="1200" cap="all" baseline="0"/>
+  </cs:title>
+  <cs:trendline>
+    <cs:lnRef idx="0">
+      <cs:styleClr val="auto"/>
+    </cs:lnRef>
+    <cs:fillRef idx="0"/>
+    <cs:effectRef idx="0"/>
+    <cs:fontRef idx="minor">
+      <a:schemeClr val="tx1"/>
+    </cs:fontRef>
+    <cs:spPr>
+      <a:ln w="19050" cap="rnd">
+        <a:solidFill>
+          <a:schemeClr val="phClr"/>
+        </a:solidFill>
+        <a:prstDash val="sysDash"/>
+      </a:ln>
+    </cs:spPr>
+  </cs:trendline>
+  <cs:trendlineLabel>
+    <cs:lnRef idx="0"/>
+    <cs:fillRef idx="0"/>
+    <cs:effectRef idx="0"/>
+    <cs:fontRef idx="minor">
+      <a:schemeClr val="tx1">
+        <a:lumMod val="65000"/>
+        <a:lumOff val="35000"/>
+      </a:schemeClr>
+    </cs:fontRef>
+    <cs:defRPr sz="1197" kern="1200"/>
+  </cs:trendlineLabel>
+  <cs:upBar>
+    <cs:lnRef idx="0"/>
+    <cs:fillRef idx="0"/>
+    <cs:effectRef idx="0"/>
+    <cs:fontRef idx="minor">
+      <a:schemeClr val="tx1"/>
+    </cs:fontRef>
+    <cs:spPr>
+      <a:solidFill>
+        <a:schemeClr val="lt1"/>
+      </a:solidFill>
+      <a:ln w="9525" cap="flat" cmpd="sng" algn="ctr">
+        <a:solidFill>
+          <a:schemeClr val="tx1">
+            <a:lumMod val="65000"/>
+            <a:lumOff val="35000"/>
+          </a:schemeClr>
+        </a:solidFill>
+        <a:round/>
+      </a:ln>
+    </cs:spPr>
+  </cs:upBar>
+  <cs:valueAxis>
+    <cs:lnRef idx="0"/>
+    <cs:fillRef idx="0"/>
+    <cs:effectRef idx="0"/>
+    <cs:fontRef idx="minor">
+      <a:schemeClr val="tx1">
+        <a:lumMod val="65000"/>
+        <a:lumOff val="35000"/>
+      </a:schemeClr>
+    </cs:fontRef>
+    <cs:defRPr sz="1197" kern="1200"/>
+  </cs:valueAxis>
+  <cs:wall>
+    <cs:lnRef idx="0"/>
+    <cs:fillRef idx="0"/>
+    <cs:effectRef idx="0"/>
+    <cs:fontRef idx="minor">
+      <a:schemeClr val="tx1"/>
+    </cs:fontRef>
+    <cs:spPr>
+      <a:noFill/>
+      <a:ln>
+        <a:noFill/>
+      </a:ln>
+    </cs:spPr>
+  </cs:wall>
+</cs:chartStyle>
+</file>
+
+<file path=ppt/charts/style2.xml><?xml version="1.0" encoding="utf-8"?>
+<cs:chartStyle xmlns:cs="http://schemas.microsoft.com/office/drawing/2012/chartStyle" xmlns:a="http://schemas.openxmlformats.org/drawingml/2006/main" id="219">
+  <cs:axisTitle>
+    <cs:lnRef idx="0"/>
+    <cs:fillRef idx="0"/>
+    <cs:effectRef idx="0"/>
+    <cs:fontRef idx="minor">
+      <a:schemeClr val="tx1">
+        <a:lumMod val="50000"/>
+        <a:lumOff val="50000"/>
+      </a:schemeClr>
+    </cs:fontRef>
+    <cs:defRPr sz="1197" kern="1200" cap="all"/>
+  </cs:axisTitle>
+  <cs:categoryAxis>
+    <cs:lnRef idx="0"/>
+    <cs:fillRef idx="0"/>
+    <cs:effectRef idx="0"/>
+    <cs:fontRef idx="minor">
+      <a:schemeClr val="tx1">
+        <a:lumMod val="50000"/>
+        <a:lumOff val="50000"/>
+      </a:schemeClr>
+    </cs:fontRef>
+    <cs:spPr>
+      <a:ln w="9525" cap="flat" cmpd="sng" algn="ctr">
+        <a:solidFill>
+          <a:schemeClr val="tx1">
+            <a:lumMod val="15000"/>
+            <a:lumOff val="85000"/>
+          </a:schemeClr>
+        </a:solidFill>
+        <a:round/>
+      </a:ln>
+    </cs:spPr>
+    <cs:defRPr sz="1197" kern="1200"/>
+  </cs:categoryAxis>
+  <cs:chartArea mods="allowNoFillOverride allowNoLineOverride">
+    <cs:lnRef idx="0"/>
+    <cs:fillRef idx="0"/>
+    <cs:effectRef idx="0"/>
+    <cs:fontRef idx="minor">
+      <a:schemeClr val="dk1"/>
+    </cs:fontRef>
+    <cs:spPr>
+      <a:solidFill>
+        <a:schemeClr val="bg1"/>
+      </a:solidFill>
+      <a:ln w="9525" cap="flat" cmpd="sng" algn="ctr">
+        <a:solidFill>
+          <a:schemeClr val="tx1">
+            <a:lumMod val="15000"/>
+            <a:lumOff val="85000"/>
+          </a:schemeClr>
+        </a:solidFill>
+        <a:round/>
+      </a:ln>
+    </cs:spPr>
+    <cs:defRPr sz="1197" kern="1200"/>
+  </cs:chartArea>
+  <cs:dataLabel>
+    <cs:lnRef idx="0"/>
+    <cs:fillRef idx="0"/>
+    <cs:effectRef idx="0"/>
+    <cs:fontRef idx="minor">
+      <a:schemeClr val="tx1">
+        <a:lumMod val="50000"/>
+        <a:lumOff val="50000"/>
+      </a:schemeClr>
+    </cs:fontRef>
+    <cs:defRPr sz="1197" kern="1200"/>
+  </cs:dataLabel>
+  <cs:dataLabelCallout>
+    <cs:lnRef idx="0"/>
+    <cs:fillRef idx="0"/>
+    <cs:effectRef idx="0"/>
+    <cs:fontRef idx="minor">
+      <a:schemeClr val="dk1">
+        <a:lumMod val="65000"/>
+        <a:lumOff val="35000"/>
+      </a:schemeClr>
+    </cs:fontRef>
+    <cs:spPr>
+      <a:solidFill>
+        <a:schemeClr val="lt1"/>
+      </a:solidFill>
+      <a:ln>
+        <a:solidFill>
+          <a:schemeClr val="dk1">
+            <a:lumMod val="25000"/>
+            <a:lumOff val="75000"/>
+          </a:schemeClr>
+        </a:solidFill>
+      </a:ln>
+    </cs:spPr>
+    <cs:defRPr sz="1197" kern="1200"/>
+    <cs:bodyPr rot="0" spcFirstLastPara="1" vertOverflow="clip" horzOverflow="clip" vert="horz" wrap="square" lIns="36576" tIns="18288" rIns="36576" bIns="18288" anchor="ctr" anchorCtr="1">
+      <a:spAutoFit/>
+    </cs:bodyPr>
+  </cs:dataLabelCallout>
+  <cs:dataPoint>
+    <cs:lnRef idx="0">
+      <cs:styleClr val="auto"/>
+    </cs:lnRef>
+    <cs:fillRef idx="2">
+      <cs:styleClr val="auto"/>
+    </cs:fillRef>
+    <cs:effectRef idx="1"/>
+    <cs:fontRef idx="minor">
+      <a:schemeClr val="dk1"/>
+    </cs:fontRef>
+    <cs:spPr>
+      <a:ln w="9525" cap="flat" cmpd="sng" algn="ctr">
+        <a:solidFill>
+          <a:schemeClr val="phClr">
+            <a:shade val="95000"/>
+          </a:schemeClr>
+        </a:solidFill>
+        <a:round/>
+      </a:ln>
+    </cs:spPr>
+  </cs:dataPoint>
+  <cs:dataPoint3D>
+    <cs:lnRef idx="0">
+      <cs:styleClr val="auto"/>
+    </cs:lnRef>
+    <cs:fillRef idx="2">
+      <cs:styleClr val="auto"/>
+    </cs:fillRef>
+    <cs:effectRef idx="1"/>
+    <cs:fontRef idx="minor">
+      <a:schemeClr val="dk1"/>
+    </cs:fontRef>
+    <cs:spPr>
+      <a:ln w="9525" cap="flat" cmpd="sng" algn="ctr">
+        <a:solidFill>
+          <a:schemeClr val="phClr">
+            <a:shade val="95000"/>
+          </a:schemeClr>
+        </a:solidFill>
+        <a:round/>
+      </a:ln>
+    </cs:spPr>
+  </cs:dataPoint3D>
+  <cs:dataPointLine>
+    <cs:lnRef idx="0">
+      <cs:styleClr val="auto"/>
+    </cs:lnRef>
+    <cs:fillRef idx="2">
+      <cs:styleClr val="auto"/>
+    </cs:fillRef>
+    <cs:effectRef idx="1"/>
+    <cs:fontRef idx="minor">
+      <a:schemeClr val="dk1"/>
+    </cs:fontRef>
+    <cs:spPr>
+      <a:ln w="15875" cap="rnd">
+        <a:solidFill>
+          <a:schemeClr val="phClr"/>
+        </a:solidFill>
+        <a:round/>
+      </a:ln>
+    </cs:spPr>
+  </cs:dataPointLine>
+  <cs:dataPointMarker>
+    <cs:lnRef idx="0">
+      <cs:styleClr val="auto"/>
+    </cs:lnRef>
+    <cs:fillRef idx="2">
+      <cs:styleClr val="auto"/>
+    </cs:fillRef>
+    <cs:effectRef idx="1"/>
+    <cs:fontRef idx="minor">
+      <a:schemeClr val="dk1"/>
+    </cs:fontRef>
+    <cs:spPr>
+      <a:ln w="9525" cap="flat" cmpd="sng" algn="ctr">
+        <a:solidFill>
+          <a:schemeClr val="phClr">
+            <a:shade val="95000"/>
+          </a:schemeClr>
+        </a:solidFill>
+        <a:round/>
+      </a:ln>
+    </cs:spPr>
+  </cs:dataPointMarker>
+  <cs:dataPointMarkerLayout symbol="circle" size="4"/>
+  <cs:dataPointWireframe>
+    <cs:lnRef idx="0">
+      <cs:styleClr val="auto"/>
+    </cs:lnRef>
+    <cs:fillRef idx="2"/>
+    <cs:effectRef idx="0"/>
+    <cs:fontRef idx="minor">
+      <a:schemeClr val="dk1"/>
+    </cs:fontRef>
+    <cs:spPr>
+      <a:ln w="9525" cap="rnd">
+        <a:solidFill>
+          <a:schemeClr val="phClr"/>
+        </a:solidFill>
+        <a:round/>
+      </a:ln>
+    </cs:spPr>
+  </cs:dataPointWireframe>
+  <cs:dataTable>
+    <cs:lnRef idx="0"/>
+    <cs:fillRef idx="0"/>
+    <cs:effectRef idx="0"/>
+    <cs:fontRef idx="minor">
+      <a:schemeClr val="tx1">
+        <a:lumMod val="50000"/>
+        <a:lumOff val="50000"/>
+      </a:schemeClr>
+    </cs:fontRef>
+    <cs:spPr>
+      <a:ln w="9525">
+        <a:solidFill>
+          <a:schemeClr val="tx1">
+            <a:lumMod val="15000"/>
+            <a:lumOff val="85000"/>
+          </a:schemeClr>
+        </a:solidFill>
+      </a:ln>
+    </cs:spPr>
+    <cs:defRPr sz="1197" kern="1200"/>
+  </cs:dataTable>
+  <cs:downBar>
+    <cs:lnRef idx="0"/>
+    <cs:fillRef idx="0"/>
+    <cs:effectRef idx="0"/>
+    <cs:fontRef idx="minor">
+      <a:schemeClr val="dk1"/>
+    </cs:fontRef>
+    <cs:spPr>
+      <a:solidFill>
+        <a:schemeClr val="dk1">
+          <a:lumMod val="75000"/>
+          <a:lumOff val="25000"/>
+        </a:schemeClr>
+      </a:solidFill>
+      <a:ln w="9525">
+        <a:solidFill>
+          <a:schemeClr val="tx1">
+            <a:lumMod val="50000"/>
+            <a:lumOff val="50000"/>
+          </a:schemeClr>
+        </a:solidFill>
+      </a:ln>
+    </cs:spPr>
+  </cs:downBar>
+  <cs:dropLine>
+    <cs:lnRef idx="0"/>
+    <cs:fillRef idx="0"/>
+    <cs:effectRef idx="0"/>
+    <cs:fontRef idx="minor">
+      <a:schemeClr val="dk1"/>
+    </cs:fontRef>
+    <cs:spPr>
+      <a:ln w="9525">
+        <a:solidFill>
+          <a:schemeClr val="tx1">
+            <a:lumMod val="35000"/>
+            <a:lumOff val="65000"/>
+          </a:schemeClr>
+        </a:solidFill>
+        <a:prstDash val="dash"/>
+      </a:ln>
+    </cs:spPr>
+  </cs:dropLine>
+  <cs:errorBar>
+    <cs:lnRef idx="0"/>
+    <cs:fillRef idx="0"/>
+    <cs:effectRef idx="0"/>
+    <cs:fontRef idx="minor">
+      <a:schemeClr val="dk1"/>
+    </cs:fontRef>
+    <cs:spPr>
+      <a:ln w="9525">
+        <a:solidFill>
+          <a:schemeClr val="tx1">
+            <a:lumMod val="50000"/>
+            <a:lumOff val="50000"/>
+          </a:schemeClr>
+        </a:solidFill>
+      </a:ln>
+    </cs:spPr>
+  </cs:errorBar>
+  <cs:floor>
+    <cs:lnRef idx="0"/>
+    <cs:fillRef idx="0"/>
+    <cs:effectRef idx="0"/>
+    <cs:fontRef idx="minor">
+      <a:schemeClr val="dk1"/>
+    </cs:fontRef>
+  </cs:floor>
+  <cs:gridlineMajor>
+    <cs:lnRef idx="0"/>
+    <cs:fillRef idx="0"/>
+    <cs:effectRef idx="0"/>
+    <cs:fontRef idx="minor">
+      <a:schemeClr val="dk1"/>
+    </cs:fontRef>
+    <cs:spPr>
+      <a:ln w="9525" cap="flat" cmpd="sng" algn="ctr">
+        <a:solidFill>
+          <a:schemeClr val="tx1">
+            <a:lumMod val="15000"/>
+            <a:lumOff val="85000"/>
+          </a:schemeClr>
+        </a:solidFill>
+        <a:round/>
+      </a:ln>
+    </cs:spPr>
+  </cs:gridlineMajor>
+  <cs:gridlineMinor>
+    <cs:lnRef idx="0"/>
+    <cs:fillRef idx="0"/>
+    <cs:effectRef idx="0"/>
+    <cs:fontRef idx="minor">
+      <a:schemeClr val="dk1"/>
+    </cs:fontRef>
+    <cs:spPr>
+      <a:ln>
+        <a:solidFill>
+          <a:schemeClr val="tx1">
+            <a:lumMod val="5000"/>
+            <a:lumOff val="95000"/>
+          </a:schemeClr>
+        </a:solidFill>
+      </a:ln>
+    </cs:spPr>
+  </cs:gridlineMinor>
+  <cs:hiLoLine>
+    <cs:lnRef idx="0"/>
+    <cs:fillRef idx="0"/>
+    <cs:effectRef idx="0"/>
+    <cs:fontRef idx="minor">
+      <a:schemeClr val="dk1"/>
+    </cs:fontRef>
+    <cs:spPr>
+      <a:ln w="9525">
+        <a:solidFill>
+          <a:schemeClr val="tx1">
+            <a:lumMod val="50000"/>
+            <a:lumOff val="50000"/>
+          </a:schemeClr>
+        </a:solidFill>
+        <a:prstDash val="dash"/>
+      </a:ln>
+    </cs:spPr>
+  </cs:hiLoLine>
+  <cs:leaderLine>
+    <cs:lnRef idx="0"/>
+    <cs:fillRef idx="0"/>
+    <cs:effectRef idx="0"/>
+    <cs:fontRef idx="minor">
+      <a:schemeClr val="dk1"/>
+    </cs:fontRef>
+    <cs:spPr>
+      <a:ln w="9525">
+        <a:solidFill>
+          <a:schemeClr val="tx1">
+            <a:lumMod val="35000"/>
+            <a:lumOff val="65000"/>
+          </a:schemeClr>
+        </a:solidFill>
+      </a:ln>
+    </cs:spPr>
+  </cs:leaderLine>
+  <cs:legend>
+    <cs:lnRef idx="0"/>
+    <cs:fillRef idx="0"/>
+    <cs:effectRef idx="0"/>
+    <cs:fontRef idx="minor">
+      <a:schemeClr val="tx1">
+        <a:lumMod val="50000"/>
+        <a:lumOff val="50000"/>
+      </a:schemeClr>
+    </cs:fontRef>
+    <cs:defRPr sz="1197" kern="1200"/>
+  </cs:legend>
+  <cs:plotArea mods="allowNoFillOverride allowNoLineOverride">
+    <cs:lnRef idx="0"/>
+    <cs:fillRef idx="0"/>
+    <cs:effectRef idx="0"/>
+    <cs:fontRef idx="minor">
+      <a:schemeClr val="dk1"/>
+    </cs:fontRef>
+  </cs:plotArea>
+  <cs:plotArea3D mods="allowNoFillOverride allowNoLineOverride">
+    <cs:lnRef idx="0"/>
+    <cs:fillRef idx="0"/>
+    <cs:effectRef idx="0"/>
+    <cs:fontRef idx="minor">
+      <a:schemeClr val="dk1"/>
+    </cs:fontRef>
+  </cs:plotArea3D>
+  <cs:seriesAxis>
+    <cs:lnRef idx="0"/>
+    <cs:fillRef idx="0"/>
+    <cs:effectRef idx="0"/>
+    <cs:fontRef idx="minor">
+      <a:schemeClr val="tx1">
+        <a:lumMod val="50000"/>
+        <a:lumOff val="50000"/>
+      </a:schemeClr>
+    </cs:fontRef>
+    <cs:spPr>
+      <a:ln w="9525" cap="flat" cmpd="sng" algn="ctr">
+        <a:solidFill>
+          <a:schemeClr val="tx1">
+            <a:lumMod val="15000"/>
+            <a:lumOff val="85000"/>
+          </a:schemeClr>
+        </a:solidFill>
+        <a:round/>
+      </a:ln>
+    </cs:spPr>
+    <cs:defRPr sz="1197" kern="1200"/>
+  </cs:seriesAxis>
+  <cs:seriesLine>
+    <cs:lnRef idx="0"/>
+    <cs:fillRef idx="0"/>
+    <cs:effectRef idx="0"/>
+    <cs:fontRef idx="minor">
+      <a:schemeClr val="dk1"/>
+    </cs:fontRef>
+    <cs:spPr>
+      <a:ln w="9525">
+        <a:solidFill>
+          <a:schemeClr val="tx1">
+            <a:lumMod val="35000"/>
+            <a:lumOff val="65000"/>
+          </a:schemeClr>
+        </a:solidFill>
+        <a:prstDash val="dash"/>
+      </a:ln>
+    </cs:spPr>
+  </cs:seriesLine>
+  <cs:title>
+    <cs:lnRef idx="0"/>
+    <cs:fillRef idx="0"/>
+    <cs:effectRef idx="0"/>
+    <cs:fontRef idx="minor">
+      <a:schemeClr val="tx1">
+        <a:lumMod val="50000"/>
+        <a:lumOff val="50000"/>
+      </a:schemeClr>
+    </cs:fontRef>
+    <cs:defRPr sz="1862" kern="1200" cap="none" spc="20" baseline="0"/>
+  </cs:title>
+  <cs:trendline>
+    <cs:lnRef idx="0">
+      <cs:styleClr val="auto"/>
+    </cs:lnRef>
+    <cs:fillRef idx="2"/>
+    <cs:effectRef idx="0"/>
+    <cs:fontRef idx="minor">
+      <a:schemeClr val="dk1"/>
+    </cs:fontRef>
+    <cs:spPr>
+      <a:ln w="9525" cap="rnd">
+        <a:solidFill>
+          <a:schemeClr val="phClr"/>
+        </a:solidFill>
+      </a:ln>
+    </cs:spPr>
+  </cs:trendline>
+  <cs:trendlineLabel>
+    <cs:lnRef idx="0"/>
+    <cs:fillRef idx="0"/>
+    <cs:effectRef idx="0"/>
+    <cs:fontRef idx="minor">
+      <a:schemeClr val="tx1">
+        <a:lumMod val="50000"/>
+        <a:lumOff val="50000"/>
+      </a:schemeClr>
+    </cs:fontRef>
+    <cs:defRPr sz="1197" kern="1200"/>
+  </cs:trendlineLabel>
+  <cs:upBar>
+    <cs:lnRef idx="0"/>
+    <cs:fillRef idx="0"/>
+    <cs:effectRef idx="0"/>
+    <cs:fontRef idx="minor">
+      <a:schemeClr val="dk1"/>
+    </cs:fontRef>
+    <cs:spPr>
+      <a:solidFill>
+        <a:schemeClr val="lt1"/>
+      </a:solidFill>
+      <a:ln w="9525">
+        <a:solidFill>
+          <a:schemeClr val="tx1">
+            <a:lumMod val="50000"/>
+            <a:lumOff val="50000"/>
+          </a:schemeClr>
+        </a:solidFill>
+      </a:ln>
+    </cs:spPr>
+  </cs:upBar>
+  <cs:valueAxis>
+    <cs:lnRef idx="0"/>
+    <cs:fillRef idx="0"/>
+    <cs:effectRef idx="0"/>
+    <cs:fontRef idx="minor">
+      <a:schemeClr val="tx1">
+        <a:lumMod val="50000"/>
+        <a:lumOff val="50000"/>
+      </a:schemeClr>
+    </cs:fontRef>
+    <cs:defRPr sz="1197" kern="1200"/>
+  </cs:valueAxis>
+  <cs:wall>
+    <cs:lnRef idx="0"/>
+    <cs:fillRef idx="0"/>
+    <cs:effectRef idx="0"/>
+    <cs:fontRef idx="minor">
+      <a:schemeClr val="dk1"/>
+    </cs:fontRef>
+  </cs:wall>
+</cs:chartStyle>
 </file>
 
 <file path=ppt/diagrams/colors1.xml><?xml version="1.0" encoding="utf-8"?>
@@ -1030,9 +3016,14 @@
         <a:lstStyle/>
         <a:p>
           <a:r>
-            <a:rPr lang="de-AT" sz="2000"/>
-            <a:t>Selina Brinnich</a:t>
+            <a:rPr lang="de-AT" sz="2000" dirty="0"/>
+            <a:t>Selina </a:t>
           </a:r>
+          <a:r>
+            <a:rPr lang="de-AT" sz="2000" dirty="0" err="1"/>
+            <a:t>Brinnich</a:t>
+          </a:r>
+          <a:endParaRPr lang="de-AT" sz="2000" dirty="0"/>
         </a:p>
       </dgm:t>
     </dgm:pt>
@@ -1142,13 +3133,6 @@
         </dgm:presLayoutVars>
       </dgm:prSet>
       <dgm:spPr/>
-      <dgm:t>
-        <a:bodyPr/>
-        <a:lstStyle/>
-        <a:p>
-          <a:endParaRPr lang="de-AT"/>
-        </a:p>
-      </dgm:t>
     </dgm:pt>
     <dgm:pt modelId="{6FDF0570-80CC-455C-A13F-F88D0E951F1C}" type="pres">
       <dgm:prSet presAssocID="{20059406-BD8B-4E55-A3D8-C969D088B016}" presName="hierRoot1" presStyleCnt="0">
@@ -1170,13 +3154,6 @@
         </dgm:presLayoutVars>
       </dgm:prSet>
       <dgm:spPr/>
-      <dgm:t>
-        <a:bodyPr/>
-        <a:lstStyle/>
-        <a:p>
-          <a:endParaRPr lang="de-AT"/>
-        </a:p>
-      </dgm:t>
     </dgm:pt>
     <dgm:pt modelId="{FDB1AC64-F678-469B-9507-3DEB0AFE1051}" type="pres">
       <dgm:prSet presAssocID="{20059406-BD8B-4E55-A3D8-C969D088B016}" presName="titleText1" presStyleLbl="fgAcc0" presStyleIdx="0" presStyleCnt="1">
@@ -1186,24 +3163,10 @@
         </dgm:presLayoutVars>
       </dgm:prSet>
       <dgm:spPr/>
-      <dgm:t>
-        <a:bodyPr/>
-        <a:lstStyle/>
-        <a:p>
-          <a:endParaRPr lang="de-AT"/>
-        </a:p>
-      </dgm:t>
     </dgm:pt>
     <dgm:pt modelId="{A61F234B-0585-46A7-BCD8-745401D0B266}" type="pres">
       <dgm:prSet presAssocID="{20059406-BD8B-4E55-A3D8-C969D088B016}" presName="rootConnector1" presStyleLbl="node1" presStyleIdx="0" presStyleCnt="2"/>
       <dgm:spPr/>
-      <dgm:t>
-        <a:bodyPr/>
-        <a:lstStyle/>
-        <a:p>
-          <a:endParaRPr lang="de-AT"/>
-        </a:p>
-      </dgm:t>
     </dgm:pt>
     <dgm:pt modelId="{A34A6A3D-163B-4DE8-87C1-3425AF654ED2}" type="pres">
       <dgm:prSet presAssocID="{20059406-BD8B-4E55-A3D8-C969D088B016}" presName="hierChild2" presStyleCnt="0"/>
@@ -1212,13 +3175,6 @@
     <dgm:pt modelId="{E7AC83D8-6B8B-4F09-9A35-7EA9A0698357}" type="pres">
       <dgm:prSet presAssocID="{D5164096-2E3E-4A76-AE62-F999EBA0BF5B}" presName="Name37" presStyleLbl="parChTrans1D2" presStyleIdx="0" presStyleCnt="3"/>
       <dgm:spPr/>
-      <dgm:t>
-        <a:bodyPr/>
-        <a:lstStyle/>
-        <a:p>
-          <a:endParaRPr lang="de-AT"/>
-        </a:p>
-      </dgm:t>
     </dgm:pt>
     <dgm:pt modelId="{D8FF4BE5-C9CD-46FE-84BE-437158F40B21}" type="pres">
       <dgm:prSet presAssocID="{94048916-DF9A-4086-BB48-11FCC2B23560}" presName="hierRoot2" presStyleCnt="0">
@@ -1240,13 +3196,6 @@
         </dgm:presLayoutVars>
       </dgm:prSet>
       <dgm:spPr/>
-      <dgm:t>
-        <a:bodyPr/>
-        <a:lstStyle/>
-        <a:p>
-          <a:endParaRPr lang="de-AT"/>
-        </a:p>
-      </dgm:t>
     </dgm:pt>
     <dgm:pt modelId="{085A1E17-6888-4ED1-A757-135ACFFC0060}" type="pres">
       <dgm:prSet presAssocID="{94048916-DF9A-4086-BB48-11FCC2B23560}" presName="titleText2" presStyleLbl="fgAcc1" presStyleIdx="0" presStyleCnt="2">
@@ -1256,24 +3205,10 @@
         </dgm:presLayoutVars>
       </dgm:prSet>
       <dgm:spPr/>
-      <dgm:t>
-        <a:bodyPr/>
-        <a:lstStyle/>
-        <a:p>
-          <a:endParaRPr lang="de-AT"/>
-        </a:p>
-      </dgm:t>
     </dgm:pt>
     <dgm:pt modelId="{B851F6B2-F1D1-4C70-A8D5-15EC9B51F8CA}" type="pres">
       <dgm:prSet presAssocID="{94048916-DF9A-4086-BB48-11FCC2B23560}" presName="rootConnector" presStyleLbl="node2" presStyleIdx="0" presStyleCnt="0"/>
       <dgm:spPr/>
-      <dgm:t>
-        <a:bodyPr/>
-        <a:lstStyle/>
-        <a:p>
-          <a:endParaRPr lang="de-AT"/>
-        </a:p>
-      </dgm:t>
     </dgm:pt>
     <dgm:pt modelId="{DA235B82-E838-4692-B860-D7F7A6985C60}" type="pres">
       <dgm:prSet presAssocID="{94048916-DF9A-4086-BB48-11FCC2B23560}" presName="hierChild4" presStyleCnt="0"/>
@@ -1286,13 +3221,6 @@
     <dgm:pt modelId="{DF867B46-5BD7-42DF-ACC5-EB33254E9FA6}" type="pres">
       <dgm:prSet presAssocID="{E0DD6EDE-0D0B-431C-9595-B77CA81EA886}" presName="Name37" presStyleLbl="parChTrans1D2" presStyleIdx="1" presStyleCnt="3"/>
       <dgm:spPr/>
-      <dgm:t>
-        <a:bodyPr/>
-        <a:lstStyle/>
-        <a:p>
-          <a:endParaRPr lang="de-AT"/>
-        </a:p>
-      </dgm:t>
     </dgm:pt>
     <dgm:pt modelId="{3884E5D5-95B6-4847-B97D-3EA6A43A426D}" type="pres">
       <dgm:prSet presAssocID="{AFF29BE7-25FC-4575-B4DB-7C07A43F6273}" presName="hierRoot2" presStyleCnt="0">
@@ -1314,13 +3242,6 @@
         </dgm:presLayoutVars>
       </dgm:prSet>
       <dgm:spPr/>
-      <dgm:t>
-        <a:bodyPr/>
-        <a:lstStyle/>
-        <a:p>
-          <a:endParaRPr lang="de-AT"/>
-        </a:p>
-      </dgm:t>
     </dgm:pt>
     <dgm:pt modelId="{918A7BD1-7E2B-44F0-A5C2-418A7388A0C3}" type="pres">
       <dgm:prSet presAssocID="{AFF29BE7-25FC-4575-B4DB-7C07A43F6273}" presName="titleText2" presStyleLbl="fgAcc1" presStyleIdx="1" presStyleCnt="2">
@@ -1330,24 +3251,10 @@
         </dgm:presLayoutVars>
       </dgm:prSet>
       <dgm:spPr/>
-      <dgm:t>
-        <a:bodyPr/>
-        <a:lstStyle/>
-        <a:p>
-          <a:endParaRPr lang="de-AT"/>
-        </a:p>
-      </dgm:t>
     </dgm:pt>
     <dgm:pt modelId="{1D8749A8-F4BF-4C1B-B4DF-72EF68C4C064}" type="pres">
       <dgm:prSet presAssocID="{AFF29BE7-25FC-4575-B4DB-7C07A43F6273}" presName="rootConnector" presStyleLbl="node2" presStyleIdx="0" presStyleCnt="0"/>
       <dgm:spPr/>
-      <dgm:t>
-        <a:bodyPr/>
-        <a:lstStyle/>
-        <a:p>
-          <a:endParaRPr lang="de-AT"/>
-        </a:p>
-      </dgm:t>
     </dgm:pt>
     <dgm:pt modelId="{2EBBF229-8358-416A-B55E-DE27D0EAC071}" type="pres">
       <dgm:prSet presAssocID="{AFF29BE7-25FC-4575-B4DB-7C07A43F6273}" presName="hierChild4" presStyleCnt="0"/>
@@ -1364,13 +3271,6 @@
     <dgm:pt modelId="{066AD075-C727-49B0-8697-5F482CA314A5}" type="pres">
       <dgm:prSet presAssocID="{865FC03B-0A3C-4339-8C40-902CCB541A0F}" presName="Name96" presStyleLbl="parChTrans1D2" presStyleIdx="2" presStyleCnt="3"/>
       <dgm:spPr/>
-      <dgm:t>
-        <a:bodyPr/>
-        <a:lstStyle/>
-        <a:p>
-          <a:endParaRPr lang="de-AT"/>
-        </a:p>
-      </dgm:t>
     </dgm:pt>
     <dgm:pt modelId="{836CFD99-48BE-400C-87B5-8D545A870066}" type="pres">
       <dgm:prSet presAssocID="{BF768398-1F50-47BA-B413-15CFCC39EF06}" presName="hierRoot3" presStyleCnt="0">
@@ -1391,13 +3291,6 @@
         </dgm:presLayoutVars>
       </dgm:prSet>
       <dgm:spPr/>
-      <dgm:t>
-        <a:bodyPr/>
-        <a:lstStyle/>
-        <a:p>
-          <a:endParaRPr lang="de-AT"/>
-        </a:p>
-      </dgm:t>
     </dgm:pt>
     <dgm:pt modelId="{F45B4FC5-3190-478B-8897-3B75D7FA7A0D}" type="pres">
       <dgm:prSet presAssocID="{BF768398-1F50-47BA-B413-15CFCC39EF06}" presName="titleText3" presStyleLbl="fgAcc2" presStyleIdx="0" presStyleCnt="1">
@@ -1407,24 +3300,10 @@
         </dgm:presLayoutVars>
       </dgm:prSet>
       <dgm:spPr/>
-      <dgm:t>
-        <a:bodyPr/>
-        <a:lstStyle/>
-        <a:p>
-          <a:endParaRPr lang="de-AT"/>
-        </a:p>
-      </dgm:t>
     </dgm:pt>
     <dgm:pt modelId="{FAAD20CC-D509-4480-8699-E1231CB7F67A}" type="pres">
       <dgm:prSet presAssocID="{BF768398-1F50-47BA-B413-15CFCC39EF06}" presName="rootConnector3" presStyleLbl="asst1" presStyleIdx="0" presStyleCnt="1"/>
       <dgm:spPr/>
-      <dgm:t>
-        <a:bodyPr/>
-        <a:lstStyle/>
-        <a:p>
-          <a:endParaRPr lang="de-AT"/>
-        </a:p>
-      </dgm:t>
     </dgm:pt>
     <dgm:pt modelId="{DE593395-09FC-440D-8484-50605E23D2A3}" type="pres">
       <dgm:prSet presAssocID="{BF768398-1F50-47BA-B413-15CFCC39EF06}" presName="hierChild6" presStyleCnt="0"/>
@@ -1436,26 +3315,26 @@
     </dgm:pt>
   </dgm:ptLst>
   <dgm:cxnLst>
+    <dgm:cxn modelId="{930F80D7-B70F-4BE9-BA24-52D2B3DD8014}" type="presOf" srcId="{12B38994-7405-4024-876F-61E98715B52C}" destId="{CAC668F8-BDE7-4B23-83A3-A4A585FFEF74}" srcOrd="0" destOrd="0" presId="urn:microsoft.com/office/officeart/2008/layout/NameandTitleOrganizationalChart"/>
     <dgm:cxn modelId="{1EEB3992-FCD5-42C4-9484-C83CE350A0E6}" type="presOf" srcId="{EF6A1E31-EA37-48FB-A847-82C038B6BE12}" destId="{FDB1AC64-F678-469B-9507-3DEB0AFE1051}" srcOrd="0" destOrd="0" presId="urn:microsoft.com/office/officeart/2008/layout/NameandTitleOrganizationalChart"/>
-    <dgm:cxn modelId="{C1C8A121-5C51-4D89-8A06-C3B6381ACCA3}" type="presOf" srcId="{20059406-BD8B-4E55-A3D8-C969D088B016}" destId="{716ECB80-0194-4007-943B-3E4B2B747A67}" srcOrd="0" destOrd="0" presId="urn:microsoft.com/office/officeart/2008/layout/NameandTitleOrganizationalChart"/>
+    <dgm:cxn modelId="{DE128A50-E354-40E4-A45A-5DADABA48395}" srcId="{20059406-BD8B-4E55-A3D8-C969D088B016}" destId="{94048916-DF9A-4086-BB48-11FCC2B23560}" srcOrd="1" destOrd="0" parTransId="{D5164096-2E3E-4A76-AE62-F999EBA0BF5B}" sibTransId="{0E0DCCDB-5551-4409-93D2-F9FBEB33AEF4}"/>
+    <dgm:cxn modelId="{00014778-BF7B-45A9-B0E8-5C1E7B32F1F0}" type="presOf" srcId="{E0DD6EDE-0D0B-431C-9595-B77CA81EA886}" destId="{DF867B46-5BD7-42DF-ACC5-EB33254E9FA6}" srcOrd="0" destOrd="0" presId="urn:microsoft.com/office/officeart/2008/layout/NameandTitleOrganizationalChart"/>
+    <dgm:cxn modelId="{C7C20316-CB48-4C58-B5D7-0A5C1C1D44C8}" type="presOf" srcId="{0E0DCCDB-5551-4409-93D2-F9FBEB33AEF4}" destId="{085A1E17-6888-4ED1-A757-135ACFFC0060}" srcOrd="0" destOrd="0" presId="urn:microsoft.com/office/officeart/2008/layout/NameandTitleOrganizationalChart"/>
+    <dgm:cxn modelId="{F4B49695-D0FA-4C68-BDF8-0C8AE9E401EC}" type="presOf" srcId="{BF768398-1F50-47BA-B413-15CFCC39EF06}" destId="{0B8256DD-B2CD-44E8-9010-00F420B14DB5}" srcOrd="0" destOrd="0" presId="urn:microsoft.com/office/officeart/2008/layout/NameandTitleOrganizationalChart"/>
+    <dgm:cxn modelId="{26A9285D-CBC3-4156-B5F7-C06D59E0A096}" type="presOf" srcId="{BCC051DA-1989-4043-A71C-DB5B203007E2}" destId="{F45B4FC5-3190-478B-8897-3B75D7FA7A0D}" srcOrd="0" destOrd="0" presId="urn:microsoft.com/office/officeart/2008/layout/NameandTitleOrganizationalChart"/>
     <dgm:cxn modelId="{698E2737-EC9E-486D-80E7-869BEB9E0112}" type="presOf" srcId="{34452C4A-3AD4-40CC-ABE0-61FFF178E9D3}" destId="{918A7BD1-7E2B-44F0-A5C2-418A7388A0C3}" srcOrd="0" destOrd="0" presId="urn:microsoft.com/office/officeart/2008/layout/NameandTitleOrganizationalChart"/>
-    <dgm:cxn modelId="{85C6BF22-F502-49FF-A3DD-7F3D1D6D0F86}" type="presOf" srcId="{AFF29BE7-25FC-4575-B4DB-7C07A43F6273}" destId="{CA314C33-65D9-4369-848E-581F54529FDD}" srcOrd="0" destOrd="0" presId="urn:microsoft.com/office/officeart/2008/layout/NameandTitleOrganizationalChart"/>
-    <dgm:cxn modelId="{26BA074D-742A-43E6-838B-380CFFA0A147}" type="presOf" srcId="{BF768398-1F50-47BA-B413-15CFCC39EF06}" destId="{FAAD20CC-D509-4480-8699-E1231CB7F67A}" srcOrd="1" destOrd="0" presId="urn:microsoft.com/office/officeart/2008/layout/NameandTitleOrganizationalChart"/>
-    <dgm:cxn modelId="{930F80D7-B70F-4BE9-BA24-52D2B3DD8014}" type="presOf" srcId="{12B38994-7405-4024-876F-61E98715B52C}" destId="{CAC668F8-BDE7-4B23-83A3-A4A585FFEF74}" srcOrd="0" destOrd="0" presId="urn:microsoft.com/office/officeart/2008/layout/NameandTitleOrganizationalChart"/>
     <dgm:cxn modelId="{22E28A24-9034-404E-A0EF-4C6FEC2DDAA2}" srcId="{12B38994-7405-4024-876F-61E98715B52C}" destId="{20059406-BD8B-4E55-A3D8-C969D088B016}" srcOrd="0" destOrd="0" parTransId="{45E756B0-BCB0-47DF-AD93-228EE925A498}" sibTransId="{EF6A1E31-EA37-48FB-A847-82C038B6BE12}"/>
     <dgm:cxn modelId="{E237DC10-5918-4EA3-9B28-2D6C7832424E}" type="presOf" srcId="{94048916-DF9A-4086-BB48-11FCC2B23560}" destId="{B851F6B2-F1D1-4C70-A8D5-15EC9B51F8CA}" srcOrd="1" destOrd="0" presId="urn:microsoft.com/office/officeart/2008/layout/NameandTitleOrganizationalChart"/>
+    <dgm:cxn modelId="{E838D032-F6C7-4DF5-BD60-6E2BD44F4A35}" type="presOf" srcId="{865FC03B-0A3C-4339-8C40-902CCB541A0F}" destId="{066AD075-C727-49B0-8697-5F482CA314A5}" srcOrd="0" destOrd="0" presId="urn:microsoft.com/office/officeart/2008/layout/NameandTitleOrganizationalChart"/>
+    <dgm:cxn modelId="{18AC7E22-F5A8-4B45-AE2F-2FBBD79B00FB}" srcId="{20059406-BD8B-4E55-A3D8-C969D088B016}" destId="{BF768398-1F50-47BA-B413-15CFCC39EF06}" srcOrd="0" destOrd="0" parTransId="{865FC03B-0A3C-4339-8C40-902CCB541A0F}" sibTransId="{BCC051DA-1989-4043-A71C-DB5B203007E2}"/>
+    <dgm:cxn modelId="{85C6BF22-F502-49FF-A3DD-7F3D1D6D0F86}" type="presOf" srcId="{AFF29BE7-25FC-4575-B4DB-7C07A43F6273}" destId="{CA314C33-65D9-4369-848E-581F54529FDD}" srcOrd="0" destOrd="0" presId="urn:microsoft.com/office/officeart/2008/layout/NameandTitleOrganizationalChart"/>
     <dgm:cxn modelId="{D081E0F4-BB2C-4B23-B27E-1472DA49A0C0}" type="presOf" srcId="{20059406-BD8B-4E55-A3D8-C969D088B016}" destId="{A61F234B-0585-46A7-BCD8-745401D0B266}" srcOrd="1" destOrd="0" presId="urn:microsoft.com/office/officeart/2008/layout/NameandTitleOrganizationalChart"/>
+    <dgm:cxn modelId="{D12AE26E-5917-4563-9A79-9477727D98F3}" type="presOf" srcId="{94048916-DF9A-4086-BB48-11FCC2B23560}" destId="{7C8D0D91-FAC7-441F-9D8A-E9C5D755041B}" srcOrd="0" destOrd="0" presId="urn:microsoft.com/office/officeart/2008/layout/NameandTitleOrganizationalChart"/>
+    <dgm:cxn modelId="{0E681634-313B-42BA-A51A-63BD65AC9062}" srcId="{20059406-BD8B-4E55-A3D8-C969D088B016}" destId="{AFF29BE7-25FC-4575-B4DB-7C07A43F6273}" srcOrd="2" destOrd="0" parTransId="{E0DD6EDE-0D0B-431C-9595-B77CA81EA886}" sibTransId="{34452C4A-3AD4-40CC-ABE0-61FFF178E9D3}"/>
     <dgm:cxn modelId="{4EB0891D-D16A-4F0E-B3AD-9049FA307B9B}" type="presOf" srcId="{D5164096-2E3E-4A76-AE62-F999EBA0BF5B}" destId="{E7AC83D8-6B8B-4F09-9A35-7EA9A0698357}" srcOrd="0" destOrd="0" presId="urn:microsoft.com/office/officeart/2008/layout/NameandTitleOrganizationalChart"/>
-    <dgm:cxn modelId="{E838D032-F6C7-4DF5-BD60-6E2BD44F4A35}" type="presOf" srcId="{865FC03B-0A3C-4339-8C40-902CCB541A0F}" destId="{066AD075-C727-49B0-8697-5F482CA314A5}" srcOrd="0" destOrd="0" presId="urn:microsoft.com/office/officeart/2008/layout/NameandTitleOrganizationalChart"/>
     <dgm:cxn modelId="{CB2C945C-42E3-438C-8AF5-3AE2987C97BF}" type="presOf" srcId="{AFF29BE7-25FC-4575-B4DB-7C07A43F6273}" destId="{1D8749A8-F4BF-4C1B-B4DF-72EF68C4C064}" srcOrd="1" destOrd="0" presId="urn:microsoft.com/office/officeart/2008/layout/NameandTitleOrganizationalChart"/>
-    <dgm:cxn modelId="{18AC7E22-F5A8-4B45-AE2F-2FBBD79B00FB}" srcId="{20059406-BD8B-4E55-A3D8-C969D088B016}" destId="{BF768398-1F50-47BA-B413-15CFCC39EF06}" srcOrd="0" destOrd="0" parTransId="{865FC03B-0A3C-4339-8C40-902CCB541A0F}" sibTransId="{BCC051DA-1989-4043-A71C-DB5B203007E2}"/>
-    <dgm:cxn modelId="{26A9285D-CBC3-4156-B5F7-C06D59E0A096}" type="presOf" srcId="{BCC051DA-1989-4043-A71C-DB5B203007E2}" destId="{F45B4FC5-3190-478B-8897-3B75D7FA7A0D}" srcOrd="0" destOrd="0" presId="urn:microsoft.com/office/officeart/2008/layout/NameandTitleOrganizationalChart"/>
-    <dgm:cxn modelId="{00014778-BF7B-45A9-B0E8-5C1E7B32F1F0}" type="presOf" srcId="{E0DD6EDE-0D0B-431C-9595-B77CA81EA886}" destId="{DF867B46-5BD7-42DF-ACC5-EB33254E9FA6}" srcOrd="0" destOrd="0" presId="urn:microsoft.com/office/officeart/2008/layout/NameandTitleOrganizationalChart"/>
-    <dgm:cxn modelId="{DE128A50-E354-40E4-A45A-5DADABA48395}" srcId="{20059406-BD8B-4E55-A3D8-C969D088B016}" destId="{94048916-DF9A-4086-BB48-11FCC2B23560}" srcOrd="1" destOrd="0" parTransId="{D5164096-2E3E-4A76-AE62-F999EBA0BF5B}" sibTransId="{0E0DCCDB-5551-4409-93D2-F9FBEB33AEF4}"/>
-    <dgm:cxn modelId="{F4B49695-D0FA-4C68-BDF8-0C8AE9E401EC}" type="presOf" srcId="{BF768398-1F50-47BA-B413-15CFCC39EF06}" destId="{0B8256DD-B2CD-44E8-9010-00F420B14DB5}" srcOrd="0" destOrd="0" presId="urn:microsoft.com/office/officeart/2008/layout/NameandTitleOrganizationalChart"/>
-    <dgm:cxn modelId="{0E681634-313B-42BA-A51A-63BD65AC9062}" srcId="{20059406-BD8B-4E55-A3D8-C969D088B016}" destId="{AFF29BE7-25FC-4575-B4DB-7C07A43F6273}" srcOrd="2" destOrd="0" parTransId="{E0DD6EDE-0D0B-431C-9595-B77CA81EA886}" sibTransId="{34452C4A-3AD4-40CC-ABE0-61FFF178E9D3}"/>
-    <dgm:cxn modelId="{C7C20316-CB48-4C58-B5D7-0A5C1C1D44C8}" type="presOf" srcId="{0E0DCCDB-5551-4409-93D2-F9FBEB33AEF4}" destId="{085A1E17-6888-4ED1-A757-135ACFFC0060}" srcOrd="0" destOrd="0" presId="urn:microsoft.com/office/officeart/2008/layout/NameandTitleOrganizationalChart"/>
-    <dgm:cxn modelId="{D12AE26E-5917-4563-9A79-9477727D98F3}" type="presOf" srcId="{94048916-DF9A-4086-BB48-11FCC2B23560}" destId="{7C8D0D91-FAC7-441F-9D8A-E9C5D755041B}" srcOrd="0" destOrd="0" presId="urn:microsoft.com/office/officeart/2008/layout/NameandTitleOrganizationalChart"/>
+    <dgm:cxn modelId="{C1C8A121-5C51-4D89-8A06-C3B6381ACCA3}" type="presOf" srcId="{20059406-BD8B-4E55-A3D8-C969D088B016}" destId="{716ECB80-0194-4007-943B-3E4B2B747A67}" srcOrd="0" destOrd="0" presId="urn:microsoft.com/office/officeart/2008/layout/NameandTitleOrganizationalChart"/>
+    <dgm:cxn modelId="{26BA074D-742A-43E6-838B-380CFFA0A147}" type="presOf" srcId="{BF768398-1F50-47BA-B413-15CFCC39EF06}" destId="{FAAD20CC-D509-4480-8699-E1231CB7F67A}" srcOrd="1" destOrd="0" presId="urn:microsoft.com/office/officeart/2008/layout/NameandTitleOrganizationalChart"/>
     <dgm:cxn modelId="{78249B42-EE0E-4B8E-A98D-92D7AFBAA4DE}" type="presParOf" srcId="{CAC668F8-BDE7-4B23-83A3-A4A585FFEF74}" destId="{6FDF0570-80CC-455C-A13F-F88D0E951F1C}" srcOrd="0" destOrd="0" presId="urn:microsoft.com/office/officeart/2008/layout/NameandTitleOrganizationalChart"/>
     <dgm:cxn modelId="{8F3131FE-4F40-4A57-995E-715374EDC076}" type="presParOf" srcId="{6FDF0570-80CC-455C-A13F-F88D0E951F1C}" destId="{C69346A7-0024-4A26-A589-62D42A692425}" srcOrd="0" destOrd="0" presId="urn:microsoft.com/office/officeart/2008/layout/NameandTitleOrganizationalChart"/>
     <dgm:cxn modelId="{E54824F4-2AEE-4CA8-B6BA-9B098EE706DF}" type="presParOf" srcId="{C69346A7-0024-4A26-A589-62D42A692425}" destId="{716ECB80-0194-4007-943B-3E4B2B747A67}" srcOrd="0" destOrd="0" presId="urn:microsoft.com/office/officeart/2008/layout/NameandTitleOrganizationalChart"/>
@@ -1519,8 +3398,8 @@
       </dsp:nvSpPr>
       <dsp:spPr>
         <a:xfrm>
-          <a:off x="1915941" y="868478"/>
-          <a:ext cx="286262" cy="935203"/>
+          <a:off x="2007262" y="1153042"/>
+          <a:ext cx="334189" cy="1091778"/>
         </a:xfrm>
         <a:custGeom>
           <a:avLst/>
@@ -1531,13 +3410,13 @@
           <a:pathLst>
             <a:path>
               <a:moveTo>
-                <a:pt x="286262" y="0"/>
+                <a:pt x="334189" y="0"/>
               </a:moveTo>
               <a:lnTo>
-                <a:pt x="286262" y="935203"/>
+                <a:pt x="334189" y="1091778"/>
               </a:lnTo>
               <a:lnTo>
-                <a:pt x="0" y="935203"/>
+                <a:pt x="0" y="1091778"/>
               </a:lnTo>
             </a:path>
           </a:pathLst>
@@ -1578,8 +3457,8 @@
       </dsp:nvSpPr>
       <dsp:spPr>
         <a:xfrm>
-          <a:off x="2202203" y="868478"/>
-          <a:ext cx="1124219" cy="1870406"/>
+          <a:off x="2341451" y="1153042"/>
+          <a:ext cx="1312441" cy="2183557"/>
         </a:xfrm>
         <a:custGeom>
           <a:avLst/>
@@ -1593,13 +3472,13 @@
                 <a:pt x="0" y="0"/>
               </a:moveTo>
               <a:lnTo>
-                <a:pt x="0" y="1667939"/>
+                <a:pt x="0" y="1947193"/>
               </a:lnTo>
               <a:lnTo>
-                <a:pt x="1124219" y="1667939"/>
+                <a:pt x="1312441" y="1947193"/>
               </a:lnTo>
               <a:lnTo>
-                <a:pt x="1124219" y="1870406"/>
+                <a:pt x="1312441" y="2183557"/>
               </a:lnTo>
             </a:path>
           </a:pathLst>
@@ -1640,8 +3519,8 @@
       </dsp:nvSpPr>
       <dsp:spPr>
         <a:xfrm>
-          <a:off x="1077984" y="868478"/>
-          <a:ext cx="1124219" cy="1870406"/>
+          <a:off x="1029010" y="1153042"/>
+          <a:ext cx="1312441" cy="2183557"/>
         </a:xfrm>
         <a:custGeom>
           <a:avLst/>
@@ -1652,16 +3531,16 @@
           <a:pathLst>
             <a:path>
               <a:moveTo>
-                <a:pt x="1124219" y="0"/>
+                <a:pt x="1312441" y="0"/>
               </a:moveTo>
               <a:lnTo>
-                <a:pt x="1124219" y="1667939"/>
+                <a:pt x="1312441" y="1947193"/>
               </a:lnTo>
               <a:lnTo>
-                <a:pt x="0" y="1667939"/>
+                <a:pt x="0" y="1947193"/>
               </a:lnTo>
               <a:lnTo>
-                <a:pt x="0" y="1870406"/>
+                <a:pt x="0" y="2183557"/>
               </a:lnTo>
             </a:path>
           </a:pathLst>
@@ -1702,8 +3581,8 @@
       </dsp:nvSpPr>
       <dsp:spPr>
         <a:xfrm>
-          <a:off x="1364246" y="764"/>
-          <a:ext cx="1675914" cy="867714"/>
+          <a:off x="1363200" y="140052"/>
+          <a:ext cx="1956503" cy="1012990"/>
         </a:xfrm>
         <a:prstGeom prst="rect">
           <a:avLst/>
@@ -1749,12 +3628,12 @@
         </a:fontRef>
       </dsp:style>
       <dsp:txBody>
-        <a:bodyPr spcFirstLastPara="0" vert="horz" wrap="square" lIns="12700" tIns="12700" rIns="12700" bIns="122444" numCol="1" spcCol="1270" anchor="ctr" anchorCtr="0">
+        <a:bodyPr spcFirstLastPara="0" vert="horz" wrap="square" lIns="12700" tIns="12700" rIns="12700" bIns="142944" numCol="1" spcCol="1270" anchor="ctr" anchorCtr="0">
           <a:noAutofit/>
         </a:bodyPr>
         <a:lstStyle/>
         <a:p>
-          <a:pPr lvl="0" algn="ctr" defTabSz="889000">
+          <a:pPr marL="0" lvl="0" indent="0" algn="ctr" defTabSz="889000">
             <a:lnSpc>
               <a:spcPct val="90000"/>
             </a:lnSpc>
@@ -1764,6 +3643,7 @@
             <a:spcAft>
               <a:spcPct val="35000"/>
             </a:spcAft>
+            <a:buNone/>
           </a:pPr>
           <a:r>
             <a:rPr lang="de-AT" sz="2000" kern="1200" dirty="0"/>
@@ -1772,8 +3652,8 @@
         </a:p>
       </dsp:txBody>
       <dsp:txXfrm>
-        <a:off x="1364246" y="764"/>
-        <a:ext cx="1675914" cy="867714"/>
+        <a:off x="1363200" y="140052"/>
+        <a:ext cx="1956503" cy="1012990"/>
       </dsp:txXfrm>
     </dsp:sp>
     <dsp:sp modelId="{FDB1AC64-F678-469B-9507-3DEB0AFE1051}">
@@ -1783,8 +3663,8 @@
       </dsp:nvSpPr>
       <dsp:spPr>
         <a:xfrm>
-          <a:off x="1699429" y="675653"/>
-          <a:ext cx="1508323" cy="289238"/>
+          <a:off x="1754500" y="927933"/>
+          <a:ext cx="1760853" cy="337663"/>
         </a:xfrm>
         <a:prstGeom prst="rect">
           <a:avLst/>
@@ -1830,7 +3710,7 @@
         </a:bodyPr>
         <a:lstStyle/>
         <a:p>
-          <a:pPr lvl="0" algn="r" defTabSz="711200">
+          <a:pPr marL="0" lvl="0" indent="0" algn="r" defTabSz="711200">
             <a:lnSpc>
               <a:spcPct val="90000"/>
             </a:lnSpc>
@@ -1840,6 +3720,7 @@
             <a:spcAft>
               <a:spcPct val="35000"/>
             </a:spcAft>
+            <a:buNone/>
           </a:pPr>
           <a:r>
             <a:rPr lang="de-AT" sz="1600" kern="1200" dirty="0"/>
@@ -1849,8 +3730,8 @@
         </a:p>
       </dsp:txBody>
       <dsp:txXfrm>
-        <a:off x="1699429" y="675653"/>
-        <a:ext cx="1508323" cy="289238"/>
+        <a:off x="1754500" y="927933"/>
+        <a:ext cx="1760853" cy="337663"/>
       </dsp:txXfrm>
     </dsp:sp>
     <dsp:sp modelId="{7C8D0D91-FAC7-441F-9D8A-E9C5D755041B}">
@@ -1860,8 +3741,8 @@
       </dsp:nvSpPr>
       <dsp:spPr>
         <a:xfrm>
-          <a:off x="240026" y="2738884"/>
-          <a:ext cx="1675914" cy="867714"/>
+          <a:off x="50758" y="3336600"/>
+          <a:ext cx="1956503" cy="1012990"/>
         </a:xfrm>
         <a:prstGeom prst="rect">
           <a:avLst/>
@@ -1907,12 +3788,12 @@
         </a:fontRef>
       </dsp:style>
       <dsp:txBody>
-        <a:bodyPr spcFirstLastPara="0" vert="horz" wrap="square" lIns="12700" tIns="12700" rIns="12700" bIns="122444" numCol="1" spcCol="1270" anchor="ctr" anchorCtr="0">
+        <a:bodyPr spcFirstLastPara="0" vert="horz" wrap="square" lIns="12700" tIns="12700" rIns="12700" bIns="142944" numCol="1" spcCol="1270" anchor="ctr" anchorCtr="0">
           <a:noAutofit/>
         </a:bodyPr>
         <a:lstStyle/>
         <a:p>
-          <a:pPr lvl="0" algn="ctr" defTabSz="889000">
+          <a:pPr marL="0" lvl="0" indent="0" algn="ctr" defTabSz="889000">
             <a:lnSpc>
               <a:spcPct val="90000"/>
             </a:lnSpc>
@@ -1922,6 +3803,7 @@
             <a:spcAft>
               <a:spcPct val="35000"/>
             </a:spcAft>
+            <a:buNone/>
           </a:pPr>
           <a:r>
             <a:rPr lang="de-AT" sz="2000" kern="1200"/>
@@ -1931,8 +3813,8 @@
         </a:p>
       </dsp:txBody>
       <dsp:txXfrm>
-        <a:off x="240026" y="2738884"/>
-        <a:ext cx="1675914" cy="867714"/>
+        <a:off x="50758" y="3336600"/>
+        <a:ext cx="1956503" cy="1012990"/>
       </dsp:txXfrm>
     </dsp:sp>
     <dsp:sp modelId="{085A1E17-6888-4ED1-A757-135ACFFC0060}">
@@ -1942,8 +3824,8 @@
       </dsp:nvSpPr>
       <dsp:spPr>
         <a:xfrm>
-          <a:off x="575209" y="3413773"/>
-          <a:ext cx="1508323" cy="289238"/>
+          <a:off x="442059" y="4124482"/>
+          <a:ext cx="1760853" cy="337663"/>
         </a:xfrm>
         <a:prstGeom prst="rect">
           <a:avLst/>
@@ -1989,7 +3871,7 @@
         </a:bodyPr>
         <a:lstStyle/>
         <a:p>
-          <a:pPr lvl="0" algn="r" defTabSz="711200">
+          <a:pPr marL="0" lvl="0" indent="0" algn="r" defTabSz="711200">
             <a:lnSpc>
               <a:spcPct val="90000"/>
             </a:lnSpc>
@@ -1999,6 +3881,7 @@
             <a:spcAft>
               <a:spcPct val="35000"/>
             </a:spcAft>
+            <a:buNone/>
           </a:pPr>
           <a:r>
             <a:rPr lang="de-AT" sz="1600" kern="1200" dirty="0"/>
@@ -2012,8 +3895,8 @@
         </a:p>
       </dsp:txBody>
       <dsp:txXfrm>
-        <a:off x="575209" y="3413773"/>
-        <a:ext cx="1508323" cy="289238"/>
+        <a:off x="442059" y="4124482"/>
+        <a:ext cx="1760853" cy="337663"/>
       </dsp:txXfrm>
     </dsp:sp>
     <dsp:sp modelId="{CA314C33-65D9-4369-848E-581F54529FDD}">
@@ -2023,8 +3906,8 @@
       </dsp:nvSpPr>
       <dsp:spPr>
         <a:xfrm>
-          <a:off x="2488466" y="2738884"/>
-          <a:ext cx="1675914" cy="867714"/>
+          <a:off x="2675641" y="3336600"/>
+          <a:ext cx="1956503" cy="1012990"/>
         </a:xfrm>
         <a:prstGeom prst="rect">
           <a:avLst/>
@@ -2070,12 +3953,12 @@
         </a:fontRef>
       </dsp:style>
       <dsp:txBody>
-        <a:bodyPr spcFirstLastPara="0" vert="horz" wrap="square" lIns="12700" tIns="12700" rIns="12700" bIns="122444" numCol="1" spcCol="1270" anchor="ctr" anchorCtr="0">
+        <a:bodyPr spcFirstLastPara="0" vert="horz" wrap="square" lIns="12700" tIns="12700" rIns="12700" bIns="142944" numCol="1" spcCol="1270" anchor="ctr" anchorCtr="0">
           <a:noAutofit/>
         </a:bodyPr>
         <a:lstStyle/>
         <a:p>
-          <a:pPr lvl="0" algn="ctr" defTabSz="889000">
+          <a:pPr marL="0" lvl="0" indent="0" algn="ctr" defTabSz="889000">
             <a:lnSpc>
               <a:spcPct val="90000"/>
             </a:lnSpc>
@@ -2085,16 +3968,22 @@
             <a:spcAft>
               <a:spcPct val="35000"/>
             </a:spcAft>
+            <a:buNone/>
           </a:pPr>
           <a:r>
-            <a:rPr lang="de-AT" sz="2000" kern="1200"/>
-            <a:t>Selina Brinnich</a:t>
+            <a:rPr lang="de-AT" sz="2000" kern="1200" dirty="0"/>
+            <a:t>Selina </a:t>
           </a:r>
+          <a:r>
+            <a:rPr lang="de-AT" sz="2000" kern="1200" dirty="0" err="1"/>
+            <a:t>Brinnich</a:t>
+          </a:r>
+          <a:endParaRPr lang="de-AT" sz="2000" kern="1200" dirty="0"/>
         </a:p>
       </dsp:txBody>
       <dsp:txXfrm>
-        <a:off x="2488466" y="2738884"/>
-        <a:ext cx="1675914" cy="867714"/>
+        <a:off x="2675641" y="3336600"/>
+        <a:ext cx="1956503" cy="1012990"/>
       </dsp:txXfrm>
     </dsp:sp>
     <dsp:sp modelId="{918A7BD1-7E2B-44F0-A5C2-418A7388A0C3}">
@@ -2104,8 +3993,8 @@
       </dsp:nvSpPr>
       <dsp:spPr>
         <a:xfrm>
-          <a:off x="2823649" y="3413773"/>
-          <a:ext cx="1508323" cy="289238"/>
+          <a:off x="3066942" y="4124482"/>
+          <a:ext cx="1760853" cy="337663"/>
         </a:xfrm>
         <a:prstGeom prst="rect">
           <a:avLst/>
@@ -2151,7 +4040,7 @@
         </a:bodyPr>
         <a:lstStyle/>
         <a:p>
-          <a:pPr lvl="0" algn="r" defTabSz="711200">
+          <a:pPr marL="0" lvl="0" indent="0" algn="r" defTabSz="711200">
             <a:lnSpc>
               <a:spcPct val="90000"/>
             </a:lnSpc>
@@ -2161,6 +4050,7 @@
             <a:spcAft>
               <a:spcPct val="35000"/>
             </a:spcAft>
+            <a:buNone/>
           </a:pPr>
           <a:r>
             <a:rPr lang="de-AT" sz="1600" kern="1200" dirty="0"/>
@@ -2174,8 +4064,8 @@
         </a:p>
       </dsp:txBody>
       <dsp:txXfrm>
-        <a:off x="2823649" y="3413773"/>
-        <a:ext cx="1508323" cy="289238"/>
+        <a:off x="3066942" y="4124482"/>
+        <a:ext cx="1760853" cy="337663"/>
       </dsp:txXfrm>
     </dsp:sp>
     <dsp:sp modelId="{0B8256DD-B2CD-44E8-9010-00F420B14DB5}">
@@ -2185,8 +4075,8 @@
       </dsp:nvSpPr>
       <dsp:spPr>
         <a:xfrm>
-          <a:off x="240026" y="1369824"/>
-          <a:ext cx="1675914" cy="867714"/>
+          <a:off x="50758" y="1738326"/>
+          <a:ext cx="1956503" cy="1012990"/>
         </a:xfrm>
         <a:prstGeom prst="rect">
           <a:avLst/>
@@ -2232,12 +4122,12 @@
         </a:fontRef>
       </dsp:style>
       <dsp:txBody>
-        <a:bodyPr spcFirstLastPara="0" vert="horz" wrap="square" lIns="12700" tIns="12700" rIns="12700" bIns="122444" numCol="1" spcCol="1270" anchor="ctr" anchorCtr="0">
+        <a:bodyPr spcFirstLastPara="0" vert="horz" wrap="square" lIns="12700" tIns="12700" rIns="12700" bIns="142944" numCol="1" spcCol="1270" anchor="ctr" anchorCtr="0">
           <a:noAutofit/>
         </a:bodyPr>
         <a:lstStyle/>
         <a:p>
-          <a:pPr lvl="0" algn="ctr" defTabSz="889000">
+          <a:pPr marL="0" lvl="0" indent="0" algn="ctr" defTabSz="889000">
             <a:lnSpc>
               <a:spcPct val="90000"/>
             </a:lnSpc>
@@ -2247,6 +4137,7 @@
             <a:spcAft>
               <a:spcPct val="35000"/>
             </a:spcAft>
+            <a:buNone/>
           </a:pPr>
           <a:r>
             <a:rPr lang="de-AT" sz="2000" kern="1200"/>
@@ -2255,8 +4146,8 @@
         </a:p>
       </dsp:txBody>
       <dsp:txXfrm>
-        <a:off x="240026" y="1369824"/>
-        <a:ext cx="1675914" cy="867714"/>
+        <a:off x="50758" y="1738326"/>
+        <a:ext cx="1956503" cy="1012990"/>
       </dsp:txXfrm>
     </dsp:sp>
     <dsp:sp modelId="{F45B4FC5-3190-478B-8897-3B75D7FA7A0D}">
@@ -2266,8 +4157,8 @@
       </dsp:nvSpPr>
       <dsp:spPr>
         <a:xfrm>
-          <a:off x="575209" y="2044713"/>
-          <a:ext cx="1508323" cy="289238"/>
+          <a:off x="442059" y="2526208"/>
+          <a:ext cx="1760853" cy="337663"/>
         </a:xfrm>
         <a:prstGeom prst="rect">
           <a:avLst/>
@@ -2313,7 +4204,7 @@
         </a:bodyPr>
         <a:lstStyle/>
         <a:p>
-          <a:pPr lvl="0" algn="r" defTabSz="711200">
+          <a:pPr marL="0" lvl="0" indent="0" algn="r" defTabSz="711200">
             <a:lnSpc>
               <a:spcPct val="90000"/>
             </a:lnSpc>
@@ -2323,6 +4214,7 @@
             <a:spcAft>
               <a:spcPct val="35000"/>
             </a:spcAft>
+            <a:buNone/>
           </a:pPr>
           <a:r>
             <a:rPr lang="de-AT" sz="1600" kern="1200" dirty="0" err="1"/>
@@ -2335,8 +4227,8 @@
         </a:p>
       </dsp:txBody>
       <dsp:txXfrm>
-        <a:off x="575209" y="2044713"/>
-        <a:ext cx="1508323" cy="289238"/>
+        <a:off x="442059" y="2526208"/>
+        <a:ext cx="1760853" cy="337663"/>
       </dsp:txXfrm>
     </dsp:sp>
   </dsp:spTree>
@@ -5396,12 +7288,8 @@
           <a:lstStyle/>
           <a:p>
             <a:r>
-              <a:rPr lang="de-AT" dirty="0"/>
-              <a:t>Talk </a:t>
-            </a:r>
-            <a:r>
-              <a:rPr lang="de-AT" dirty="0" err="1"/>
-              <a:t>eventually</a:t>
+              <a:rPr lang="de-AT" dirty="0" err="1"/>
+              <a:t>Our</a:t>
             </a:r>
             <a:r>
               <a:rPr lang="de-AT" dirty="0"/>
@@ -5409,7 +7297,15 @@
             </a:r>
             <a:r>
               <a:rPr lang="de-AT" dirty="0" err="1"/>
-              <a:t>about</a:t>
+              <a:t>project</a:t>
+            </a:r>
+            <a:r>
+              <a:rPr lang="de-AT" dirty="0"/>
+              <a:t> was </a:t>
+            </a:r>
+            <a:r>
+              <a:rPr lang="de-AT" dirty="0" err="1"/>
+              <a:t>built</a:t>
             </a:r>
             <a:r>
               <a:rPr lang="de-AT" dirty="0"/>
@@ -5417,7 +7313,15 @@
             </a:r>
             <a:r>
               <a:rPr lang="de-AT" dirty="0" err="1"/>
-              <a:t>motivation</a:t>
+              <a:t>apon</a:t>
+            </a:r>
+            <a:r>
+              <a:rPr lang="de-AT" dirty="0"/>
+              <a:t> 3 </a:t>
+            </a:r>
+            <a:r>
+              <a:rPr lang="de-AT" dirty="0" err="1"/>
+              <a:t>main</a:t>
             </a:r>
             <a:r>
               <a:rPr lang="de-AT" dirty="0"/>
@@ -5425,6 +7329,137 @@
             </a:r>
             <a:r>
               <a:rPr lang="de-AT" dirty="0" err="1"/>
+              <a:t>pillars</a:t>
+            </a:r>
+            <a:r>
+              <a:rPr lang="de-AT" dirty="0"/>
+              <a:t>.</a:t>
+            </a:r>
+          </a:p>
+          <a:p>
+            <a:endParaRPr lang="de-AT" dirty="0"/>
+          </a:p>
+          <a:p>
+            <a:r>
+              <a:rPr lang="de-AT" dirty="0"/>
+              <a:t>The </a:t>
+            </a:r>
+            <a:r>
+              <a:rPr lang="de-AT" dirty="0" err="1"/>
+              <a:t>team</a:t>
+            </a:r>
+            <a:r>
+              <a:rPr lang="de-AT" dirty="0"/>
+              <a:t> </a:t>
+            </a:r>
+            <a:r>
+              <a:rPr lang="de-AT" dirty="0" err="1"/>
+              <a:t>that</a:t>
+            </a:r>
+            <a:r>
+              <a:rPr lang="de-AT" dirty="0"/>
+              <a:t> </a:t>
+            </a:r>
+            <a:r>
+              <a:rPr lang="de-AT" dirty="0" err="1"/>
+              <a:t>manages</a:t>
+            </a:r>
+            <a:r>
+              <a:rPr lang="de-AT" dirty="0"/>
+              <a:t> </a:t>
+            </a:r>
+            <a:r>
+              <a:rPr lang="de-AT" dirty="0" err="1"/>
+              <a:t>the</a:t>
+            </a:r>
+            <a:r>
+              <a:rPr lang="de-AT" dirty="0"/>
+              <a:t> </a:t>
+            </a:r>
+            <a:r>
+              <a:rPr lang="de-AT" dirty="0" err="1"/>
+              <a:t>project</a:t>
+            </a:r>
+            <a:r>
+              <a:rPr lang="de-AT" dirty="0"/>
+              <a:t> </a:t>
+            </a:r>
+            <a:r>
+              <a:rPr lang="de-AT" dirty="0" err="1"/>
+              <a:t>and</a:t>
+            </a:r>
+            <a:r>
+              <a:rPr lang="de-AT" dirty="0"/>
+              <a:t> </a:t>
+            </a:r>
+            <a:r>
+              <a:rPr lang="de-AT" dirty="0" err="1"/>
+              <a:t>develops</a:t>
+            </a:r>
+            <a:r>
+              <a:rPr lang="de-AT" dirty="0"/>
+              <a:t> </a:t>
+            </a:r>
+            <a:r>
+              <a:rPr lang="de-AT" dirty="0" err="1"/>
+              <a:t>the</a:t>
+            </a:r>
+            <a:r>
+              <a:rPr lang="de-AT" dirty="0"/>
+              <a:t> </a:t>
+            </a:r>
+            <a:r>
+              <a:rPr lang="de-AT" dirty="0" err="1"/>
+              <a:t>website</a:t>
+            </a:r>
+            <a:r>
+              <a:rPr lang="de-AT" dirty="0"/>
+              <a:t>.</a:t>
+            </a:r>
+          </a:p>
+          <a:p>
+            <a:r>
+              <a:rPr lang="de-AT" dirty="0" err="1"/>
+              <a:t>GitHubs</a:t>
+            </a:r>
+            <a:r>
+              <a:rPr lang="de-AT" dirty="0"/>
+              <a:t> File </a:t>
+            </a:r>
+            <a:r>
+              <a:rPr lang="de-AT" dirty="0" err="1"/>
+              <a:t>synchronisation</a:t>
+            </a:r>
+            <a:r>
+              <a:rPr lang="de-AT" dirty="0"/>
+              <a:t> </a:t>
+            </a:r>
+            <a:r>
+              <a:rPr lang="de-AT" dirty="0" err="1"/>
+              <a:t>service</a:t>
+            </a:r>
+            <a:r>
+              <a:rPr lang="de-AT" dirty="0"/>
+              <a:t>, </a:t>
+            </a:r>
+            <a:r>
+              <a:rPr lang="de-AT" dirty="0" err="1"/>
+              <a:t>which</a:t>
+            </a:r>
+            <a:r>
+              <a:rPr lang="de-AT" dirty="0"/>
+              <a:t> </a:t>
+            </a:r>
+            <a:r>
+              <a:rPr lang="de-AT" dirty="0" err="1"/>
+              <a:t>allows</a:t>
+            </a:r>
+            <a:r>
+              <a:rPr lang="de-AT" dirty="0"/>
+              <a:t> </a:t>
+            </a:r>
+            <a:r>
+              <a:rPr lang="de-AT" dirty="0" err="1"/>
               <a:t>for</a:t>
             </a:r>
             <a:r>
@@ -5433,11 +7468,157 @@
             </a:r>
             <a:r>
               <a:rPr lang="de-AT" dirty="0" err="1"/>
-              <a:t>roject</a:t>
-            </a:r>
-            <a:r>
-              <a:rPr lang="de-AT" dirty="0"/>
-              <a:t> in </a:t>
+              <a:t>much</a:t>
+            </a:r>
+            <a:r>
+              <a:rPr lang="de-AT" dirty="0"/>
+              <a:t> </a:t>
+            </a:r>
+            <a:r>
+              <a:rPr lang="de-AT" dirty="0" err="1"/>
+              <a:t>easier</a:t>
+            </a:r>
+            <a:r>
+              <a:rPr lang="de-AT" dirty="0"/>
+              <a:t> </a:t>
+            </a:r>
+            <a:r>
+              <a:rPr lang="de-AT" dirty="0" err="1"/>
+              <a:t>planning</a:t>
+            </a:r>
+            <a:r>
+              <a:rPr lang="de-AT" dirty="0"/>
+              <a:t> </a:t>
+            </a:r>
+            <a:r>
+              <a:rPr lang="de-AT" dirty="0" err="1"/>
+              <a:t>of</a:t>
+            </a:r>
+            <a:r>
+              <a:rPr lang="de-AT" dirty="0"/>
+              <a:t> </a:t>
+            </a:r>
+            <a:r>
+              <a:rPr lang="de-AT" dirty="0" err="1"/>
+              <a:t>work</a:t>
+            </a:r>
+            <a:r>
+              <a:rPr lang="de-AT" dirty="0"/>
+              <a:t> </a:t>
+            </a:r>
+            <a:r>
+              <a:rPr lang="de-AT" dirty="0" err="1"/>
+              <a:t>packages</a:t>
+            </a:r>
+            <a:r>
+              <a:rPr lang="de-AT" dirty="0"/>
+              <a:t> </a:t>
+            </a:r>
+            <a:r>
+              <a:rPr lang="de-AT" dirty="0" err="1"/>
+              <a:t>since</a:t>
+            </a:r>
+            <a:r>
+              <a:rPr lang="de-AT" dirty="0"/>
+              <a:t> </a:t>
+            </a:r>
+            <a:r>
+              <a:rPr lang="de-AT" dirty="0" err="1"/>
+              <a:t>overlapping</a:t>
+            </a:r>
+            <a:r>
+              <a:rPr lang="de-AT" dirty="0"/>
+              <a:t> code-</a:t>
+            </a:r>
+            <a:r>
+              <a:rPr lang="de-AT" dirty="0" err="1"/>
+              <a:t>changes</a:t>
+            </a:r>
+            <a:r>
+              <a:rPr lang="de-AT" dirty="0"/>
+              <a:t> </a:t>
+            </a:r>
+            <a:r>
+              <a:rPr lang="de-AT" dirty="0" err="1"/>
+              <a:t>are</a:t>
+            </a:r>
+            <a:r>
+              <a:rPr lang="de-AT" dirty="0"/>
+              <a:t> </a:t>
+            </a:r>
+            <a:r>
+              <a:rPr lang="de-AT" dirty="0" err="1"/>
+              <a:t>managed</a:t>
+            </a:r>
+            <a:r>
+              <a:rPr lang="de-AT" dirty="0"/>
+              <a:t> </a:t>
+            </a:r>
+            <a:r>
+              <a:rPr lang="de-AT" dirty="0" err="1"/>
+              <a:t>and</a:t>
+            </a:r>
+            <a:r>
+              <a:rPr lang="de-AT" dirty="0"/>
+              <a:t> </a:t>
+            </a:r>
+            <a:r>
+              <a:rPr lang="de-AT" dirty="0" err="1"/>
+              <a:t>merged</a:t>
+            </a:r>
+            <a:r>
+              <a:rPr lang="de-AT" dirty="0"/>
+              <a:t> </a:t>
+            </a:r>
+            <a:r>
+              <a:rPr lang="de-AT" dirty="0" err="1"/>
+              <a:t>by</a:t>
+            </a:r>
+            <a:r>
+              <a:rPr lang="de-AT" dirty="0"/>
+              <a:t> it.</a:t>
+            </a:r>
+          </a:p>
+          <a:p>
+            <a:r>
+              <a:rPr lang="de-AT" dirty="0" err="1"/>
+              <a:t>And</a:t>
+            </a:r>
+            <a:r>
+              <a:rPr lang="de-AT" dirty="0"/>
+              <a:t> </a:t>
+            </a:r>
+            <a:r>
+              <a:rPr lang="de-AT" dirty="0" err="1"/>
+              <a:t>our</a:t>
+            </a:r>
+            <a:r>
+              <a:rPr lang="de-AT" dirty="0"/>
+              <a:t> </a:t>
+            </a:r>
+            <a:r>
+              <a:rPr lang="de-AT" dirty="0" err="1"/>
+              <a:t>project</a:t>
+            </a:r>
+            <a:r>
+              <a:rPr lang="de-AT" dirty="0"/>
+              <a:t> </a:t>
+            </a:r>
+            <a:r>
+              <a:rPr lang="de-AT" dirty="0" err="1"/>
+              <a:t>environment</a:t>
+            </a:r>
+            <a:r>
+              <a:rPr lang="de-AT" dirty="0"/>
+              <a:t> </a:t>
+            </a:r>
+            <a:r>
+              <a:rPr lang="de-AT" dirty="0" err="1"/>
+              <a:t>with</a:t>
+            </a:r>
+            <a:r>
+              <a:rPr lang="de-AT" dirty="0"/>
+              <a:t> </a:t>
             </a:r>
             <a:r>
               <a:rPr lang="de-AT" dirty="0" err="1"/>
@@ -5449,7 +7630,7 @@
             </a:r>
             <a:r>
               <a:rPr lang="de-AT" dirty="0" err="1"/>
-              <a:t>first</a:t>
+              <a:t>server</a:t>
             </a:r>
             <a:r>
               <a:rPr lang="de-AT" dirty="0"/>
@@ -5457,18 +7638,88 @@
             </a:r>
             <a:r>
               <a:rPr lang="de-AT" dirty="0" err="1"/>
-              <a:t>place</a:t>
-            </a:r>
+              <a:t>that</a:t>
+            </a:r>
+            <a:r>
+              <a:rPr lang="de-AT" dirty="0"/>
+              <a:t> was </a:t>
+            </a:r>
+            <a:r>
+              <a:rPr lang="de-AT" dirty="0" err="1"/>
+              <a:t>partly</a:t>
+            </a:r>
+            <a:r>
+              <a:rPr lang="de-AT" dirty="0"/>
+              <a:t> </a:t>
+            </a:r>
+            <a:r>
+              <a:rPr lang="de-AT" dirty="0" err="1"/>
+              <a:t>managed</a:t>
+            </a:r>
+            <a:r>
+              <a:rPr lang="de-AT" dirty="0"/>
+              <a:t> </a:t>
+            </a:r>
+            <a:r>
+              <a:rPr lang="de-AT" dirty="0" err="1"/>
+              <a:t>by</a:t>
+            </a:r>
+            <a:r>
+              <a:rPr lang="de-AT" dirty="0"/>
+              <a:t> </a:t>
+            </a:r>
+            <a:r>
+              <a:rPr lang="de-AT" dirty="0" err="1"/>
+              <a:t>us</a:t>
+            </a:r>
+            <a:r>
+              <a:rPr lang="de-AT" dirty="0"/>
+              <a:t>, a </a:t>
+            </a:r>
+            <a:r>
+              <a:rPr lang="de-AT" dirty="0" err="1"/>
+              <a:t>database</a:t>
+            </a:r>
+            <a:r>
+              <a:rPr lang="de-AT" dirty="0"/>
+              <a:t>, </a:t>
+            </a:r>
+            <a:r>
+              <a:rPr lang="de-AT" dirty="0" err="1"/>
+              <a:t>website</a:t>
+            </a:r>
+            <a:r>
+              <a:rPr lang="de-AT" dirty="0"/>
+              <a:t>, </a:t>
+            </a:r>
+            <a:r>
+              <a:rPr lang="de-AT" dirty="0" err="1"/>
+              <a:t>and</a:t>
+            </a:r>
+            <a:r>
+              <a:rPr lang="de-AT" dirty="0"/>
+              <a:t> </a:t>
+            </a:r>
+            <a:r>
+              <a:rPr lang="de-AT" dirty="0" err="1"/>
+              <a:t>domain</a:t>
+            </a:r>
+            <a:r>
+              <a:rPr lang="de-AT" dirty="0"/>
+              <a:t>.</a:t>
+            </a:r>
+          </a:p>
+          <a:p>
             <a:endParaRPr lang="de-AT" dirty="0"/>
           </a:p>
           <a:p>
             <a:r>
               <a:rPr lang="de-AT" dirty="0"/>
-              <a:t>Talk </a:t>
-            </a:r>
-            <a:r>
-              <a:rPr lang="de-AT" dirty="0" err="1"/>
-              <a:t>about</a:t>
+              <a:t>A </a:t>
+            </a:r>
+            <a:r>
+              <a:rPr lang="de-AT" dirty="0" err="1"/>
+              <a:t>typical</a:t>
             </a:r>
             <a:r>
               <a:rPr lang="de-AT" dirty="0"/>
@@ -5476,7 +7727,7 @@
             </a:r>
             <a:r>
               <a:rPr lang="de-AT" dirty="0" err="1"/>
-              <a:t>our</a:t>
+              <a:t>implementation</a:t>
             </a:r>
             <a:r>
               <a:rPr lang="de-AT" dirty="0"/>
@@ -5484,18 +7735,90 @@
             </a:r>
             <a:r>
               <a:rPr lang="de-AT" dirty="0" err="1"/>
-              <a:t>workflow</a:t>
+              <a:t>of</a:t>
+            </a:r>
+            <a:r>
+              <a:rPr lang="de-AT" dirty="0"/>
+              <a:t> a </a:t>
+            </a:r>
+            <a:r>
+              <a:rPr lang="de-AT" dirty="0" err="1"/>
+              <a:t>feature</a:t>
+            </a:r>
+            <a:r>
+              <a:rPr lang="de-AT" dirty="0"/>
+              <a:t> </a:t>
+            </a:r>
+            <a:r>
+              <a:rPr lang="de-AT" dirty="0" err="1"/>
+              <a:t>would</a:t>
+            </a:r>
+            <a:r>
+              <a:rPr lang="de-AT" dirty="0"/>
+              <a:t> </a:t>
+            </a:r>
+            <a:r>
+              <a:rPr lang="de-AT" dirty="0" err="1"/>
+              <a:t>include</a:t>
+            </a:r>
+            <a:r>
+              <a:rPr lang="de-AT" dirty="0"/>
+              <a:t> </a:t>
+            </a:r>
+            <a:r>
+              <a:rPr lang="de-AT" dirty="0" err="1"/>
+              <a:t>the</a:t>
+            </a:r>
+            <a:r>
+              <a:rPr lang="de-AT" dirty="0"/>
+              <a:t> </a:t>
+            </a:r>
+            <a:r>
+              <a:rPr lang="de-AT" dirty="0" err="1"/>
+              <a:t>development</a:t>
             </a:r>
             <a:r>
               <a:rPr lang="de-AT" dirty="0"/>
               <a:t>, </a:t>
             </a:r>
+            <a:r>
+              <a:rPr lang="de-AT" dirty="0" err="1"/>
+              <a:t>and</a:t>
+            </a:r>
+            <a:r>
+              <a:rPr lang="de-AT" dirty="0"/>
+              <a:t> </a:t>
+            </a:r>
+            <a:r>
+              <a:rPr lang="de-AT" dirty="0" err="1"/>
+              <a:t>synchronisation</a:t>
+            </a:r>
+            <a:r>
+              <a:rPr lang="de-AT" dirty="0"/>
+              <a:t> via </a:t>
+            </a:r>
+            <a:r>
+              <a:rPr lang="de-AT" dirty="0" err="1"/>
+              <a:t>github</a:t>
+            </a:r>
+            <a:r>
+              <a:rPr lang="de-AT" dirty="0"/>
+              <a:t>. </a:t>
+            </a:r>
             <a:br>
               <a:rPr lang="de-AT" dirty="0"/>
             </a:br>
             <a:r>
               <a:rPr lang="de-AT" dirty="0" err="1"/>
-              <a:t>talk</a:t>
+              <a:t>Then</a:t>
+            </a:r>
+            <a:r>
+              <a:rPr lang="de-AT" dirty="0"/>
+              <a:t> an </a:t>
+            </a:r>
+            <a:r>
+              <a:rPr lang="de-AT" dirty="0" err="1"/>
+              <a:t>upload</a:t>
             </a:r>
             <a:r>
               <a:rPr lang="de-AT" dirty="0"/>
@@ -5503,7 +7826,7 @@
             </a:r>
             <a:r>
               <a:rPr lang="de-AT" dirty="0" err="1"/>
-              <a:t>about</a:t>
+              <a:t>to</a:t>
             </a:r>
             <a:r>
               <a:rPr lang="de-AT" dirty="0"/>
@@ -5511,15 +7834,7 @@
             </a:r>
             <a:r>
               <a:rPr lang="de-AT" dirty="0" err="1"/>
-              <a:t>our</a:t>
-            </a:r>
-            <a:r>
-              <a:rPr lang="de-AT" dirty="0"/>
-              <a:t> PM </a:t>
-            </a:r>
-            <a:r>
-              <a:rPr lang="de-AT" dirty="0" err="1"/>
-              <a:t>construct</a:t>
+              <a:t>the</a:t>
             </a:r>
             <a:r>
               <a:rPr lang="de-AT" dirty="0"/>
@@ -5527,7 +7842,7 @@
             </a:r>
             <a:r>
               <a:rPr lang="de-AT" dirty="0" err="1"/>
-              <a:t>that</a:t>
+              <a:t>server</a:t>
             </a:r>
             <a:r>
               <a:rPr lang="de-AT" dirty="0"/>
@@ -5535,7 +7850,7 @@
             </a:r>
             <a:r>
               <a:rPr lang="de-AT" dirty="0" err="1"/>
-              <a:t>should</a:t>
+              <a:t>and</a:t>
             </a:r>
             <a:r>
               <a:rPr lang="de-AT" dirty="0"/>
@@ -5543,7 +7858,7 @@
             </a:r>
             <a:r>
               <a:rPr lang="de-AT" dirty="0" err="1"/>
-              <a:t>have</a:t>
+              <a:t>afterwards</a:t>
             </a:r>
             <a:r>
               <a:rPr lang="de-AT" dirty="0"/>
@@ -5551,7 +7866,7 @@
             </a:r>
             <a:r>
               <a:rPr lang="de-AT" dirty="0" err="1"/>
-              <a:t>made</a:t>
+              <a:t>testing</a:t>
             </a:r>
             <a:r>
               <a:rPr lang="de-AT" dirty="0"/>
@@ -5559,7 +7874,7 @@
             </a:r>
             <a:r>
               <a:rPr lang="de-AT" dirty="0" err="1"/>
-              <a:t>our</a:t>
+              <a:t>the</a:t>
             </a:r>
             <a:r>
               <a:rPr lang="de-AT" dirty="0"/>
@@ -5567,7 +7882,7 @@
             </a:r>
             <a:r>
               <a:rPr lang="de-AT" dirty="0" err="1"/>
-              <a:t>lives</a:t>
+              <a:t>feature</a:t>
             </a:r>
             <a:r>
               <a:rPr lang="de-AT" dirty="0"/>
@@ -5575,53 +7890,7 @@
             </a:r>
             <a:r>
               <a:rPr lang="de-AT" dirty="0" err="1"/>
-              <a:t>easier</a:t>
-            </a:r>
-            <a:r>
-              <a:rPr lang="de-AT" dirty="0"/>
-              <a:t> (</a:t>
-            </a:r>
-            <a:r>
-              <a:rPr lang="de-AT" dirty="0" err="1"/>
-              <a:t>GitHub</a:t>
-            </a:r>
-            <a:r>
-              <a:rPr lang="de-AT" dirty="0"/>
-              <a:t>, </a:t>
-            </a:r>
-            <a:r>
-              <a:rPr lang="de-AT" dirty="0" err="1"/>
-              <a:t>arbeitszeitaufzeichnung</a:t>
-            </a:r>
-            <a:r>
-              <a:rPr lang="de-AT" dirty="0"/>
-              <a:t>, </a:t>
-            </a:r>
-            <a:r>
-              <a:rPr lang="de-AT" dirty="0" err="1"/>
-              <a:t>testing</a:t>
-            </a:r>
-            <a:r>
-              <a:rPr lang="de-AT" dirty="0"/>
-              <a:t>, </a:t>
-            </a:r>
-            <a:r>
-              <a:rPr lang="de-AT" dirty="0" err="1"/>
-              <a:t>and</a:t>
-            </a:r>
-            <a:r>
-              <a:rPr lang="de-AT" dirty="0"/>
-              <a:t> so on)</a:t>
-            </a:r>
-          </a:p>
-          <a:p>
-            <a:r>
-              <a:rPr lang="de-AT" dirty="0"/>
-              <a:t>	</a:t>
-            </a:r>
-            <a:r>
-              <a:rPr lang="de-AT" dirty="0" err="1"/>
-              <a:t>GitHub</a:t>
+              <a:t>as</a:t>
             </a:r>
             <a:r>
               <a:rPr lang="de-AT" dirty="0"/>
@@ -5629,7 +7898,7 @@
             </a:r>
             <a:r>
               <a:rPr lang="de-AT" dirty="0" err="1"/>
-              <a:t>paired</a:t>
+              <a:t>users</a:t>
             </a:r>
             <a:r>
               <a:rPr lang="de-AT" dirty="0"/>
@@ -5637,7 +7906,7 @@
             </a:r>
             <a:r>
               <a:rPr lang="de-AT" dirty="0" err="1"/>
-              <a:t>with</a:t>
+              <a:t>by</a:t>
             </a:r>
             <a:r>
               <a:rPr lang="de-AT" dirty="0"/>
@@ -5645,15 +7914,7 @@
             </a:r>
             <a:r>
               <a:rPr lang="de-AT" dirty="0" err="1"/>
-              <a:t>PhpStorm</a:t>
-            </a:r>
-            <a:r>
-              <a:rPr lang="de-AT" dirty="0"/>
-              <a:t> was </a:t>
-            </a:r>
-            <a:r>
-              <a:rPr lang="de-AT" dirty="0" err="1"/>
-              <a:t>our</a:t>
+              <a:t>the</a:t>
             </a:r>
             <a:r>
               <a:rPr lang="de-AT" dirty="0"/>
@@ -5661,7 +7922,7 @@
             </a:r>
             <a:r>
               <a:rPr lang="de-AT" dirty="0" err="1"/>
-              <a:t>primary</a:t>
+              <a:t>project</a:t>
             </a:r>
             <a:r>
               <a:rPr lang="de-AT" dirty="0"/>
@@ -5669,7 +7930,21 @@
             </a:r>
             <a:r>
               <a:rPr lang="de-AT" dirty="0" err="1"/>
-              <a:t>development</a:t>
+              <a:t>team</a:t>
+            </a:r>
+            <a:endParaRPr lang="de-AT" dirty="0"/>
+          </a:p>
+          <a:p>
+            <a:endParaRPr lang="de-AT" dirty="0"/>
+          </a:p>
+          <a:p>
+            <a:r>
+              <a:rPr lang="de-AT" dirty="0"/>
+              <a:t>But </a:t>
+            </a:r>
+            <a:r>
+              <a:rPr lang="de-AT" dirty="0" err="1"/>
+              <a:t>how</a:t>
             </a:r>
             <a:r>
               <a:rPr lang="de-AT" dirty="0"/>
@@ -5677,14 +7952,7 @@
             </a:r>
             <a:r>
               <a:rPr lang="de-AT" dirty="0" err="1"/>
-              <a:t>tool</a:t>
-            </a:r>
-            <a:endParaRPr lang="de-AT" dirty="0"/>
-          </a:p>
-          <a:p>
-            <a:r>
-              <a:rPr lang="de-AT" dirty="0" err="1"/>
-              <a:t>Then</a:t>
+              <a:t>did</a:t>
             </a:r>
             <a:r>
               <a:rPr lang="de-AT" dirty="0"/>
@@ -5692,7 +7960,7 @@
             </a:r>
             <a:r>
               <a:rPr lang="de-AT" dirty="0" err="1"/>
-              <a:t>talk</a:t>
+              <a:t>the</a:t>
             </a:r>
             <a:r>
               <a:rPr lang="de-AT" dirty="0"/>
@@ -5700,7 +7968,23 @@
             </a:r>
             <a:r>
               <a:rPr lang="de-AT" dirty="0" err="1"/>
-              <a:t>about</a:t>
+              <a:t>project</a:t>
+            </a:r>
+            <a:r>
+              <a:rPr lang="de-AT" dirty="0"/>
+              <a:t> turn out in </a:t>
+            </a:r>
+            <a:r>
+              <a:rPr lang="de-AT" dirty="0" err="1"/>
+              <a:t>the</a:t>
+            </a:r>
+            <a:r>
+              <a:rPr lang="de-AT" dirty="0"/>
+              <a:t> end, </a:t>
+            </a:r>
+            <a:r>
+              <a:rPr lang="de-AT" dirty="0" err="1"/>
+              <a:t>management</a:t>
             </a:r>
             <a:r>
               <a:rPr lang="de-AT" dirty="0"/>
@@ -5708,139 +7992,11 @@
             </a:r>
             <a:r>
               <a:rPr lang="de-AT" dirty="0" err="1"/>
-              <a:t>the</a:t>
-            </a:r>
-            <a:r>
-              <a:rPr lang="de-AT" dirty="0"/>
-              <a:t> </a:t>
-            </a:r>
-            <a:r>
-              <a:rPr lang="de-AT" dirty="0" err="1"/>
-              <a:t>general</a:t>
-            </a:r>
-            <a:r>
-              <a:rPr lang="de-AT" dirty="0"/>
-              <a:t> </a:t>
-            </a:r>
-            <a:r>
-              <a:rPr lang="de-AT" dirty="0" err="1"/>
-              <a:t>feeling</a:t>
-            </a:r>
-            <a:r>
-              <a:rPr lang="de-AT" dirty="0"/>
-              <a:t> </a:t>
-            </a:r>
-            <a:r>
-              <a:rPr lang="de-AT" dirty="0" err="1"/>
-              <a:t>of</a:t>
-            </a:r>
-            <a:r>
-              <a:rPr lang="de-AT" dirty="0"/>
-              <a:t> </a:t>
-            </a:r>
-            <a:r>
-              <a:rPr lang="de-AT" dirty="0" err="1"/>
-              <a:t>how</a:t>
-            </a:r>
-            <a:r>
-              <a:rPr lang="de-AT" dirty="0"/>
-              <a:t> </a:t>
-            </a:r>
-            <a:r>
-              <a:rPr lang="de-AT" dirty="0" err="1"/>
-              <a:t>we</a:t>
-            </a:r>
-            <a:r>
-              <a:rPr lang="de-AT" dirty="0"/>
-              <a:t> </a:t>
-            </a:r>
-            <a:r>
-              <a:rPr lang="de-AT" dirty="0" err="1"/>
-              <a:t>think</a:t>
-            </a:r>
-            <a:r>
-              <a:rPr lang="de-AT" dirty="0"/>
-              <a:t> </a:t>
-            </a:r>
-            <a:r>
-              <a:rPr lang="de-AT" dirty="0" err="1"/>
-              <a:t>it</a:t>
-            </a:r>
-            <a:r>
-              <a:rPr lang="de-AT" dirty="0"/>
-              <a:t> </a:t>
-            </a:r>
-            <a:r>
-              <a:rPr lang="de-AT" dirty="0" err="1"/>
-              <a:t>turned</a:t>
-            </a:r>
-            <a:r>
-              <a:rPr lang="de-AT" dirty="0"/>
-              <a:t> out</a:t>
-            </a:r>
-          </a:p>
-          <a:p>
-            <a:r>
-              <a:rPr lang="de-AT" dirty="0" err="1"/>
-              <a:t>And</a:t>
-            </a:r>
-            <a:r>
-              <a:rPr lang="de-AT" dirty="0"/>
-              <a:t> </a:t>
-            </a:r>
-            <a:r>
-              <a:rPr lang="de-AT" dirty="0" err="1"/>
-              <a:t>how</a:t>
-            </a:r>
-            <a:r>
-              <a:rPr lang="de-AT" dirty="0"/>
-              <a:t> </a:t>
-            </a:r>
-            <a:r>
-              <a:rPr lang="de-AT" dirty="0" err="1"/>
-              <a:t>it</a:t>
-            </a:r>
-            <a:r>
-              <a:rPr lang="de-AT" dirty="0"/>
-              <a:t> </a:t>
-            </a:r>
-            <a:r>
-              <a:rPr lang="de-AT" dirty="0" err="1"/>
-              <a:t>really</a:t>
-            </a:r>
-            <a:r>
-              <a:rPr lang="de-AT" dirty="0"/>
-              <a:t> </a:t>
-            </a:r>
-            <a:r>
-              <a:rPr lang="de-AT" dirty="0" err="1"/>
-              <a:t>turned</a:t>
-            </a:r>
-            <a:r>
-              <a:rPr lang="de-AT" dirty="0"/>
-              <a:t> out: </a:t>
-            </a:r>
-            <a:r>
-              <a:rPr lang="de-AT" dirty="0" err="1"/>
-              <a:t>Statistics</a:t>
-            </a:r>
-            <a:r>
-              <a:rPr lang="de-AT" dirty="0"/>
-              <a:t> on </a:t>
-            </a:r>
-            <a:r>
-              <a:rPr lang="de-AT" dirty="0" err="1"/>
-              <a:t>everything</a:t>
-            </a:r>
-            <a:r>
-              <a:rPr lang="de-AT" dirty="0"/>
-              <a:t>…</a:t>
-            </a:r>
-          </a:p>
-          <a:p>
-            <a:r>
-              <a:rPr lang="de-AT" dirty="0"/>
-              <a:t>Mach ich</a:t>
+              <a:t>wise</a:t>
+            </a:r>
+            <a:r>
+              <a:rPr lang="de-AT" dirty="0"/>
+              <a:t>?</a:t>
             </a:r>
           </a:p>
         </p:txBody>
@@ -5926,12 +8082,8 @@
           <a:lstStyle/>
           <a:p>
             <a:r>
-              <a:rPr lang="de-AT" dirty="0"/>
-              <a:t>Talk </a:t>
-            </a:r>
-            <a:r>
-              <a:rPr lang="de-AT" dirty="0" err="1"/>
-              <a:t>eventually</a:t>
+              <a:rPr lang="de-AT" dirty="0" err="1"/>
+              <a:t>We</a:t>
             </a:r>
             <a:r>
               <a:rPr lang="de-AT" dirty="0"/>
@@ -5939,7 +8091,7 @@
             </a:r>
             <a:r>
               <a:rPr lang="de-AT" dirty="0" err="1"/>
-              <a:t>about</a:t>
+              <a:t>started</a:t>
             </a:r>
             <a:r>
               <a:rPr lang="de-AT" dirty="0"/>
@@ -5947,7 +8099,7 @@
             </a:r>
             <a:r>
               <a:rPr lang="de-AT" dirty="0" err="1"/>
-              <a:t>motivation</a:t>
+              <a:t>with</a:t>
             </a:r>
             <a:r>
               <a:rPr lang="de-AT" dirty="0"/>
@@ -5955,6 +8107,718 @@
             </a:r>
             <a:r>
               <a:rPr lang="de-AT" dirty="0" err="1"/>
+              <a:t>the</a:t>
+            </a:r>
+            <a:r>
+              <a:rPr lang="de-AT" dirty="0"/>
+              <a:t> Project </a:t>
+            </a:r>
+            <a:r>
+              <a:rPr lang="de-AT" dirty="0" err="1"/>
+              <a:t>planning</a:t>
+            </a:r>
+            <a:r>
+              <a:rPr lang="de-AT" dirty="0"/>
+              <a:t> Phase back in </a:t>
+            </a:r>
+            <a:r>
+              <a:rPr lang="de-AT" dirty="0" err="1"/>
+              <a:t>late</a:t>
+            </a:r>
+            <a:r>
+              <a:rPr lang="de-AT" dirty="0"/>
+              <a:t> </a:t>
+            </a:r>
+            <a:r>
+              <a:rPr lang="de-AT" dirty="0" err="1"/>
+              <a:t>October</a:t>
+            </a:r>
+            <a:br>
+              <a:rPr lang="de-AT" dirty="0"/>
+            </a:br>
+            <a:r>
+              <a:rPr lang="de-AT" dirty="0" err="1"/>
+              <a:t>and</a:t>
+            </a:r>
+            <a:r>
+              <a:rPr lang="de-AT" dirty="0"/>
+              <a:t> </a:t>
+            </a:r>
+            <a:r>
+              <a:rPr lang="de-AT" dirty="0" err="1"/>
+              <a:t>we</a:t>
+            </a:r>
+            <a:r>
+              <a:rPr lang="de-AT" dirty="0"/>
+              <a:t> </a:t>
+            </a:r>
+            <a:r>
+              <a:rPr lang="de-AT" dirty="0" err="1"/>
+              <a:t>were</a:t>
+            </a:r>
+            <a:r>
+              <a:rPr lang="de-AT" dirty="0"/>
+              <a:t> </a:t>
+            </a:r>
+            <a:r>
+              <a:rPr lang="de-AT" dirty="0" err="1"/>
+              <a:t>able</a:t>
+            </a:r>
+            <a:r>
+              <a:rPr lang="de-AT" dirty="0"/>
+              <a:t> </a:t>
+            </a:r>
+            <a:r>
+              <a:rPr lang="de-AT" dirty="0" err="1"/>
+              <a:t>to</a:t>
+            </a:r>
+            <a:r>
+              <a:rPr lang="de-AT" dirty="0"/>
+              <a:t> </a:t>
+            </a:r>
+            <a:r>
+              <a:rPr lang="de-AT" dirty="0" err="1"/>
+              <a:t>reach</a:t>
+            </a:r>
+            <a:r>
+              <a:rPr lang="de-AT" dirty="0"/>
+              <a:t> </a:t>
+            </a:r>
+            <a:r>
+              <a:rPr lang="de-AT" dirty="0" err="1"/>
+              <a:t>our</a:t>
+            </a:r>
+            <a:r>
+              <a:rPr lang="de-AT" dirty="0"/>
+              <a:t> </a:t>
+            </a:r>
+            <a:r>
+              <a:rPr lang="de-AT" dirty="0" err="1"/>
+              <a:t>goals</a:t>
+            </a:r>
+            <a:r>
+              <a:rPr lang="de-AT" dirty="0"/>
+              <a:t> like </a:t>
+            </a:r>
+            <a:r>
+              <a:rPr lang="de-AT" dirty="0" err="1"/>
+              <a:t>showing</a:t>
+            </a:r>
+            <a:r>
+              <a:rPr lang="de-AT" dirty="0"/>
+              <a:t> a </a:t>
+            </a:r>
+            <a:r>
+              <a:rPr lang="de-AT" dirty="0" err="1"/>
+              <a:t>first</a:t>
+            </a:r>
+            <a:r>
+              <a:rPr lang="de-AT" dirty="0"/>
+              <a:t> </a:t>
+            </a:r>
+            <a:r>
+              <a:rPr lang="de-AT" dirty="0" err="1"/>
+              <a:t>overview</a:t>
+            </a:r>
+            <a:r>
+              <a:rPr lang="de-AT" dirty="0"/>
+              <a:t> </a:t>
+            </a:r>
+            <a:r>
+              <a:rPr lang="de-AT" dirty="0" err="1"/>
+              <a:t>of</a:t>
+            </a:r>
+            <a:r>
+              <a:rPr lang="de-AT" dirty="0"/>
+              <a:t> </a:t>
+            </a:r>
+            <a:r>
+              <a:rPr lang="de-AT" dirty="0" err="1"/>
+              <a:t>our</a:t>
+            </a:r>
+            <a:r>
+              <a:rPr lang="de-AT" dirty="0"/>
+              <a:t> </a:t>
+            </a:r>
+            <a:r>
+              <a:rPr lang="de-AT" dirty="0" err="1"/>
+              <a:t>site</a:t>
+            </a:r>
+            <a:r>
+              <a:rPr lang="de-AT" dirty="0"/>
+              <a:t> at </a:t>
+            </a:r>
+            <a:r>
+              <a:rPr lang="de-AT" dirty="0" err="1"/>
+              <a:t>the</a:t>
+            </a:r>
+            <a:r>
+              <a:rPr lang="de-AT" dirty="0"/>
+              <a:t> </a:t>
+            </a:r>
+            <a:r>
+              <a:rPr lang="de-AT" dirty="0" err="1"/>
+              <a:t>first</a:t>
+            </a:r>
+            <a:r>
+              <a:rPr lang="de-AT" dirty="0"/>
+              <a:t> </a:t>
+            </a:r>
+            <a:r>
+              <a:rPr lang="de-AT" dirty="0" err="1"/>
+              <a:t>presentation</a:t>
+            </a:r>
+            <a:r>
+              <a:rPr lang="de-AT" dirty="0"/>
+              <a:t> </a:t>
+            </a:r>
+            <a:r>
+              <a:rPr lang="de-AT" dirty="0" err="1"/>
+              <a:t>and</a:t>
+            </a:r>
+            <a:r>
+              <a:rPr lang="de-AT" dirty="0"/>
+              <a:t> </a:t>
+            </a:r>
+            <a:r>
+              <a:rPr lang="de-AT" dirty="0" err="1"/>
+              <a:t>finishing</a:t>
+            </a:r>
+            <a:r>
+              <a:rPr lang="de-AT" dirty="0"/>
+              <a:t> </a:t>
+            </a:r>
+            <a:r>
+              <a:rPr lang="de-AT" dirty="0" err="1"/>
+              <a:t>the</a:t>
+            </a:r>
+            <a:r>
+              <a:rPr lang="de-AT" dirty="0"/>
+              <a:t> </a:t>
+            </a:r>
+            <a:r>
+              <a:rPr lang="de-AT" dirty="0" err="1"/>
+              <a:t>most</a:t>
+            </a:r>
+            <a:r>
+              <a:rPr lang="de-AT" dirty="0"/>
+              <a:t> </a:t>
+            </a:r>
+            <a:r>
+              <a:rPr lang="de-AT" dirty="0" err="1"/>
+              <a:t>work</a:t>
+            </a:r>
+            <a:r>
+              <a:rPr lang="de-AT" dirty="0"/>
+              <a:t> </a:t>
+            </a:r>
+            <a:r>
+              <a:rPr lang="de-AT" dirty="0" err="1"/>
+              <a:t>before</a:t>
+            </a:r>
+            <a:r>
+              <a:rPr lang="de-AT" dirty="0"/>
+              <a:t> </a:t>
+            </a:r>
+            <a:r>
+              <a:rPr lang="de-AT" dirty="0" err="1"/>
+              <a:t>christmas</a:t>
+            </a:r>
+            <a:r>
+              <a:rPr lang="de-AT" dirty="0"/>
+              <a:t>.</a:t>
+            </a:r>
+          </a:p>
+          <a:p>
+            <a:r>
+              <a:rPr lang="de-AT" dirty="0"/>
+              <a:t>After </a:t>
+            </a:r>
+            <a:r>
+              <a:rPr lang="de-AT" dirty="0" err="1"/>
+              <a:t>christmas</a:t>
+            </a:r>
+            <a:r>
+              <a:rPr lang="de-AT" dirty="0"/>
+              <a:t> </a:t>
+            </a:r>
+            <a:r>
+              <a:rPr lang="de-AT" dirty="0" err="1"/>
+              <a:t>we</a:t>
+            </a:r>
+            <a:r>
+              <a:rPr lang="de-AT" dirty="0"/>
+              <a:t> </a:t>
+            </a:r>
+            <a:r>
+              <a:rPr lang="de-AT" dirty="0" err="1"/>
+              <a:t>mainly</a:t>
+            </a:r>
+            <a:r>
+              <a:rPr lang="de-AT" dirty="0"/>
+              <a:t> </a:t>
+            </a:r>
+            <a:r>
+              <a:rPr lang="de-AT" dirty="0" err="1"/>
+              <a:t>tested</a:t>
+            </a:r>
+            <a:r>
+              <a:rPr lang="de-AT" dirty="0"/>
+              <a:t> </a:t>
+            </a:r>
+            <a:r>
+              <a:rPr lang="de-AT" dirty="0" err="1"/>
+              <a:t>our</a:t>
+            </a:r>
+            <a:r>
+              <a:rPr lang="de-AT" dirty="0"/>
+              <a:t> </a:t>
+            </a:r>
+            <a:r>
+              <a:rPr lang="de-AT" dirty="0" err="1"/>
+              <a:t>site</a:t>
+            </a:r>
+            <a:r>
+              <a:rPr lang="de-AT" dirty="0"/>
+              <a:t>, </a:t>
+            </a:r>
+            <a:r>
+              <a:rPr lang="de-AT" dirty="0" err="1"/>
+              <a:t>and</a:t>
+            </a:r>
+            <a:r>
+              <a:rPr lang="de-AT" dirty="0"/>
+              <a:t> </a:t>
+            </a:r>
+            <a:r>
+              <a:rPr lang="de-AT" dirty="0" err="1"/>
+              <a:t>implemented</a:t>
+            </a:r>
+            <a:r>
+              <a:rPr lang="de-AT" dirty="0"/>
+              <a:t> </a:t>
+            </a:r>
+            <a:r>
+              <a:rPr lang="de-AT" dirty="0" err="1"/>
+              <a:t>the</a:t>
+            </a:r>
+            <a:r>
+              <a:rPr lang="de-AT" dirty="0"/>
+              <a:t> last </a:t>
+            </a:r>
+            <a:r>
+              <a:rPr lang="de-AT" dirty="0" err="1"/>
+              <a:t>features</a:t>
+            </a:r>
+            <a:r>
+              <a:rPr lang="de-AT" dirty="0"/>
+              <a:t>.</a:t>
+            </a:r>
+          </a:p>
+          <a:p>
+            <a:r>
+              <a:rPr lang="de-AT" dirty="0" err="1"/>
+              <a:t>During</a:t>
+            </a:r>
+            <a:r>
+              <a:rPr lang="de-AT" dirty="0"/>
+              <a:t> all </a:t>
+            </a:r>
+            <a:r>
+              <a:rPr lang="de-AT" dirty="0" err="1"/>
+              <a:t>this</a:t>
+            </a:r>
+            <a:r>
+              <a:rPr lang="de-AT" dirty="0"/>
+              <a:t> time </a:t>
+            </a:r>
+            <a:r>
+              <a:rPr lang="de-AT" dirty="0" err="1"/>
+              <a:t>we</a:t>
+            </a:r>
+            <a:r>
+              <a:rPr lang="de-AT" dirty="0"/>
+              <a:t> </a:t>
+            </a:r>
+            <a:r>
+              <a:rPr lang="de-AT" dirty="0" err="1"/>
+              <a:t>managed</a:t>
+            </a:r>
+            <a:r>
+              <a:rPr lang="de-AT" dirty="0"/>
+              <a:t> </a:t>
+            </a:r>
+            <a:r>
+              <a:rPr lang="de-AT" dirty="0" err="1"/>
+              <a:t>to</a:t>
+            </a:r>
+            <a:r>
+              <a:rPr lang="de-AT" dirty="0"/>
+              <a:t> </a:t>
+            </a:r>
+            <a:r>
+              <a:rPr lang="de-AT" dirty="0" err="1"/>
+              <a:t>work</a:t>
+            </a:r>
+            <a:r>
+              <a:rPr lang="de-AT" dirty="0"/>
+              <a:t> 181 </a:t>
+            </a:r>
+            <a:r>
+              <a:rPr lang="de-AT" dirty="0" err="1"/>
+              <a:t>hours</a:t>
+            </a:r>
+            <a:r>
+              <a:rPr lang="de-AT" dirty="0"/>
+              <a:t> </a:t>
+            </a:r>
+            <a:r>
+              <a:rPr lang="de-AT" dirty="0" err="1"/>
+              <a:t>which</a:t>
+            </a:r>
+            <a:r>
+              <a:rPr lang="de-AT" dirty="0"/>
+              <a:t> </a:t>
+            </a:r>
+            <a:r>
+              <a:rPr lang="de-AT" dirty="0" err="1"/>
+              <a:t>where</a:t>
+            </a:r>
+            <a:r>
+              <a:rPr lang="de-AT" dirty="0"/>
+              <a:t> </a:t>
+            </a:r>
+            <a:r>
+              <a:rPr lang="de-AT" dirty="0" err="1"/>
+              <a:t>quite</a:t>
+            </a:r>
+            <a:r>
+              <a:rPr lang="de-AT" dirty="0"/>
+              <a:t> </a:t>
+            </a:r>
+            <a:r>
+              <a:rPr lang="de-AT" dirty="0" err="1"/>
+              <a:t>evenly</a:t>
+            </a:r>
+            <a:r>
+              <a:rPr lang="de-AT" dirty="0"/>
+              <a:t> </a:t>
+            </a:r>
+            <a:r>
+              <a:rPr lang="de-AT" dirty="0" err="1"/>
+              <a:t>distributed</a:t>
+            </a:r>
+            <a:r>
+              <a:rPr lang="de-AT" dirty="0"/>
+              <a:t> </a:t>
+            </a:r>
+            <a:r>
+              <a:rPr lang="de-AT" dirty="0" err="1"/>
+              <a:t>among</a:t>
+            </a:r>
+            <a:r>
+              <a:rPr lang="de-AT" dirty="0"/>
+              <a:t> </a:t>
+            </a:r>
+            <a:r>
+              <a:rPr lang="de-AT" dirty="0" err="1"/>
+              <a:t>our</a:t>
+            </a:r>
+            <a:r>
+              <a:rPr lang="de-AT" dirty="0"/>
+              <a:t> </a:t>
+            </a:r>
+            <a:r>
+              <a:rPr lang="de-AT" dirty="0" err="1"/>
+              <a:t>teammembers</a:t>
+            </a:r>
+            <a:endParaRPr lang="de-AT" dirty="0"/>
+          </a:p>
+          <a:p>
+            <a:r>
+              <a:rPr lang="de-AT" dirty="0"/>
+              <a:t>181 man-</a:t>
+            </a:r>
+            <a:r>
+              <a:rPr lang="de-AT" dirty="0" err="1"/>
+              <a:t>hours</a:t>
+            </a:r>
+            <a:r>
+              <a:rPr lang="de-AT" dirty="0"/>
+              <a:t> </a:t>
+            </a:r>
+            <a:r>
+              <a:rPr lang="de-AT" dirty="0" err="1"/>
+              <a:t>is</a:t>
+            </a:r>
+            <a:r>
+              <a:rPr lang="de-AT" dirty="0"/>
+              <a:t> a </a:t>
+            </a:r>
+            <a:r>
+              <a:rPr lang="de-AT" dirty="0" err="1"/>
+              <a:t>lot</a:t>
+            </a:r>
+            <a:r>
+              <a:rPr lang="de-AT" dirty="0"/>
+              <a:t> </a:t>
+            </a:r>
+            <a:r>
+              <a:rPr lang="de-AT" dirty="0" err="1"/>
+              <a:t>less</a:t>
+            </a:r>
+            <a:r>
+              <a:rPr lang="de-AT" dirty="0"/>
+              <a:t> </a:t>
+            </a:r>
+            <a:r>
+              <a:rPr lang="de-AT" dirty="0" err="1"/>
+              <a:t>than</a:t>
+            </a:r>
+            <a:r>
+              <a:rPr lang="de-AT" dirty="0"/>
+              <a:t> </a:t>
+            </a:r>
+            <a:r>
+              <a:rPr lang="de-AT" dirty="0" err="1"/>
+              <a:t>estimated</a:t>
+            </a:r>
+            <a:r>
+              <a:rPr lang="de-AT" dirty="0"/>
+              <a:t>. </a:t>
+            </a:r>
+            <a:r>
+              <a:rPr lang="de-AT" dirty="0" err="1"/>
+              <a:t>We</a:t>
+            </a:r>
+            <a:r>
+              <a:rPr lang="de-AT" dirty="0"/>
+              <a:t> </a:t>
+            </a:r>
+            <a:r>
+              <a:rPr lang="de-AT" dirty="0" err="1"/>
+              <a:t>had</a:t>
+            </a:r>
+            <a:r>
+              <a:rPr lang="de-AT" dirty="0"/>
+              <a:t> </a:t>
+            </a:r>
+            <a:r>
+              <a:rPr lang="de-AT" dirty="0" err="1"/>
+              <a:t>to</a:t>
+            </a:r>
+            <a:r>
+              <a:rPr lang="de-AT" dirty="0"/>
+              <a:t> </a:t>
+            </a:r>
+            <a:r>
+              <a:rPr lang="de-AT" dirty="0" err="1"/>
+              <a:t>drop</a:t>
+            </a:r>
+            <a:r>
+              <a:rPr lang="de-AT" dirty="0"/>
+              <a:t> a </a:t>
+            </a:r>
+            <a:r>
+              <a:rPr lang="de-AT" dirty="0" err="1"/>
+              <a:t>teamchat</a:t>
+            </a:r>
+            <a:r>
+              <a:rPr lang="de-AT" dirty="0"/>
+              <a:t> </a:t>
+            </a:r>
+            <a:r>
+              <a:rPr lang="de-AT" dirty="0" err="1"/>
+              <a:t>feature</a:t>
+            </a:r>
+            <a:r>
+              <a:rPr lang="de-AT" dirty="0"/>
+              <a:t> </a:t>
+            </a:r>
+            <a:r>
+              <a:rPr lang="de-AT" dirty="0" err="1"/>
+              <a:t>since</a:t>
+            </a:r>
+            <a:r>
+              <a:rPr lang="de-AT" dirty="0"/>
+              <a:t> </a:t>
+            </a:r>
+            <a:r>
+              <a:rPr lang="de-AT" dirty="0" err="1"/>
+              <a:t>we</a:t>
+            </a:r>
+            <a:r>
+              <a:rPr lang="de-AT" dirty="0"/>
+              <a:t> </a:t>
+            </a:r>
+            <a:r>
+              <a:rPr lang="de-AT" dirty="0" err="1"/>
+              <a:t>wouldnt</a:t>
+            </a:r>
+            <a:r>
+              <a:rPr lang="de-AT" dirty="0"/>
+              <a:t> </a:t>
+            </a:r>
+            <a:r>
+              <a:rPr lang="de-AT" dirty="0" err="1"/>
+              <a:t>have</a:t>
+            </a:r>
+            <a:r>
+              <a:rPr lang="de-AT" dirty="0"/>
+              <a:t> </a:t>
+            </a:r>
+            <a:r>
+              <a:rPr lang="de-AT" dirty="0" err="1"/>
+              <a:t>met</a:t>
+            </a:r>
+            <a:r>
+              <a:rPr lang="de-AT" dirty="0"/>
+              <a:t> </a:t>
+            </a:r>
+            <a:r>
+              <a:rPr lang="de-AT" dirty="0" err="1"/>
+              <a:t>our</a:t>
+            </a:r>
+            <a:r>
+              <a:rPr lang="de-AT" dirty="0"/>
+              <a:t> </a:t>
+            </a:r>
+            <a:r>
+              <a:rPr lang="de-AT" dirty="0" err="1"/>
+              <a:t>timeline</a:t>
+            </a:r>
+            <a:r>
+              <a:rPr lang="de-AT" dirty="0"/>
+              <a:t> </a:t>
+            </a:r>
+            <a:r>
+              <a:rPr lang="de-AT" dirty="0" err="1"/>
+              <a:t>trying</a:t>
+            </a:r>
+            <a:r>
+              <a:rPr lang="de-AT" dirty="0"/>
+              <a:t> </a:t>
+            </a:r>
+            <a:r>
+              <a:rPr lang="de-AT" dirty="0" err="1"/>
+              <a:t>to</a:t>
+            </a:r>
+            <a:r>
+              <a:rPr lang="de-AT" dirty="0"/>
+              <a:t> </a:t>
+            </a:r>
+            <a:r>
+              <a:rPr lang="de-AT" dirty="0" err="1"/>
+              <a:t>write</a:t>
+            </a:r>
+            <a:r>
+              <a:rPr lang="de-AT" dirty="0"/>
+              <a:t> </a:t>
+            </a:r>
+            <a:r>
+              <a:rPr lang="de-AT" dirty="0" err="1"/>
+              <a:t>our</a:t>
+            </a:r>
+            <a:r>
+              <a:rPr lang="de-AT" dirty="0"/>
+              <a:t> </a:t>
+            </a:r>
+            <a:r>
+              <a:rPr lang="de-AT" dirty="0" err="1"/>
+              <a:t>own</a:t>
+            </a:r>
+            <a:r>
+              <a:rPr lang="de-AT" dirty="0"/>
+              <a:t> Chat-service.</a:t>
+            </a:r>
+          </a:p>
+          <a:p>
+            <a:r>
+              <a:rPr lang="de-AT" dirty="0"/>
+              <a:t>As </a:t>
+            </a:r>
+            <a:r>
+              <a:rPr lang="de-AT" dirty="0" err="1"/>
+              <a:t>shown</a:t>
+            </a:r>
+            <a:r>
+              <a:rPr lang="de-AT" dirty="0"/>
+              <a:t> in </a:t>
+            </a:r>
+            <a:r>
+              <a:rPr lang="de-AT" dirty="0" err="1"/>
+              <a:t>the</a:t>
+            </a:r>
+            <a:r>
+              <a:rPr lang="de-AT" dirty="0"/>
+              <a:t> </a:t>
+            </a:r>
+            <a:r>
+              <a:rPr lang="de-AT" dirty="0" err="1"/>
+              <a:t>diagram</a:t>
+            </a:r>
+            <a:r>
+              <a:rPr lang="de-AT" dirty="0"/>
+              <a:t> </a:t>
+            </a:r>
+            <a:r>
+              <a:rPr lang="de-AT" dirty="0" err="1"/>
+              <a:t>we</a:t>
+            </a:r>
+            <a:r>
+              <a:rPr lang="de-AT" dirty="0"/>
+              <a:t> also </a:t>
+            </a:r>
+            <a:r>
+              <a:rPr lang="de-AT" dirty="0" err="1"/>
+              <a:t>didn‘t</a:t>
+            </a:r>
+            <a:r>
+              <a:rPr lang="de-AT" dirty="0"/>
+              <a:t> </a:t>
+            </a:r>
+            <a:r>
+              <a:rPr lang="de-AT" dirty="0" err="1"/>
+              <a:t>anticipate</a:t>
+            </a:r>
+            <a:r>
+              <a:rPr lang="de-AT" dirty="0"/>
+              <a:t> </a:t>
+            </a:r>
+            <a:r>
+              <a:rPr lang="de-AT" dirty="0" err="1"/>
+              <a:t>the</a:t>
+            </a:r>
+            <a:r>
+              <a:rPr lang="de-AT" dirty="0"/>
+              <a:t> </a:t>
+            </a:r>
+            <a:r>
+              <a:rPr lang="de-AT" dirty="0" err="1"/>
+              <a:t>amount</a:t>
+            </a:r>
+            <a:r>
+              <a:rPr lang="de-AT" dirty="0"/>
+              <a:t> </a:t>
+            </a:r>
+            <a:r>
+              <a:rPr lang="de-AT" dirty="0" err="1"/>
+              <a:t>of</a:t>
+            </a:r>
+            <a:r>
+              <a:rPr lang="de-AT" dirty="0"/>
+              <a:t> </a:t>
+            </a:r>
+            <a:r>
+              <a:rPr lang="de-AT" dirty="0" err="1"/>
+              <a:t>work</a:t>
+            </a:r>
+            <a:r>
+              <a:rPr lang="de-AT" dirty="0"/>
+              <a:t> </a:t>
+            </a:r>
+            <a:r>
+              <a:rPr lang="de-AT" dirty="0" err="1"/>
               <a:t>for</a:t>
             </a:r>
             <a:r>
@@ -5963,23 +8827,23 @@
             </a:r>
             <a:r>
               <a:rPr lang="de-AT" dirty="0" err="1"/>
-              <a:t>roject</a:t>
-            </a:r>
-            <a:r>
-              <a:rPr lang="de-AT" dirty="0"/>
-              <a:t> in </a:t>
-            </a:r>
-            <a:r>
-              <a:rPr lang="de-AT" dirty="0" err="1"/>
               <a:t>the</a:t>
             </a:r>
             <a:r>
               <a:rPr lang="de-AT" dirty="0"/>
+              <a:t> back end </a:t>
+            </a:r>
+            <a:r>
+              <a:rPr lang="de-AT" dirty="0" err="1"/>
+              <a:t>features</a:t>
+            </a:r>
+            <a:r>
+              <a:rPr lang="de-AT" dirty="0"/>
               <a:t> </a:t>
             </a:r>
             <a:r>
               <a:rPr lang="de-AT" dirty="0" err="1"/>
-              <a:t>first</a:t>
+              <a:t>of</a:t>
             </a:r>
             <a:r>
               <a:rPr lang="de-AT" dirty="0"/>
@@ -5987,391 +8851,146 @@
             </a:r>
             <a:r>
               <a:rPr lang="de-AT" dirty="0" err="1"/>
-              <a:t>place</a:t>
-            </a:r>
+              <a:t>our</a:t>
+            </a:r>
+            <a:r>
+              <a:rPr lang="de-AT" dirty="0"/>
+              <a:t> </a:t>
+            </a:r>
+            <a:r>
+              <a:rPr lang="de-AT" dirty="0" err="1"/>
+              <a:t>site</a:t>
+            </a:r>
+            <a:r>
+              <a:rPr lang="de-AT" dirty="0"/>
+              <a:t> </a:t>
+            </a:r>
+            <a:r>
+              <a:rPr lang="de-AT" dirty="0" err="1"/>
+              <a:t>well</a:t>
+            </a:r>
+            <a:r>
+              <a:rPr lang="de-AT" dirty="0"/>
+              <a:t>. </a:t>
+            </a:r>
+            <a:br>
+              <a:rPr lang="de-AT" dirty="0"/>
+            </a:br>
+            <a:r>
+              <a:rPr lang="de-AT" dirty="0" err="1"/>
+              <a:t>That</a:t>
+            </a:r>
+            <a:r>
+              <a:rPr lang="de-AT" dirty="0"/>
+              <a:t> was due </a:t>
+            </a:r>
+            <a:r>
+              <a:rPr lang="de-AT" dirty="0" err="1"/>
+              <a:t>to</a:t>
+            </a:r>
+            <a:r>
+              <a:rPr lang="de-AT" dirty="0"/>
+              <a:t> </a:t>
+            </a:r>
+            <a:r>
+              <a:rPr lang="de-AT" dirty="0" err="1"/>
+              <a:t>our</a:t>
+            </a:r>
+            <a:r>
+              <a:rPr lang="de-AT" dirty="0"/>
+              <a:t> lack in </a:t>
+            </a:r>
+            <a:r>
+              <a:rPr lang="de-AT" dirty="0" err="1"/>
+              <a:t>experience</a:t>
+            </a:r>
+            <a:r>
+              <a:rPr lang="de-AT" dirty="0"/>
+              <a:t> </a:t>
+            </a:r>
+            <a:r>
+              <a:rPr lang="de-AT" dirty="0" err="1"/>
+              <a:t>with</a:t>
+            </a:r>
+            <a:r>
+              <a:rPr lang="de-AT" dirty="0"/>
+              <a:t> </a:t>
+            </a:r>
+            <a:r>
+              <a:rPr lang="de-AT" dirty="0" err="1"/>
+              <a:t>some</a:t>
+            </a:r>
+            <a:r>
+              <a:rPr lang="de-AT" dirty="0"/>
+              <a:t> </a:t>
+            </a:r>
+            <a:r>
+              <a:rPr lang="de-AT" dirty="0" err="1"/>
+              <a:t>used</a:t>
+            </a:r>
+            <a:r>
+              <a:rPr lang="de-AT" dirty="0"/>
+              <a:t> </a:t>
+            </a:r>
+            <a:r>
+              <a:rPr lang="de-AT" dirty="0" err="1"/>
+              <a:t>technologies</a:t>
+            </a:r>
+            <a:r>
+              <a:rPr lang="de-AT" dirty="0"/>
+              <a:t>. But in </a:t>
+            </a:r>
+            <a:r>
+              <a:rPr lang="de-AT" dirty="0" err="1"/>
+              <a:t>the</a:t>
+            </a:r>
+            <a:r>
+              <a:rPr lang="de-AT" dirty="0"/>
+              <a:t> end </a:t>
+            </a:r>
+            <a:r>
+              <a:rPr lang="de-AT" dirty="0" err="1"/>
+              <a:t>it</a:t>
+            </a:r>
+            <a:r>
+              <a:rPr lang="de-AT" dirty="0"/>
+              <a:t> all </a:t>
+            </a:r>
+            <a:r>
+              <a:rPr lang="de-AT" dirty="0" err="1"/>
+              <a:t>turned</a:t>
+            </a:r>
+            <a:r>
+              <a:rPr lang="de-AT" dirty="0"/>
+              <a:t> out </a:t>
+            </a:r>
+            <a:r>
+              <a:rPr lang="de-AT" dirty="0" err="1"/>
+              <a:t>easier</a:t>
+            </a:r>
+            <a:r>
+              <a:rPr lang="de-AT" dirty="0"/>
+              <a:t> </a:t>
+            </a:r>
+            <a:r>
+              <a:rPr lang="de-AT" dirty="0" err="1"/>
+              <a:t>as</a:t>
+            </a:r>
+            <a:r>
+              <a:rPr lang="de-AT" dirty="0"/>
+              <a:t> </a:t>
+            </a:r>
+            <a:r>
+              <a:rPr lang="de-AT" dirty="0" err="1"/>
+              <a:t>expected</a:t>
+            </a:r>
+            <a:r>
+              <a:rPr lang="de-AT" dirty="0"/>
+              <a:t>.</a:t>
+            </a:r>
+          </a:p>
+          <a:p>
             <a:endParaRPr lang="de-AT" dirty="0"/>
-          </a:p>
-          <a:p>
-            <a:r>
-              <a:rPr lang="de-AT" dirty="0"/>
-              <a:t>Talk </a:t>
-            </a:r>
-            <a:r>
-              <a:rPr lang="de-AT" dirty="0" err="1"/>
-              <a:t>about</a:t>
-            </a:r>
-            <a:r>
-              <a:rPr lang="de-AT" dirty="0"/>
-              <a:t> </a:t>
-            </a:r>
-            <a:r>
-              <a:rPr lang="de-AT" dirty="0" err="1"/>
-              <a:t>our</a:t>
-            </a:r>
-            <a:r>
-              <a:rPr lang="de-AT" dirty="0"/>
-              <a:t> </a:t>
-            </a:r>
-            <a:r>
-              <a:rPr lang="de-AT" dirty="0" err="1"/>
-              <a:t>workflow</a:t>
-            </a:r>
-            <a:r>
-              <a:rPr lang="de-AT" dirty="0"/>
-              <a:t>, </a:t>
-            </a:r>
-            <a:br>
-              <a:rPr lang="de-AT" dirty="0"/>
-            </a:br>
-            <a:r>
-              <a:rPr lang="de-AT" dirty="0" err="1"/>
-              <a:t>talk</a:t>
-            </a:r>
-            <a:r>
-              <a:rPr lang="de-AT" dirty="0"/>
-              <a:t> </a:t>
-            </a:r>
-            <a:r>
-              <a:rPr lang="de-AT" dirty="0" err="1"/>
-              <a:t>about</a:t>
-            </a:r>
-            <a:r>
-              <a:rPr lang="de-AT" dirty="0"/>
-              <a:t> </a:t>
-            </a:r>
-            <a:r>
-              <a:rPr lang="de-AT" dirty="0" err="1"/>
-              <a:t>our</a:t>
-            </a:r>
-            <a:r>
-              <a:rPr lang="de-AT" dirty="0"/>
-              <a:t> PM </a:t>
-            </a:r>
-            <a:r>
-              <a:rPr lang="de-AT" dirty="0" err="1"/>
-              <a:t>construct</a:t>
-            </a:r>
-            <a:r>
-              <a:rPr lang="de-AT" dirty="0"/>
-              <a:t> </a:t>
-            </a:r>
-            <a:r>
-              <a:rPr lang="de-AT" dirty="0" err="1"/>
-              <a:t>that</a:t>
-            </a:r>
-            <a:r>
-              <a:rPr lang="de-AT" dirty="0"/>
-              <a:t> </a:t>
-            </a:r>
-            <a:r>
-              <a:rPr lang="de-AT" dirty="0" err="1"/>
-              <a:t>should</a:t>
-            </a:r>
-            <a:r>
-              <a:rPr lang="de-AT" dirty="0"/>
-              <a:t> </a:t>
-            </a:r>
-            <a:r>
-              <a:rPr lang="de-AT" dirty="0" err="1"/>
-              <a:t>have</a:t>
-            </a:r>
-            <a:r>
-              <a:rPr lang="de-AT" dirty="0"/>
-              <a:t> </a:t>
-            </a:r>
-            <a:r>
-              <a:rPr lang="de-AT" dirty="0" err="1"/>
-              <a:t>made</a:t>
-            </a:r>
-            <a:r>
-              <a:rPr lang="de-AT" dirty="0"/>
-              <a:t> </a:t>
-            </a:r>
-            <a:r>
-              <a:rPr lang="de-AT" dirty="0" err="1"/>
-              <a:t>our</a:t>
-            </a:r>
-            <a:r>
-              <a:rPr lang="de-AT" dirty="0"/>
-              <a:t> </a:t>
-            </a:r>
-            <a:r>
-              <a:rPr lang="de-AT" dirty="0" err="1"/>
-              <a:t>lives</a:t>
-            </a:r>
-            <a:r>
-              <a:rPr lang="de-AT" dirty="0"/>
-              <a:t> </a:t>
-            </a:r>
-            <a:r>
-              <a:rPr lang="de-AT" dirty="0" err="1"/>
-              <a:t>easier</a:t>
-            </a:r>
-            <a:r>
-              <a:rPr lang="de-AT" dirty="0"/>
-              <a:t> (</a:t>
-            </a:r>
-            <a:r>
-              <a:rPr lang="de-AT" dirty="0" err="1"/>
-              <a:t>GitHub</a:t>
-            </a:r>
-            <a:r>
-              <a:rPr lang="de-AT" dirty="0"/>
-              <a:t>, </a:t>
-            </a:r>
-            <a:r>
-              <a:rPr lang="de-AT" dirty="0" err="1"/>
-              <a:t>arbeitszeitaufzeichnung</a:t>
-            </a:r>
-            <a:r>
-              <a:rPr lang="de-AT" dirty="0"/>
-              <a:t>, </a:t>
-            </a:r>
-            <a:r>
-              <a:rPr lang="de-AT" dirty="0" err="1"/>
-              <a:t>testing</a:t>
-            </a:r>
-            <a:r>
-              <a:rPr lang="de-AT" dirty="0"/>
-              <a:t>, </a:t>
-            </a:r>
-            <a:r>
-              <a:rPr lang="de-AT" dirty="0" err="1"/>
-              <a:t>and</a:t>
-            </a:r>
-            <a:r>
-              <a:rPr lang="de-AT" dirty="0"/>
-              <a:t> so on)</a:t>
-            </a:r>
-          </a:p>
-          <a:p>
-            <a:r>
-              <a:rPr lang="de-AT" dirty="0"/>
-              <a:t>	</a:t>
-            </a:r>
-            <a:r>
-              <a:rPr lang="de-AT" dirty="0" err="1"/>
-              <a:t>GitHub</a:t>
-            </a:r>
-            <a:r>
-              <a:rPr lang="de-AT" dirty="0"/>
-              <a:t> </a:t>
-            </a:r>
-            <a:r>
-              <a:rPr lang="de-AT" dirty="0" err="1"/>
-              <a:t>paired</a:t>
-            </a:r>
-            <a:r>
-              <a:rPr lang="de-AT" dirty="0"/>
-              <a:t> </a:t>
-            </a:r>
-            <a:r>
-              <a:rPr lang="de-AT" dirty="0" err="1"/>
-              <a:t>with</a:t>
-            </a:r>
-            <a:r>
-              <a:rPr lang="de-AT" dirty="0"/>
-              <a:t> </a:t>
-            </a:r>
-            <a:r>
-              <a:rPr lang="de-AT" dirty="0" err="1"/>
-              <a:t>PhpStorm</a:t>
-            </a:r>
-            <a:r>
-              <a:rPr lang="de-AT" dirty="0"/>
-              <a:t> was </a:t>
-            </a:r>
-            <a:r>
-              <a:rPr lang="de-AT" dirty="0" err="1"/>
-              <a:t>our</a:t>
-            </a:r>
-            <a:r>
-              <a:rPr lang="de-AT" dirty="0"/>
-              <a:t> </a:t>
-            </a:r>
-            <a:r>
-              <a:rPr lang="de-AT" dirty="0" err="1"/>
-              <a:t>primary</a:t>
-            </a:r>
-            <a:r>
-              <a:rPr lang="de-AT" dirty="0"/>
-              <a:t> </a:t>
-            </a:r>
-            <a:r>
-              <a:rPr lang="de-AT" dirty="0" err="1"/>
-              <a:t>development</a:t>
-            </a:r>
-            <a:r>
-              <a:rPr lang="de-AT" dirty="0"/>
-              <a:t> </a:t>
-            </a:r>
-            <a:r>
-              <a:rPr lang="de-AT" dirty="0" err="1"/>
-              <a:t>tool</a:t>
-            </a:r>
-            <a:endParaRPr lang="de-AT" dirty="0"/>
-          </a:p>
-          <a:p>
-            <a:r>
-              <a:rPr lang="de-AT" dirty="0" err="1"/>
-              <a:t>Then</a:t>
-            </a:r>
-            <a:r>
-              <a:rPr lang="de-AT" dirty="0"/>
-              <a:t> </a:t>
-            </a:r>
-            <a:r>
-              <a:rPr lang="de-AT" dirty="0" err="1"/>
-              <a:t>talk</a:t>
-            </a:r>
-            <a:r>
-              <a:rPr lang="de-AT" dirty="0"/>
-              <a:t> </a:t>
-            </a:r>
-            <a:r>
-              <a:rPr lang="de-AT" dirty="0" err="1"/>
-              <a:t>about</a:t>
-            </a:r>
-            <a:r>
-              <a:rPr lang="de-AT" dirty="0"/>
-              <a:t> </a:t>
-            </a:r>
-            <a:r>
-              <a:rPr lang="de-AT" dirty="0" err="1"/>
-              <a:t>the</a:t>
-            </a:r>
-            <a:r>
-              <a:rPr lang="de-AT" dirty="0"/>
-              <a:t> </a:t>
-            </a:r>
-            <a:r>
-              <a:rPr lang="de-AT" dirty="0" err="1"/>
-              <a:t>general</a:t>
-            </a:r>
-            <a:r>
-              <a:rPr lang="de-AT" dirty="0"/>
-              <a:t> </a:t>
-            </a:r>
-            <a:r>
-              <a:rPr lang="de-AT" dirty="0" err="1"/>
-              <a:t>feeling</a:t>
-            </a:r>
-            <a:r>
-              <a:rPr lang="de-AT" dirty="0"/>
-              <a:t> </a:t>
-            </a:r>
-            <a:r>
-              <a:rPr lang="de-AT" dirty="0" err="1"/>
-              <a:t>of</a:t>
-            </a:r>
-            <a:r>
-              <a:rPr lang="de-AT" dirty="0"/>
-              <a:t> </a:t>
-            </a:r>
-            <a:r>
-              <a:rPr lang="de-AT" dirty="0" err="1"/>
-              <a:t>how</a:t>
-            </a:r>
-            <a:r>
-              <a:rPr lang="de-AT" dirty="0"/>
-              <a:t> </a:t>
-            </a:r>
-            <a:r>
-              <a:rPr lang="de-AT" dirty="0" err="1"/>
-              <a:t>we</a:t>
-            </a:r>
-            <a:r>
-              <a:rPr lang="de-AT" dirty="0"/>
-              <a:t> </a:t>
-            </a:r>
-            <a:r>
-              <a:rPr lang="de-AT" dirty="0" err="1"/>
-              <a:t>think</a:t>
-            </a:r>
-            <a:r>
-              <a:rPr lang="de-AT" dirty="0"/>
-              <a:t> </a:t>
-            </a:r>
-            <a:r>
-              <a:rPr lang="de-AT" dirty="0" err="1"/>
-              <a:t>it</a:t>
-            </a:r>
-            <a:r>
-              <a:rPr lang="de-AT" dirty="0"/>
-              <a:t> </a:t>
-            </a:r>
-            <a:r>
-              <a:rPr lang="de-AT" dirty="0" err="1"/>
-              <a:t>turned</a:t>
-            </a:r>
-            <a:r>
-              <a:rPr lang="de-AT" dirty="0"/>
-              <a:t> out</a:t>
-            </a:r>
-          </a:p>
-          <a:p>
-            <a:r>
-              <a:rPr lang="de-AT" dirty="0" err="1"/>
-              <a:t>And</a:t>
-            </a:r>
-            <a:r>
-              <a:rPr lang="de-AT" dirty="0"/>
-              <a:t> </a:t>
-            </a:r>
-            <a:r>
-              <a:rPr lang="de-AT" dirty="0" err="1"/>
-              <a:t>how</a:t>
-            </a:r>
-            <a:r>
-              <a:rPr lang="de-AT" dirty="0"/>
-              <a:t> </a:t>
-            </a:r>
-            <a:r>
-              <a:rPr lang="de-AT" dirty="0" err="1"/>
-              <a:t>it</a:t>
-            </a:r>
-            <a:r>
-              <a:rPr lang="de-AT" dirty="0"/>
-              <a:t> </a:t>
-            </a:r>
-            <a:r>
-              <a:rPr lang="de-AT" dirty="0" err="1"/>
-              <a:t>really</a:t>
-            </a:r>
-            <a:r>
-              <a:rPr lang="de-AT" dirty="0"/>
-              <a:t> </a:t>
-            </a:r>
-            <a:r>
-              <a:rPr lang="de-AT" dirty="0" err="1"/>
-              <a:t>turned</a:t>
-            </a:r>
-            <a:r>
-              <a:rPr lang="de-AT" dirty="0"/>
-              <a:t> out: </a:t>
-            </a:r>
-            <a:r>
-              <a:rPr lang="de-AT" dirty="0" err="1"/>
-              <a:t>Statistics</a:t>
-            </a:r>
-            <a:r>
-              <a:rPr lang="de-AT" dirty="0"/>
-              <a:t> on </a:t>
-            </a:r>
-            <a:r>
-              <a:rPr lang="de-AT" dirty="0" err="1"/>
-              <a:t>everything</a:t>
-            </a:r>
-            <a:r>
-              <a:rPr lang="de-AT" dirty="0"/>
-              <a:t>…</a:t>
-            </a:r>
-          </a:p>
-          <a:p>
-            <a:r>
-              <a:rPr lang="de-AT" dirty="0"/>
-              <a:t>Mach ich</a:t>
-            </a:r>
           </a:p>
         </p:txBody>
       </p:sp>
@@ -9594,15 +12213,7 @@
             </a:pPr>
             <a:r>
               <a:rPr lang="de-AT" sz="3600" b="1" dirty="0"/>
-              <a:t>The </a:t>
-            </a:r>
-            <a:r>
-              <a:rPr lang="de-AT" sz="3600" b="1" dirty="0" smtClean="0"/>
-              <a:t>MMOTTG </a:t>
-            </a:r>
-            <a:r>
-              <a:rPr lang="de-AT" sz="3600" b="1" dirty="0"/>
-              <a:t>Site</a:t>
+              <a:t>The MMOTTG Site</a:t>
             </a:r>
           </a:p>
           <a:p>
@@ -9903,62 +12514,26 @@
           <a:p>
             <a:r>
               <a:rPr lang="en-US" dirty="0"/>
-              <a:t>I</a:t>
-            </a:r>
-            <a:r>
-              <a:rPr lang="en-US" dirty="0" smtClean="0"/>
-              <a:t>ntroduction</a:t>
-            </a:r>
-            <a:endParaRPr lang="en-US" dirty="0"/>
+              <a:t>Introduction</a:t>
+            </a:r>
           </a:p>
           <a:p>
             <a:r>
               <a:rPr lang="en-US" dirty="0"/>
-              <a:t>P</a:t>
-            </a:r>
-            <a:r>
-              <a:rPr lang="en-US" dirty="0" smtClean="0"/>
-              <a:t>roject </a:t>
-            </a:r>
+              <a:t>Project Review</a:t>
+            </a:r>
+          </a:p>
+          <a:p>
             <a:r>
               <a:rPr lang="en-US" dirty="0"/>
-              <a:t>R</a:t>
-            </a:r>
-            <a:r>
-              <a:rPr lang="en-US" dirty="0" smtClean="0"/>
-              <a:t>eview</a:t>
-            </a:r>
-            <a:endParaRPr lang="en-US" dirty="0"/>
+              <a:t>Lessons Learned</a:t>
+            </a:r>
           </a:p>
           <a:p>
             <a:r>
               <a:rPr lang="en-US" dirty="0"/>
-              <a:t>Lessons L</a:t>
-            </a:r>
-            <a:r>
-              <a:rPr lang="en-US" dirty="0" smtClean="0"/>
-              <a:t>earned</a:t>
-            </a:r>
-            <a:endParaRPr lang="en-US" dirty="0"/>
-          </a:p>
-          <a:p>
-            <a:r>
-              <a:rPr lang="en-US" dirty="0"/>
-              <a:t>T</a:t>
-            </a:r>
-            <a:r>
-              <a:rPr lang="en-US" dirty="0" smtClean="0"/>
-              <a:t>he </a:t>
-            </a:r>
-            <a:r>
-              <a:rPr lang="en-US" dirty="0"/>
-              <a:t>R</a:t>
-            </a:r>
-            <a:r>
-              <a:rPr lang="en-US" dirty="0" smtClean="0"/>
-              <a:t>esult</a:t>
-            </a:r>
-            <a:endParaRPr lang="en-US" dirty="0"/>
+              <a:t>The Result</a:t>
+            </a:r>
           </a:p>
           <a:p>
             <a:endParaRPr lang="de-AT" dirty="0"/>
@@ -10098,8 +12673,8 @@
         </p:nvSpPr>
         <p:spPr>
           <a:xfrm>
-            <a:off x="166259" y="876695"/>
-            <a:ext cx="8829858" cy="4130180"/>
+            <a:off x="166259" y="876694"/>
+            <a:ext cx="8829858" cy="4961397"/>
           </a:xfrm>
           <a:prstGeom prst="roundRect">
             <a:avLst/>
@@ -10377,14 +12952,14 @@
           <p:nvPr>
             <p:extLst>
               <p:ext uri="{D42A27DB-BD31-4B8C-83A1-F6EECF244321}">
-                <p14:modId xmlns:p14="http://schemas.microsoft.com/office/powerpoint/2010/main" val="1639379638"/>
+                <p14:modId xmlns:p14="http://schemas.microsoft.com/office/powerpoint/2010/main" val="118815018"/>
               </p:ext>
             </p:extLst>
           </p:nvPr>
         </p:nvGraphicFramePr>
         <p:xfrm>
-          <a:off x="166259" y="1089897"/>
-          <a:ext cx="4571999" cy="3703776"/>
+          <a:off x="330381" y="1089897"/>
+          <a:ext cx="4878554" cy="4602198"/>
         </p:xfrm>
         <a:graphic>
           <a:graphicData uri="http://schemas.openxmlformats.org/drawingml/2006/diagram">
@@ -10465,10 +13040,9 @@
           <a:p>
             <a:pPr lvl="1"/>
             <a:r>
-              <a:rPr lang="en-US" sz="2500" dirty="0" smtClean="0"/>
+              <a:rPr lang="en-US" sz="2500" dirty="0"/>
               <a:t>tic-tac-toe</a:t>
             </a:r>
-            <a:endParaRPr lang="en-US" sz="2500" dirty="0"/>
           </a:p>
           <a:p>
             <a:r>
@@ -10500,8 +13074,8 @@
         </p:blipFill>
         <p:spPr>
           <a:xfrm>
-            <a:off x="6898474" y="3189800"/>
-            <a:ext cx="2386941" cy="1491838"/>
+            <a:off x="6588369" y="2278342"/>
+            <a:ext cx="2735995" cy="1709997"/>
           </a:xfrm>
           <a:prstGeom prst="rect">
             <a:avLst/>
@@ -10530,8 +13104,8 @@
         </p:blipFill>
         <p:spPr>
           <a:xfrm>
-            <a:off x="5044813" y="4631072"/>
-            <a:ext cx="1884812" cy="1178008"/>
+            <a:off x="5748197" y="4253376"/>
+            <a:ext cx="2211771" cy="1382357"/>
           </a:xfrm>
           <a:prstGeom prst="rect">
             <a:avLst/>
@@ -10548,366 +13122,128 @@
   <p:clrMapOvr>
     <a:masterClrMapping/>
   </p:clrMapOvr>
+  <p:timing>
+    <p:tnLst>
+      <p:par>
+        <p:cTn id="1" dur="indefinite" restart="never" nodeType="tmRoot">
+          <p:childTnLst>
+            <p:seq concurrent="1" nextAc="seek">
+              <p:cTn id="2" dur="indefinite" nodeType="mainSeq">
+                <p:childTnLst>
+                  <p:par>
+                    <p:cTn id="3" fill="hold">
+                      <p:stCondLst>
+                        <p:cond delay="indefinite"/>
+                      </p:stCondLst>
+                      <p:childTnLst>
+                        <p:par>
+                          <p:cTn id="4" fill="hold">
+                            <p:stCondLst>
+                              <p:cond delay="0"/>
+                            </p:stCondLst>
+                            <p:childTnLst>
+                              <p:par>
+                                <p:cTn id="5" presetID="10" presetClass="entr" presetSubtype="0" fill="hold" nodeType="clickEffect">
+                                  <p:stCondLst>
+                                    <p:cond delay="0"/>
+                                  </p:stCondLst>
+                                  <p:childTnLst>
+                                    <p:set>
+                                      <p:cBhvr>
+                                        <p:cTn id="6" dur="1" fill="hold">
+                                          <p:stCondLst>
+                                            <p:cond delay="0"/>
+                                          </p:stCondLst>
+                                        </p:cTn>
+                                        <p:tgtEl>
+                                          <p:spTgt spid="3"/>
+                                        </p:tgtEl>
+                                        <p:attrNameLst>
+                                          <p:attrName>style.visibility</p:attrName>
+                                        </p:attrNameLst>
+                                      </p:cBhvr>
+                                      <p:to>
+                                        <p:strVal val="visible"/>
+                                      </p:to>
+                                    </p:set>
+                                    <p:animEffect transition="in" filter="fade">
+                                      <p:cBhvr>
+                                        <p:cTn id="7" dur="500"/>
+                                        <p:tgtEl>
+                                          <p:spTgt spid="3"/>
+                                        </p:tgtEl>
+                                      </p:cBhvr>
+                                    </p:animEffect>
+                                  </p:childTnLst>
+                                </p:cTn>
+                              </p:par>
+                              <p:par>
+                                <p:cTn id="8" presetID="10" presetClass="entr" presetSubtype="0" fill="hold" nodeType="withEffect">
+                                  <p:stCondLst>
+                                    <p:cond delay="200"/>
+                                  </p:stCondLst>
+                                  <p:childTnLst>
+                                    <p:set>
+                                      <p:cBhvr>
+                                        <p:cTn id="9" dur="1" fill="hold">
+                                          <p:stCondLst>
+                                            <p:cond delay="0"/>
+                                          </p:stCondLst>
+                                        </p:cTn>
+                                        <p:tgtEl>
+                                          <p:spTgt spid="4"/>
+                                        </p:tgtEl>
+                                        <p:attrNameLst>
+                                          <p:attrName>style.visibility</p:attrName>
+                                        </p:attrNameLst>
+                                      </p:cBhvr>
+                                      <p:to>
+                                        <p:strVal val="visible"/>
+                                      </p:to>
+                                    </p:set>
+                                    <p:animEffect transition="in" filter="fade">
+                                      <p:cBhvr>
+                                        <p:cTn id="10" dur="500"/>
+                                        <p:tgtEl>
+                                          <p:spTgt spid="4"/>
+                                        </p:tgtEl>
+                                      </p:cBhvr>
+                                    </p:animEffect>
+                                  </p:childTnLst>
+                                </p:cTn>
+                              </p:par>
+                            </p:childTnLst>
+                          </p:cTn>
+                        </p:par>
+                      </p:childTnLst>
+                    </p:cTn>
+                  </p:par>
+                </p:childTnLst>
+              </p:cTn>
+              <p:prevCondLst>
+                <p:cond evt="onPrev" delay="0">
+                  <p:tgtEl>
+                    <p:sldTgt/>
+                  </p:tgtEl>
+                </p:cond>
+              </p:prevCondLst>
+              <p:nextCondLst>
+                <p:cond evt="onNext" delay="0">
+                  <p:tgtEl>
+                    <p:sldTgt/>
+                  </p:tgtEl>
+                </p:cond>
+              </p:nextCondLst>
+            </p:seq>
+          </p:childTnLst>
+        </p:cTn>
+      </p:par>
+    </p:tnLst>
+  </p:timing>
 </p:sld>
 </file>
 
 <file path=ppt/slides/slide4.xml><?xml version="1.0" encoding="utf-8"?>
-<p:sld xmlns:a="http://schemas.openxmlformats.org/drawingml/2006/main" xmlns:r="http://schemas.openxmlformats.org/officeDocument/2006/relationships" xmlns:p="http://schemas.openxmlformats.org/presentationml/2006/main">
-  <p:cSld>
-    <p:spTree>
-      <p:nvGrpSpPr>
-        <p:cNvPr id="1" name=""/>
-        <p:cNvGrpSpPr/>
-        <p:nvPr/>
-      </p:nvGrpSpPr>
-      <p:grpSpPr>
-        <a:xfrm>
-          <a:off x="0" y="0"/>
-          <a:ext cx="0" cy="0"/>
-          <a:chOff x="0" y="0"/>
-          <a:chExt cx="0" cy="0"/>
-        </a:xfrm>
-      </p:grpSpPr>
-      <p:pic>
-        <p:nvPicPr>
-          <p:cNvPr id="5" name="Grafik 4"/>
-          <p:cNvPicPr>
-            <a:picLocks noChangeAspect="1"/>
-          </p:cNvPicPr>
-          <p:nvPr/>
-        </p:nvPicPr>
-        <p:blipFill>
-          <a:blip r:embed="rId3">
-            <a:clrChange>
-              <a:clrFrom>
-                <a:srgbClr val="FFFFFF"/>
-              </a:clrFrom>
-              <a:clrTo>
-                <a:srgbClr val="FFFFFF">
-                  <a:alpha val="0"/>
-                </a:srgbClr>
-              </a:clrTo>
-            </a:clrChange>
-          </a:blip>
-          <a:stretch>
-            <a:fillRect/>
-          </a:stretch>
-        </p:blipFill>
-        <p:spPr>
-          <a:xfrm>
-            <a:off x="682982" y="876694"/>
-            <a:ext cx="7408985" cy="5151455"/>
-          </a:xfrm>
-          <a:prstGeom prst="rect">
-            <a:avLst/>
-          </a:prstGeom>
-        </p:spPr>
-      </p:pic>
-      <p:sp>
-        <p:nvSpPr>
-          <p:cNvPr id="14" name="Rechteck 13"/>
-          <p:cNvSpPr/>
-          <p:nvPr/>
-        </p:nvSpPr>
-        <p:spPr>
-          <a:xfrm flipV="1">
-            <a:off x="-1718553" y="6061440"/>
-            <a:ext cx="12490315" cy="980389"/>
-          </a:xfrm>
-          <a:prstGeom prst="rect">
-            <a:avLst/>
-          </a:prstGeom>
-          <a:gradFill flip="none" rotWithShape="1">
-            <a:gsLst>
-              <a:gs pos="0">
-                <a:schemeClr val="accent1">
-                  <a:lumMod val="5000"/>
-                  <a:lumOff val="95000"/>
-                </a:schemeClr>
-              </a:gs>
-              <a:gs pos="100000">
-                <a:srgbClr val="0E78AD"/>
-              </a:gs>
-            </a:gsLst>
-            <a:lin ang="0" scaled="1"/>
-            <a:tileRect/>
-          </a:gradFill>
-          <a:ln w="50800">
-            <a:solidFill>
-              <a:srgbClr val="0E78AD"/>
-            </a:solidFill>
-          </a:ln>
-        </p:spPr>
-        <p:style>
-          <a:lnRef idx="2">
-            <a:schemeClr val="accent1">
-              <a:shade val="50000"/>
-            </a:schemeClr>
-          </a:lnRef>
-          <a:fillRef idx="1">
-            <a:schemeClr val="accent1"/>
-          </a:fillRef>
-          <a:effectRef idx="0">
-            <a:schemeClr val="accent1"/>
-          </a:effectRef>
-          <a:fontRef idx="minor">
-            <a:schemeClr val="lt1"/>
-          </a:fontRef>
-        </p:style>
-        <p:txBody>
-          <a:bodyPr rtlCol="0" anchor="ctr"/>
-          <a:lstStyle/>
-          <a:p>
-            <a:pPr algn="ctr"/>
-            <a:endParaRPr lang="de-AT" dirty="0"/>
-          </a:p>
-        </p:txBody>
-      </p:sp>
-      <p:sp>
-        <p:nvSpPr>
-          <p:cNvPr id="13" name="Rechteck 12"/>
-          <p:cNvSpPr/>
-          <p:nvPr/>
-        </p:nvSpPr>
-        <p:spPr>
-          <a:xfrm flipV="1">
-            <a:off x="-1718553" y="-84840"/>
-            <a:ext cx="12490315" cy="961534"/>
-          </a:xfrm>
-          <a:prstGeom prst="rect">
-            <a:avLst/>
-          </a:prstGeom>
-          <a:gradFill flip="none" rotWithShape="1">
-            <a:gsLst>
-              <a:gs pos="0">
-                <a:schemeClr val="accent1">
-                  <a:lumMod val="5000"/>
-                  <a:lumOff val="95000"/>
-                </a:schemeClr>
-              </a:gs>
-              <a:gs pos="100000">
-                <a:srgbClr val="0E78AD"/>
-              </a:gs>
-            </a:gsLst>
-            <a:lin ang="0" scaled="1"/>
-            <a:tileRect/>
-          </a:gradFill>
-          <a:ln w="50800">
-            <a:solidFill>
-              <a:srgbClr val="0E78AD"/>
-            </a:solidFill>
-          </a:ln>
-        </p:spPr>
-        <p:style>
-          <a:lnRef idx="2">
-            <a:schemeClr val="accent1">
-              <a:shade val="50000"/>
-            </a:schemeClr>
-          </a:lnRef>
-          <a:fillRef idx="1">
-            <a:schemeClr val="accent1"/>
-          </a:fillRef>
-          <a:effectRef idx="0">
-            <a:schemeClr val="accent1"/>
-          </a:effectRef>
-          <a:fontRef idx="minor">
-            <a:schemeClr val="lt1"/>
-          </a:fontRef>
-        </p:style>
-        <p:txBody>
-          <a:bodyPr rtlCol="0" anchor="ctr"/>
-          <a:lstStyle/>
-          <a:p>
-            <a:pPr algn="ctr"/>
-            <a:endParaRPr lang="de-AT"/>
-          </a:p>
-        </p:txBody>
-      </p:sp>
-      <p:sp>
-        <p:nvSpPr>
-          <p:cNvPr id="8" name="Titel 7"/>
-          <p:cNvSpPr>
-            <a:spLocks noGrp="1"/>
-          </p:cNvSpPr>
-          <p:nvPr>
-            <p:ph type="title"/>
-          </p:nvPr>
-        </p:nvSpPr>
-        <p:spPr>
-          <a:xfrm>
-            <a:off x="1093509" y="-85598"/>
-            <a:ext cx="7902608" cy="962293"/>
-          </a:xfrm>
-        </p:spPr>
-        <p:txBody>
-          <a:bodyPr>
-            <a:normAutofit/>
-          </a:bodyPr>
-          <a:lstStyle/>
-          <a:p>
-            <a:pPr>
-              <a:lnSpc>
-                <a:spcPct val="100000"/>
-              </a:lnSpc>
-            </a:pPr>
-            <a:r>
-              <a:rPr lang="de-AT" sz="4000" dirty="0"/>
-              <a:t>Project Review</a:t>
-            </a:r>
-          </a:p>
-        </p:txBody>
-      </p:sp>
-      <p:sp>
-        <p:nvSpPr>
-          <p:cNvPr id="10" name="Textfeld 9"/>
-          <p:cNvSpPr txBox="1"/>
-          <p:nvPr/>
-        </p:nvSpPr>
-        <p:spPr>
-          <a:xfrm>
-            <a:off x="-10180" y="6182296"/>
-            <a:ext cx="2365391" cy="369332"/>
-          </a:xfrm>
-          <a:prstGeom prst="rect">
-            <a:avLst/>
-          </a:prstGeom>
-          <a:noFill/>
-        </p:spPr>
-        <p:txBody>
-          <a:bodyPr wrap="none" rtlCol="0">
-            <a:spAutoFit/>
-          </a:bodyPr>
-          <a:lstStyle/>
-          <a:p>
-            <a:r>
-              <a:rPr lang="de-AT" dirty="0"/>
-              <a:t>www.multiplay.website</a:t>
-            </a:r>
-          </a:p>
-        </p:txBody>
-      </p:sp>
-      <p:sp>
-        <p:nvSpPr>
-          <p:cNvPr id="11" name="Textfeld 10"/>
-          <p:cNvSpPr txBox="1"/>
-          <p:nvPr/>
-        </p:nvSpPr>
-        <p:spPr>
-          <a:xfrm>
-            <a:off x="8505923" y="6182296"/>
-            <a:ext cx="301686" cy="369332"/>
-          </a:xfrm>
-          <a:prstGeom prst="rect">
-            <a:avLst/>
-          </a:prstGeom>
-          <a:noFill/>
-        </p:spPr>
-        <p:txBody>
-          <a:bodyPr wrap="none" rtlCol="0">
-            <a:spAutoFit/>
-          </a:bodyPr>
-          <a:lstStyle/>
-          <a:p>
-            <a:r>
-              <a:rPr lang="de-AT" dirty="0">
-                <a:solidFill>
-                  <a:schemeClr val="bg1"/>
-                </a:solidFill>
-              </a:rPr>
-              <a:t>3</a:t>
-            </a:r>
-          </a:p>
-        </p:txBody>
-      </p:sp>
-      <p:pic>
-        <p:nvPicPr>
-          <p:cNvPr id="15" name="Grafik 14"/>
-          <p:cNvPicPr>
-            <a:picLocks noChangeAspect="1"/>
-          </p:cNvPicPr>
-          <p:nvPr/>
-        </p:nvPicPr>
-        <p:blipFill>
-          <a:blip r:embed="rId4">
-            <a:extLst>
-              <a:ext uri="{28A0092B-C50C-407E-A947-70E740481C1C}">
-                <a14:useLocalDpi xmlns:a14="http://schemas.microsoft.com/office/drawing/2010/main"/>
-              </a:ext>
-            </a:extLst>
-          </a:blip>
-          <a:stretch>
-            <a:fillRect/>
-          </a:stretch>
-        </p:blipFill>
-        <p:spPr>
-          <a:xfrm>
-            <a:off x="-1" y="-9426"/>
-            <a:ext cx="864000" cy="864000"/>
-          </a:xfrm>
-          <a:prstGeom prst="rect">
-            <a:avLst/>
-          </a:prstGeom>
-        </p:spPr>
-      </p:pic>
-      <p:sp>
-        <p:nvSpPr>
-          <p:cNvPr id="18" name="Textfeld 17"/>
-          <p:cNvSpPr txBox="1"/>
-          <p:nvPr/>
-        </p:nvSpPr>
-        <p:spPr>
-          <a:xfrm>
-            <a:off x="431999" y="1816108"/>
-            <a:ext cx="8375610" cy="3631763"/>
-          </a:xfrm>
-          <a:prstGeom prst="rect">
-            <a:avLst/>
-          </a:prstGeom>
-          <a:noFill/>
-        </p:spPr>
-        <p:txBody>
-          <a:bodyPr wrap="square" rtlCol="0">
-            <a:spAutoFit/>
-          </a:bodyPr>
-          <a:lstStyle/>
-          <a:p>
-            <a:r>
-              <a:rPr lang="de-AT" sz="11500" dirty="0"/>
-              <a:t>SIMPLYFY !!!!</a:t>
-            </a:r>
-            <a:br>
-              <a:rPr lang="de-AT" sz="11500" dirty="0"/>
-            </a:br>
-            <a:r>
-              <a:rPr lang="de-AT" sz="11500" dirty="0" err="1"/>
-              <a:t>And</a:t>
-            </a:r>
-            <a:r>
-              <a:rPr lang="de-AT" sz="11500" dirty="0"/>
-              <a:t> </a:t>
-            </a:r>
-            <a:r>
-              <a:rPr lang="de-AT" sz="11500" dirty="0" err="1"/>
-              <a:t>animate</a:t>
-            </a:r>
-            <a:endParaRPr lang="de-AT" sz="11500" dirty="0"/>
-          </a:p>
-        </p:txBody>
-      </p:sp>
-    </p:spTree>
-    <p:extLst>
-      <p:ext uri="{BB962C8B-B14F-4D97-AF65-F5344CB8AC3E}">
-        <p14:creationId xmlns:p14="http://schemas.microsoft.com/office/powerpoint/2010/main" val="1253012379"/>
-      </p:ext>
-    </p:extLst>
-  </p:cSld>
-  <p:clrMapOvr>
-    <a:masterClrMapping/>
-  </p:clrMapOvr>
-</p:sld>
-</file>
-
-<file path=ppt/slides/slide5.xml><?xml version="1.0" encoding="utf-8"?>
 <p:sld xmlns:a="http://schemas.openxmlformats.org/drawingml/2006/main" xmlns:r="http://schemas.openxmlformats.org/officeDocument/2006/relationships" xmlns:p="http://schemas.openxmlformats.org/presentationml/2006/main">
   <p:cSld>
     <p:spTree>
@@ -11046,14 +13382,991 @@
       </p:sp>
       <p:sp>
         <p:nvSpPr>
-          <p:cNvPr id="12" name="Rechteck: abgerundete Ecken 11"/>
+          <p:cNvPr id="8" name="Titel 7"/>
+          <p:cNvSpPr>
+            <a:spLocks noGrp="1"/>
+          </p:cNvSpPr>
+          <p:nvPr>
+            <p:ph type="title"/>
+          </p:nvPr>
+        </p:nvSpPr>
+        <p:spPr>
+          <a:xfrm>
+            <a:off x="1093509" y="-85598"/>
+            <a:ext cx="7902608" cy="962293"/>
+          </a:xfrm>
+        </p:spPr>
+        <p:txBody>
+          <a:bodyPr>
+            <a:normAutofit/>
+          </a:bodyPr>
+          <a:lstStyle/>
+          <a:p>
+            <a:pPr>
+              <a:lnSpc>
+                <a:spcPct val="100000"/>
+              </a:lnSpc>
+            </a:pPr>
+            <a:r>
+              <a:rPr lang="de-AT" sz="4000" dirty="0"/>
+              <a:t>Project Review</a:t>
+            </a:r>
+          </a:p>
+        </p:txBody>
+      </p:sp>
+      <p:sp>
+        <p:nvSpPr>
+          <p:cNvPr id="10" name="Textfeld 9"/>
+          <p:cNvSpPr txBox="1"/>
+          <p:nvPr/>
+        </p:nvSpPr>
+        <p:spPr>
+          <a:xfrm>
+            <a:off x="-10180" y="6182296"/>
+            <a:ext cx="2365391" cy="369332"/>
+          </a:xfrm>
+          <a:prstGeom prst="rect">
+            <a:avLst/>
+          </a:prstGeom>
+          <a:noFill/>
+        </p:spPr>
+        <p:txBody>
+          <a:bodyPr wrap="none" rtlCol="0">
+            <a:spAutoFit/>
+          </a:bodyPr>
+          <a:lstStyle/>
+          <a:p>
+            <a:r>
+              <a:rPr lang="de-AT" dirty="0"/>
+              <a:t>www.multiplay.website</a:t>
+            </a:r>
+          </a:p>
+        </p:txBody>
+      </p:sp>
+      <p:sp>
+        <p:nvSpPr>
+          <p:cNvPr id="11" name="Textfeld 10"/>
+          <p:cNvSpPr txBox="1"/>
+          <p:nvPr/>
+        </p:nvSpPr>
+        <p:spPr>
+          <a:xfrm>
+            <a:off x="8505923" y="6182296"/>
+            <a:ext cx="301686" cy="369332"/>
+          </a:xfrm>
+          <a:prstGeom prst="rect">
+            <a:avLst/>
+          </a:prstGeom>
+          <a:noFill/>
+        </p:spPr>
+        <p:txBody>
+          <a:bodyPr wrap="none" rtlCol="0">
+            <a:spAutoFit/>
+          </a:bodyPr>
+          <a:lstStyle/>
+          <a:p>
+            <a:r>
+              <a:rPr lang="de-AT" dirty="0">
+                <a:solidFill>
+                  <a:schemeClr val="bg1"/>
+                </a:solidFill>
+              </a:rPr>
+              <a:t>3</a:t>
+            </a:r>
+          </a:p>
+        </p:txBody>
+      </p:sp>
+      <p:pic>
+        <p:nvPicPr>
+          <p:cNvPr id="15" name="Grafik 14"/>
+          <p:cNvPicPr>
+            <a:picLocks noChangeAspect="1"/>
+          </p:cNvPicPr>
+          <p:nvPr/>
+        </p:nvPicPr>
+        <p:blipFill>
+          <a:blip r:embed="rId3">
+            <a:extLst>
+              <a:ext uri="{28A0092B-C50C-407E-A947-70E740481C1C}">
+                <a14:useLocalDpi xmlns:a14="http://schemas.microsoft.com/office/drawing/2010/main"/>
+              </a:ext>
+            </a:extLst>
+          </a:blip>
+          <a:stretch>
+            <a:fillRect/>
+          </a:stretch>
+        </p:blipFill>
+        <p:spPr>
+          <a:xfrm>
+            <a:off x="-1" y="-9426"/>
+            <a:ext cx="864000" cy="864000"/>
+          </a:xfrm>
+          <a:prstGeom prst="rect">
+            <a:avLst/>
+          </a:prstGeom>
+        </p:spPr>
+      </p:pic>
+      <p:sp>
+        <p:nvSpPr>
+          <p:cNvPr id="12" name="Rechteck 11"/>
+          <p:cNvSpPr/>
+          <p:nvPr/>
+        </p:nvSpPr>
+        <p:spPr>
+          <a:xfrm rot="10800000" flipV="1">
+            <a:off x="1949288" y="1135846"/>
+            <a:ext cx="2681324" cy="1210673"/>
+          </a:xfrm>
+          <a:prstGeom prst="rect">
+            <a:avLst/>
+          </a:prstGeom>
+          <a:solidFill>
+            <a:schemeClr val="accent5">
+              <a:lumMod val="20000"/>
+              <a:lumOff val="80000"/>
+            </a:schemeClr>
+          </a:solidFill>
+          <a:ln w="50800">
+            <a:solidFill>
+              <a:srgbClr val="0E78AD"/>
+            </a:solidFill>
+          </a:ln>
+        </p:spPr>
+        <p:style>
+          <a:lnRef idx="2">
+            <a:schemeClr val="accent1">
+              <a:shade val="50000"/>
+            </a:schemeClr>
+          </a:lnRef>
+          <a:fillRef idx="1">
+            <a:schemeClr val="accent1"/>
+          </a:fillRef>
+          <a:effectRef idx="0">
+            <a:schemeClr val="accent1"/>
+          </a:effectRef>
+          <a:fontRef idx="minor">
+            <a:schemeClr val="lt1"/>
+          </a:fontRef>
+        </p:style>
+        <p:txBody>
+          <a:bodyPr rtlCol="0" anchor="ctr"/>
+          <a:lstStyle/>
+          <a:p>
+            <a:pPr algn="ctr"/>
+            <a:r>
+              <a:rPr lang="de-AT" sz="3200" b="1" dirty="0">
+                <a:solidFill>
+                  <a:schemeClr val="tx1"/>
+                </a:solidFill>
+              </a:rPr>
+              <a:t>Team</a:t>
+            </a:r>
+          </a:p>
+        </p:txBody>
+      </p:sp>
+      <p:sp>
+        <p:nvSpPr>
+          <p:cNvPr id="16" name="Rechteck 15"/>
+          <p:cNvSpPr/>
+          <p:nvPr/>
+        </p:nvSpPr>
+        <p:spPr>
+          <a:xfrm rot="10800000" flipV="1">
+            <a:off x="5029200" y="3062453"/>
+            <a:ext cx="3778408" cy="2816318"/>
+          </a:xfrm>
+          <a:prstGeom prst="rect">
+            <a:avLst/>
+          </a:prstGeom>
+          <a:solidFill>
+            <a:schemeClr val="accent5">
+              <a:lumMod val="20000"/>
+              <a:lumOff val="80000"/>
+            </a:schemeClr>
+          </a:solidFill>
+          <a:ln w="50800">
+            <a:solidFill>
+              <a:srgbClr val="0E78AD"/>
+            </a:solidFill>
+          </a:ln>
+        </p:spPr>
+        <p:style>
+          <a:lnRef idx="2">
+            <a:schemeClr val="accent1">
+              <a:shade val="50000"/>
+            </a:schemeClr>
+          </a:lnRef>
+          <a:fillRef idx="1">
+            <a:schemeClr val="accent1"/>
+          </a:fillRef>
+          <a:effectRef idx="0">
+            <a:schemeClr val="accent1"/>
+          </a:effectRef>
+          <a:fontRef idx="minor">
+            <a:schemeClr val="lt1"/>
+          </a:fontRef>
+        </p:style>
+        <p:txBody>
+          <a:bodyPr rtlCol="0" anchor="ctr"/>
+          <a:lstStyle/>
+          <a:p>
+            <a:pPr marL="457200" indent="-457200" algn="ctr">
+              <a:buFont typeface="Arial" panose="020B0604020202020204" pitchFamily="34" charset="0"/>
+              <a:buChar char="•"/>
+            </a:pPr>
+            <a:r>
+              <a:rPr lang="de-AT" sz="3200" b="1" dirty="0">
+                <a:solidFill>
+                  <a:schemeClr val="tx1"/>
+                </a:solidFill>
+              </a:rPr>
+              <a:t>Server</a:t>
+            </a:r>
+          </a:p>
+          <a:p>
+            <a:pPr marL="1371600" lvl="2" indent="-457200" algn="ctr">
+              <a:buFont typeface="Arial" panose="020B0604020202020204" pitchFamily="34" charset="0"/>
+              <a:buChar char="•"/>
+            </a:pPr>
+            <a:r>
+              <a:rPr lang="de-AT" sz="3200" b="1" dirty="0">
+                <a:solidFill>
+                  <a:schemeClr val="tx1"/>
+                </a:solidFill>
+              </a:rPr>
+              <a:t>Database</a:t>
+            </a:r>
+          </a:p>
+          <a:p>
+            <a:pPr marL="1371600" lvl="2" indent="-457200" algn="ctr">
+              <a:buFont typeface="Arial" panose="020B0604020202020204" pitchFamily="34" charset="0"/>
+              <a:buChar char="•"/>
+            </a:pPr>
+            <a:r>
+              <a:rPr lang="de-AT" sz="3200" b="1" dirty="0">
+                <a:solidFill>
+                  <a:schemeClr val="tx1"/>
+                </a:solidFill>
+              </a:rPr>
+              <a:t>Website</a:t>
+            </a:r>
+          </a:p>
+          <a:p>
+            <a:pPr marL="1371600" lvl="2" indent="-457200" algn="ctr">
+              <a:buFont typeface="Arial" panose="020B0604020202020204" pitchFamily="34" charset="0"/>
+              <a:buChar char="•"/>
+            </a:pPr>
+            <a:r>
+              <a:rPr lang="de-AT" sz="3200" b="1" dirty="0">
+                <a:solidFill>
+                  <a:schemeClr val="tx1"/>
+                </a:solidFill>
+              </a:rPr>
+              <a:t>Domain</a:t>
+            </a:r>
+          </a:p>
+        </p:txBody>
+      </p:sp>
+      <p:sp>
+        <p:nvSpPr>
+          <p:cNvPr id="17" name="Rechteck 16"/>
+          <p:cNvSpPr/>
+          <p:nvPr/>
+        </p:nvSpPr>
+        <p:spPr>
+          <a:xfrm rot="10800000" flipV="1">
+            <a:off x="1949288" y="2445190"/>
+            <a:ext cx="2681325" cy="1667456"/>
+          </a:xfrm>
+          <a:prstGeom prst="rect">
+            <a:avLst/>
+          </a:prstGeom>
+          <a:solidFill>
+            <a:schemeClr val="accent5">
+              <a:lumMod val="20000"/>
+              <a:lumOff val="80000"/>
+            </a:schemeClr>
+          </a:solidFill>
+          <a:ln w="50800">
+            <a:solidFill>
+              <a:srgbClr val="0E78AD"/>
+            </a:solidFill>
+          </a:ln>
+        </p:spPr>
+        <p:style>
+          <a:lnRef idx="2">
+            <a:schemeClr val="accent1">
+              <a:shade val="50000"/>
+            </a:schemeClr>
+          </a:lnRef>
+          <a:fillRef idx="1">
+            <a:schemeClr val="accent1"/>
+          </a:fillRef>
+          <a:effectRef idx="0">
+            <a:schemeClr val="accent1"/>
+          </a:effectRef>
+          <a:fontRef idx="minor">
+            <a:schemeClr val="lt1"/>
+          </a:fontRef>
+        </p:style>
+        <p:txBody>
+          <a:bodyPr rtlCol="0" anchor="ctr"/>
+          <a:lstStyle/>
+          <a:p>
+            <a:pPr algn="ctr"/>
+            <a:r>
+              <a:rPr lang="de-AT" sz="3200" b="1" dirty="0">
+                <a:solidFill>
+                  <a:schemeClr val="tx1"/>
+                </a:solidFill>
+              </a:rPr>
+              <a:t>Project </a:t>
+            </a:r>
+            <a:r>
+              <a:rPr lang="de-AT" sz="3200" b="1" dirty="0" err="1">
+                <a:solidFill>
+                  <a:schemeClr val="tx1"/>
+                </a:solidFill>
+              </a:rPr>
+              <a:t>management</a:t>
+            </a:r>
+            <a:endParaRPr lang="de-AT" sz="3200" b="1" dirty="0">
+              <a:solidFill>
+                <a:schemeClr val="tx1"/>
+              </a:solidFill>
+            </a:endParaRPr>
+          </a:p>
+        </p:txBody>
+      </p:sp>
+      <p:sp>
+        <p:nvSpPr>
+          <p:cNvPr id="19" name="Rechteck 18"/>
+          <p:cNvSpPr/>
+          <p:nvPr/>
+        </p:nvSpPr>
+        <p:spPr>
+          <a:xfrm rot="10800000" flipV="1">
+            <a:off x="1949288" y="4211316"/>
+            <a:ext cx="2681326" cy="1667456"/>
+          </a:xfrm>
+          <a:prstGeom prst="rect">
+            <a:avLst/>
+          </a:prstGeom>
+          <a:solidFill>
+            <a:schemeClr val="accent5">
+              <a:lumMod val="20000"/>
+              <a:lumOff val="80000"/>
+            </a:schemeClr>
+          </a:solidFill>
+          <a:ln w="50800">
+            <a:solidFill>
+              <a:srgbClr val="0E78AD"/>
+            </a:solidFill>
+          </a:ln>
+        </p:spPr>
+        <p:style>
+          <a:lnRef idx="2">
+            <a:schemeClr val="accent1">
+              <a:shade val="50000"/>
+            </a:schemeClr>
+          </a:lnRef>
+          <a:fillRef idx="1">
+            <a:schemeClr val="accent1"/>
+          </a:fillRef>
+          <a:effectRef idx="0">
+            <a:schemeClr val="accent1"/>
+          </a:effectRef>
+          <a:fontRef idx="minor">
+            <a:schemeClr val="lt1"/>
+          </a:fontRef>
+        </p:style>
+        <p:txBody>
+          <a:bodyPr rtlCol="0" anchor="ctr"/>
+          <a:lstStyle/>
+          <a:p>
+            <a:pPr algn="ctr"/>
+            <a:r>
+              <a:rPr lang="de-AT" sz="3200" b="1" dirty="0">
+                <a:solidFill>
+                  <a:schemeClr val="tx1"/>
+                </a:solidFill>
+              </a:rPr>
+              <a:t>Development</a:t>
+            </a:r>
+          </a:p>
+        </p:txBody>
+      </p:sp>
+      <p:sp>
+        <p:nvSpPr>
+          <p:cNvPr id="20" name="Rechteck 19"/>
+          <p:cNvSpPr/>
+          <p:nvPr/>
+        </p:nvSpPr>
+        <p:spPr>
+          <a:xfrm rot="5400000" flipV="1">
+            <a:off x="-1415631" y="2915694"/>
+            <a:ext cx="4742926" cy="1183229"/>
+          </a:xfrm>
+          <a:prstGeom prst="rect">
+            <a:avLst/>
+          </a:prstGeom>
+          <a:solidFill>
+            <a:schemeClr val="accent5">
+              <a:lumMod val="20000"/>
+              <a:lumOff val="80000"/>
+            </a:schemeClr>
+          </a:solidFill>
+          <a:ln w="50800">
+            <a:solidFill>
+              <a:srgbClr val="0E78AD"/>
+            </a:solidFill>
+          </a:ln>
+        </p:spPr>
+        <p:style>
+          <a:lnRef idx="2">
+            <a:schemeClr val="accent1">
+              <a:shade val="50000"/>
+            </a:schemeClr>
+          </a:lnRef>
+          <a:fillRef idx="1">
+            <a:schemeClr val="accent1"/>
+          </a:fillRef>
+          <a:effectRef idx="0">
+            <a:schemeClr val="accent1"/>
+          </a:effectRef>
+          <a:fontRef idx="minor">
+            <a:schemeClr val="lt1"/>
+          </a:fontRef>
+        </p:style>
+        <p:txBody>
+          <a:bodyPr rtlCol="0" anchor="ctr"/>
+          <a:lstStyle/>
+          <a:p>
+            <a:pPr algn="ctr"/>
+            <a:r>
+              <a:rPr lang="de-AT" sz="3200" b="1" dirty="0" err="1">
+                <a:solidFill>
+                  <a:schemeClr val="tx1"/>
+                </a:solidFill>
+              </a:rPr>
+              <a:t>GitHub</a:t>
+            </a:r>
+            <a:r>
+              <a:rPr lang="de-AT" sz="3200" b="1" dirty="0">
+                <a:solidFill>
+                  <a:schemeClr val="tx1"/>
+                </a:solidFill>
+              </a:rPr>
+              <a:t> - </a:t>
+            </a:r>
+            <a:r>
+              <a:rPr lang="de-AT" sz="3200" b="1" dirty="0" err="1">
+                <a:solidFill>
+                  <a:schemeClr val="tx1"/>
+                </a:solidFill>
+              </a:rPr>
+              <a:t>synchronization</a:t>
+            </a:r>
+            <a:endParaRPr lang="de-AT" sz="3200" b="1" dirty="0">
+              <a:solidFill>
+                <a:schemeClr val="tx1"/>
+              </a:solidFill>
+            </a:endParaRPr>
+          </a:p>
+        </p:txBody>
+      </p:sp>
+      <p:sp>
+        <p:nvSpPr>
+          <p:cNvPr id="21" name="Rechteck 20"/>
+          <p:cNvSpPr/>
+          <p:nvPr/>
+        </p:nvSpPr>
+        <p:spPr>
+          <a:xfrm rot="10800000" flipV="1">
+            <a:off x="5029200" y="1135845"/>
+            <a:ext cx="1817077" cy="1743940"/>
+          </a:xfrm>
+          <a:prstGeom prst="rect">
+            <a:avLst/>
+          </a:prstGeom>
+          <a:solidFill>
+            <a:schemeClr val="bg2"/>
+          </a:solidFill>
+          <a:ln w="50800">
+            <a:solidFill>
+              <a:schemeClr val="bg1">
+                <a:lumMod val="50000"/>
+              </a:schemeClr>
+            </a:solidFill>
+          </a:ln>
+        </p:spPr>
+        <p:style>
+          <a:lnRef idx="2">
+            <a:schemeClr val="accent1">
+              <a:shade val="50000"/>
+            </a:schemeClr>
+          </a:lnRef>
+          <a:fillRef idx="1">
+            <a:schemeClr val="accent1"/>
+          </a:fillRef>
+          <a:effectRef idx="0">
+            <a:schemeClr val="accent1"/>
+          </a:effectRef>
+          <a:fontRef idx="minor">
+            <a:schemeClr val="lt1"/>
+          </a:fontRef>
+        </p:style>
+        <p:txBody>
+          <a:bodyPr rtlCol="0" anchor="ctr"/>
+          <a:lstStyle/>
+          <a:p>
+            <a:pPr algn="ctr"/>
+            <a:r>
+              <a:rPr lang="de-AT" sz="3200" b="1" dirty="0">
+                <a:solidFill>
+                  <a:schemeClr val="tx1"/>
+                </a:solidFill>
+              </a:rPr>
+              <a:t>Tutor</a:t>
+            </a:r>
+          </a:p>
+        </p:txBody>
+      </p:sp>
+      <p:sp>
+        <p:nvSpPr>
+          <p:cNvPr id="22" name="Rechteck 21"/>
+          <p:cNvSpPr/>
+          <p:nvPr/>
+        </p:nvSpPr>
+        <p:spPr>
+          <a:xfrm rot="10800000" flipV="1">
+            <a:off x="6990531" y="1135845"/>
+            <a:ext cx="1817077" cy="1743940"/>
+          </a:xfrm>
+          <a:prstGeom prst="rect">
+            <a:avLst/>
+          </a:prstGeom>
+          <a:solidFill>
+            <a:schemeClr val="bg2"/>
+          </a:solidFill>
+          <a:ln w="50800">
+            <a:solidFill>
+              <a:schemeClr val="bg1">
+                <a:lumMod val="50000"/>
+              </a:schemeClr>
+            </a:solidFill>
+          </a:ln>
+        </p:spPr>
+        <p:style>
+          <a:lnRef idx="2">
+            <a:schemeClr val="accent1">
+              <a:shade val="50000"/>
+            </a:schemeClr>
+          </a:lnRef>
+          <a:fillRef idx="1">
+            <a:schemeClr val="accent1"/>
+          </a:fillRef>
+          <a:effectRef idx="0">
+            <a:schemeClr val="accent1"/>
+          </a:effectRef>
+          <a:fontRef idx="minor">
+            <a:schemeClr val="lt1"/>
+          </a:fontRef>
+        </p:style>
+        <p:txBody>
+          <a:bodyPr rtlCol="0" anchor="ctr"/>
+          <a:lstStyle/>
+          <a:p>
+            <a:pPr algn="ctr"/>
+            <a:r>
+              <a:rPr lang="de-AT" sz="3200" b="1" dirty="0">
+                <a:solidFill>
+                  <a:schemeClr val="tx1"/>
+                </a:solidFill>
+              </a:rPr>
+              <a:t>User</a:t>
+            </a:r>
+          </a:p>
+        </p:txBody>
+      </p:sp>
+    </p:spTree>
+    <p:extLst>
+      <p:ext uri="{BB962C8B-B14F-4D97-AF65-F5344CB8AC3E}">
+        <p14:creationId xmlns:p14="http://schemas.microsoft.com/office/powerpoint/2010/main" val="1253012379"/>
+      </p:ext>
+    </p:extLst>
+  </p:cSld>
+  <p:clrMapOvr>
+    <a:masterClrMapping/>
+  </p:clrMapOvr>
+  <p:timing>
+    <p:tnLst>
+      <p:par>
+        <p:cTn id="1" dur="indefinite" restart="never" nodeType="tmRoot">
+          <p:childTnLst>
+            <p:seq concurrent="1" nextAc="seek">
+              <p:cTn id="2" dur="indefinite" nodeType="mainSeq">
+                <p:childTnLst>
+                  <p:par>
+                    <p:cTn id="3" fill="hold">
+                      <p:stCondLst>
+                        <p:cond delay="indefinite"/>
+                      </p:stCondLst>
+                      <p:childTnLst>
+                        <p:par>
+                          <p:cTn id="4" fill="hold">
+                            <p:stCondLst>
+                              <p:cond delay="0"/>
+                            </p:stCondLst>
+                            <p:childTnLst>
+                              <p:par>
+                                <p:cTn id="5" presetID="10" presetClass="entr" presetSubtype="0" fill="hold" grpId="0" nodeType="clickEffect">
+                                  <p:stCondLst>
+                                    <p:cond delay="0"/>
+                                  </p:stCondLst>
+                                  <p:childTnLst>
+                                    <p:set>
+                                      <p:cBhvr>
+                                        <p:cTn id="6" dur="1" fill="hold">
+                                          <p:stCondLst>
+                                            <p:cond delay="0"/>
+                                          </p:stCondLst>
+                                        </p:cTn>
+                                        <p:tgtEl>
+                                          <p:spTgt spid="12"/>
+                                        </p:tgtEl>
+                                        <p:attrNameLst>
+                                          <p:attrName>style.visibility</p:attrName>
+                                        </p:attrNameLst>
+                                      </p:cBhvr>
+                                      <p:to>
+                                        <p:strVal val="visible"/>
+                                      </p:to>
+                                    </p:set>
+                                    <p:animEffect transition="in" filter="fade">
+                                      <p:cBhvr>
+                                        <p:cTn id="7" dur="500"/>
+                                        <p:tgtEl>
+                                          <p:spTgt spid="12"/>
+                                        </p:tgtEl>
+                                      </p:cBhvr>
+                                    </p:animEffect>
+                                  </p:childTnLst>
+                                </p:cTn>
+                              </p:par>
+                              <p:par>
+                                <p:cTn id="8" presetID="10" presetClass="entr" presetSubtype="0" fill="hold" grpId="0" nodeType="withEffect">
+                                  <p:stCondLst>
+                                    <p:cond delay="200"/>
+                                  </p:stCondLst>
+                                  <p:childTnLst>
+                                    <p:set>
+                                      <p:cBhvr>
+                                        <p:cTn id="9" dur="1" fill="hold">
+                                          <p:stCondLst>
+                                            <p:cond delay="0"/>
+                                          </p:stCondLst>
+                                        </p:cTn>
+                                        <p:tgtEl>
+                                          <p:spTgt spid="17"/>
+                                        </p:tgtEl>
+                                        <p:attrNameLst>
+                                          <p:attrName>style.visibility</p:attrName>
+                                        </p:attrNameLst>
+                                      </p:cBhvr>
+                                      <p:to>
+                                        <p:strVal val="visible"/>
+                                      </p:to>
+                                    </p:set>
+                                    <p:animEffect transition="in" filter="fade">
+                                      <p:cBhvr>
+                                        <p:cTn id="10" dur="500"/>
+                                        <p:tgtEl>
+                                          <p:spTgt spid="17"/>
+                                        </p:tgtEl>
+                                      </p:cBhvr>
+                                    </p:animEffect>
+                                  </p:childTnLst>
+                                </p:cTn>
+                              </p:par>
+                              <p:par>
+                                <p:cTn id="11" presetID="10" presetClass="entr" presetSubtype="0" fill="hold" grpId="0" nodeType="withEffect">
+                                  <p:stCondLst>
+                                    <p:cond delay="400"/>
+                                  </p:stCondLst>
+                                  <p:childTnLst>
+                                    <p:set>
+                                      <p:cBhvr>
+                                        <p:cTn id="12" dur="1" fill="hold">
+                                          <p:stCondLst>
+                                            <p:cond delay="0"/>
+                                          </p:stCondLst>
+                                        </p:cTn>
+                                        <p:tgtEl>
+                                          <p:spTgt spid="19"/>
+                                        </p:tgtEl>
+                                        <p:attrNameLst>
+                                          <p:attrName>style.visibility</p:attrName>
+                                        </p:attrNameLst>
+                                      </p:cBhvr>
+                                      <p:to>
+                                        <p:strVal val="visible"/>
+                                      </p:to>
+                                    </p:set>
+                                    <p:animEffect transition="in" filter="fade">
+                                      <p:cBhvr>
+                                        <p:cTn id="13" dur="500"/>
+                                        <p:tgtEl>
+                                          <p:spTgt spid="19"/>
+                                        </p:tgtEl>
+                                      </p:cBhvr>
+                                    </p:animEffect>
+                                  </p:childTnLst>
+                                </p:cTn>
+                              </p:par>
+                            </p:childTnLst>
+                          </p:cTn>
+                        </p:par>
+                      </p:childTnLst>
+                    </p:cTn>
+                  </p:par>
+                  <p:par>
+                    <p:cTn id="14" fill="hold">
+                      <p:stCondLst>
+                        <p:cond delay="indefinite"/>
+                      </p:stCondLst>
+                      <p:childTnLst>
+                        <p:par>
+                          <p:cTn id="15" fill="hold">
+                            <p:stCondLst>
+                              <p:cond delay="0"/>
+                            </p:stCondLst>
+                            <p:childTnLst>
+                              <p:par>
+                                <p:cTn id="16" presetID="10" presetClass="entr" presetSubtype="0" fill="hold" grpId="0" nodeType="clickEffect">
+                                  <p:stCondLst>
+                                    <p:cond delay="0"/>
+                                  </p:stCondLst>
+                                  <p:childTnLst>
+                                    <p:set>
+                                      <p:cBhvr>
+                                        <p:cTn id="17" dur="1" fill="hold">
+                                          <p:stCondLst>
+                                            <p:cond delay="0"/>
+                                          </p:stCondLst>
+                                        </p:cTn>
+                                        <p:tgtEl>
+                                          <p:spTgt spid="20"/>
+                                        </p:tgtEl>
+                                        <p:attrNameLst>
+                                          <p:attrName>style.visibility</p:attrName>
+                                        </p:attrNameLst>
+                                      </p:cBhvr>
+                                      <p:to>
+                                        <p:strVal val="visible"/>
+                                      </p:to>
+                                    </p:set>
+                                    <p:animEffect transition="in" filter="fade">
+                                      <p:cBhvr>
+                                        <p:cTn id="18" dur="500"/>
+                                        <p:tgtEl>
+                                          <p:spTgt spid="20"/>
+                                        </p:tgtEl>
+                                      </p:cBhvr>
+                                    </p:animEffect>
+                                  </p:childTnLst>
+                                </p:cTn>
+                              </p:par>
+                            </p:childTnLst>
+                          </p:cTn>
+                        </p:par>
+                      </p:childTnLst>
+                    </p:cTn>
+                  </p:par>
+                  <p:par>
+                    <p:cTn id="19" fill="hold">
+                      <p:stCondLst>
+                        <p:cond delay="indefinite"/>
+                      </p:stCondLst>
+                      <p:childTnLst>
+                        <p:par>
+                          <p:cTn id="20" fill="hold">
+                            <p:stCondLst>
+                              <p:cond delay="0"/>
+                            </p:stCondLst>
+                            <p:childTnLst>
+                              <p:par>
+                                <p:cTn id="21" presetID="10" presetClass="entr" presetSubtype="0" fill="hold" grpId="0" nodeType="clickEffect">
+                                  <p:stCondLst>
+                                    <p:cond delay="0"/>
+                                  </p:stCondLst>
+                                  <p:childTnLst>
+                                    <p:set>
+                                      <p:cBhvr>
+                                        <p:cTn id="22" dur="1" fill="hold">
+                                          <p:stCondLst>
+                                            <p:cond delay="0"/>
+                                          </p:stCondLst>
+                                        </p:cTn>
+                                        <p:tgtEl>
+                                          <p:spTgt spid="16"/>
+                                        </p:tgtEl>
+                                        <p:attrNameLst>
+                                          <p:attrName>style.visibility</p:attrName>
+                                        </p:attrNameLst>
+                                      </p:cBhvr>
+                                      <p:to>
+                                        <p:strVal val="visible"/>
+                                      </p:to>
+                                    </p:set>
+                                    <p:animEffect transition="in" filter="fade">
+                                      <p:cBhvr>
+                                        <p:cTn id="23" dur="500"/>
+                                        <p:tgtEl>
+                                          <p:spTgt spid="16"/>
+                                        </p:tgtEl>
+                                      </p:cBhvr>
+                                    </p:animEffect>
+                                  </p:childTnLst>
+                                </p:cTn>
+                              </p:par>
+                              <p:par>
+                                <p:cTn id="24" presetID="10" presetClass="entr" presetSubtype="0" fill="hold" grpId="0" nodeType="withEffect">
+                                  <p:stCondLst>
+                                    <p:cond delay="500"/>
+                                  </p:stCondLst>
+                                  <p:childTnLst>
+                                    <p:set>
+                                      <p:cBhvr>
+                                        <p:cTn id="25" dur="1" fill="hold">
+                                          <p:stCondLst>
+                                            <p:cond delay="0"/>
+                                          </p:stCondLst>
+                                        </p:cTn>
+                                        <p:tgtEl>
+                                          <p:spTgt spid="21"/>
+                                        </p:tgtEl>
+                                        <p:attrNameLst>
+                                          <p:attrName>style.visibility</p:attrName>
+                                        </p:attrNameLst>
+                                      </p:cBhvr>
+                                      <p:to>
+                                        <p:strVal val="visible"/>
+                                      </p:to>
+                                    </p:set>
+                                    <p:animEffect transition="in" filter="fade">
+                                      <p:cBhvr>
+                                        <p:cTn id="26" dur="500"/>
+                                        <p:tgtEl>
+                                          <p:spTgt spid="21"/>
+                                        </p:tgtEl>
+                                      </p:cBhvr>
+                                    </p:animEffect>
+                                  </p:childTnLst>
+                                </p:cTn>
+                              </p:par>
+                              <p:par>
+                                <p:cTn id="27" presetID="10" presetClass="entr" presetSubtype="0" fill="hold" grpId="0" nodeType="withEffect">
+                                  <p:stCondLst>
+                                    <p:cond delay="500"/>
+                                  </p:stCondLst>
+                                  <p:childTnLst>
+                                    <p:set>
+                                      <p:cBhvr>
+                                        <p:cTn id="28" dur="1" fill="hold">
+                                          <p:stCondLst>
+                                            <p:cond delay="0"/>
+                                          </p:stCondLst>
+                                        </p:cTn>
+                                        <p:tgtEl>
+                                          <p:spTgt spid="22"/>
+                                        </p:tgtEl>
+                                        <p:attrNameLst>
+                                          <p:attrName>style.visibility</p:attrName>
+                                        </p:attrNameLst>
+                                      </p:cBhvr>
+                                      <p:to>
+                                        <p:strVal val="visible"/>
+                                      </p:to>
+                                    </p:set>
+                                    <p:animEffect transition="in" filter="fade">
+                                      <p:cBhvr>
+                                        <p:cTn id="29" dur="500"/>
+                                        <p:tgtEl>
+                                          <p:spTgt spid="22"/>
+                                        </p:tgtEl>
+                                      </p:cBhvr>
+                                    </p:animEffect>
+                                  </p:childTnLst>
+                                </p:cTn>
+                              </p:par>
+                            </p:childTnLst>
+                          </p:cTn>
+                        </p:par>
+                      </p:childTnLst>
+                    </p:cTn>
+                  </p:par>
+                </p:childTnLst>
+              </p:cTn>
+              <p:prevCondLst>
+                <p:cond evt="onPrev" delay="0">
+                  <p:tgtEl>
+                    <p:sldTgt/>
+                  </p:tgtEl>
+                </p:cond>
+              </p:prevCondLst>
+              <p:nextCondLst>
+                <p:cond evt="onNext" delay="0">
+                  <p:tgtEl>
+                    <p:sldTgt/>
+                  </p:tgtEl>
+                </p:cond>
+              </p:nextCondLst>
+            </p:seq>
+          </p:childTnLst>
+        </p:cTn>
+      </p:par>
+    </p:tnLst>
+    <p:bldLst>
+      <p:bldP spid="12" grpId="0" animBg="1"/>
+      <p:bldP spid="16" grpId="0" animBg="1"/>
+      <p:bldP spid="17" grpId="0" animBg="1"/>
+      <p:bldP spid="19" grpId="0" animBg="1"/>
+      <p:bldP spid="20" grpId="0" animBg="1"/>
+      <p:bldP spid="21" grpId="0" animBg="1"/>
+      <p:bldP spid="22" grpId="0" animBg="1"/>
+    </p:bldLst>
+  </p:timing>
+</p:sld>
+</file>
+
+<file path=ppt/slides/slide5.xml><?xml version="1.0" encoding="utf-8"?>
+<p:sld xmlns:a="http://schemas.openxmlformats.org/drawingml/2006/main" xmlns:r="http://schemas.openxmlformats.org/officeDocument/2006/relationships" xmlns:p="http://schemas.openxmlformats.org/presentationml/2006/main">
+  <p:cSld>
+    <p:spTree>
+      <p:nvGrpSpPr>
+        <p:cNvPr id="1" name=""/>
+        <p:cNvGrpSpPr/>
+        <p:nvPr/>
+      </p:nvGrpSpPr>
+      <p:grpSpPr>
+        <a:xfrm>
+          <a:off x="0" y="0"/>
+          <a:ext cx="0" cy="0"/>
+          <a:chOff x="0" y="0"/>
+          <a:chExt cx="0" cy="0"/>
+        </a:xfrm>
+      </p:grpSpPr>
+      <p:sp>
+        <p:nvSpPr>
+          <p:cNvPr id="17" name="Rechteck: abgerundete Ecken 16"/>
           <p:cNvSpPr/>
           <p:nvPr/>
         </p:nvSpPr>
         <p:spPr>
           <a:xfrm>
-            <a:off x="414780" y="996844"/>
-            <a:ext cx="8015728" cy="2945167"/>
+            <a:off x="211017" y="1040814"/>
+            <a:ext cx="4900246" cy="3308445"/>
           </a:xfrm>
           <a:prstGeom prst="roundRect">
             <a:avLst/>
@@ -11108,6 +14421,167 @@
           </a:p>
         </p:txBody>
       </p:sp>
+      <p:pic>
+        <p:nvPicPr>
+          <p:cNvPr id="2" name="Grafik 1"/>
+          <p:cNvPicPr>
+            <a:picLocks noChangeAspect="1"/>
+          </p:cNvPicPr>
+          <p:nvPr/>
+        </p:nvPicPr>
+        <p:blipFill rotWithShape="1">
+          <a:blip r:embed="rId3">
+            <a:clrChange>
+              <a:clrFrom>
+                <a:srgbClr val="F3F3F3"/>
+              </a:clrFrom>
+              <a:clrTo>
+                <a:srgbClr val="F3F3F3">
+                  <a:alpha val="0"/>
+                </a:srgbClr>
+              </a:clrTo>
+            </a:clrChange>
+            <a:duotone>
+              <a:prstClr val="black"/>
+              <a:schemeClr val="accent5">
+                <a:tint val="45000"/>
+                <a:satMod val="400000"/>
+              </a:schemeClr>
+            </a:duotone>
+          </a:blip>
+          <a:srcRect l="5431" t="24261" r="8690" b="20216"/>
+          <a:stretch/>
+        </p:blipFill>
+        <p:spPr>
+          <a:xfrm>
+            <a:off x="-10180" y="4982308"/>
+            <a:ext cx="9154180" cy="1079131"/>
+          </a:xfrm>
+          <a:prstGeom prst="rect">
+            <a:avLst/>
+          </a:prstGeom>
+        </p:spPr>
+      </p:pic>
+      <p:sp>
+        <p:nvSpPr>
+          <p:cNvPr id="14" name="Rechteck 13"/>
+          <p:cNvSpPr/>
+          <p:nvPr/>
+        </p:nvSpPr>
+        <p:spPr>
+          <a:xfrm flipV="1">
+            <a:off x="-1718553" y="6061440"/>
+            <a:ext cx="12490315" cy="980389"/>
+          </a:xfrm>
+          <a:prstGeom prst="rect">
+            <a:avLst/>
+          </a:prstGeom>
+          <a:gradFill flip="none" rotWithShape="1">
+            <a:gsLst>
+              <a:gs pos="0">
+                <a:schemeClr val="accent1">
+                  <a:lumMod val="5000"/>
+                  <a:lumOff val="95000"/>
+                </a:schemeClr>
+              </a:gs>
+              <a:gs pos="100000">
+                <a:srgbClr val="0E78AD"/>
+              </a:gs>
+            </a:gsLst>
+            <a:lin ang="0" scaled="1"/>
+            <a:tileRect/>
+          </a:gradFill>
+          <a:ln w="50800">
+            <a:solidFill>
+              <a:srgbClr val="0E78AD"/>
+            </a:solidFill>
+          </a:ln>
+        </p:spPr>
+        <p:style>
+          <a:lnRef idx="2">
+            <a:schemeClr val="accent1">
+              <a:shade val="50000"/>
+            </a:schemeClr>
+          </a:lnRef>
+          <a:fillRef idx="1">
+            <a:schemeClr val="accent1"/>
+          </a:fillRef>
+          <a:effectRef idx="0">
+            <a:schemeClr val="accent1"/>
+          </a:effectRef>
+          <a:fontRef idx="minor">
+            <a:schemeClr val="lt1"/>
+          </a:fontRef>
+        </p:style>
+        <p:txBody>
+          <a:bodyPr rtlCol="0" anchor="ctr"/>
+          <a:lstStyle/>
+          <a:p>
+            <a:pPr algn="ctr"/>
+            <a:endParaRPr lang="de-AT" dirty="0"/>
+          </a:p>
+        </p:txBody>
+      </p:sp>
+      <p:sp>
+        <p:nvSpPr>
+          <p:cNvPr id="13" name="Rechteck 12"/>
+          <p:cNvSpPr/>
+          <p:nvPr/>
+        </p:nvSpPr>
+        <p:spPr>
+          <a:xfrm flipV="1">
+            <a:off x="-1718553" y="-84840"/>
+            <a:ext cx="12490315" cy="961534"/>
+          </a:xfrm>
+          <a:prstGeom prst="rect">
+            <a:avLst/>
+          </a:prstGeom>
+          <a:gradFill flip="none" rotWithShape="1">
+            <a:gsLst>
+              <a:gs pos="0">
+                <a:schemeClr val="accent1">
+                  <a:lumMod val="5000"/>
+                  <a:lumOff val="95000"/>
+                </a:schemeClr>
+              </a:gs>
+              <a:gs pos="100000">
+                <a:srgbClr val="0E78AD"/>
+              </a:gs>
+            </a:gsLst>
+            <a:lin ang="0" scaled="1"/>
+            <a:tileRect/>
+          </a:gradFill>
+          <a:ln w="50800">
+            <a:solidFill>
+              <a:srgbClr val="0E78AD"/>
+            </a:solidFill>
+          </a:ln>
+        </p:spPr>
+        <p:style>
+          <a:lnRef idx="2">
+            <a:schemeClr val="accent1">
+              <a:shade val="50000"/>
+            </a:schemeClr>
+          </a:lnRef>
+          <a:fillRef idx="1">
+            <a:schemeClr val="accent1"/>
+          </a:fillRef>
+          <a:effectRef idx="0">
+            <a:schemeClr val="accent1"/>
+          </a:effectRef>
+          <a:fontRef idx="minor">
+            <a:schemeClr val="lt1"/>
+          </a:fontRef>
+        </p:style>
+        <p:txBody>
+          <a:bodyPr rtlCol="0" anchor="ctr"/>
+          <a:lstStyle/>
+          <a:p>
+            <a:pPr algn="ctr"/>
+            <a:endParaRPr lang="de-AT"/>
+          </a:p>
+        </p:txBody>
+      </p:sp>
       <p:sp>
         <p:nvSpPr>
           <p:cNvPr id="8" name="Titel 7"/>
@@ -11138,61 +14612,6 @@
             <a:r>
               <a:rPr lang="de-AT" sz="4000" dirty="0"/>
               <a:t>Project Review</a:t>
-            </a:r>
-          </a:p>
-        </p:txBody>
-      </p:sp>
-      <p:sp>
-        <p:nvSpPr>
-          <p:cNvPr id="9" name="Inhaltsplatzhalter 8"/>
-          <p:cNvSpPr>
-            <a:spLocks noGrp="1"/>
-          </p:cNvSpPr>
-          <p:nvPr>
-            <p:ph idx="1"/>
-          </p:nvPr>
-        </p:nvSpPr>
-        <p:spPr>
-          <a:xfrm>
-            <a:off x="770066" y="1244346"/>
-            <a:ext cx="7886700" cy="2773885"/>
-          </a:xfrm>
-        </p:spPr>
-        <p:txBody>
-          <a:bodyPr>
-            <a:normAutofit lnSpcReduction="10000"/>
-          </a:bodyPr>
-          <a:lstStyle/>
-          <a:p>
-            <a:pPr marL="0" indent="0">
-              <a:buNone/>
-            </a:pPr>
-            <a:endParaRPr lang="de-AT" dirty="0"/>
-          </a:p>
-          <a:p>
-            <a:r>
-              <a:rPr lang="de-AT" dirty="0"/>
-              <a:t>Hier kommt das ganze PM </a:t>
-            </a:r>
-            <a:r>
-              <a:rPr lang="de-AT" dirty="0" err="1"/>
-              <a:t>zeugs</a:t>
-            </a:r>
-            <a:r>
-              <a:rPr lang="de-AT" dirty="0"/>
-              <a:t> schnell in Graphiken hin</a:t>
-            </a:r>
-          </a:p>
-          <a:p>
-            <a:r>
-              <a:rPr lang="de-AT" dirty="0"/>
-              <a:t>Arbeitszeitaufteilung</a:t>
-            </a:r>
-          </a:p>
-          <a:p>
-            <a:r>
-              <a:rPr lang="de-AT" dirty="0"/>
-              <a:t>Schätzung der PMs und vergleich mit tatsächlichem Wert</a:t>
             </a:r>
           </a:p>
         </p:txBody>
@@ -11268,7 +14687,7 @@
           <p:nvPr/>
         </p:nvPicPr>
         <p:blipFill>
-          <a:blip r:embed="rId3">
+          <a:blip r:embed="rId4">
             <a:extLst>
               <a:ext uri="{28A0092B-C50C-407E-A947-70E740481C1C}">
                 <a14:useLocalDpi xmlns:a14="http://schemas.microsoft.com/office/drawing/2010/main"/>
@@ -11289,30 +14708,444 @@
           </a:prstGeom>
         </p:spPr>
       </p:pic>
-      <p:pic>
-        <p:nvPicPr>
-          <p:cNvPr id="2" name="Grafik 1"/>
-          <p:cNvPicPr>
-            <a:picLocks noChangeAspect="1"/>
-          </p:cNvPicPr>
+      <p:graphicFrame>
+        <p:nvGraphicFramePr>
+          <p:cNvPr id="6" name="Diagramm 5"/>
+          <p:cNvGraphicFramePr/>
+          <p:nvPr>
+            <p:extLst>
+              <p:ext uri="{D42A27DB-BD31-4B8C-83A1-F6EECF244321}">
+                <p14:modId xmlns:p14="http://schemas.microsoft.com/office/powerpoint/2010/main" val="2588496912"/>
+              </p:ext>
+            </p:extLst>
+          </p:nvPr>
+        </p:nvGraphicFramePr>
+        <p:xfrm>
+          <a:off x="211017" y="1040816"/>
+          <a:ext cx="4718469" cy="3308444"/>
+        </p:xfrm>
+        <a:graphic>
+          <a:graphicData uri="http://schemas.openxmlformats.org/drawingml/2006/chart">
+            <c:chart xmlns:c="http://schemas.openxmlformats.org/drawingml/2006/chart" xmlns:r="http://schemas.openxmlformats.org/officeDocument/2006/relationships" r:id="rId5"/>
+          </a:graphicData>
+        </a:graphic>
+      </p:graphicFrame>
+      <p:sp>
+        <p:nvSpPr>
+          <p:cNvPr id="19" name="Rechteck: abgerundete Ecken 18"/>
+          <p:cNvSpPr/>
           <p:nvPr/>
-        </p:nvPicPr>
-        <p:blipFill>
-          <a:blip r:embed="rId4"/>
-          <a:stretch>
-            <a:fillRect/>
-          </a:stretch>
-        </p:blipFill>
+        </p:nvSpPr>
         <p:spPr>
           <a:xfrm>
-            <a:off x="-45396" y="4111968"/>
-            <a:ext cx="9144000" cy="1703294"/>
+            <a:off x="5017479" y="1040813"/>
+            <a:ext cx="4900246" cy="3941494"/>
+          </a:xfrm>
+          <a:prstGeom prst="roundRect">
+            <a:avLst/>
+          </a:prstGeom>
+          <a:gradFill flip="none" rotWithShape="1">
+            <a:gsLst>
+              <a:gs pos="0">
+                <a:schemeClr val="bg1">
+                  <a:alpha val="0"/>
+                </a:schemeClr>
+              </a:gs>
+              <a:gs pos="100000">
+                <a:schemeClr val="bg1">
+                  <a:alpha val="80000"/>
+                </a:schemeClr>
+              </a:gs>
+            </a:gsLst>
+            <a:lin ang="10800000" scaled="1"/>
+            <a:tileRect/>
+          </a:gradFill>
+          <a:ln>
+            <a:noFill/>
+          </a:ln>
+        </p:spPr>
+        <p:style>
+          <a:lnRef idx="2">
+            <a:schemeClr val="accent1">
+              <a:shade val="50000"/>
+            </a:schemeClr>
+          </a:lnRef>
+          <a:fillRef idx="1">
+            <a:schemeClr val="accent1"/>
+          </a:fillRef>
+          <a:effectRef idx="0">
+            <a:schemeClr val="accent1"/>
+          </a:effectRef>
+          <a:fontRef idx="minor">
+            <a:schemeClr val="lt1"/>
+          </a:fontRef>
+        </p:style>
+        <p:txBody>
+          <a:bodyPr rot="0" spcFirstLastPara="0" vertOverflow="overflow" horzOverflow="overflow" vert="horz" wrap="square" lIns="91440" tIns="45720" rIns="91440" bIns="45720" numCol="1" spcCol="0" rtlCol="0" fromWordArt="0" anchor="ctr" anchorCtr="0" forceAA="0" compatLnSpc="1">
+            <a:prstTxWarp prst="textNoShape">
+              <a:avLst/>
+            </a:prstTxWarp>
+            <a:noAutofit/>
+          </a:bodyPr>
+          <a:lstStyle/>
+          <a:p>
+            <a:pPr algn="ctr"/>
+            <a:endParaRPr lang="de-AT"/>
+          </a:p>
+        </p:txBody>
+      </p:sp>
+      <p:graphicFrame>
+        <p:nvGraphicFramePr>
+          <p:cNvPr id="22" name="Diagramm 21"/>
+          <p:cNvGraphicFramePr/>
+          <p:nvPr>
+            <p:extLst>
+              <p:ext uri="{D42A27DB-BD31-4B8C-83A1-F6EECF244321}">
+                <p14:modId xmlns:p14="http://schemas.microsoft.com/office/powerpoint/2010/main" val="3933495102"/>
+              </p:ext>
+            </p:extLst>
+          </p:nvPr>
+        </p:nvGraphicFramePr>
+        <p:xfrm>
+          <a:off x="5040927" y="940343"/>
+          <a:ext cx="4560274" cy="4525083"/>
+        </p:xfrm>
+        <a:graphic>
+          <a:graphicData uri="http://schemas.openxmlformats.org/drawingml/2006/chart">
+            <c:chart xmlns:c="http://schemas.openxmlformats.org/drawingml/2006/chart" xmlns:r="http://schemas.openxmlformats.org/officeDocument/2006/relationships" r:id="rId6"/>
+          </a:graphicData>
+        </a:graphic>
+      </p:graphicFrame>
+      <p:sp>
+        <p:nvSpPr>
+          <p:cNvPr id="23" name="Textfeld 22"/>
+          <p:cNvSpPr txBox="1"/>
+          <p:nvPr/>
+        </p:nvSpPr>
+        <p:spPr>
+          <a:xfrm rot="19241285">
+            <a:off x="-21652" y="5065298"/>
+            <a:ext cx="907300" cy="523220"/>
           </a:xfrm>
           <a:prstGeom prst="rect">
             <a:avLst/>
           </a:prstGeom>
+          <a:noFill/>
         </p:spPr>
-      </p:pic>
+        <p:txBody>
+          <a:bodyPr wrap="none" rtlCol="0">
+            <a:spAutoFit/>
+          </a:bodyPr>
+          <a:lstStyle/>
+          <a:p>
+            <a:r>
+              <a:rPr lang="de-AT" sz="2800" b="1" dirty="0"/>
+              <a:t>Start</a:t>
+            </a:r>
+            <a:endParaRPr lang="de-AT" b="1" dirty="0"/>
+          </a:p>
+        </p:txBody>
+      </p:sp>
+      <p:sp>
+        <p:nvSpPr>
+          <p:cNvPr id="24" name="Textfeld 23"/>
+          <p:cNvSpPr txBox="1"/>
+          <p:nvPr/>
+        </p:nvSpPr>
+        <p:spPr>
+          <a:xfrm rot="19241285">
+            <a:off x="8476601" y="5158821"/>
+            <a:ext cx="744114" cy="523220"/>
+          </a:xfrm>
+          <a:prstGeom prst="rect">
+            <a:avLst/>
+          </a:prstGeom>
+          <a:noFill/>
+        </p:spPr>
+        <p:txBody>
+          <a:bodyPr wrap="none" rtlCol="0">
+            <a:spAutoFit/>
+          </a:bodyPr>
+          <a:lstStyle/>
+          <a:p>
+            <a:r>
+              <a:rPr lang="de-AT" sz="2800" b="1" dirty="0"/>
+              <a:t>End</a:t>
+            </a:r>
+            <a:endParaRPr lang="de-AT" b="1" dirty="0"/>
+          </a:p>
+        </p:txBody>
+      </p:sp>
+      <p:sp>
+        <p:nvSpPr>
+          <p:cNvPr id="25" name="Textfeld 24"/>
+          <p:cNvSpPr txBox="1"/>
+          <p:nvPr/>
+        </p:nvSpPr>
+        <p:spPr>
+          <a:xfrm rot="19241285">
+            <a:off x="5957418" y="5301508"/>
+            <a:ext cx="1194558" cy="523220"/>
+          </a:xfrm>
+          <a:prstGeom prst="rect">
+            <a:avLst/>
+          </a:prstGeom>
+          <a:noFill/>
+        </p:spPr>
+        <p:txBody>
+          <a:bodyPr wrap="none" rtlCol="0">
+            <a:spAutoFit/>
+          </a:bodyPr>
+          <a:lstStyle/>
+          <a:p>
+            <a:r>
+              <a:rPr lang="de-AT" sz="2800" b="1" dirty="0"/>
+              <a:t>X-MAS</a:t>
+            </a:r>
+            <a:endParaRPr lang="de-AT" b="1" dirty="0"/>
+          </a:p>
+        </p:txBody>
+      </p:sp>
+      <p:cxnSp>
+        <p:nvCxnSpPr>
+          <p:cNvPr id="27" name="Gerader Verbinder 26"/>
+          <p:cNvCxnSpPr/>
+          <p:nvPr/>
+        </p:nvCxnSpPr>
+        <p:spPr>
+          <a:xfrm>
+            <a:off x="3915508" y="5326908"/>
+            <a:ext cx="0" cy="734531"/>
+          </a:xfrm>
+          <a:prstGeom prst="line">
+            <a:avLst/>
+          </a:prstGeom>
+        </p:spPr>
+        <p:style>
+          <a:lnRef idx="3">
+            <a:schemeClr val="dk1"/>
+          </a:lnRef>
+          <a:fillRef idx="0">
+            <a:schemeClr val="dk1"/>
+          </a:fillRef>
+          <a:effectRef idx="2">
+            <a:schemeClr val="dk1"/>
+          </a:effectRef>
+          <a:fontRef idx="minor">
+            <a:schemeClr val="tx1"/>
+          </a:fontRef>
+        </p:style>
+      </p:cxnSp>
+      <p:cxnSp>
+        <p:nvCxnSpPr>
+          <p:cNvPr id="28" name="Gerader Verbinder 27"/>
+          <p:cNvCxnSpPr/>
+          <p:nvPr/>
+        </p:nvCxnSpPr>
+        <p:spPr>
+          <a:xfrm>
+            <a:off x="1336431" y="5326907"/>
+            <a:ext cx="0" cy="734531"/>
+          </a:xfrm>
+          <a:prstGeom prst="line">
+            <a:avLst/>
+          </a:prstGeom>
+        </p:spPr>
+        <p:style>
+          <a:lnRef idx="3">
+            <a:schemeClr val="dk1"/>
+          </a:lnRef>
+          <a:fillRef idx="0">
+            <a:schemeClr val="dk1"/>
+          </a:fillRef>
+          <a:effectRef idx="2">
+            <a:schemeClr val="dk1"/>
+          </a:effectRef>
+          <a:fontRef idx="minor">
+            <a:schemeClr val="tx1"/>
+          </a:fontRef>
+        </p:style>
+      </p:cxnSp>
+      <p:cxnSp>
+        <p:nvCxnSpPr>
+          <p:cNvPr id="29" name="Gerader Verbinder 28"/>
+          <p:cNvCxnSpPr/>
+          <p:nvPr/>
+        </p:nvCxnSpPr>
+        <p:spPr>
+          <a:xfrm>
+            <a:off x="5926836" y="5326907"/>
+            <a:ext cx="0" cy="734531"/>
+          </a:xfrm>
+          <a:prstGeom prst="line">
+            <a:avLst/>
+          </a:prstGeom>
+        </p:spPr>
+        <p:style>
+          <a:lnRef idx="3">
+            <a:schemeClr val="dk1"/>
+          </a:lnRef>
+          <a:fillRef idx="0">
+            <a:schemeClr val="dk1"/>
+          </a:fillRef>
+          <a:effectRef idx="2">
+            <a:schemeClr val="dk1"/>
+          </a:effectRef>
+          <a:fontRef idx="minor">
+            <a:schemeClr val="tx1"/>
+          </a:fontRef>
+        </p:style>
+      </p:cxnSp>
+      <p:cxnSp>
+        <p:nvCxnSpPr>
+          <p:cNvPr id="30" name="Gerader Verbinder 29"/>
+          <p:cNvCxnSpPr/>
+          <p:nvPr/>
+        </p:nvCxnSpPr>
+        <p:spPr>
+          <a:xfrm>
+            <a:off x="8505923" y="5326906"/>
+            <a:ext cx="0" cy="734531"/>
+          </a:xfrm>
+          <a:prstGeom prst="line">
+            <a:avLst/>
+          </a:prstGeom>
+        </p:spPr>
+        <p:style>
+          <a:lnRef idx="3">
+            <a:schemeClr val="dk1"/>
+          </a:lnRef>
+          <a:fillRef idx="0">
+            <a:schemeClr val="dk1"/>
+          </a:fillRef>
+          <a:effectRef idx="2">
+            <a:schemeClr val="dk1"/>
+          </a:effectRef>
+          <a:fontRef idx="minor">
+            <a:schemeClr val="tx1"/>
+          </a:fontRef>
+        </p:style>
+      </p:cxnSp>
+      <p:sp>
+        <p:nvSpPr>
+          <p:cNvPr id="31" name="Textfeld 30"/>
+          <p:cNvSpPr txBox="1"/>
+          <p:nvPr/>
+        </p:nvSpPr>
+        <p:spPr>
+          <a:xfrm>
+            <a:off x="-76523" y="5659074"/>
+            <a:ext cx="1476686" cy="523220"/>
+          </a:xfrm>
+          <a:prstGeom prst="rect">
+            <a:avLst/>
+          </a:prstGeom>
+          <a:noFill/>
+        </p:spPr>
+        <p:txBody>
+          <a:bodyPr wrap="none" rtlCol="0">
+            <a:spAutoFit/>
+          </a:bodyPr>
+          <a:lstStyle/>
+          <a:p>
+            <a:r>
+              <a:rPr lang="en-US" sz="2800" b="1" dirty="0"/>
+              <a:t>Planning</a:t>
+            </a:r>
+            <a:endParaRPr lang="en-US" b="1" dirty="0"/>
+          </a:p>
+        </p:txBody>
+      </p:sp>
+      <p:sp>
+        <p:nvSpPr>
+          <p:cNvPr id="32" name="Textfeld 31"/>
+          <p:cNvSpPr txBox="1"/>
+          <p:nvPr/>
+        </p:nvSpPr>
+        <p:spPr>
+          <a:xfrm>
+            <a:off x="1842751" y="5666932"/>
+            <a:ext cx="1656544" cy="523220"/>
+          </a:xfrm>
+          <a:prstGeom prst="rect">
+            <a:avLst/>
+          </a:prstGeom>
+          <a:noFill/>
+        </p:spPr>
+        <p:txBody>
+          <a:bodyPr wrap="none" rtlCol="0">
+            <a:spAutoFit/>
+          </a:bodyPr>
+          <a:lstStyle/>
+          <a:p>
+            <a:r>
+              <a:rPr lang="en-US" sz="2800" b="1" dirty="0"/>
+              <a:t>Front-end</a:t>
+            </a:r>
+            <a:endParaRPr lang="en-US" b="1" dirty="0"/>
+          </a:p>
+        </p:txBody>
+      </p:sp>
+      <p:sp>
+        <p:nvSpPr>
+          <p:cNvPr id="33" name="Textfeld 32"/>
+          <p:cNvSpPr txBox="1"/>
+          <p:nvPr/>
+        </p:nvSpPr>
+        <p:spPr>
+          <a:xfrm>
+            <a:off x="4069135" y="5695502"/>
+            <a:ext cx="1564852" cy="523220"/>
+          </a:xfrm>
+          <a:prstGeom prst="rect">
+            <a:avLst/>
+          </a:prstGeom>
+          <a:noFill/>
+        </p:spPr>
+        <p:txBody>
+          <a:bodyPr wrap="none" rtlCol="0">
+            <a:spAutoFit/>
+          </a:bodyPr>
+          <a:lstStyle/>
+          <a:p>
+            <a:r>
+              <a:rPr lang="en-US" sz="2800" b="1" dirty="0"/>
+              <a:t>Back-end</a:t>
+            </a:r>
+            <a:endParaRPr lang="en-US" b="1" dirty="0"/>
+          </a:p>
+        </p:txBody>
+      </p:sp>
+      <p:sp>
+        <p:nvSpPr>
+          <p:cNvPr id="34" name="Textfeld 33"/>
+          <p:cNvSpPr txBox="1"/>
+          <p:nvPr/>
+        </p:nvSpPr>
+        <p:spPr>
+          <a:xfrm>
+            <a:off x="6976063" y="5666932"/>
+            <a:ext cx="1226811" cy="523220"/>
+          </a:xfrm>
+          <a:prstGeom prst="rect">
+            <a:avLst/>
+          </a:prstGeom>
+          <a:noFill/>
+        </p:spPr>
+        <p:txBody>
+          <a:bodyPr wrap="none" rtlCol="0">
+            <a:spAutoFit/>
+          </a:bodyPr>
+          <a:lstStyle/>
+          <a:p>
+            <a:r>
+              <a:rPr lang="en-US" sz="2800" b="1" dirty="0"/>
+              <a:t>Testing</a:t>
+            </a:r>
+            <a:endParaRPr lang="en-US" b="1" dirty="0"/>
+          </a:p>
+        </p:txBody>
+      </p:sp>
     </p:spTree>
     <p:extLst>
       <p:ext uri="{BB962C8B-B14F-4D97-AF65-F5344CB8AC3E}">
@@ -11323,6 +15156,366 @@
   <p:clrMapOvr>
     <a:masterClrMapping/>
   </p:clrMapOvr>
+  <p:timing>
+    <p:tnLst>
+      <p:par>
+        <p:cTn id="1" dur="indefinite" restart="never" nodeType="tmRoot">
+          <p:childTnLst>
+            <p:seq concurrent="1" nextAc="seek">
+              <p:cTn id="2" dur="indefinite" nodeType="mainSeq">
+                <p:childTnLst>
+                  <p:par>
+                    <p:cTn id="3" fill="hold">
+                      <p:stCondLst>
+                        <p:cond delay="indefinite"/>
+                      </p:stCondLst>
+                      <p:childTnLst>
+                        <p:par>
+                          <p:cTn id="4" fill="hold">
+                            <p:stCondLst>
+                              <p:cond delay="0"/>
+                            </p:stCondLst>
+                            <p:childTnLst>
+                              <p:par>
+                                <p:cTn id="5" presetID="10" presetClass="entr" presetSubtype="0" fill="hold" grpId="0" nodeType="clickEffect">
+                                  <p:stCondLst>
+                                    <p:cond delay="0"/>
+                                  </p:stCondLst>
+                                  <p:childTnLst>
+                                    <p:set>
+                                      <p:cBhvr>
+                                        <p:cTn id="6" dur="1" fill="hold">
+                                          <p:stCondLst>
+                                            <p:cond delay="0"/>
+                                          </p:stCondLst>
+                                        </p:cTn>
+                                        <p:tgtEl>
+                                          <p:spTgt spid="17"/>
+                                        </p:tgtEl>
+                                        <p:attrNameLst>
+                                          <p:attrName>style.visibility</p:attrName>
+                                        </p:attrNameLst>
+                                      </p:cBhvr>
+                                      <p:to>
+                                        <p:strVal val="visible"/>
+                                      </p:to>
+                                    </p:set>
+                                    <p:animEffect transition="in" filter="fade">
+                                      <p:cBhvr>
+                                        <p:cTn id="7" dur="500"/>
+                                        <p:tgtEl>
+                                          <p:spTgt spid="17"/>
+                                        </p:tgtEl>
+                                      </p:cBhvr>
+                                    </p:animEffect>
+                                  </p:childTnLst>
+                                </p:cTn>
+                              </p:par>
+                              <p:par>
+                                <p:cTn id="8" presetID="10" presetClass="entr" presetSubtype="0" fill="hold" grpId="0" nodeType="withEffect">
+                                  <p:stCondLst>
+                                    <p:cond delay="0"/>
+                                  </p:stCondLst>
+                                  <p:childTnLst>
+                                    <p:set>
+                                      <p:cBhvr>
+                                        <p:cTn id="9" dur="1" fill="hold">
+                                          <p:stCondLst>
+                                            <p:cond delay="0"/>
+                                          </p:stCondLst>
+                                        </p:cTn>
+                                        <p:tgtEl>
+                                          <p:spTgt spid="6"/>
+                                        </p:tgtEl>
+                                        <p:attrNameLst>
+                                          <p:attrName>style.visibility</p:attrName>
+                                        </p:attrNameLst>
+                                      </p:cBhvr>
+                                      <p:to>
+                                        <p:strVal val="visible"/>
+                                      </p:to>
+                                    </p:set>
+                                    <p:animEffect transition="in" filter="fade">
+                                      <p:cBhvr>
+                                        <p:cTn id="10" dur="500"/>
+                                        <p:tgtEl>
+                                          <p:spTgt spid="6"/>
+                                        </p:tgtEl>
+                                      </p:cBhvr>
+                                    </p:animEffect>
+                                  </p:childTnLst>
+                                </p:cTn>
+                              </p:par>
+                            </p:childTnLst>
+                          </p:cTn>
+                        </p:par>
+                      </p:childTnLst>
+                    </p:cTn>
+                  </p:par>
+                  <p:par>
+                    <p:cTn id="11" fill="hold">
+                      <p:stCondLst>
+                        <p:cond delay="indefinite"/>
+                      </p:stCondLst>
+                      <p:childTnLst>
+                        <p:par>
+                          <p:cTn id="12" fill="hold">
+                            <p:stCondLst>
+                              <p:cond delay="0"/>
+                            </p:stCondLst>
+                            <p:childTnLst>
+                              <p:par>
+                                <p:cTn id="13" presetID="10" presetClass="entr" presetSubtype="0" fill="hold" grpId="0" nodeType="clickEffect">
+                                  <p:stCondLst>
+                                    <p:cond delay="0"/>
+                                  </p:stCondLst>
+                                  <p:childTnLst>
+                                    <p:set>
+                                      <p:cBhvr>
+                                        <p:cTn id="14" dur="1" fill="hold">
+                                          <p:stCondLst>
+                                            <p:cond delay="0"/>
+                                          </p:stCondLst>
+                                        </p:cTn>
+                                        <p:tgtEl>
+                                          <p:spTgt spid="19"/>
+                                        </p:tgtEl>
+                                        <p:attrNameLst>
+                                          <p:attrName>style.visibility</p:attrName>
+                                        </p:attrNameLst>
+                                      </p:cBhvr>
+                                      <p:to>
+                                        <p:strVal val="visible"/>
+                                      </p:to>
+                                    </p:set>
+                                    <p:animEffect transition="in" filter="fade">
+                                      <p:cBhvr>
+                                        <p:cTn id="15" dur="500"/>
+                                        <p:tgtEl>
+                                          <p:spTgt spid="19"/>
+                                        </p:tgtEl>
+                                      </p:cBhvr>
+                                    </p:animEffect>
+                                  </p:childTnLst>
+                                </p:cTn>
+                              </p:par>
+                              <p:par>
+                                <p:cTn id="16" presetID="10" presetClass="entr" presetSubtype="0" fill="hold" grpId="0" nodeType="withEffect">
+                                  <p:stCondLst>
+                                    <p:cond delay="0"/>
+                                  </p:stCondLst>
+                                  <p:childTnLst>
+                                    <p:set>
+                                      <p:cBhvr>
+                                        <p:cTn id="17" dur="1" fill="hold">
+                                          <p:stCondLst>
+                                            <p:cond delay="0"/>
+                                          </p:stCondLst>
+                                        </p:cTn>
+                                        <p:tgtEl>
+                                          <p:spTgt spid="22"/>
+                                        </p:tgtEl>
+                                        <p:attrNameLst>
+                                          <p:attrName>style.visibility</p:attrName>
+                                        </p:attrNameLst>
+                                      </p:cBhvr>
+                                      <p:to>
+                                        <p:strVal val="visible"/>
+                                      </p:to>
+                                    </p:set>
+                                    <p:animEffect transition="in" filter="fade">
+                                      <p:cBhvr>
+                                        <p:cTn id="18" dur="500"/>
+                                        <p:tgtEl>
+                                          <p:spTgt spid="22"/>
+                                        </p:tgtEl>
+                                      </p:cBhvr>
+                                    </p:animEffect>
+                                  </p:childTnLst>
+                                </p:cTn>
+                              </p:par>
+                              <p:par>
+                                <p:cTn id="19" presetID="10" presetClass="entr" presetSubtype="0" fill="hold" grpId="0" nodeType="withEffect">
+                                  <p:stCondLst>
+                                    <p:cond delay="0"/>
+                                  </p:stCondLst>
+                                  <p:childTnLst>
+                                    <p:set>
+                                      <p:cBhvr>
+                                        <p:cTn id="20" dur="1" fill="hold">
+                                          <p:stCondLst>
+                                            <p:cond delay="0"/>
+                                          </p:stCondLst>
+                                        </p:cTn>
+                                        <p:tgtEl>
+                                          <p:spTgt spid="31"/>
+                                        </p:tgtEl>
+                                        <p:attrNameLst>
+                                          <p:attrName>style.visibility</p:attrName>
+                                        </p:attrNameLst>
+                                      </p:cBhvr>
+                                      <p:to>
+                                        <p:strVal val="visible"/>
+                                      </p:to>
+                                    </p:set>
+                                    <p:animEffect transition="in" filter="fade">
+                                      <p:cBhvr>
+                                        <p:cTn id="21" dur="500"/>
+                                        <p:tgtEl>
+                                          <p:spTgt spid="31"/>
+                                        </p:tgtEl>
+                                      </p:cBhvr>
+                                    </p:animEffect>
+                                  </p:childTnLst>
+                                </p:cTn>
+                              </p:par>
+                              <p:par>
+                                <p:cTn id="22" presetID="10" presetClass="entr" presetSubtype="0" fill="hold" grpId="0" nodeType="withEffect">
+                                  <p:stCondLst>
+                                    <p:cond delay="0"/>
+                                  </p:stCondLst>
+                                  <p:childTnLst>
+                                    <p:set>
+                                      <p:cBhvr>
+                                        <p:cTn id="23" dur="1" fill="hold">
+                                          <p:stCondLst>
+                                            <p:cond delay="0"/>
+                                          </p:stCondLst>
+                                        </p:cTn>
+                                        <p:tgtEl>
+                                          <p:spTgt spid="32"/>
+                                        </p:tgtEl>
+                                        <p:attrNameLst>
+                                          <p:attrName>style.visibility</p:attrName>
+                                        </p:attrNameLst>
+                                      </p:cBhvr>
+                                      <p:to>
+                                        <p:strVal val="visible"/>
+                                      </p:to>
+                                    </p:set>
+                                    <p:animEffect transition="in" filter="fade">
+                                      <p:cBhvr>
+                                        <p:cTn id="24" dur="500"/>
+                                        <p:tgtEl>
+                                          <p:spTgt spid="32"/>
+                                        </p:tgtEl>
+                                      </p:cBhvr>
+                                    </p:animEffect>
+                                  </p:childTnLst>
+                                </p:cTn>
+                              </p:par>
+                              <p:par>
+                                <p:cTn id="25" presetID="10" presetClass="entr" presetSubtype="0" fill="hold" grpId="0" nodeType="withEffect">
+                                  <p:stCondLst>
+                                    <p:cond delay="0"/>
+                                  </p:stCondLst>
+                                  <p:childTnLst>
+                                    <p:set>
+                                      <p:cBhvr>
+                                        <p:cTn id="26" dur="1" fill="hold">
+                                          <p:stCondLst>
+                                            <p:cond delay="0"/>
+                                          </p:stCondLst>
+                                        </p:cTn>
+                                        <p:tgtEl>
+                                          <p:spTgt spid="33"/>
+                                        </p:tgtEl>
+                                        <p:attrNameLst>
+                                          <p:attrName>style.visibility</p:attrName>
+                                        </p:attrNameLst>
+                                      </p:cBhvr>
+                                      <p:to>
+                                        <p:strVal val="visible"/>
+                                      </p:to>
+                                    </p:set>
+                                    <p:animEffect transition="in" filter="fade">
+                                      <p:cBhvr>
+                                        <p:cTn id="27" dur="500"/>
+                                        <p:tgtEl>
+                                          <p:spTgt spid="33"/>
+                                        </p:tgtEl>
+                                      </p:cBhvr>
+                                    </p:animEffect>
+                                  </p:childTnLst>
+                                </p:cTn>
+                              </p:par>
+                              <p:par>
+                                <p:cTn id="28" presetID="10" presetClass="entr" presetSubtype="0" fill="hold" grpId="0" nodeType="withEffect">
+                                  <p:stCondLst>
+                                    <p:cond delay="0"/>
+                                  </p:stCondLst>
+                                  <p:childTnLst>
+                                    <p:set>
+                                      <p:cBhvr>
+                                        <p:cTn id="29" dur="1" fill="hold">
+                                          <p:stCondLst>
+                                            <p:cond delay="0"/>
+                                          </p:stCondLst>
+                                        </p:cTn>
+                                        <p:tgtEl>
+                                          <p:spTgt spid="34"/>
+                                        </p:tgtEl>
+                                        <p:attrNameLst>
+                                          <p:attrName>style.visibility</p:attrName>
+                                        </p:attrNameLst>
+                                      </p:cBhvr>
+                                      <p:to>
+                                        <p:strVal val="visible"/>
+                                      </p:to>
+                                    </p:set>
+                                    <p:animEffect transition="in" filter="fade">
+                                      <p:cBhvr>
+                                        <p:cTn id="30" dur="500"/>
+                                        <p:tgtEl>
+                                          <p:spTgt spid="34"/>
+                                        </p:tgtEl>
+                                      </p:cBhvr>
+                                    </p:animEffect>
+                                  </p:childTnLst>
+                                </p:cTn>
+                              </p:par>
+                            </p:childTnLst>
+                          </p:cTn>
+                        </p:par>
+                      </p:childTnLst>
+                    </p:cTn>
+                  </p:par>
+                </p:childTnLst>
+              </p:cTn>
+              <p:prevCondLst>
+                <p:cond evt="onPrev" delay="0">
+                  <p:tgtEl>
+                    <p:sldTgt/>
+                  </p:tgtEl>
+                </p:cond>
+              </p:prevCondLst>
+              <p:nextCondLst>
+                <p:cond evt="onNext" delay="0">
+                  <p:tgtEl>
+                    <p:sldTgt/>
+                  </p:tgtEl>
+                </p:cond>
+              </p:nextCondLst>
+            </p:seq>
+          </p:childTnLst>
+        </p:cTn>
+      </p:par>
+    </p:tnLst>
+    <p:bldLst>
+      <p:bldP spid="17" grpId="0" animBg="1"/>
+      <p:bldGraphic spid="6" grpId="0">
+        <p:bldAsOne/>
+      </p:bldGraphic>
+      <p:bldP spid="19" grpId="0" animBg="1"/>
+      <p:bldGraphic spid="22" grpId="0">
+        <p:bldAsOne/>
+      </p:bldGraphic>
+      <p:bldP spid="31" grpId="0"/>
+      <p:bldP spid="32" grpId="0"/>
+      <p:bldP spid="33" grpId="0"/>
+      <p:bldP spid="34" grpId="0"/>
+    </p:bldLst>
+  </p:timing>
 </p:sld>
 </file>
 
@@ -11343,6 +15536,113 @@
           <a:chExt cx="0" cy="0"/>
         </a:xfrm>
       </p:grpSpPr>
+      <p:sp>
+        <p:nvSpPr>
+          <p:cNvPr id="7" name="Rechteck 6"/>
+          <p:cNvSpPr/>
+          <p:nvPr/>
+        </p:nvSpPr>
+        <p:spPr>
+          <a:xfrm>
+            <a:off x="1301261" y="4058212"/>
+            <a:ext cx="1089119" cy="1312434"/>
+          </a:xfrm>
+          <a:prstGeom prst="rect">
+            <a:avLst/>
+          </a:prstGeom>
+          <a:solidFill>
+            <a:schemeClr val="bg1"/>
+          </a:solidFill>
+        </p:spPr>
+        <p:style>
+          <a:lnRef idx="2">
+            <a:schemeClr val="accent1">
+              <a:shade val="50000"/>
+            </a:schemeClr>
+          </a:lnRef>
+          <a:fillRef idx="1">
+            <a:schemeClr val="accent1"/>
+          </a:fillRef>
+          <a:effectRef idx="0">
+            <a:schemeClr val="accent1"/>
+          </a:effectRef>
+          <a:fontRef idx="minor">
+            <a:schemeClr val="lt1"/>
+          </a:fontRef>
+        </p:style>
+        <p:txBody>
+          <a:bodyPr rtlCol="0" anchor="ctr"/>
+          <a:lstStyle/>
+          <a:p>
+            <a:pPr algn="ctr"/>
+            <a:endParaRPr lang="de-AT"/>
+          </a:p>
+        </p:txBody>
+      </p:sp>
+      <p:sp>
+        <p:nvSpPr>
+          <p:cNvPr id="15" name="Rechteck: abgerundete Ecken 14"/>
+          <p:cNvSpPr/>
+          <p:nvPr/>
+        </p:nvSpPr>
+        <p:spPr>
+          <a:xfrm>
+            <a:off x="518740" y="1189459"/>
+            <a:ext cx="4229106" cy="2013711"/>
+          </a:xfrm>
+          <a:prstGeom prst="roundRect">
+            <a:avLst/>
+          </a:prstGeom>
+          <a:gradFill flip="none" rotWithShape="1">
+            <a:gsLst>
+              <a:gs pos="0">
+                <a:schemeClr val="bg1">
+                  <a:alpha val="0"/>
+                </a:schemeClr>
+              </a:gs>
+              <a:gs pos="100000">
+                <a:schemeClr val="bg1">
+                  <a:alpha val="80000"/>
+                </a:schemeClr>
+              </a:gs>
+            </a:gsLst>
+            <a:lin ang="10800000" scaled="1"/>
+            <a:tileRect/>
+          </a:gradFill>
+          <a:ln>
+            <a:noFill/>
+          </a:ln>
+        </p:spPr>
+        <p:style>
+          <a:lnRef idx="2">
+            <a:schemeClr val="accent1">
+              <a:shade val="50000"/>
+            </a:schemeClr>
+          </a:lnRef>
+          <a:fillRef idx="1">
+            <a:schemeClr val="accent1"/>
+          </a:fillRef>
+          <a:effectRef idx="0">
+            <a:schemeClr val="accent1"/>
+          </a:effectRef>
+          <a:fontRef idx="minor">
+            <a:schemeClr val="lt1"/>
+          </a:fontRef>
+        </p:style>
+        <p:txBody>
+          <a:bodyPr rot="0" spcFirstLastPara="0" vertOverflow="overflow" horzOverflow="overflow" vert="horz" wrap="square" lIns="91440" tIns="45720" rIns="91440" bIns="45720" numCol="1" spcCol="0" rtlCol="0" fromWordArt="0" anchor="ctr" anchorCtr="0" forceAA="0" compatLnSpc="1">
+            <a:prstTxWarp prst="textNoShape">
+              <a:avLst/>
+            </a:prstTxWarp>
+            <a:noAutofit/>
+          </a:bodyPr>
+          <a:lstStyle/>
+          <a:p>
+            <a:pPr algn="ctr"/>
+            <a:endParaRPr lang="de-AT"/>
+          </a:p>
+        </p:txBody>
+      </p:sp>
       <p:sp>
         <p:nvSpPr>
           <p:cNvPr id="13" name="Rechteck 12"/>
@@ -11494,7 +15794,6 @@
               <a:rPr lang="en-US" sz="4000" dirty="0"/>
               <a:t>Lessons Learned</a:t>
             </a:r>
-            <a:endParaRPr lang="en-US" sz="4000" dirty="0"/>
           </a:p>
         </p:txBody>
       </p:sp>
@@ -11598,8 +15897,8 @@
         </p:nvSpPr>
         <p:spPr>
           <a:xfrm>
-            <a:off x="635231" y="1432973"/>
-            <a:ext cx="4689803" cy="1815882"/>
+            <a:off x="670400" y="1339189"/>
+            <a:ext cx="5104881" cy="1815882"/>
           </a:xfrm>
           <a:prstGeom prst="rect">
             <a:avLst/>
@@ -11675,7 +15974,7 @@
         </p:blipFill>
         <p:spPr>
           <a:xfrm>
-            <a:off x="5775281" y="1164394"/>
+            <a:off x="5616174" y="1189459"/>
             <a:ext cx="3191435" cy="1690463"/>
           </a:xfrm>
           <a:prstGeom prst="rect">
@@ -11693,6 +15992,16 @@
         </p:nvPicPr>
         <p:blipFill>
           <a:blip r:embed="rId5">
+            <a:clrChange>
+              <a:clrFrom>
+                <a:srgbClr val="FFFFFF"/>
+              </a:clrFrom>
+              <a:clrTo>
+                <a:srgbClr val="FFFFFF">
+                  <a:alpha val="0"/>
+                </a:srgbClr>
+              </a:clrTo>
+            </a:clrChange>
             <a:extLst>
               <a:ext uri="{28A0092B-C50C-407E-A947-70E740481C1C}">
                 <a14:useLocalDpi xmlns:a14="http://schemas.microsoft.com/office/drawing/2010/main" val="0"/>
@@ -11705,8 +16014,8 @@
         </p:blipFill>
         <p:spPr>
           <a:xfrm>
-            <a:off x="431999" y="3369711"/>
-            <a:ext cx="2498912" cy="2153229"/>
+            <a:off x="339969" y="3290412"/>
+            <a:ext cx="2907323" cy="2505143"/>
           </a:xfrm>
           <a:prstGeom prst="rect">
             <a:avLst/>
@@ -11735,8 +16044,8 @@
         </p:blipFill>
         <p:spPr>
           <a:xfrm>
-            <a:off x="3663123" y="3255858"/>
-            <a:ext cx="1726962" cy="2422479"/>
+            <a:off x="3663123" y="3367419"/>
+            <a:ext cx="1647431" cy="2310918"/>
           </a:xfrm>
           <a:prstGeom prst="rect">
             <a:avLst/>
@@ -11765,8 +16074,8 @@
         </p:blipFill>
         <p:spPr>
           <a:xfrm>
-            <a:off x="6037664" y="3273508"/>
-            <a:ext cx="2666667" cy="2418587"/>
+            <a:off x="6037664" y="3290412"/>
+            <a:ext cx="2648029" cy="2401683"/>
           </a:xfrm>
           <a:prstGeom prst="rect">
             <a:avLst/>
